--- a/automationqa-course/11.advanced/mockito/1.What is mockito/Зачем нужен mockito.pptx
+++ b/automationqa-course/11.advanced/mockito/1.What is mockito/Зачем нужен mockito.pptx
@@ -130,7 +130,7 @@
   </p:defaultTextStyle>
   <p:extLst>
     <p:ext uri="{EFAFB233-063F-42B5-8137-9DF3F51BA10A}">
-      <p15:sldGuideLst xmlns="" xmlns:p15="http://schemas.microsoft.com/office/powerpoint/2012/main">
+      <p15:sldGuideLst xmlns:p15="http://schemas.microsoft.com/office/powerpoint/2012/main" xmlns="">
         <p15:guide id="1" orient="horz" pos="2160" userDrawn="1">
           <p15:clr>
             <a:srgbClr val="A4A3A4"/>
@@ -2463,11 +2463,11 @@
         </c:dLbls>
         <c:marker val="1"/>
         <c:smooth val="0"/>
-        <c:axId val="86882560"/>
-        <c:axId val="81671680"/>
+        <c:axId val="110290048"/>
+        <c:axId val="110291584"/>
       </c:lineChart>
       <c:catAx>
-        <c:axId val="86882560"/>
+        <c:axId val="110290048"/>
         <c:scaling>
           <c:orientation val="minMax"/>
         </c:scaling>
@@ -2486,7 +2486,7 @@
             <a:endParaRPr lang="ru-RU"/>
           </a:p>
         </c:txPr>
-        <c:crossAx val="81671680"/>
+        <c:crossAx val="110291584"/>
         <c:crosses val="autoZero"/>
         <c:auto val="1"/>
         <c:lblAlgn val="ctr"/>
@@ -2494,7 +2494,7 @@
         <c:noMultiLvlLbl val="0"/>
       </c:catAx>
       <c:valAx>
-        <c:axId val="81671680"/>
+        <c:axId val="110291584"/>
         <c:scaling>
           <c:orientation val="minMax"/>
           <c:max val="100"/>
@@ -2516,7 +2516,7 @@
             <a:endParaRPr lang="ru-RU"/>
           </a:p>
         </c:txPr>
-        <c:crossAx val="86882560"/>
+        <c:crossAx val="110290048"/>
         <c:crosses val="autoZero"/>
         <c:crossBetween val="between"/>
       </c:valAx>
@@ -2633,7 +2633,7 @@
           <a:p>
             <a:fld id="{CEC9B840-452B-4B18-A029-1B409955EDB4}" type="datetimeFigureOut">
               <a:rPr lang="ru-RU" smtClean="0"/>
-              <a:t>26.05.2018</a:t>
+              <a:t>29.05.2018</a:t>
             </a:fld>
             <a:endParaRPr lang="ru-RU"/>
           </a:p>
@@ -19883,7 +19883,7 @@
       </p:sp>
       <p:sp>
         <p:nvSpPr>
-          <p:cNvPr id="2" name="Rectangle 1"/>
+          <p:cNvPr id="4" name="Rectangle 2"/>
           <p:cNvSpPr>
             <a:spLocks noChangeArrowheads="1"/>
           </p:cNvSpPr>
@@ -19891,8 +19891,8 @@
         </p:nvSpPr>
         <p:spPr bwMode="auto">
           <a:xfrm>
-            <a:off x="0" y="612167"/>
-            <a:ext cx="8869736" cy="5909310"/>
+            <a:off x="0" y="808787"/>
+            <a:ext cx="9283311" cy="5632311"/>
           </a:xfrm>
           <a:prstGeom prst="rect">
             <a:avLst/>
@@ -19998,7 +19998,7 @@
               </a:rPr>
             </a:br>
             <a:r>
-              <a:rPr kumimoji="0" lang="ru-RU" altLang="ru-RU" b="0" i="0" u="none" strike="noStrike" cap="none" normalizeH="0" baseline="0" dirty="0" smtClean="0">
+              <a:rPr kumimoji="0" lang="en-US" altLang="ru-RU" b="0" i="0" u="none" strike="noStrike" cap="none" normalizeH="0" baseline="0" dirty="0" smtClean="0">
                 <a:ln>
                   <a:noFill/>
                 </a:ln>
@@ -20193,7 +20193,7 @@
               </a:rPr>
             </a:br>
             <a:r>
-              <a:rPr kumimoji="0" lang="ru-RU" altLang="ru-RU" b="0" i="0" u="none" strike="noStrike" cap="none" normalizeH="0" baseline="0" dirty="0" smtClean="0">
+              <a:rPr kumimoji="0" lang="en-US" altLang="ru-RU" b="0" i="0" u="none" strike="noStrike" cap="none" normalizeH="0" baseline="0" dirty="0" smtClean="0">
                 <a:ln>
                   <a:noFill/>
                 </a:ln>
@@ -20374,7 +20374,7 @@
               </a:rPr>
             </a:br>
             <a:r>
-              <a:rPr kumimoji="0" lang="ru-RU" altLang="ru-RU" b="0" i="0" u="none" strike="noStrike" cap="none" normalizeH="0" baseline="0" dirty="0" smtClean="0">
+              <a:rPr kumimoji="0" lang="en-US" altLang="ru-RU" b="0" i="0" u="none" strike="noStrike" cap="none" normalizeH="0" baseline="0" dirty="0" smtClean="0">
                 <a:ln>
                   <a:noFill/>
                 </a:ln>
@@ -20387,6 +20387,20 @@
               </a:rPr>
               <a:t>  …</a:t>
             </a:r>
+            <a:r>
+              <a:rPr kumimoji="0" lang="ru-RU" altLang="ru-RU" b="0" i="0" u="none" strike="noStrike" cap="none" normalizeH="0" baseline="0" dirty="0" smtClean="0">
+                <a:ln>
+                  <a:noFill/>
+                </a:ln>
+                <a:solidFill>
+                  <a:srgbClr val="000000"/>
+                </a:solidFill>
+                <a:effectLst/>
+                <a:latin typeface="Courier New" pitchFamily="49" charset="0"/>
+                <a:cs typeface="Courier New" pitchFamily="49" charset="0"/>
+              </a:rPr>
+              <a:t/>
+            </a:r>
             <a:br>
               <a:rPr kumimoji="0" lang="ru-RU" altLang="ru-RU" b="0" i="0" u="none" strike="noStrike" cap="none" normalizeH="0" baseline="0" dirty="0" smtClean="0">
                 <a:ln>
@@ -20537,7 +20551,77 @@
                 <a:latin typeface="Courier New" pitchFamily="49" charset="0"/>
                 <a:cs typeface="Courier New" pitchFamily="49" charset="0"/>
               </a:rPr>
-              <a:t>()</a:t>
+              <a:t>() </a:t>
+            </a:r>
+            <a:r>
+              <a:rPr kumimoji="0" lang="ru-RU" altLang="ru-RU" b="1" i="0" u="none" strike="noStrike" cap="none" normalizeH="0" baseline="0" dirty="0" err="1" smtClean="0">
+                <a:ln>
+                  <a:noFill/>
+                </a:ln>
+                <a:solidFill>
+                  <a:srgbClr val="000080"/>
+                </a:solidFill>
+                <a:effectLst/>
+                <a:latin typeface="Courier New" pitchFamily="49" charset="0"/>
+                <a:cs typeface="Courier New" pitchFamily="49" charset="0"/>
+              </a:rPr>
+              <a:t>throws</a:t>
+            </a:r>
+            <a:r>
+              <a:rPr kumimoji="0" lang="ru-RU" altLang="ru-RU" b="1" i="0" u="none" strike="noStrike" cap="none" normalizeH="0" baseline="0" dirty="0" smtClean="0">
+                <a:ln>
+                  <a:noFill/>
+                </a:ln>
+                <a:solidFill>
+                  <a:srgbClr val="000080"/>
+                </a:solidFill>
+                <a:effectLst/>
+                <a:latin typeface="Courier New" pitchFamily="49" charset="0"/>
+                <a:cs typeface="Courier New" pitchFamily="49" charset="0"/>
+              </a:rPr>
+              <a:t> </a:t>
+            </a:r>
+            <a:r>
+              <a:rPr kumimoji="0" lang="ru-RU" altLang="ru-RU" b="0" i="0" u="none" strike="noStrike" cap="none" normalizeH="0" baseline="0" dirty="0" err="1" smtClean="0">
+                <a:ln>
+                  <a:noFill/>
+                </a:ln>
+                <a:solidFill>
+                  <a:srgbClr val="000000"/>
+                </a:solidFill>
+                <a:effectLst/>
+                <a:latin typeface="Courier New" pitchFamily="49" charset="0"/>
+                <a:cs typeface="Courier New" pitchFamily="49" charset="0"/>
+              </a:rPr>
+              <a:t>InsufficientFundsE</a:t>
+            </a:r>
+            <a:r>
+              <a:rPr kumimoji="0" lang="en-US" altLang="ru-RU" b="0" i="0" u="none" strike="noStrike" cap="none" normalizeH="0" baseline="0" dirty="0" smtClean="0">
+                <a:ln>
+                  <a:noFill/>
+                </a:ln>
+                <a:solidFill>
+                  <a:srgbClr val="000000"/>
+                </a:solidFill>
+                <a:effectLst/>
+                <a:latin typeface="Courier New" pitchFamily="49" charset="0"/>
+                <a:cs typeface="Courier New" pitchFamily="49" charset="0"/>
+              </a:rPr>
+              <a:t>…</a:t>
+            </a:r>
+            <a:r>
+              <a:rPr kumimoji="0" lang="ru-RU" altLang="ru-RU" b="0" i="0" u="none" strike="noStrike" cap="none" normalizeH="0" baseline="0" dirty="0" smtClean="0">
+                <a:ln>
+                  <a:noFill/>
+                </a:ln>
+                <a:solidFill>
+                  <a:srgbClr val="000000"/>
+                </a:solidFill>
+                <a:effectLst/>
+                <a:latin typeface="Courier New" pitchFamily="49" charset="0"/>
+                <a:cs typeface="Courier New" pitchFamily="49" charset="0"/>
+              </a:rPr>
+              <a:t> {</a:t>
             </a:r>
             <a:br>
               <a:rPr kumimoji="0" lang="ru-RU" altLang="ru-RU" b="0" i="0" u="none" strike="noStrike" cap="none" normalizeH="0" baseline="0" dirty="0" smtClean="0">
@@ -20564,7 +20648,63 @@
                 <a:latin typeface="Courier New" pitchFamily="49" charset="0"/>
                 <a:cs typeface="Courier New" pitchFamily="49" charset="0"/>
               </a:rPr>
-              <a:t>          </a:t>
+              <a:t>    </a:t>
+            </a:r>
+            <a:r>
+              <a:rPr kumimoji="0" lang="ru-RU" altLang="ru-RU" b="0" i="0" u="none" strike="noStrike" cap="none" normalizeH="0" baseline="0" dirty="0" err="1" smtClean="0">
+                <a:ln>
+                  <a:noFill/>
+                </a:ln>
+                <a:solidFill>
+                  <a:srgbClr val="000000"/>
+                </a:solidFill>
+                <a:effectLst/>
+                <a:latin typeface="Courier New" pitchFamily="49" charset="0"/>
+                <a:cs typeface="Courier New" pitchFamily="49" charset="0"/>
+              </a:rPr>
+              <a:t>Item</a:t>
+            </a:r>
+            <a:r>
+              <a:rPr kumimoji="0" lang="ru-RU" altLang="ru-RU" b="0" i="0" u="none" strike="noStrike" cap="none" normalizeH="0" baseline="0" dirty="0" smtClean="0">
+                <a:ln>
+                  <a:noFill/>
+                </a:ln>
+                <a:solidFill>
+                  <a:srgbClr val="000000"/>
+                </a:solidFill>
+                <a:effectLst/>
+                <a:latin typeface="Courier New" pitchFamily="49" charset="0"/>
+                <a:cs typeface="Courier New" pitchFamily="49" charset="0"/>
+              </a:rPr>
+              <a:t> </a:t>
+            </a:r>
+            <a:r>
+              <a:rPr kumimoji="0" lang="ru-RU" altLang="ru-RU" b="0" i="0" u="none" strike="noStrike" cap="none" normalizeH="0" baseline="0" dirty="0" err="1" smtClean="0">
+                <a:ln>
+                  <a:noFill/>
+                </a:ln>
+                <a:solidFill>
+                  <a:srgbClr val="000000"/>
+                </a:solidFill>
+                <a:effectLst/>
+                <a:latin typeface="Courier New" pitchFamily="49" charset="0"/>
+                <a:cs typeface="Courier New" pitchFamily="49" charset="0"/>
+              </a:rPr>
+              <a:t>car</a:t>
+            </a:r>
+            <a:r>
+              <a:rPr kumimoji="0" lang="ru-RU" altLang="ru-RU" b="0" i="0" u="none" strike="noStrike" cap="none" normalizeH="0" baseline="0" dirty="0" smtClean="0">
+                <a:ln>
+                  <a:noFill/>
+                </a:ln>
+                <a:solidFill>
+                  <a:srgbClr val="000000"/>
+                </a:solidFill>
+                <a:effectLst/>
+                <a:latin typeface="Courier New" pitchFamily="49" charset="0"/>
+                <a:cs typeface="Courier New" pitchFamily="49" charset="0"/>
+              </a:rPr>
+              <a:t> = </a:t>
             </a:r>
             <a:r>
               <a:rPr kumimoji="0" lang="ru-RU" altLang="ru-RU" b="1" i="0" u="none" strike="noStrike" cap="none" normalizeH="0" baseline="0" dirty="0" err="1" smtClean="0">
@@ -20578,7 +20718,7 @@
                 <a:latin typeface="Courier New" pitchFamily="49" charset="0"/>
                 <a:cs typeface="Courier New" pitchFamily="49" charset="0"/>
               </a:rPr>
-              <a:t>throws</a:t>
+              <a:t>new</a:t>
             </a:r>
             <a:r>
               <a:rPr kumimoji="0" lang="ru-RU" altLang="ru-RU" b="1" i="0" u="none" strike="noStrike" cap="none" normalizeH="0" baseline="0" dirty="0" smtClean="0">
@@ -20606,21 +20746,133 @@
                 <a:latin typeface="Courier New" pitchFamily="49" charset="0"/>
                 <a:cs typeface="Courier New" pitchFamily="49" charset="0"/>
               </a:rPr>
-              <a:t>InsufficientFundsException</a:t>
-            </a:r>
-            <a:r>
-              <a:rPr kumimoji="0" lang="ru-RU" altLang="ru-RU" b="0" i="0" u="none" strike="noStrike" cap="none" normalizeH="0" baseline="0" dirty="0" smtClean="0">
-                <a:ln>
-                  <a:noFill/>
-                </a:ln>
-                <a:solidFill>
-                  <a:srgbClr val="000000"/>
-                </a:solidFill>
-                <a:effectLst/>
-                <a:latin typeface="Courier New" pitchFamily="49" charset="0"/>
-                <a:cs typeface="Courier New" pitchFamily="49" charset="0"/>
-              </a:rPr>
-              <a:t> {</a:t>
+              <a:t>Item</a:t>
+            </a:r>
+            <a:r>
+              <a:rPr kumimoji="0" lang="ru-RU" altLang="ru-RU" b="0" i="0" u="none" strike="noStrike" cap="none" normalizeH="0" baseline="0" dirty="0" smtClean="0">
+                <a:ln>
+                  <a:noFill/>
+                </a:ln>
+                <a:solidFill>
+                  <a:srgbClr val="000000"/>
+                </a:solidFill>
+                <a:effectLst/>
+                <a:latin typeface="Courier New" pitchFamily="49" charset="0"/>
+                <a:cs typeface="Courier New" pitchFamily="49" charset="0"/>
+              </a:rPr>
+              <a:t>(</a:t>
+            </a:r>
+            <a:r>
+              <a:rPr kumimoji="0" lang="ru-RU" altLang="ru-RU" b="1" i="0" u="none" strike="noStrike" cap="none" normalizeH="0" baseline="0" dirty="0" smtClean="0">
+                <a:ln>
+                  <a:noFill/>
+                </a:ln>
+                <a:solidFill>
+                  <a:srgbClr val="008000"/>
+                </a:solidFill>
+                <a:effectLst/>
+                <a:latin typeface="Courier New" pitchFamily="49" charset="0"/>
+                <a:cs typeface="Courier New" pitchFamily="49" charset="0"/>
+              </a:rPr>
+              <a:t>"</a:t>
+            </a:r>
+            <a:r>
+              <a:rPr kumimoji="0" lang="ru-RU" altLang="ru-RU" b="1" i="0" u="none" strike="noStrike" cap="none" normalizeH="0" baseline="0" dirty="0" err="1" smtClean="0">
+                <a:ln>
+                  <a:noFill/>
+                </a:ln>
+                <a:solidFill>
+                  <a:srgbClr val="008000"/>
+                </a:solidFill>
+                <a:effectLst/>
+                <a:latin typeface="Courier New" pitchFamily="49" charset="0"/>
+                <a:cs typeface="Courier New" pitchFamily="49" charset="0"/>
+              </a:rPr>
+              <a:t>Car</a:t>
+            </a:r>
+            <a:r>
+              <a:rPr kumimoji="0" lang="ru-RU" altLang="ru-RU" b="1" i="0" u="none" strike="noStrike" cap="none" normalizeH="0" baseline="0" dirty="0" smtClean="0">
+                <a:ln>
+                  <a:noFill/>
+                </a:ln>
+                <a:solidFill>
+                  <a:srgbClr val="008000"/>
+                </a:solidFill>
+                <a:effectLst/>
+                <a:latin typeface="Courier New" pitchFamily="49" charset="0"/>
+                <a:cs typeface="Courier New" pitchFamily="49" charset="0"/>
+              </a:rPr>
+              <a:t>"</a:t>
+            </a:r>
+            <a:r>
+              <a:rPr kumimoji="0" lang="ru-RU" altLang="ru-RU" b="0" i="0" u="none" strike="noStrike" cap="none" normalizeH="0" baseline="0" dirty="0" smtClean="0">
+                <a:ln>
+                  <a:noFill/>
+                </a:ln>
+                <a:solidFill>
+                  <a:srgbClr val="000000"/>
+                </a:solidFill>
+                <a:effectLst/>
+                <a:latin typeface="Courier New" pitchFamily="49" charset="0"/>
+                <a:cs typeface="Courier New" pitchFamily="49" charset="0"/>
+              </a:rPr>
+              <a:t>, </a:t>
+            </a:r>
+            <a:r>
+              <a:rPr kumimoji="0" lang="ru-RU" altLang="ru-RU" b="0" i="1" u="none" strike="noStrike" cap="none" normalizeH="0" baseline="0" dirty="0" err="1" smtClean="0">
+                <a:ln>
+                  <a:noFill/>
+                </a:ln>
+                <a:solidFill>
+                  <a:srgbClr val="000000"/>
+                </a:solidFill>
+                <a:effectLst/>
+                <a:latin typeface="Courier New" pitchFamily="49" charset="0"/>
+                <a:cs typeface="Courier New" pitchFamily="49" charset="0"/>
+              </a:rPr>
+              <a:t>valueOf</a:t>
+            </a:r>
+            <a:r>
+              <a:rPr kumimoji="0" lang="ru-RU" altLang="ru-RU" b="0" i="0" u="none" strike="noStrike" cap="none" normalizeH="0" baseline="0" dirty="0" smtClean="0">
+                <a:ln>
+                  <a:noFill/>
+                </a:ln>
+                <a:solidFill>
+                  <a:srgbClr val="000000"/>
+                </a:solidFill>
+                <a:effectLst/>
+                <a:latin typeface="Courier New" pitchFamily="49" charset="0"/>
+                <a:cs typeface="Courier New" pitchFamily="49" charset="0"/>
+              </a:rPr>
+              <a:t>(</a:t>
+            </a:r>
+            <a:r>
+              <a:rPr kumimoji="0" lang="ru-RU" altLang="ru-RU" b="0" i="0" u="none" strike="noStrike" cap="none" normalizeH="0" baseline="0" dirty="0" smtClean="0">
+                <a:ln>
+                  <a:noFill/>
+                </a:ln>
+                <a:solidFill>
+                  <a:srgbClr val="0000FF"/>
+                </a:solidFill>
+                <a:effectLst/>
+                <a:latin typeface="Courier New" pitchFamily="49" charset="0"/>
+                <a:cs typeface="Courier New" pitchFamily="49" charset="0"/>
+              </a:rPr>
+              <a:t>1_000_000</a:t>
+            </a:r>
+            <a:r>
+              <a:rPr kumimoji="0" lang="ru-RU" altLang="ru-RU" b="0" i="0" u="none" strike="noStrike" cap="none" normalizeH="0" baseline="0" dirty="0" smtClean="0">
+                <a:ln>
+                  <a:noFill/>
+                </a:ln>
+                <a:solidFill>
+                  <a:srgbClr val="000000"/>
+                </a:solidFill>
+                <a:effectLst/>
+                <a:latin typeface="Courier New" pitchFamily="49" charset="0"/>
+                <a:cs typeface="Courier New" pitchFamily="49" charset="0"/>
+              </a:rPr>
+              <a:t>));</a:t>
             </a:r>
             <a:br>
               <a:rPr kumimoji="0" lang="ru-RU" altLang="ru-RU" b="0" i="0" u="none" strike="noStrike" cap="none" normalizeH="0" baseline="0" dirty="0" smtClean="0">
@@ -20650,6 +20902,34 @@
               <a:t>    </a:t>
             </a:r>
             <a:r>
+              <a:rPr kumimoji="0" lang="ru-RU" altLang="ru-RU" b="0" i="1" u="none" strike="noStrike" cap="none" normalizeH="0" baseline="0" dirty="0" err="1" smtClean="0">
+                <a:ln>
+                  <a:noFill/>
+                </a:ln>
+                <a:solidFill>
+                  <a:srgbClr val="000000"/>
+                </a:solidFill>
+                <a:effectLst/>
+                <a:latin typeface="Courier New" pitchFamily="49" charset="0"/>
+                <a:cs typeface="Courier New" pitchFamily="49" charset="0"/>
+              </a:rPr>
+              <a:t>doThrow</a:t>
+            </a:r>
+            <a:r>
+              <a:rPr kumimoji="0" lang="ru-RU" altLang="ru-RU" b="0" i="0" u="none" strike="noStrike" cap="none" normalizeH="0" baseline="0" dirty="0" smtClean="0">
+                <a:ln>
+                  <a:noFill/>
+                </a:ln>
+                <a:solidFill>
+                  <a:srgbClr val="000000"/>
+                </a:solidFill>
+                <a:effectLst/>
+                <a:latin typeface="Courier New" pitchFamily="49" charset="0"/>
+                <a:cs typeface="Courier New" pitchFamily="49" charset="0"/>
+              </a:rPr>
+              <a:t>(</a:t>
+            </a:r>
+            <a:r>
               <a:rPr kumimoji="0" lang="ru-RU" altLang="ru-RU" b="0" i="0" u="none" strike="noStrike" cap="none" normalizeH="0" baseline="0" dirty="0" err="1" smtClean="0">
                 <a:ln>
                   <a:noFill/>
@@ -20661,49 +20941,7 @@
                 <a:latin typeface="Courier New" pitchFamily="49" charset="0"/>
                 <a:cs typeface="Courier New" pitchFamily="49" charset="0"/>
               </a:rPr>
-              <a:t>Item</a:t>
-            </a:r>
-            <a:r>
-              <a:rPr kumimoji="0" lang="ru-RU" altLang="ru-RU" b="0" i="0" u="none" strike="noStrike" cap="none" normalizeH="0" baseline="0" dirty="0" smtClean="0">
-                <a:ln>
-                  <a:noFill/>
-                </a:ln>
-                <a:solidFill>
-                  <a:srgbClr val="000000"/>
-                </a:solidFill>
-                <a:effectLst/>
-                <a:latin typeface="Courier New" pitchFamily="49" charset="0"/>
-                <a:cs typeface="Courier New" pitchFamily="49" charset="0"/>
-              </a:rPr>
-              <a:t> </a:t>
-            </a:r>
-            <a:r>
-              <a:rPr kumimoji="0" lang="ru-RU" altLang="ru-RU" b="0" i="0" u="none" strike="noStrike" cap="none" normalizeH="0" baseline="0" dirty="0" err="1" smtClean="0">
-                <a:ln>
-                  <a:noFill/>
-                </a:ln>
-                <a:solidFill>
-                  <a:srgbClr val="000000"/>
-                </a:solidFill>
-                <a:effectLst/>
-                <a:latin typeface="Courier New" pitchFamily="49" charset="0"/>
-                <a:cs typeface="Courier New" pitchFamily="49" charset="0"/>
-              </a:rPr>
-              <a:t>car</a:t>
-            </a:r>
-            <a:r>
-              <a:rPr kumimoji="0" lang="ru-RU" altLang="ru-RU" b="0" i="0" u="none" strike="noStrike" cap="none" normalizeH="0" baseline="0" dirty="0" smtClean="0">
-                <a:ln>
-                  <a:noFill/>
-                </a:ln>
-                <a:solidFill>
-                  <a:srgbClr val="000000"/>
-                </a:solidFill>
-                <a:effectLst/>
-                <a:latin typeface="Courier New" pitchFamily="49" charset="0"/>
-                <a:cs typeface="Courier New" pitchFamily="49" charset="0"/>
-              </a:rPr>
-              <a:t> = </a:t>
+              <a:t>InsufficientFundsException.</a:t>
             </a:r>
             <a:r>
               <a:rPr kumimoji="0" lang="ru-RU" altLang="ru-RU" b="1" i="0" u="none" strike="noStrike" cap="none" normalizeH="0" baseline="0" dirty="0" err="1" smtClean="0">
@@ -20717,243 +20955,6 @@
                 <a:latin typeface="Courier New" pitchFamily="49" charset="0"/>
                 <a:cs typeface="Courier New" pitchFamily="49" charset="0"/>
               </a:rPr>
-              <a:t>new</a:t>
-            </a:r>
-            <a:r>
-              <a:rPr kumimoji="0" lang="ru-RU" altLang="ru-RU" b="1" i="0" u="none" strike="noStrike" cap="none" normalizeH="0" baseline="0" dirty="0" smtClean="0">
-                <a:ln>
-                  <a:noFill/>
-                </a:ln>
-                <a:solidFill>
-                  <a:srgbClr val="000080"/>
-                </a:solidFill>
-                <a:effectLst/>
-                <a:latin typeface="Courier New" pitchFamily="49" charset="0"/>
-                <a:cs typeface="Courier New" pitchFamily="49" charset="0"/>
-              </a:rPr>
-              <a:t> </a:t>
-            </a:r>
-            <a:r>
-              <a:rPr kumimoji="0" lang="ru-RU" altLang="ru-RU" b="0" i="0" u="none" strike="noStrike" cap="none" normalizeH="0" baseline="0" dirty="0" err="1" smtClean="0">
-                <a:ln>
-                  <a:noFill/>
-                </a:ln>
-                <a:solidFill>
-                  <a:srgbClr val="000000"/>
-                </a:solidFill>
-                <a:effectLst/>
-                <a:latin typeface="Courier New" pitchFamily="49" charset="0"/>
-                <a:cs typeface="Courier New" pitchFamily="49" charset="0"/>
-              </a:rPr>
-              <a:t>Item</a:t>
-            </a:r>
-            <a:r>
-              <a:rPr kumimoji="0" lang="ru-RU" altLang="ru-RU" b="0" i="0" u="none" strike="noStrike" cap="none" normalizeH="0" baseline="0" dirty="0" smtClean="0">
-                <a:ln>
-                  <a:noFill/>
-                </a:ln>
-                <a:solidFill>
-                  <a:srgbClr val="000000"/>
-                </a:solidFill>
-                <a:effectLst/>
-                <a:latin typeface="Courier New" pitchFamily="49" charset="0"/>
-                <a:cs typeface="Courier New" pitchFamily="49" charset="0"/>
-              </a:rPr>
-              <a:t>(</a:t>
-            </a:r>
-            <a:r>
-              <a:rPr kumimoji="0" lang="ru-RU" altLang="ru-RU" b="1" i="0" u="none" strike="noStrike" cap="none" normalizeH="0" baseline="0" dirty="0" smtClean="0">
-                <a:ln>
-                  <a:noFill/>
-                </a:ln>
-                <a:solidFill>
-                  <a:srgbClr val="008000"/>
-                </a:solidFill>
-                <a:effectLst/>
-                <a:latin typeface="Courier New" pitchFamily="49" charset="0"/>
-                <a:cs typeface="Courier New" pitchFamily="49" charset="0"/>
-              </a:rPr>
-              <a:t>"</a:t>
-            </a:r>
-            <a:r>
-              <a:rPr kumimoji="0" lang="ru-RU" altLang="ru-RU" b="1" i="0" u="none" strike="noStrike" cap="none" normalizeH="0" baseline="0" dirty="0" err="1" smtClean="0">
-                <a:ln>
-                  <a:noFill/>
-                </a:ln>
-                <a:solidFill>
-                  <a:srgbClr val="008000"/>
-                </a:solidFill>
-                <a:effectLst/>
-                <a:latin typeface="Courier New" pitchFamily="49" charset="0"/>
-                <a:cs typeface="Courier New" pitchFamily="49" charset="0"/>
-              </a:rPr>
-              <a:t>Car</a:t>
-            </a:r>
-            <a:r>
-              <a:rPr kumimoji="0" lang="ru-RU" altLang="ru-RU" b="1" i="0" u="none" strike="noStrike" cap="none" normalizeH="0" baseline="0" dirty="0" smtClean="0">
-                <a:ln>
-                  <a:noFill/>
-                </a:ln>
-                <a:solidFill>
-                  <a:srgbClr val="008000"/>
-                </a:solidFill>
-                <a:effectLst/>
-                <a:latin typeface="Courier New" pitchFamily="49" charset="0"/>
-                <a:cs typeface="Courier New" pitchFamily="49" charset="0"/>
-              </a:rPr>
-              <a:t>"</a:t>
-            </a:r>
-            <a:r>
-              <a:rPr kumimoji="0" lang="ru-RU" altLang="ru-RU" b="0" i="0" u="none" strike="noStrike" cap="none" normalizeH="0" baseline="0" dirty="0" smtClean="0">
-                <a:ln>
-                  <a:noFill/>
-                </a:ln>
-                <a:solidFill>
-                  <a:srgbClr val="000000"/>
-                </a:solidFill>
-                <a:effectLst/>
-                <a:latin typeface="Courier New" pitchFamily="49" charset="0"/>
-                <a:cs typeface="Courier New" pitchFamily="49" charset="0"/>
-              </a:rPr>
-              <a:t>, </a:t>
-            </a:r>
-            <a:r>
-              <a:rPr kumimoji="0" lang="ru-RU" altLang="ru-RU" b="0" i="1" u="none" strike="noStrike" cap="none" normalizeH="0" baseline="0" dirty="0" err="1" smtClean="0">
-                <a:ln>
-                  <a:noFill/>
-                </a:ln>
-                <a:solidFill>
-                  <a:srgbClr val="000000"/>
-                </a:solidFill>
-                <a:effectLst/>
-                <a:latin typeface="Courier New" pitchFamily="49" charset="0"/>
-                <a:cs typeface="Courier New" pitchFamily="49" charset="0"/>
-              </a:rPr>
-              <a:t>valueOf</a:t>
-            </a:r>
-            <a:r>
-              <a:rPr kumimoji="0" lang="ru-RU" altLang="ru-RU" b="0" i="0" u="none" strike="noStrike" cap="none" normalizeH="0" baseline="0" dirty="0" smtClean="0">
-                <a:ln>
-                  <a:noFill/>
-                </a:ln>
-                <a:solidFill>
-                  <a:srgbClr val="000000"/>
-                </a:solidFill>
-                <a:effectLst/>
-                <a:latin typeface="Courier New" pitchFamily="49" charset="0"/>
-                <a:cs typeface="Courier New" pitchFamily="49" charset="0"/>
-              </a:rPr>
-              <a:t>(</a:t>
-            </a:r>
-            <a:r>
-              <a:rPr kumimoji="0" lang="ru-RU" altLang="ru-RU" b="0" i="0" u="none" strike="noStrike" cap="none" normalizeH="0" baseline="0" dirty="0" smtClean="0">
-                <a:ln>
-                  <a:noFill/>
-                </a:ln>
-                <a:solidFill>
-                  <a:srgbClr val="0000FF"/>
-                </a:solidFill>
-                <a:effectLst/>
-                <a:latin typeface="Courier New" pitchFamily="49" charset="0"/>
-                <a:cs typeface="Courier New" pitchFamily="49" charset="0"/>
-              </a:rPr>
-              <a:t>1_000_000</a:t>
-            </a:r>
-            <a:r>
-              <a:rPr kumimoji="0" lang="ru-RU" altLang="ru-RU" b="0" i="0" u="none" strike="noStrike" cap="none" normalizeH="0" baseline="0" dirty="0" smtClean="0">
-                <a:ln>
-                  <a:noFill/>
-                </a:ln>
-                <a:solidFill>
-                  <a:srgbClr val="000000"/>
-                </a:solidFill>
-                <a:effectLst/>
-                <a:latin typeface="Courier New" pitchFamily="49" charset="0"/>
-                <a:cs typeface="Courier New" pitchFamily="49" charset="0"/>
-              </a:rPr>
-              <a:t>));</a:t>
-            </a:r>
-            <a:br>
-              <a:rPr kumimoji="0" lang="ru-RU" altLang="ru-RU" b="0" i="0" u="none" strike="noStrike" cap="none" normalizeH="0" baseline="0" dirty="0" smtClean="0">
-                <a:ln>
-                  <a:noFill/>
-                </a:ln>
-                <a:solidFill>
-                  <a:srgbClr val="000000"/>
-                </a:solidFill>
-                <a:effectLst/>
-                <a:latin typeface="Courier New" pitchFamily="49" charset="0"/>
-                <a:cs typeface="Courier New" pitchFamily="49" charset="0"/>
-              </a:rPr>
-            </a:br>
-            <a:r>
-              <a:rPr kumimoji="0" lang="ru-RU" altLang="ru-RU" b="0" i="0" u="none" strike="noStrike" cap="none" normalizeH="0" baseline="0" dirty="0" smtClean="0">
-                <a:ln>
-                  <a:noFill/>
-                </a:ln>
-                <a:solidFill>
-                  <a:srgbClr val="000000"/>
-                </a:solidFill>
-                <a:effectLst/>
-                <a:latin typeface="Courier New" pitchFamily="49" charset="0"/>
-                <a:cs typeface="Courier New" pitchFamily="49" charset="0"/>
-              </a:rPr>
-              <a:t>    </a:t>
-            </a:r>
-            <a:r>
-              <a:rPr kumimoji="0" lang="ru-RU" altLang="ru-RU" b="0" i="1" u="none" strike="noStrike" cap="none" normalizeH="0" baseline="0" dirty="0" err="1" smtClean="0">
-                <a:ln>
-                  <a:noFill/>
-                </a:ln>
-                <a:solidFill>
-                  <a:srgbClr val="000000"/>
-                </a:solidFill>
-                <a:effectLst/>
-                <a:latin typeface="Courier New" pitchFamily="49" charset="0"/>
-                <a:cs typeface="Courier New" pitchFamily="49" charset="0"/>
-              </a:rPr>
-              <a:t>doThrow</a:t>
-            </a:r>
-            <a:r>
-              <a:rPr kumimoji="0" lang="ru-RU" altLang="ru-RU" b="0" i="0" u="none" strike="noStrike" cap="none" normalizeH="0" baseline="0" dirty="0" smtClean="0">
-                <a:ln>
-                  <a:noFill/>
-                </a:ln>
-                <a:solidFill>
-                  <a:srgbClr val="000000"/>
-                </a:solidFill>
-                <a:effectLst/>
-                <a:latin typeface="Courier New" pitchFamily="49" charset="0"/>
-                <a:cs typeface="Courier New" pitchFamily="49" charset="0"/>
-              </a:rPr>
-              <a:t>(</a:t>
-            </a:r>
-            <a:r>
-              <a:rPr kumimoji="0" lang="ru-RU" altLang="ru-RU" b="0" i="0" u="none" strike="noStrike" cap="none" normalizeH="0" baseline="0" dirty="0" err="1" smtClean="0">
-                <a:ln>
-                  <a:noFill/>
-                </a:ln>
-                <a:solidFill>
-                  <a:srgbClr val="000000"/>
-                </a:solidFill>
-                <a:effectLst/>
-                <a:latin typeface="Courier New" pitchFamily="49" charset="0"/>
-                <a:cs typeface="Courier New" pitchFamily="49" charset="0"/>
-              </a:rPr>
-              <a:t>InsufficientFundsException.</a:t>
-            </a:r>
-            <a:r>
-              <a:rPr kumimoji="0" lang="ru-RU" altLang="ru-RU" b="1" i="0" u="none" strike="noStrike" cap="none" normalizeH="0" baseline="0" dirty="0" err="1" smtClean="0">
-                <a:ln>
-                  <a:noFill/>
-                </a:ln>
-                <a:solidFill>
-                  <a:srgbClr val="000080"/>
-                </a:solidFill>
-                <a:effectLst/>
-                <a:latin typeface="Courier New" pitchFamily="49" charset="0"/>
-                <a:cs typeface="Courier New" pitchFamily="49" charset="0"/>
-              </a:rPr>
               <a:t>class</a:t>
             </a:r>
             <a:r>
@@ -20970,172 +20971,17 @@
               </a:rPr>
               <a:t>)</a:t>
             </a:r>
-            <a:br>
-              <a:rPr kumimoji="0" lang="ru-RU" altLang="ru-RU" b="0" i="0" u="none" strike="noStrike" cap="none" normalizeH="0" baseline="0" dirty="0" smtClean="0">
-                <a:ln>
-                  <a:noFill/>
-                </a:ln>
-                <a:solidFill>
-                  <a:srgbClr val="000000"/>
-                </a:solidFill>
-                <a:effectLst/>
-                <a:latin typeface="Courier New" pitchFamily="49" charset="0"/>
-                <a:cs typeface="Courier New" pitchFamily="49" charset="0"/>
-              </a:rPr>
-            </a:br>
-            <a:r>
-              <a:rPr kumimoji="0" lang="ru-RU" altLang="ru-RU" b="0" i="0" u="none" strike="noStrike" cap="none" normalizeH="0" baseline="0" dirty="0" smtClean="0">
-                <a:ln>
-                  <a:noFill/>
-                </a:ln>
-                <a:solidFill>
-                  <a:srgbClr val="000000"/>
-                </a:solidFill>
-                <a:effectLst/>
-                <a:latin typeface="Courier New" pitchFamily="49" charset="0"/>
-                <a:cs typeface="Courier New" pitchFamily="49" charset="0"/>
-              </a:rPr>
-              <a:t>            .</a:t>
-            </a:r>
-            <a:r>
-              <a:rPr kumimoji="0" lang="ru-RU" altLang="ru-RU" b="0" i="0" u="none" strike="noStrike" cap="none" normalizeH="0" baseline="0" dirty="0" err="1" smtClean="0">
-                <a:ln>
-                  <a:noFill/>
-                </a:ln>
-                <a:solidFill>
-                  <a:srgbClr val="000000"/>
-                </a:solidFill>
-                <a:effectLst/>
-                <a:latin typeface="Courier New" pitchFamily="49" charset="0"/>
-                <a:cs typeface="Courier New" pitchFamily="49" charset="0"/>
-              </a:rPr>
-              <a:t>when</a:t>
-            </a:r>
-            <a:r>
-              <a:rPr kumimoji="0" lang="ru-RU" altLang="ru-RU" b="0" i="0" u="none" strike="noStrike" cap="none" normalizeH="0" baseline="0" dirty="0" smtClean="0">
-                <a:ln>
-                  <a:noFill/>
-                </a:ln>
-                <a:solidFill>
-                  <a:srgbClr val="000000"/>
-                </a:solidFill>
-                <a:effectLst/>
-                <a:latin typeface="Courier New" pitchFamily="49" charset="0"/>
-                <a:cs typeface="Courier New" pitchFamily="49" charset="0"/>
-              </a:rPr>
-              <a:t>(</a:t>
-            </a:r>
-            <a:r>
-              <a:rPr kumimoji="0" lang="ru-RU" altLang="ru-RU" b="1" i="0" u="none" strike="noStrike" cap="none" normalizeH="0" baseline="0" dirty="0" err="1" smtClean="0">
-                <a:ln>
-                  <a:noFill/>
-                </a:ln>
-                <a:solidFill>
-                  <a:srgbClr val="660E7A"/>
-                </a:solidFill>
-                <a:effectLst/>
-                <a:latin typeface="Courier New" pitchFamily="49" charset="0"/>
-                <a:cs typeface="Courier New" pitchFamily="49" charset="0"/>
-              </a:rPr>
-              <a:t>account</a:t>
-            </a:r>
-            <a:r>
-              <a:rPr kumimoji="0" lang="ru-RU" altLang="ru-RU" b="0" i="0" u="none" strike="noStrike" cap="none" normalizeH="0" baseline="0" dirty="0" smtClean="0">
-                <a:ln>
-                  <a:noFill/>
-                </a:ln>
-                <a:solidFill>
-                  <a:srgbClr val="000000"/>
-                </a:solidFill>
-                <a:effectLst/>
-                <a:latin typeface="Courier New" pitchFamily="49" charset="0"/>
-                <a:cs typeface="Courier New" pitchFamily="49" charset="0"/>
-              </a:rPr>
-              <a:t>)</a:t>
-            </a:r>
-            <a:br>
-              <a:rPr kumimoji="0" lang="ru-RU" altLang="ru-RU" b="0" i="0" u="none" strike="noStrike" cap="none" normalizeH="0" baseline="0" dirty="0" smtClean="0">
-                <a:ln>
-                  <a:noFill/>
-                </a:ln>
-                <a:solidFill>
-                  <a:srgbClr val="000000"/>
-                </a:solidFill>
-                <a:effectLst/>
-                <a:latin typeface="Courier New" pitchFamily="49" charset="0"/>
-                <a:cs typeface="Courier New" pitchFamily="49" charset="0"/>
-              </a:rPr>
-            </a:br>
-            <a:r>
-              <a:rPr kumimoji="0" lang="ru-RU" altLang="ru-RU" b="0" i="0" u="none" strike="noStrike" cap="none" normalizeH="0" baseline="0" dirty="0" smtClean="0">
-                <a:ln>
-                  <a:noFill/>
-                </a:ln>
-                <a:solidFill>
-                  <a:srgbClr val="000000"/>
-                </a:solidFill>
-                <a:effectLst/>
-                <a:latin typeface="Courier New" pitchFamily="49" charset="0"/>
-                <a:cs typeface="Courier New" pitchFamily="49" charset="0"/>
-              </a:rPr>
-              <a:t>            .</a:t>
-            </a:r>
-            <a:r>
-              <a:rPr kumimoji="0" lang="ru-RU" altLang="ru-RU" b="0" i="0" u="none" strike="noStrike" cap="none" normalizeH="0" baseline="0" dirty="0" err="1" smtClean="0">
-                <a:ln>
-                  <a:noFill/>
-                </a:ln>
-                <a:solidFill>
-                  <a:srgbClr val="000000"/>
-                </a:solidFill>
-                <a:effectLst/>
-                <a:latin typeface="Courier New" pitchFamily="49" charset="0"/>
-                <a:cs typeface="Courier New" pitchFamily="49" charset="0"/>
-              </a:rPr>
-              <a:t>withdraw</a:t>
-            </a:r>
-            <a:r>
-              <a:rPr kumimoji="0" lang="ru-RU" altLang="ru-RU" b="0" i="0" u="none" strike="noStrike" cap="none" normalizeH="0" baseline="0" dirty="0" smtClean="0">
-                <a:ln>
-                  <a:noFill/>
-                </a:ln>
-                <a:solidFill>
-                  <a:srgbClr val="000000"/>
-                </a:solidFill>
-                <a:effectLst/>
-                <a:latin typeface="Courier New" pitchFamily="49" charset="0"/>
-                <a:cs typeface="Courier New" pitchFamily="49" charset="0"/>
-              </a:rPr>
-              <a:t>(</a:t>
-            </a:r>
-            <a:r>
-              <a:rPr kumimoji="0" lang="ru-RU" altLang="ru-RU" b="0" i="0" u="none" strike="noStrike" cap="none" normalizeH="0" baseline="0" dirty="0" err="1" smtClean="0">
-                <a:ln>
-                  <a:noFill/>
-                </a:ln>
-                <a:solidFill>
-                  <a:srgbClr val="000000"/>
-                </a:solidFill>
-                <a:effectLst/>
-                <a:latin typeface="Courier New" pitchFamily="49" charset="0"/>
-                <a:cs typeface="Courier New" pitchFamily="49" charset="0"/>
-              </a:rPr>
-              <a:t>car.getPrice</a:t>
-            </a:r>
-            <a:r>
-              <a:rPr kumimoji="0" lang="ru-RU" altLang="ru-RU" b="0" i="0" u="none" strike="noStrike" cap="none" normalizeH="0" baseline="0" dirty="0" smtClean="0">
-                <a:ln>
-                  <a:noFill/>
-                </a:ln>
-                <a:solidFill>
-                  <a:srgbClr val="000000"/>
-                </a:solidFill>
-                <a:effectLst/>
-                <a:latin typeface="Courier New" pitchFamily="49" charset="0"/>
-                <a:cs typeface="Courier New" pitchFamily="49" charset="0"/>
-              </a:rPr>
-              <a:t>());</a:t>
-            </a:r>
+            <a:endParaRPr kumimoji="0" lang="en-US" altLang="ru-RU" b="0" i="0" u="none" strike="noStrike" cap="none" normalizeH="0" baseline="0" dirty="0" smtClean="0">
+              <a:ln>
+                <a:noFill/>
+              </a:ln>
+              <a:solidFill>
+                <a:srgbClr val="000000"/>
+              </a:solidFill>
+              <a:effectLst/>
+              <a:latin typeface="Courier New" pitchFamily="49" charset="0"/>
+              <a:cs typeface="Courier New" pitchFamily="49" charset="0"/>
+            </a:endParaRPr>
           </a:p>
           <a:p>
             <a:pPr marL="0" marR="0" lvl="0" indent="0" algn="l" defTabSz="914400" rtl="0" eaLnBrk="1" fontAlgn="base" latinLnBrk="0" hangingPunct="1">
@@ -21155,6 +21001,165 @@
               <a:tabLst/>
             </a:pPr>
             <a:r>
+              <a:rPr lang="en-US" altLang="ru-RU" dirty="0">
+                <a:solidFill>
+                  <a:srgbClr val="000000"/>
+                </a:solidFill>
+                <a:latin typeface="Courier New" pitchFamily="49" charset="0"/>
+                <a:cs typeface="Courier New" pitchFamily="49" charset="0"/>
+              </a:rPr>
+              <a:t> </a:t>
+            </a:r>
+            <a:r>
+              <a:rPr lang="en-US" altLang="ru-RU" dirty="0" smtClean="0">
+                <a:solidFill>
+                  <a:srgbClr val="000000"/>
+                </a:solidFill>
+                <a:latin typeface="Courier New" pitchFamily="49" charset="0"/>
+                <a:cs typeface="Courier New" pitchFamily="49" charset="0"/>
+              </a:rPr>
+              <a:t>     </a:t>
+            </a:r>
+            <a:r>
+              <a:rPr kumimoji="0" lang="ru-RU" altLang="ru-RU" b="0" i="0" u="none" strike="noStrike" cap="none" normalizeH="0" baseline="0" dirty="0" smtClean="0">
+                <a:ln>
+                  <a:noFill/>
+                </a:ln>
+                <a:solidFill>
+                  <a:srgbClr val="000000"/>
+                </a:solidFill>
+                <a:effectLst/>
+                <a:latin typeface="Courier New" pitchFamily="49" charset="0"/>
+                <a:cs typeface="Courier New" pitchFamily="49" charset="0"/>
+              </a:rPr>
+              <a:t>.</a:t>
+            </a:r>
+            <a:r>
+              <a:rPr kumimoji="0" lang="ru-RU" altLang="ru-RU" b="0" i="0" u="none" strike="noStrike" cap="none" normalizeH="0" baseline="0" dirty="0" err="1" smtClean="0">
+                <a:ln>
+                  <a:noFill/>
+                </a:ln>
+                <a:solidFill>
+                  <a:srgbClr val="000000"/>
+                </a:solidFill>
+                <a:effectLst/>
+                <a:latin typeface="Courier New" pitchFamily="49" charset="0"/>
+                <a:cs typeface="Courier New" pitchFamily="49" charset="0"/>
+              </a:rPr>
+              <a:t>when</a:t>
+            </a:r>
+            <a:r>
+              <a:rPr kumimoji="0" lang="ru-RU" altLang="ru-RU" b="0" i="0" u="none" strike="noStrike" cap="none" normalizeH="0" baseline="0" dirty="0" smtClean="0">
+                <a:ln>
+                  <a:noFill/>
+                </a:ln>
+                <a:solidFill>
+                  <a:srgbClr val="000000"/>
+                </a:solidFill>
+                <a:effectLst/>
+                <a:latin typeface="Courier New" pitchFamily="49" charset="0"/>
+                <a:cs typeface="Courier New" pitchFamily="49" charset="0"/>
+              </a:rPr>
+              <a:t>(</a:t>
+            </a:r>
+            <a:r>
+              <a:rPr kumimoji="0" lang="ru-RU" altLang="ru-RU" b="1" i="0" u="none" strike="noStrike" cap="none" normalizeH="0" baseline="0" dirty="0" err="1" smtClean="0">
+                <a:ln>
+                  <a:noFill/>
+                </a:ln>
+                <a:solidFill>
+                  <a:srgbClr val="660E7A"/>
+                </a:solidFill>
+                <a:effectLst/>
+                <a:latin typeface="Courier New" pitchFamily="49" charset="0"/>
+                <a:cs typeface="Courier New" pitchFamily="49" charset="0"/>
+              </a:rPr>
+              <a:t>account</a:t>
+            </a:r>
+            <a:r>
+              <a:rPr kumimoji="0" lang="ru-RU" altLang="ru-RU" b="0" i="0" u="none" strike="noStrike" cap="none" normalizeH="0" baseline="0" dirty="0" smtClean="0">
+                <a:ln>
+                  <a:noFill/>
+                </a:ln>
+                <a:solidFill>
+                  <a:srgbClr val="000000"/>
+                </a:solidFill>
+                <a:effectLst/>
+                <a:latin typeface="Courier New" pitchFamily="49" charset="0"/>
+                <a:cs typeface="Courier New" pitchFamily="49" charset="0"/>
+              </a:rPr>
+              <a:t>).</a:t>
+            </a:r>
+            <a:r>
+              <a:rPr kumimoji="0" lang="ru-RU" altLang="ru-RU" b="0" i="0" u="none" strike="noStrike" cap="none" normalizeH="0" baseline="0" dirty="0" err="1" smtClean="0">
+                <a:ln>
+                  <a:noFill/>
+                </a:ln>
+                <a:solidFill>
+                  <a:srgbClr val="000000"/>
+                </a:solidFill>
+                <a:effectLst/>
+                <a:latin typeface="Courier New" pitchFamily="49" charset="0"/>
+                <a:cs typeface="Courier New" pitchFamily="49" charset="0"/>
+              </a:rPr>
+              <a:t>withdraw</a:t>
+            </a:r>
+            <a:r>
+              <a:rPr kumimoji="0" lang="ru-RU" altLang="ru-RU" b="0" i="0" u="none" strike="noStrike" cap="none" normalizeH="0" baseline="0" dirty="0" smtClean="0">
+                <a:ln>
+                  <a:noFill/>
+                </a:ln>
+                <a:solidFill>
+                  <a:srgbClr val="000000"/>
+                </a:solidFill>
+                <a:effectLst/>
+                <a:latin typeface="Courier New" pitchFamily="49" charset="0"/>
+                <a:cs typeface="Courier New" pitchFamily="49" charset="0"/>
+              </a:rPr>
+              <a:t>(</a:t>
+            </a:r>
+            <a:r>
+              <a:rPr kumimoji="0" lang="ru-RU" altLang="ru-RU" b="0" i="0" u="none" strike="noStrike" cap="none" normalizeH="0" baseline="0" dirty="0" err="1" smtClean="0">
+                <a:ln>
+                  <a:noFill/>
+                </a:ln>
+                <a:solidFill>
+                  <a:srgbClr val="000000"/>
+                </a:solidFill>
+                <a:effectLst/>
+                <a:latin typeface="Courier New" pitchFamily="49" charset="0"/>
+                <a:cs typeface="Courier New" pitchFamily="49" charset="0"/>
+              </a:rPr>
+              <a:t>car.getPrice</a:t>
+            </a:r>
+            <a:r>
+              <a:rPr kumimoji="0" lang="ru-RU" altLang="ru-RU" b="0" i="0" u="none" strike="noStrike" cap="none" normalizeH="0" baseline="0" dirty="0" smtClean="0">
+                <a:ln>
+                  <a:noFill/>
+                </a:ln>
+                <a:solidFill>
+                  <a:srgbClr val="000000"/>
+                </a:solidFill>
+                <a:effectLst/>
+                <a:latin typeface="Courier New" pitchFamily="49" charset="0"/>
+                <a:cs typeface="Courier New" pitchFamily="49" charset="0"/>
+              </a:rPr>
+              <a:t>());</a:t>
+            </a:r>
+            <a:br>
+              <a:rPr kumimoji="0" lang="ru-RU" altLang="ru-RU" b="0" i="0" u="none" strike="noStrike" cap="none" normalizeH="0" baseline="0" dirty="0" smtClean="0">
+                <a:ln>
+                  <a:noFill/>
+                </a:ln>
+                <a:solidFill>
+                  <a:srgbClr val="000000"/>
+                </a:solidFill>
+                <a:effectLst/>
+                <a:latin typeface="Courier New" pitchFamily="49" charset="0"/>
+                <a:cs typeface="Courier New" pitchFamily="49" charset="0"/>
+              </a:rPr>
+            </a:br>
+            <a:r>
               <a:rPr kumimoji="0" lang="ru-RU" altLang="ru-RU" b="0" i="0" u="none" strike="noStrike" cap="none" normalizeH="0" baseline="0" dirty="0" smtClean="0">
                 <a:ln>
                   <a:noFill/>
@@ -21207,6 +21212,117 @@
                 <a:latin typeface="Courier New" pitchFamily="49" charset="0"/>
                 <a:cs typeface="Courier New" pitchFamily="49" charset="0"/>
               </a:rPr>
+              <a:t>assertAll</a:t>
+            </a:r>
+            <a:r>
+              <a:rPr kumimoji="0" lang="ru-RU" altLang="ru-RU" b="0" i="0" u="none" strike="noStrike" cap="none" normalizeH="0" baseline="0" dirty="0" smtClean="0">
+                <a:ln>
+                  <a:noFill/>
+                </a:ln>
+                <a:solidFill>
+                  <a:srgbClr val="000000"/>
+                </a:solidFill>
+                <a:effectLst/>
+                <a:latin typeface="Courier New" pitchFamily="49" charset="0"/>
+                <a:cs typeface="Courier New" pitchFamily="49" charset="0"/>
+              </a:rPr>
+              <a:t>(</a:t>
+            </a:r>
+            <a:br>
+              <a:rPr kumimoji="0" lang="ru-RU" altLang="ru-RU" b="0" i="0" u="none" strike="noStrike" cap="none" normalizeH="0" baseline="0" dirty="0" smtClean="0">
+                <a:ln>
+                  <a:noFill/>
+                </a:ln>
+                <a:solidFill>
+                  <a:srgbClr val="000000"/>
+                </a:solidFill>
+                <a:effectLst/>
+                <a:latin typeface="Courier New" pitchFamily="49" charset="0"/>
+                <a:cs typeface="Courier New" pitchFamily="49" charset="0"/>
+              </a:rPr>
+            </a:br>
+            <a:r>
+              <a:rPr kumimoji="0" lang="ru-RU" altLang="ru-RU" b="0" i="0" u="none" strike="noStrike" cap="none" normalizeH="0" baseline="0" dirty="0" smtClean="0">
+                <a:ln>
+                  <a:noFill/>
+                </a:ln>
+                <a:solidFill>
+                  <a:srgbClr val="000000"/>
+                </a:solidFill>
+                <a:effectLst/>
+                <a:latin typeface="Courier New" pitchFamily="49" charset="0"/>
+                <a:cs typeface="Courier New" pitchFamily="49" charset="0"/>
+              </a:rPr>
+              <a:t>    </a:t>
+            </a:r>
+            <a:r>
+              <a:rPr kumimoji="0" lang="en-US" altLang="ru-RU" b="0" i="0" u="none" strike="noStrike" cap="none" normalizeH="0" baseline="0" dirty="0" smtClean="0">
+                <a:ln>
+                  <a:noFill/>
+                </a:ln>
+                <a:solidFill>
+                  <a:srgbClr val="000000"/>
+                </a:solidFill>
+                <a:effectLst/>
+                <a:latin typeface="Courier New" pitchFamily="49" charset="0"/>
+                <a:cs typeface="Courier New" pitchFamily="49" charset="0"/>
+              </a:rPr>
+              <a:t> </a:t>
+            </a:r>
+            <a:r>
+              <a:rPr kumimoji="0" lang="ru-RU" altLang="ru-RU" b="0" i="0" u="none" strike="noStrike" cap="none" normalizeH="0" baseline="0" dirty="0" smtClean="0">
+                <a:ln>
+                  <a:noFill/>
+                </a:ln>
+                <a:solidFill>
+                  <a:srgbClr val="000000"/>
+                </a:solidFill>
+                <a:effectLst/>
+                <a:latin typeface="Courier New" pitchFamily="49" charset="0"/>
+                <a:cs typeface="Courier New" pitchFamily="49" charset="0"/>
+              </a:rPr>
+              <a:t> ()</a:t>
+            </a:r>
+            <a:r>
+              <a:rPr kumimoji="0" lang="en-US" altLang="ru-RU" b="0" i="0" u="none" strike="noStrike" cap="none" normalizeH="0" baseline="0" dirty="0" smtClean="0">
+                <a:ln>
+                  <a:noFill/>
+                </a:ln>
+                <a:solidFill>
+                  <a:srgbClr val="000000"/>
+                </a:solidFill>
+                <a:effectLst/>
+                <a:latin typeface="Courier New" pitchFamily="49" charset="0"/>
+                <a:cs typeface="Courier New" pitchFamily="49" charset="0"/>
+              </a:rPr>
+              <a:t> </a:t>
+            </a:r>
+            <a:r>
+              <a:rPr kumimoji="0" lang="ru-RU" altLang="ru-RU" b="0" i="0" u="none" strike="noStrike" cap="none" normalizeH="0" baseline="0" dirty="0" smtClean="0">
+                <a:ln>
+                  <a:noFill/>
+                </a:ln>
+                <a:solidFill>
+                  <a:srgbClr val="000000"/>
+                </a:solidFill>
+                <a:effectLst/>
+                <a:latin typeface="Courier New" pitchFamily="49" charset="0"/>
+                <a:cs typeface="Courier New" pitchFamily="49" charset="0"/>
+              </a:rPr>
+              <a:t>-&gt; </a:t>
+            </a:r>
+            <a:r>
+              <a:rPr kumimoji="0" lang="ru-RU" altLang="ru-RU" b="0" i="1" u="none" strike="noStrike" cap="none" normalizeH="0" baseline="0" dirty="0" err="1" smtClean="0">
+                <a:ln>
+                  <a:noFill/>
+                </a:ln>
+                <a:solidFill>
+                  <a:srgbClr val="000000"/>
+                </a:solidFill>
+                <a:effectLst/>
+                <a:latin typeface="Courier New" pitchFamily="49" charset="0"/>
+                <a:cs typeface="Courier New" pitchFamily="49" charset="0"/>
+              </a:rPr>
               <a:t>assertThrows</a:t>
             </a:r>
             <a:r>
@@ -21252,172 +21368,30 @@
               <a:t>class</a:t>
             </a:r>
             <a:r>
-              <a:rPr kumimoji="0" lang="ru-RU" altLang="ru-RU" b="1" i="0" u="none" strike="noStrike" cap="none" normalizeH="0" baseline="0" dirty="0" smtClean="0">
-                <a:ln>
-                  <a:noFill/>
-                </a:ln>
-                <a:solidFill>
-                  <a:srgbClr val="000080"/>
-                </a:solidFill>
-                <a:effectLst/>
-                <a:latin typeface="Courier New" pitchFamily="49" charset="0"/>
-                <a:cs typeface="Courier New" pitchFamily="49" charset="0"/>
-              </a:rPr>
-              <a:t/>
-            </a:r>
-            <a:br>
-              <a:rPr kumimoji="0" lang="ru-RU" altLang="ru-RU" b="1" i="0" u="none" strike="noStrike" cap="none" normalizeH="0" baseline="0" dirty="0" smtClean="0">
-                <a:ln>
-                  <a:noFill/>
-                </a:ln>
-                <a:solidFill>
-                  <a:srgbClr val="000080"/>
-                </a:solidFill>
-                <a:effectLst/>
-                <a:latin typeface="Courier New" pitchFamily="49" charset="0"/>
-                <a:cs typeface="Courier New" pitchFamily="49" charset="0"/>
-              </a:rPr>
-            </a:br>
-            <a:r>
-              <a:rPr kumimoji="0" lang="ru-RU" altLang="ru-RU" b="1" i="0" u="none" strike="noStrike" cap="none" normalizeH="0" baseline="0" dirty="0" smtClean="0">
-                <a:ln>
-                  <a:noFill/>
-                </a:ln>
-                <a:solidFill>
-                  <a:srgbClr val="000080"/>
-                </a:solidFill>
-                <a:effectLst/>
-                <a:latin typeface="Courier New" pitchFamily="49" charset="0"/>
-                <a:cs typeface="Courier New" pitchFamily="49" charset="0"/>
-              </a:rPr>
-              <a:t>         </a:t>
-            </a:r>
-            <a:r>
-              <a:rPr kumimoji="0" lang="ru-RU" altLang="ru-RU" b="0" i="0" u="none" strike="noStrike" cap="none" normalizeH="0" baseline="0" dirty="0" smtClean="0">
-                <a:ln>
-                  <a:noFill/>
-                </a:ln>
-                <a:solidFill>
-                  <a:srgbClr val="000000"/>
-                </a:solidFill>
-                <a:effectLst/>
-                <a:latin typeface="Courier New" pitchFamily="49" charset="0"/>
-                <a:cs typeface="Courier New" pitchFamily="49" charset="0"/>
-              </a:rPr>
-              <a:t>, </a:t>
-            </a:r>
-            <a:r>
-              <a:rPr kumimoji="0" lang="ru-RU" altLang="ru-RU" b="0" i="0" u="none" strike="noStrike" cap="none" normalizeH="0" baseline="0" dirty="0" smtClean="0">
-                <a:ln>
-                  <a:noFill/>
-                </a:ln>
-                <a:solidFill>
-                  <a:srgbClr val="000000"/>
-                </a:solidFill>
-                <a:effectLst/>
-                <a:latin typeface="Courier New" pitchFamily="49" charset="0"/>
-                <a:cs typeface="Courier New" pitchFamily="49" charset="0"/>
-              </a:rPr>
-              <a:t>() -&gt; </a:t>
-            </a:r>
-            <a:r>
-              <a:rPr kumimoji="0" lang="ru-RU" altLang="ru-RU" b="1" i="0" u="none" strike="noStrike" cap="none" normalizeH="0" baseline="0" dirty="0" err="1" smtClean="0">
-                <a:ln>
-                  <a:noFill/>
-                </a:ln>
-                <a:solidFill>
-                  <a:srgbClr val="660E7A"/>
-                </a:solidFill>
-                <a:effectLst/>
-                <a:latin typeface="Courier New" pitchFamily="49" charset="0"/>
-                <a:cs typeface="Courier New" pitchFamily="49" charset="0"/>
-              </a:rPr>
-              <a:t>order</a:t>
-            </a:r>
-            <a:r>
-              <a:rPr kumimoji="0" lang="ru-RU" altLang="ru-RU" b="0" i="0" u="none" strike="noStrike" cap="none" normalizeH="0" baseline="0" dirty="0" err="1" smtClean="0">
-                <a:ln>
-                  <a:noFill/>
-                </a:ln>
-                <a:solidFill>
-                  <a:srgbClr val="000000"/>
-                </a:solidFill>
-                <a:effectLst/>
-                <a:latin typeface="Courier New" pitchFamily="49" charset="0"/>
-                <a:cs typeface="Courier New" pitchFamily="49" charset="0"/>
-              </a:rPr>
-              <a:t>.buyItem</a:t>
-            </a:r>
-            <a:r>
-              <a:rPr kumimoji="0" lang="ru-RU" altLang="ru-RU" b="0" i="0" u="none" strike="noStrike" cap="none" normalizeH="0" baseline="0" dirty="0" smtClean="0">
-                <a:ln>
-                  <a:noFill/>
-                </a:ln>
-                <a:solidFill>
-                  <a:srgbClr val="000000"/>
-                </a:solidFill>
-                <a:effectLst/>
-                <a:latin typeface="Courier New" pitchFamily="49" charset="0"/>
-                <a:cs typeface="Courier New" pitchFamily="49" charset="0"/>
-              </a:rPr>
-              <a:t>(</a:t>
-            </a:r>
-            <a:r>
-              <a:rPr kumimoji="0" lang="ru-RU" altLang="ru-RU" b="0" i="0" u="none" strike="noStrike" cap="none" normalizeH="0" baseline="0" dirty="0" err="1" smtClean="0">
-                <a:ln>
-                  <a:noFill/>
-                </a:ln>
-                <a:solidFill>
-                  <a:srgbClr val="660E7A"/>
-                </a:solidFill>
-                <a:effectLst/>
-                <a:latin typeface="Courier New" pitchFamily="49" charset="0"/>
-                <a:cs typeface="Courier New" pitchFamily="49" charset="0"/>
-              </a:rPr>
-              <a:t>car</a:t>
-            </a:r>
-            <a:r>
-              <a:rPr kumimoji="0" lang="ru-RU" altLang="ru-RU" b="0" i="0" u="none" strike="noStrike" cap="none" normalizeH="0" baseline="0" dirty="0" smtClean="0">
-                <a:ln>
-                  <a:noFill/>
-                </a:ln>
-                <a:solidFill>
-                  <a:srgbClr val="000000"/>
-                </a:solidFill>
-                <a:effectLst/>
-                <a:latin typeface="Courier New" pitchFamily="49" charset="0"/>
-                <a:cs typeface="Courier New" pitchFamily="49" charset="0"/>
-              </a:rPr>
-              <a:t>, </a:t>
-            </a:r>
-            <a:r>
-              <a:rPr kumimoji="0" lang="ru-RU" altLang="ru-RU" b="1" i="0" u="none" strike="noStrike" cap="none" normalizeH="0" baseline="0" dirty="0" err="1" smtClean="0">
-                <a:ln>
-                  <a:noFill/>
-                </a:ln>
-                <a:solidFill>
-                  <a:srgbClr val="660E7A"/>
-                </a:solidFill>
-                <a:effectLst/>
-                <a:latin typeface="Courier New" pitchFamily="49" charset="0"/>
-                <a:cs typeface="Courier New" pitchFamily="49" charset="0"/>
-              </a:rPr>
-              <a:t>account</a:t>
-            </a:r>
-            <a:r>
-              <a:rPr kumimoji="0" lang="ru-RU" altLang="ru-RU" b="0" i="0" u="none" strike="noStrike" cap="none" normalizeH="0" baseline="0" dirty="0" smtClean="0">
-                <a:ln>
-                  <a:noFill/>
-                </a:ln>
-                <a:solidFill>
-                  <a:srgbClr val="000000"/>
-                </a:solidFill>
-                <a:effectLst/>
-                <a:latin typeface="Courier New" pitchFamily="49" charset="0"/>
-                <a:cs typeface="Courier New" pitchFamily="49" charset="0"/>
-              </a:rPr>
-              <a:t>)</a:t>
-            </a:r>
+              <a:rPr kumimoji="0" lang="ru-RU" altLang="ru-RU" b="0" i="0" u="none" strike="noStrike" cap="none" normalizeH="0" baseline="0" dirty="0" smtClean="0">
+                <a:ln>
+                  <a:noFill/>
+                </a:ln>
+                <a:solidFill>
+                  <a:srgbClr val="000000"/>
+                </a:solidFill>
+                <a:effectLst/>
+                <a:latin typeface="Courier New" pitchFamily="49" charset="0"/>
+                <a:cs typeface="Courier New" pitchFamily="49" charset="0"/>
+              </a:rPr>
+              <a:t>,</a:t>
+            </a:r>
+            <a:endParaRPr kumimoji="0" lang="en-US" altLang="ru-RU" b="0" i="0" u="none" strike="noStrike" cap="none" normalizeH="0" baseline="0" dirty="0" smtClean="0">
+              <a:ln>
+                <a:noFill/>
+              </a:ln>
+              <a:solidFill>
+                <a:srgbClr val="000000"/>
+              </a:solidFill>
+              <a:effectLst/>
+              <a:latin typeface="Courier New" pitchFamily="49" charset="0"/>
+              <a:cs typeface="Courier New" pitchFamily="49" charset="0"/>
+            </a:endParaRPr>
           </a:p>
           <a:p>
             <a:pPr lvl="0" defTabSz="914400" fontAlgn="base">
@@ -21429,14 +21403,14 @@
               </a:spcAft>
             </a:pPr>
             <a:r>
-              <a:rPr lang="ru-RU" altLang="ru-RU" dirty="0" smtClean="0">
-                <a:solidFill>
-                  <a:srgbClr val="000000"/>
-                </a:solidFill>
-                <a:latin typeface="Courier New" pitchFamily="49" charset="0"/>
-                <a:cs typeface="Courier New" pitchFamily="49" charset="0"/>
-              </a:rPr>
-              <a:t>         </a:t>
+              <a:rPr lang="en-US" altLang="ru-RU" dirty="0">
+                <a:solidFill>
+                  <a:srgbClr val="000000"/>
+                </a:solidFill>
+                <a:latin typeface="Courier New" pitchFamily="49" charset="0"/>
+                <a:cs typeface="Courier New" pitchFamily="49" charset="0"/>
+              </a:rPr>
+              <a:t> </a:t>
             </a:r>
             <a:r>
               <a:rPr lang="en-US" altLang="ru-RU" dirty="0" smtClean="0">
@@ -21446,9 +21420,149 @@
                 <a:latin typeface="Courier New" pitchFamily="49" charset="0"/>
                 <a:cs typeface="Courier New" pitchFamily="49" charset="0"/>
               </a:rPr>
+              <a:t>            </a:t>
+            </a:r>
+            <a:r>
+              <a:rPr kumimoji="0" lang="ru-RU" altLang="ru-RU" b="0" i="0" u="none" strike="noStrike" cap="none" normalizeH="0" baseline="0" dirty="0" smtClean="0">
+                <a:ln>
+                  <a:noFill/>
+                </a:ln>
+                <a:solidFill>
+                  <a:srgbClr val="000000"/>
+                </a:solidFill>
+                <a:effectLst/>
+                <a:latin typeface="Courier New" pitchFamily="49" charset="0"/>
+                <a:cs typeface="Courier New" pitchFamily="49" charset="0"/>
+              </a:rPr>
+              <a:t>()</a:t>
+            </a:r>
+            <a:r>
+              <a:rPr kumimoji="0" lang="en-US" altLang="ru-RU" b="0" i="0" u="none" strike="noStrike" cap="none" normalizeH="0" baseline="0" dirty="0" smtClean="0">
+                <a:ln>
+                  <a:noFill/>
+                </a:ln>
+                <a:solidFill>
+                  <a:srgbClr val="000000"/>
+                </a:solidFill>
+                <a:effectLst/>
+                <a:latin typeface="Courier New" pitchFamily="49" charset="0"/>
+                <a:cs typeface="Courier New" pitchFamily="49" charset="0"/>
+              </a:rPr>
+              <a:t> </a:t>
+            </a:r>
+            <a:r>
+              <a:rPr kumimoji="0" lang="ru-RU" altLang="ru-RU" b="0" i="0" u="none" strike="noStrike" cap="none" normalizeH="0" baseline="0" dirty="0" smtClean="0">
+                <a:ln>
+                  <a:noFill/>
+                </a:ln>
+                <a:solidFill>
+                  <a:srgbClr val="000000"/>
+                </a:solidFill>
+                <a:effectLst/>
+                <a:latin typeface="Courier New" pitchFamily="49" charset="0"/>
+                <a:cs typeface="Courier New" pitchFamily="49" charset="0"/>
+              </a:rPr>
+              <a:t>-&gt; </a:t>
+            </a:r>
+            <a:r>
+              <a:rPr kumimoji="0" lang="ru-RU" altLang="ru-RU" b="1" i="0" u="none" strike="noStrike" cap="none" normalizeH="0" baseline="0" dirty="0" err="1" smtClean="0">
+                <a:ln>
+                  <a:noFill/>
+                </a:ln>
+                <a:solidFill>
+                  <a:srgbClr val="660E7A"/>
+                </a:solidFill>
+                <a:effectLst/>
+                <a:latin typeface="Courier New" pitchFamily="49" charset="0"/>
+                <a:cs typeface="Courier New" pitchFamily="49" charset="0"/>
+              </a:rPr>
+              <a:t>order</a:t>
+            </a:r>
+            <a:r>
+              <a:rPr kumimoji="0" lang="ru-RU" altLang="ru-RU" b="0" i="0" u="none" strike="noStrike" cap="none" normalizeH="0" baseline="0" dirty="0" err="1" smtClean="0">
+                <a:ln>
+                  <a:noFill/>
+                </a:ln>
+                <a:solidFill>
+                  <a:srgbClr val="000000"/>
+                </a:solidFill>
+                <a:effectLst/>
+                <a:latin typeface="Courier New" pitchFamily="49" charset="0"/>
+                <a:cs typeface="Courier New" pitchFamily="49" charset="0"/>
+              </a:rPr>
+              <a:t>.buyItem</a:t>
+            </a:r>
+            <a:r>
+              <a:rPr kumimoji="0" lang="ru-RU" altLang="ru-RU" b="0" i="0" u="none" strike="noStrike" cap="none" normalizeH="0" baseline="0" dirty="0" smtClean="0">
+                <a:ln>
+                  <a:noFill/>
+                </a:ln>
+                <a:solidFill>
+                  <a:srgbClr val="000000"/>
+                </a:solidFill>
+                <a:effectLst/>
+                <a:latin typeface="Courier New" pitchFamily="49" charset="0"/>
+                <a:cs typeface="Courier New" pitchFamily="49" charset="0"/>
+              </a:rPr>
+              <a:t>(</a:t>
+            </a:r>
+            <a:r>
+              <a:rPr kumimoji="0" lang="ru-RU" altLang="ru-RU" b="0" i="0" u="none" strike="noStrike" cap="none" normalizeH="0" baseline="0" dirty="0" err="1" smtClean="0">
+                <a:ln>
+                  <a:noFill/>
+                </a:ln>
+                <a:solidFill>
+                  <a:srgbClr val="660E7A"/>
+                </a:solidFill>
+                <a:effectLst/>
+                <a:latin typeface="Courier New" pitchFamily="49" charset="0"/>
+                <a:cs typeface="Courier New" pitchFamily="49" charset="0"/>
+              </a:rPr>
+              <a:t>car</a:t>
+            </a:r>
+            <a:r>
+              <a:rPr kumimoji="0" lang="ru-RU" altLang="ru-RU" b="0" i="0" u="none" strike="noStrike" cap="none" normalizeH="0" baseline="0" dirty="0" smtClean="0">
+                <a:ln>
+                  <a:noFill/>
+                </a:ln>
+                <a:solidFill>
+                  <a:srgbClr val="000000"/>
+                </a:solidFill>
+                <a:effectLst/>
+                <a:latin typeface="Courier New" pitchFamily="49" charset="0"/>
+                <a:cs typeface="Courier New" pitchFamily="49" charset="0"/>
+              </a:rPr>
               <a:t>, </a:t>
             </a:r>
             <a:r>
+              <a:rPr kumimoji="0" lang="ru-RU" altLang="ru-RU" b="1" i="0" u="none" strike="noStrike" cap="none" normalizeH="0" baseline="0" dirty="0" err="1" smtClean="0">
+                <a:ln>
+                  <a:noFill/>
+                </a:ln>
+                <a:solidFill>
+                  <a:srgbClr val="660E7A"/>
+                </a:solidFill>
+                <a:effectLst/>
+                <a:latin typeface="Courier New" pitchFamily="49" charset="0"/>
+                <a:cs typeface="Courier New" pitchFamily="49" charset="0"/>
+              </a:rPr>
+              <a:t>account</a:t>
+            </a:r>
+            <a:r>
+              <a:rPr kumimoji="0" lang="ru-RU" altLang="ru-RU" b="0" i="0" u="none" strike="noStrike" cap="none" normalizeH="0" baseline="0" dirty="0" smtClean="0">
+                <a:ln>
+                  <a:noFill/>
+                </a:ln>
+                <a:solidFill>
+                  <a:srgbClr val="000000"/>
+                </a:solidFill>
+                <a:effectLst/>
+                <a:latin typeface="Courier New" pitchFamily="49" charset="0"/>
+                <a:cs typeface="Courier New" pitchFamily="49" charset="0"/>
+              </a:rPr>
+              <a:t>), </a:t>
+            </a:r>
+            <a:r>
               <a:rPr lang="ru-RU" altLang="ru-RU" b="1" dirty="0">
                 <a:solidFill>
                   <a:srgbClr val="008000"/>
@@ -21456,38 +21570,149 @@
                 <a:latin typeface="Courier New" pitchFamily="49" charset="0"/>
                 <a:cs typeface="Courier New" pitchFamily="49" charset="0"/>
               </a:rPr>
-              <a:t>"Брошено исключение, так как средств недостаточно</a:t>
-            </a:r>
-            <a:r>
-              <a:rPr lang="ru-RU" altLang="ru-RU" b="1" dirty="0" smtClean="0">
+              <a:t>"</a:t>
+            </a:r>
+            <a:r>
+              <a:rPr lang="en-US" altLang="ru-RU" b="1" dirty="0" smtClean="0">
                 <a:solidFill>
                   <a:srgbClr val="008000"/>
                 </a:solidFill>
                 <a:latin typeface="Courier New" pitchFamily="49" charset="0"/>
                 <a:cs typeface="Courier New" pitchFamily="49" charset="0"/>
               </a:rPr>
+              <a:t>…</a:t>
+            </a:r>
+            <a:r>
+              <a:rPr kumimoji="0" lang="ru-RU" altLang="ru-RU" b="1" i="0" u="none" strike="noStrike" cap="none" normalizeH="0" baseline="0" dirty="0" smtClean="0">
+                <a:ln>
+                  <a:noFill/>
+                </a:ln>
+                <a:solidFill>
+                  <a:srgbClr val="008000"/>
+                </a:solidFill>
+                <a:effectLst/>
+                <a:latin typeface="Courier New" pitchFamily="49" charset="0"/>
+                <a:cs typeface="Courier New" pitchFamily="49" charset="0"/>
+              </a:rPr>
               <a:t>"</a:t>
             </a:r>
             <a:r>
-              <a:rPr lang="ru-RU" altLang="ru-RU" dirty="0" smtClean="0">
-                <a:solidFill>
-                  <a:srgbClr val="000000"/>
-                </a:solidFill>
-                <a:latin typeface="Courier New" pitchFamily="49" charset="0"/>
-                <a:cs typeface="Courier New" pitchFamily="49" charset="0"/>
-              </a:rPr>
-              <a:t>);</a:t>
-            </a:r>
-          </a:p>
-          <a:p>
-            <a:pPr lvl="0" defTabSz="914400" fontAlgn="base">
-              <a:spcBef>
-                <a:spcPct val="0"/>
-              </a:spcBef>
-              <a:spcAft>
-                <a:spcPct val="0"/>
-              </a:spcAft>
-            </a:pPr>
+              <a:rPr kumimoji="0" lang="ru-RU" altLang="ru-RU" b="0" i="0" u="none" strike="noStrike" cap="none" normalizeH="0" baseline="0" dirty="0" smtClean="0">
+                <a:ln>
+                  <a:noFill/>
+                </a:ln>
+                <a:solidFill>
+                  <a:srgbClr val="000000"/>
+                </a:solidFill>
+                <a:effectLst/>
+                <a:latin typeface="Courier New" pitchFamily="49" charset="0"/>
+                <a:cs typeface="Courier New" pitchFamily="49" charset="0"/>
+              </a:rPr>
+              <a:t>),</a:t>
+            </a:r>
+            <a:br>
+              <a:rPr kumimoji="0" lang="ru-RU" altLang="ru-RU" b="0" i="0" u="none" strike="noStrike" cap="none" normalizeH="0" baseline="0" dirty="0" smtClean="0">
+                <a:ln>
+                  <a:noFill/>
+                </a:ln>
+                <a:solidFill>
+                  <a:srgbClr val="000000"/>
+                </a:solidFill>
+                <a:effectLst/>
+                <a:latin typeface="Courier New" pitchFamily="49" charset="0"/>
+                <a:cs typeface="Courier New" pitchFamily="49" charset="0"/>
+              </a:rPr>
+            </a:br>
+            <a:r>
+              <a:rPr kumimoji="0" lang="ru-RU" altLang="ru-RU" b="0" i="0" u="none" strike="noStrike" cap="none" normalizeH="0" baseline="0" dirty="0" smtClean="0">
+                <a:ln>
+                  <a:noFill/>
+                </a:ln>
+                <a:solidFill>
+                  <a:srgbClr val="000000"/>
+                </a:solidFill>
+                <a:effectLst/>
+                <a:latin typeface="Courier New" pitchFamily="49" charset="0"/>
+                <a:cs typeface="Courier New" pitchFamily="49" charset="0"/>
+              </a:rPr>
+              <a:t>      ()</a:t>
+            </a:r>
+            <a:r>
+              <a:rPr kumimoji="0" lang="en-US" altLang="ru-RU" b="0" i="0" u="none" strike="noStrike" cap="none" normalizeH="0" baseline="0" dirty="0" smtClean="0">
+                <a:ln>
+                  <a:noFill/>
+                </a:ln>
+                <a:solidFill>
+                  <a:srgbClr val="000000"/>
+                </a:solidFill>
+                <a:effectLst/>
+                <a:latin typeface="Courier New" pitchFamily="49" charset="0"/>
+                <a:cs typeface="Courier New" pitchFamily="49" charset="0"/>
+              </a:rPr>
+              <a:t> </a:t>
+            </a:r>
+            <a:r>
+              <a:rPr kumimoji="0" lang="ru-RU" altLang="ru-RU" b="0" i="0" u="none" strike="noStrike" cap="none" normalizeH="0" baseline="0" dirty="0" smtClean="0">
+                <a:ln>
+                  <a:noFill/>
+                </a:ln>
+                <a:solidFill>
+                  <a:srgbClr val="000000"/>
+                </a:solidFill>
+                <a:effectLst/>
+                <a:latin typeface="Courier New" pitchFamily="49" charset="0"/>
+                <a:cs typeface="Courier New" pitchFamily="49" charset="0"/>
+              </a:rPr>
+              <a:t>-&gt; </a:t>
+            </a:r>
+            <a:r>
+              <a:rPr kumimoji="0" lang="ru-RU" altLang="ru-RU" b="0" i="1" u="none" strike="noStrike" cap="none" normalizeH="0" baseline="0" dirty="0" err="1" smtClean="0">
+                <a:ln>
+                  <a:noFill/>
+                </a:ln>
+                <a:solidFill>
+                  <a:srgbClr val="000000"/>
+                </a:solidFill>
+                <a:effectLst/>
+                <a:latin typeface="Courier New" pitchFamily="49" charset="0"/>
+                <a:cs typeface="Courier New" pitchFamily="49" charset="0"/>
+              </a:rPr>
+              <a:t>assertAll</a:t>
+            </a:r>
+            <a:r>
+              <a:rPr kumimoji="0" lang="ru-RU" altLang="ru-RU" b="0" i="0" u="none" strike="noStrike" cap="none" normalizeH="0" baseline="0" dirty="0" smtClean="0">
+                <a:ln>
+                  <a:noFill/>
+                </a:ln>
+                <a:solidFill>
+                  <a:srgbClr val="000000"/>
+                </a:solidFill>
+                <a:effectLst/>
+                <a:latin typeface="Courier New" pitchFamily="49" charset="0"/>
+                <a:cs typeface="Courier New" pitchFamily="49" charset="0"/>
+              </a:rPr>
+              <a:t>(</a:t>
+            </a:r>
+            <a:r>
+              <a:rPr lang="ru-RU" altLang="ru-RU" b="1" dirty="0">
+                <a:solidFill>
+                  <a:srgbClr val="008000"/>
+                </a:solidFill>
+                <a:latin typeface="Courier New" pitchFamily="49" charset="0"/>
+                <a:cs typeface="Courier New" pitchFamily="49" charset="0"/>
+              </a:rPr>
+              <a:t>"Состояние объектов не изменилось"</a:t>
+            </a:r>
+            <a:r>
+              <a:rPr lang="ru-RU" altLang="ru-RU" dirty="0">
+                <a:solidFill>
+                  <a:srgbClr val="000000"/>
+                </a:solidFill>
+                <a:latin typeface="Courier New" pitchFamily="49" charset="0"/>
+                <a:cs typeface="Courier New" pitchFamily="49" charset="0"/>
+              </a:rPr>
+              <a:t>,</a:t>
+            </a:r>
             <a:r>
               <a:rPr kumimoji="0" lang="ru-RU" altLang="ru-RU" b="0" i="0" u="none" strike="noStrike" cap="none" normalizeH="0" baseline="0" dirty="0" smtClean="0">
                 <a:ln>
@@ -21516,18 +21741,88 @@
               </a:rPr>
             </a:br>
             <a:r>
-              <a:rPr kumimoji="0" lang="ru-RU" altLang="ru-RU" b="0" i="0" u="none" strike="noStrike" cap="none" normalizeH="0" baseline="0" dirty="0" smtClean="0">
-                <a:ln>
-                  <a:noFill/>
-                </a:ln>
-                <a:solidFill>
-                  <a:srgbClr val="000000"/>
-                </a:solidFill>
-                <a:effectLst/>
-                <a:latin typeface="Courier New" pitchFamily="49" charset="0"/>
-                <a:cs typeface="Courier New" pitchFamily="49" charset="0"/>
-              </a:rPr>
-              <a:t>    </a:t>
+              <a:rPr kumimoji="0" lang="en-US" altLang="ru-RU" b="0" i="0" u="none" strike="noStrike" cap="none" normalizeH="0" baseline="0" dirty="0" smtClean="0">
+                <a:ln>
+                  <a:noFill/>
+                </a:ln>
+                <a:solidFill>
+                  <a:srgbClr val="000000"/>
+                </a:solidFill>
+                <a:effectLst/>
+                <a:latin typeface="Courier New" pitchFamily="49" charset="0"/>
+                <a:cs typeface="Courier New" pitchFamily="49" charset="0"/>
+              </a:rPr>
+              <a:t> </a:t>
+            </a:r>
+            <a:r>
+              <a:rPr kumimoji="0" lang="ru-RU" altLang="ru-RU" b="0" i="0" u="none" strike="noStrike" cap="none" normalizeH="0" baseline="0" dirty="0" smtClean="0">
+                <a:ln>
+                  <a:noFill/>
+                </a:ln>
+                <a:solidFill>
+                  <a:srgbClr val="000000"/>
+                </a:solidFill>
+                <a:effectLst/>
+                <a:latin typeface="Courier New" pitchFamily="49" charset="0"/>
+                <a:cs typeface="Courier New" pitchFamily="49" charset="0"/>
+              </a:rPr>
+              <a:t>       </a:t>
+            </a:r>
+            <a:r>
+              <a:rPr kumimoji="0" lang="en-US" altLang="ru-RU" b="0" i="0" u="none" strike="noStrike" cap="none" normalizeH="0" baseline="0" dirty="0" smtClean="0">
+                <a:ln>
+                  <a:noFill/>
+                </a:ln>
+                <a:solidFill>
+                  <a:srgbClr val="000000"/>
+                </a:solidFill>
+                <a:effectLst/>
+                <a:latin typeface="Courier New" pitchFamily="49" charset="0"/>
+                <a:cs typeface="Courier New" pitchFamily="49" charset="0"/>
+              </a:rPr>
+              <a:t>  </a:t>
+            </a:r>
+            <a:r>
+              <a:rPr kumimoji="0" lang="ru-RU" altLang="ru-RU" b="0" i="0" u="none" strike="noStrike" cap="none" normalizeH="0" baseline="0" dirty="0" smtClean="0">
+                <a:ln>
+                  <a:noFill/>
+                </a:ln>
+                <a:solidFill>
+                  <a:srgbClr val="000000"/>
+                </a:solidFill>
+                <a:effectLst/>
+                <a:latin typeface="Courier New" pitchFamily="49" charset="0"/>
+                <a:cs typeface="Courier New" pitchFamily="49" charset="0"/>
+              </a:rPr>
+              <a:t>   ()</a:t>
+            </a:r>
+            <a:r>
+              <a:rPr kumimoji="0" lang="en-US" altLang="ru-RU" b="0" i="0" u="none" strike="noStrike" cap="none" normalizeH="0" baseline="0" dirty="0" smtClean="0">
+                <a:ln>
+                  <a:noFill/>
+                </a:ln>
+                <a:solidFill>
+                  <a:srgbClr val="000000"/>
+                </a:solidFill>
+                <a:effectLst/>
+                <a:latin typeface="Courier New" pitchFamily="49" charset="0"/>
+                <a:cs typeface="Courier New" pitchFamily="49" charset="0"/>
+              </a:rPr>
+              <a:t> </a:t>
+            </a:r>
+            <a:r>
+              <a:rPr kumimoji="0" lang="ru-RU" altLang="ru-RU" b="0" i="0" u="none" strike="noStrike" cap="none" normalizeH="0" baseline="0" dirty="0" smtClean="0">
+                <a:ln>
+                  <a:noFill/>
+                </a:ln>
+                <a:solidFill>
+                  <a:srgbClr val="000000"/>
+                </a:solidFill>
+                <a:effectLst/>
+                <a:latin typeface="Courier New" pitchFamily="49" charset="0"/>
+                <a:cs typeface="Courier New" pitchFamily="49" charset="0"/>
+              </a:rPr>
+              <a:t>-&gt; </a:t>
             </a:r>
             <a:r>
               <a:rPr kumimoji="0" lang="ru-RU" altLang="ru-RU" b="0" i="1" u="none" strike="noStrike" cap="none" normalizeH="0" baseline="0" dirty="0" err="1" smtClean="0">
@@ -21619,27 +21914,41 @@
                   <a:noFill/>
                 </a:ln>
                 <a:solidFill>
-                  <a:srgbClr val="000000"/>
-                </a:solidFill>
-                <a:effectLst/>
-                <a:latin typeface="Courier New" pitchFamily="49" charset="0"/>
-                <a:cs typeface="Courier New" pitchFamily="49" charset="0"/>
-              </a:rPr>
-              <a:t>car.getPrice</a:t>
-            </a:r>
-            <a:r>
-              <a:rPr kumimoji="0" lang="ru-RU" altLang="ru-RU" b="0" i="0" u="none" strike="noStrike" cap="none" normalizeH="0" baseline="0" dirty="0" smtClean="0">
-                <a:ln>
-                  <a:noFill/>
-                </a:ln>
-                <a:solidFill>
-                  <a:srgbClr val="000000"/>
-                </a:solidFill>
-                <a:effectLst/>
-                <a:latin typeface="Courier New" pitchFamily="49" charset="0"/>
-                <a:cs typeface="Courier New" pitchFamily="49" charset="0"/>
-              </a:rPr>
-              <a:t>());</a:t>
+                  <a:srgbClr val="660E7A"/>
+                </a:solidFill>
+                <a:effectLst/>
+                <a:latin typeface="Courier New" pitchFamily="49" charset="0"/>
+                <a:cs typeface="Courier New" pitchFamily="49" charset="0"/>
+              </a:rPr>
+              <a:t>car</a:t>
+            </a:r>
+            <a:r>
+              <a:rPr kumimoji="0" lang="ru-RU" altLang="ru-RU" b="0" i="0" u="none" strike="noStrike" cap="none" normalizeH="0" baseline="0" dirty="0" err="1" smtClean="0">
+                <a:ln>
+                  <a:noFill/>
+                </a:ln>
+                <a:solidFill>
+                  <a:srgbClr val="000000"/>
+                </a:solidFill>
+                <a:effectLst/>
+                <a:latin typeface="Courier New" pitchFamily="49" charset="0"/>
+                <a:cs typeface="Courier New" pitchFamily="49" charset="0"/>
+              </a:rPr>
+              <a:t>.getPrice</a:t>
+            </a:r>
+            <a:r>
+              <a:rPr kumimoji="0" lang="ru-RU" altLang="ru-RU" b="0" i="0" u="none" strike="noStrike" cap="none" normalizeH="0" baseline="0" dirty="0" smtClean="0">
+                <a:ln>
+                  <a:noFill/>
+                </a:ln>
+                <a:solidFill>
+                  <a:srgbClr val="000000"/>
+                </a:solidFill>
+                <a:effectLst/>
+                <a:latin typeface="Courier New" pitchFamily="49" charset="0"/>
+                <a:cs typeface="Courier New" pitchFamily="49" charset="0"/>
+              </a:rPr>
+              <a:t>()),</a:t>
             </a:r>
             <a:br>
               <a:rPr kumimoji="0" lang="ru-RU" altLang="ru-RU" b="0" i="0" u="none" strike="noStrike" cap="none" normalizeH="0" baseline="0" dirty="0" smtClean="0">
@@ -21666,7 +21975,35 @@
                 <a:latin typeface="Courier New" pitchFamily="49" charset="0"/>
                 <a:cs typeface="Courier New" pitchFamily="49" charset="0"/>
               </a:rPr>
-              <a:t>    </a:t>
+              <a:t>             ()</a:t>
+            </a:r>
+            <a:r>
+              <a:rPr kumimoji="0" lang="en-US" altLang="ru-RU" b="0" i="0" u="none" strike="noStrike" cap="none" normalizeH="0" baseline="0" dirty="0" smtClean="0">
+                <a:ln>
+                  <a:noFill/>
+                </a:ln>
+                <a:solidFill>
+                  <a:srgbClr val="000000"/>
+                </a:solidFill>
+                <a:effectLst/>
+                <a:latin typeface="Courier New" pitchFamily="49" charset="0"/>
+                <a:cs typeface="Courier New" pitchFamily="49" charset="0"/>
+              </a:rPr>
+              <a:t> </a:t>
+            </a:r>
+            <a:r>
+              <a:rPr kumimoji="0" lang="ru-RU" altLang="ru-RU" b="0" i="0" u="none" strike="noStrike" cap="none" normalizeH="0" baseline="0" dirty="0" smtClean="0">
+                <a:ln>
+                  <a:noFill/>
+                </a:ln>
+                <a:solidFill>
+                  <a:srgbClr val="000000"/>
+                </a:solidFill>
+                <a:effectLst/>
+                <a:latin typeface="Courier New" pitchFamily="49" charset="0"/>
+                <a:cs typeface="Courier New" pitchFamily="49" charset="0"/>
+              </a:rPr>
+              <a:t>-&gt; </a:t>
             </a:r>
             <a:r>
               <a:rPr kumimoji="0" lang="ru-RU" altLang="ru-RU" b="0" i="1" u="none" strike="noStrike" cap="none" normalizeH="0" baseline="0" dirty="0" err="1" smtClean="0">
@@ -21764,71 +22101,75 @@
                 <a:latin typeface="Courier New" pitchFamily="49" charset="0"/>
                 <a:cs typeface="Courier New" pitchFamily="49" charset="0"/>
               </a:rPr>
-              <a:t>()</a:t>
-            </a:r>
-          </a:p>
-          <a:p>
-            <a:pPr lvl="0" defTabSz="914400" fontAlgn="base">
-              <a:spcBef>
-                <a:spcPct val="0"/>
-              </a:spcBef>
-              <a:spcAft>
-                <a:spcPct val="0"/>
-              </a:spcAft>
-            </a:pPr>
-            <a:r>
-              <a:rPr lang="ru-RU" altLang="ru-RU" dirty="0" smtClean="0">
-                <a:solidFill>
-                  <a:srgbClr val="000000"/>
-                </a:solidFill>
-                <a:latin typeface="Courier New" pitchFamily="49" charset="0"/>
-                <a:cs typeface="Courier New" pitchFamily="49" charset="0"/>
-              </a:rPr>
-              <a:t>         </a:t>
-            </a:r>
-            <a:r>
-              <a:rPr lang="en-US" altLang="ru-RU" dirty="0" smtClean="0">
-                <a:solidFill>
-                  <a:srgbClr val="000000"/>
-                </a:solidFill>
-                <a:latin typeface="Courier New" pitchFamily="49" charset="0"/>
-                <a:cs typeface="Courier New" pitchFamily="49" charset="0"/>
-              </a:rPr>
-              <a:t>, </a:t>
-            </a:r>
-            <a:r>
-              <a:rPr lang="ru-RU" altLang="ru-RU" b="1" dirty="0">
-                <a:solidFill>
-                  <a:srgbClr val="008000"/>
-                </a:solidFill>
-                <a:latin typeface="Courier New" pitchFamily="49" charset="0"/>
-                <a:cs typeface="Courier New" pitchFamily="49" charset="0"/>
-              </a:rPr>
-              <a:t>"Список приобретённых товаров остался пустым"</a:t>
-            </a:r>
-            <a:r>
-              <a:rPr lang="ru-RU" altLang="ru-RU" dirty="0">
-                <a:solidFill>
-                  <a:srgbClr val="000000"/>
-                </a:solidFill>
-                <a:latin typeface="Courier New" pitchFamily="49" charset="0"/>
-                <a:cs typeface="Courier New" pitchFamily="49" charset="0"/>
-              </a:rPr>
-              <a:t>);</a:t>
-            </a:r>
-            <a:r>
-              <a:rPr kumimoji="0" lang="ru-RU" altLang="ru-RU" b="0" i="0" u="none" strike="noStrike" cap="none" normalizeH="0" baseline="0" dirty="0" smtClean="0">
-                <a:ln>
-                  <a:noFill/>
-                </a:ln>
-                <a:solidFill>
-                  <a:srgbClr val="000000"/>
-                </a:solidFill>
-                <a:effectLst/>
-                <a:latin typeface="Courier New" pitchFamily="49" charset="0"/>
-                <a:cs typeface="Courier New" pitchFamily="49" charset="0"/>
-              </a:rPr>
-              <a:t/>
+              <a:t>())</a:t>
+            </a:r>
+            <a:br>
+              <a:rPr kumimoji="0" lang="ru-RU" altLang="ru-RU" b="0" i="0" u="none" strike="noStrike" cap="none" normalizeH="0" baseline="0" dirty="0" smtClean="0">
+                <a:ln>
+                  <a:noFill/>
+                </a:ln>
+                <a:solidFill>
+                  <a:srgbClr val="000000"/>
+                </a:solidFill>
+                <a:effectLst/>
+                <a:latin typeface="Courier New" pitchFamily="49" charset="0"/>
+                <a:cs typeface="Courier New" pitchFamily="49" charset="0"/>
+              </a:rPr>
+            </a:br>
+            <a:r>
+              <a:rPr kumimoji="0" lang="en-US" altLang="ru-RU" b="0" i="0" u="none" strike="noStrike" cap="none" normalizeH="0" baseline="0" dirty="0" smtClean="0">
+                <a:ln>
+                  <a:noFill/>
+                </a:ln>
+                <a:solidFill>
+                  <a:srgbClr val="000000"/>
+                </a:solidFill>
+                <a:effectLst/>
+                <a:latin typeface="Courier New" pitchFamily="49" charset="0"/>
+                <a:cs typeface="Courier New" pitchFamily="49" charset="0"/>
+              </a:rPr>
+              <a:t>   </a:t>
+            </a:r>
+            <a:r>
+              <a:rPr kumimoji="0" lang="ru-RU" altLang="ru-RU" b="0" i="0" u="none" strike="noStrike" cap="none" normalizeH="0" baseline="0" dirty="0" smtClean="0">
+                <a:ln>
+                  <a:noFill/>
+                </a:ln>
+                <a:solidFill>
+                  <a:srgbClr val="000000"/>
+                </a:solidFill>
+                <a:effectLst/>
+                <a:latin typeface="Courier New" pitchFamily="49" charset="0"/>
+                <a:cs typeface="Courier New" pitchFamily="49" charset="0"/>
+              </a:rPr>
+              <a:t>        )</a:t>
+            </a:r>
+            <a:br>
+              <a:rPr kumimoji="0" lang="ru-RU" altLang="ru-RU" b="0" i="0" u="none" strike="noStrike" cap="none" normalizeH="0" baseline="0" dirty="0" smtClean="0">
+                <a:ln>
+                  <a:noFill/>
+                </a:ln>
+                <a:solidFill>
+                  <a:srgbClr val="000000"/>
+                </a:solidFill>
+                <a:effectLst/>
+                <a:latin typeface="Courier New" pitchFamily="49" charset="0"/>
+                <a:cs typeface="Courier New" pitchFamily="49" charset="0"/>
+              </a:rPr>
+            </a:br>
+            <a:r>
+              <a:rPr kumimoji="0" lang="ru-RU" altLang="ru-RU" b="0" i="0" u="none" strike="noStrike" cap="none" normalizeH="0" baseline="0" dirty="0" smtClean="0">
+                <a:ln>
+                  <a:noFill/>
+                </a:ln>
+                <a:solidFill>
+                  <a:srgbClr val="000000"/>
+                </a:solidFill>
+                <a:effectLst/>
+                <a:latin typeface="Courier New" pitchFamily="49" charset="0"/>
+                <a:cs typeface="Courier New" pitchFamily="49" charset="0"/>
+              </a:rPr>
+              <a:t>    );</a:t>
             </a:r>
             <a:br>
               <a:rPr kumimoji="0" lang="ru-RU" altLang="ru-RU" b="0" i="0" u="none" strike="noStrike" cap="none" normalizeH="0" baseline="0" dirty="0" smtClean="0">
@@ -23426,21 +23767,7 @@
                 <a:latin typeface="Courier New" pitchFamily="49" charset="0"/>
                 <a:cs typeface="Courier New" pitchFamily="49" charset="0"/>
               </a:rPr>
-              <a:t> </a:t>
-            </a:r>
-            <a:r>
-              <a:rPr kumimoji="0" lang="ru-RU" altLang="ru-RU" b="0" i="0" u="none" strike="noStrike" cap="none" normalizeH="0" baseline="0" dirty="0" smtClean="0">
-                <a:ln>
-                  <a:noFill/>
-                </a:ln>
-                <a:solidFill>
-                  <a:srgbClr val="000000"/>
-                </a:solidFill>
-                <a:effectLst/>
-                <a:latin typeface="Courier New" pitchFamily="49" charset="0"/>
-                <a:cs typeface="Courier New" pitchFamily="49" charset="0"/>
-              </a:rPr>
-              <a:t>{</a:t>
+              <a:t> {</a:t>
             </a:r>
           </a:p>
           <a:p>
@@ -35454,7 +35781,7 @@
       </p:sp>
       <p:sp>
         <p:nvSpPr>
-          <p:cNvPr id="4" name="Rectangle 3"/>
+          <p:cNvPr id="2" name="Rectangle 4"/>
           <p:cNvSpPr>
             <a:spLocks noChangeArrowheads="1"/>
           </p:cNvSpPr>
@@ -35462,8 +35789,8 @@
         </p:nvSpPr>
         <p:spPr bwMode="auto">
           <a:xfrm>
-            <a:off x="0" y="583137"/>
-            <a:ext cx="9144000" cy="5909310"/>
+            <a:off x="-1" y="676909"/>
+            <a:ext cx="9283311" cy="6186309"/>
           </a:xfrm>
           <a:prstGeom prst="rect">
             <a:avLst/>
@@ -35475,7 +35802,7 @@
           <a:effectLst/>
         </p:spPr>
         <p:txBody>
-          <a:bodyPr vert="horz" wrap="square" lIns="91440" tIns="45720" rIns="91440" bIns="45720" numCol="1" anchor="ctr" anchorCtr="0" compatLnSpc="1">
+          <a:bodyPr vert="horz" wrap="none" lIns="91440" tIns="45720" rIns="91440" bIns="45720" numCol="1" anchor="ctr" anchorCtr="0" compatLnSpc="1">
             <a:prstTxWarp prst="textNoShape">
               <a:avLst/>
             </a:prstTxWarp>
@@ -35631,88 +35958,1233 @@
               <a:t> </a:t>
             </a:r>
             <a:r>
+              <a:rPr kumimoji="0" lang="ru-RU" altLang="ru-RU" b="1" i="0" u="none" strike="noStrike" cap="none" normalizeH="0" baseline="0" dirty="0" err="1" smtClean="0">
+                <a:ln>
+                  <a:noFill/>
+                </a:ln>
+                <a:solidFill>
+                  <a:srgbClr val="660E7A"/>
+                </a:solidFill>
+                <a:effectLst/>
+                <a:latin typeface="Courier New" pitchFamily="49" charset="0"/>
+                <a:cs typeface="Courier New" pitchFamily="49" charset="0"/>
+              </a:rPr>
+              <a:t>account</a:t>
+            </a:r>
+            <a:r>
+              <a:rPr lang="ru-RU" altLang="ru-RU" b="1" dirty="0">
+                <a:solidFill>
+                  <a:srgbClr val="660E7A"/>
+                </a:solidFill>
+                <a:latin typeface="Courier New" pitchFamily="49" charset="0"/>
+                <a:cs typeface="Courier New" pitchFamily="49" charset="0"/>
+              </a:rPr>
+              <a:t> </a:t>
+            </a:r>
+            <a:r>
+              <a:rPr lang="ru-RU" altLang="ru-RU" dirty="0">
+                <a:solidFill>
+                  <a:srgbClr val="000000"/>
+                </a:solidFill>
+                <a:latin typeface="Courier New" pitchFamily="49" charset="0"/>
+                <a:cs typeface="Courier New" pitchFamily="49" charset="0"/>
+              </a:rPr>
+              <a:t>= </a:t>
+            </a:r>
+            <a:r>
               <a:rPr lang="ru-RU" altLang="ru-RU" b="1" dirty="0" err="1">
                 <a:solidFill>
+                  <a:srgbClr val="000080"/>
+                </a:solidFill>
+                <a:latin typeface="Courier New" pitchFamily="49" charset="0"/>
+                <a:cs typeface="Courier New" pitchFamily="49" charset="0"/>
+              </a:rPr>
+              <a:t>new</a:t>
+            </a:r>
+            <a:r>
+              <a:rPr lang="ru-RU" altLang="ru-RU" b="1" dirty="0">
+                <a:solidFill>
+                  <a:srgbClr val="000080"/>
+                </a:solidFill>
+                <a:latin typeface="Courier New" pitchFamily="49" charset="0"/>
+                <a:cs typeface="Courier New" pitchFamily="49" charset="0"/>
+              </a:rPr>
+              <a:t> </a:t>
+            </a:r>
+            <a:r>
+              <a:rPr lang="ru-RU" altLang="ru-RU" dirty="0" err="1">
+                <a:solidFill>
+                  <a:srgbClr val="000000"/>
+                </a:solidFill>
+                <a:latin typeface="Courier New" pitchFamily="49" charset="0"/>
+                <a:cs typeface="Courier New" pitchFamily="49" charset="0"/>
+              </a:rPr>
+              <a:t>PaymentBankAccount</a:t>
+            </a:r>
+            <a:r>
+              <a:rPr lang="ru-RU" altLang="ru-RU" dirty="0" smtClean="0">
+                <a:solidFill>
+                  <a:srgbClr val="000000"/>
+                </a:solidFill>
+                <a:latin typeface="Courier New" pitchFamily="49" charset="0"/>
+                <a:cs typeface="Courier New" pitchFamily="49" charset="0"/>
+              </a:rPr>
+              <a:t>();</a:t>
+            </a:r>
+            <a:r>
+              <a:rPr kumimoji="0" lang="ru-RU" altLang="ru-RU" b="0" i="0" u="none" strike="noStrike" cap="none" normalizeH="0" baseline="0" dirty="0" smtClean="0">
+                <a:ln>
+                  <a:noFill/>
+                </a:ln>
+                <a:solidFill>
+                  <a:srgbClr val="000000"/>
+                </a:solidFill>
+                <a:effectLst/>
+                <a:latin typeface="Courier New" pitchFamily="49" charset="0"/>
+                <a:cs typeface="Courier New" pitchFamily="49" charset="0"/>
+              </a:rPr>
+              <a:t/>
+            </a:r>
+            <a:br>
+              <a:rPr kumimoji="0" lang="ru-RU" altLang="ru-RU" b="0" i="0" u="none" strike="noStrike" cap="none" normalizeH="0" baseline="0" dirty="0" smtClean="0">
+                <a:ln>
+                  <a:noFill/>
+                </a:ln>
+                <a:solidFill>
+                  <a:srgbClr val="000000"/>
+                </a:solidFill>
+                <a:effectLst/>
+                <a:latin typeface="Courier New" pitchFamily="49" charset="0"/>
+                <a:cs typeface="Courier New" pitchFamily="49" charset="0"/>
+              </a:rPr>
+            </a:br>
+            <a:r>
+              <a:rPr kumimoji="0" lang="ru-RU" altLang="ru-RU" b="0" i="0" u="none" strike="noStrike" cap="none" normalizeH="0" baseline="0" dirty="0" smtClean="0">
+                <a:ln>
+                  <a:noFill/>
+                </a:ln>
+                <a:solidFill>
+                  <a:srgbClr val="000000"/>
+                </a:solidFill>
+                <a:effectLst/>
+                <a:latin typeface="Courier New" pitchFamily="49" charset="0"/>
+                <a:cs typeface="Courier New" pitchFamily="49" charset="0"/>
+              </a:rPr>
+              <a:t>  </a:t>
+            </a:r>
+            <a:r>
+              <a:rPr kumimoji="0" lang="ru-RU" altLang="ru-RU" b="1" i="0" u="none" strike="noStrike" cap="none" normalizeH="0" baseline="0" dirty="0" err="1" smtClean="0">
+                <a:ln>
+                  <a:noFill/>
+                </a:ln>
+                <a:solidFill>
+                  <a:srgbClr val="000080"/>
+                </a:solidFill>
+                <a:effectLst/>
+                <a:latin typeface="Courier New" pitchFamily="49" charset="0"/>
+                <a:cs typeface="Courier New" pitchFamily="49" charset="0"/>
+              </a:rPr>
+              <a:t>private</a:t>
+            </a:r>
+            <a:r>
+              <a:rPr kumimoji="0" lang="ru-RU" altLang="ru-RU" b="1" i="0" u="none" strike="noStrike" cap="none" normalizeH="0" baseline="0" dirty="0" smtClean="0">
+                <a:ln>
+                  <a:noFill/>
+                </a:ln>
+                <a:solidFill>
+                  <a:srgbClr val="000080"/>
+                </a:solidFill>
+                <a:effectLst/>
+                <a:latin typeface="Courier New" pitchFamily="49" charset="0"/>
+                <a:cs typeface="Courier New" pitchFamily="49" charset="0"/>
+              </a:rPr>
+              <a:t> </a:t>
+            </a:r>
+            <a:r>
+              <a:rPr kumimoji="0" lang="ru-RU" altLang="ru-RU" b="0" i="0" u="none" strike="noStrike" cap="none" normalizeH="0" baseline="0" dirty="0" err="1" smtClean="0">
+                <a:ln>
+                  <a:noFill/>
+                </a:ln>
+                <a:solidFill>
+                  <a:srgbClr val="000000"/>
+                </a:solidFill>
+                <a:effectLst/>
+                <a:latin typeface="Courier New" pitchFamily="49" charset="0"/>
+                <a:cs typeface="Courier New" pitchFamily="49" charset="0"/>
+              </a:rPr>
+              <a:t>Order</a:t>
+            </a:r>
+            <a:r>
+              <a:rPr kumimoji="0" lang="ru-RU" altLang="ru-RU" b="0" i="0" u="none" strike="noStrike" cap="none" normalizeH="0" baseline="0" dirty="0" smtClean="0">
+                <a:ln>
+                  <a:noFill/>
+                </a:ln>
+                <a:solidFill>
+                  <a:srgbClr val="000000"/>
+                </a:solidFill>
+                <a:effectLst/>
+                <a:latin typeface="Courier New" pitchFamily="49" charset="0"/>
+                <a:cs typeface="Courier New" pitchFamily="49" charset="0"/>
+              </a:rPr>
+              <a:t> </a:t>
+            </a:r>
+            <a:r>
+              <a:rPr kumimoji="0" lang="ru-RU" altLang="ru-RU" b="1" i="0" u="none" strike="noStrike" cap="none" normalizeH="0" baseline="0" dirty="0" err="1" smtClean="0">
+                <a:ln>
+                  <a:noFill/>
+                </a:ln>
+                <a:solidFill>
                   <a:srgbClr val="660E7A"/>
                 </a:solidFill>
+                <a:effectLst/>
+                <a:latin typeface="Courier New" pitchFamily="49" charset="0"/>
+                <a:cs typeface="Courier New" pitchFamily="49" charset="0"/>
+              </a:rPr>
+              <a:t>order</a:t>
+            </a:r>
+            <a:r>
+              <a:rPr lang="ru-RU" altLang="ru-RU" b="1" dirty="0">
+                <a:solidFill>
+                  <a:srgbClr val="660E7A"/>
+                </a:solidFill>
+                <a:latin typeface="Courier New" pitchFamily="49" charset="0"/>
+                <a:cs typeface="Courier New" pitchFamily="49" charset="0"/>
+              </a:rPr>
+              <a:t> </a:t>
+            </a:r>
+            <a:r>
+              <a:rPr lang="ru-RU" altLang="ru-RU" dirty="0">
+                <a:solidFill>
+                  <a:srgbClr val="000000"/>
+                </a:solidFill>
+                <a:latin typeface="Courier New" pitchFamily="49" charset="0"/>
+                <a:cs typeface="Courier New" pitchFamily="49" charset="0"/>
+              </a:rPr>
+              <a:t>= </a:t>
+            </a:r>
+            <a:r>
+              <a:rPr lang="ru-RU" altLang="ru-RU" b="1" dirty="0" err="1" smtClean="0">
+                <a:solidFill>
+                  <a:srgbClr val="000080"/>
+                </a:solidFill>
+                <a:latin typeface="Courier New" pitchFamily="49" charset="0"/>
+                <a:cs typeface="Courier New" pitchFamily="49" charset="0"/>
+              </a:rPr>
+              <a:t>new</a:t>
+            </a:r>
+            <a:r>
+              <a:rPr lang="ru-RU" altLang="ru-RU" b="1" dirty="0" smtClean="0">
+                <a:solidFill>
+                  <a:srgbClr val="000080"/>
+                </a:solidFill>
+                <a:latin typeface="Courier New" pitchFamily="49" charset="0"/>
+                <a:cs typeface="Courier New" pitchFamily="49" charset="0"/>
+              </a:rPr>
+              <a:t> </a:t>
+            </a:r>
+            <a:r>
+              <a:rPr lang="ru-RU" altLang="ru-RU" dirty="0" err="1" smtClean="0">
+                <a:solidFill>
+                  <a:srgbClr val="000000"/>
+                </a:solidFill>
+                <a:latin typeface="Courier New" pitchFamily="49" charset="0"/>
+                <a:cs typeface="Courier New" pitchFamily="49" charset="0"/>
+              </a:rPr>
+              <a:t>Order</a:t>
+            </a:r>
+            <a:r>
+              <a:rPr lang="ru-RU" altLang="ru-RU" dirty="0" smtClean="0">
+                <a:solidFill>
+                  <a:srgbClr val="000000"/>
+                </a:solidFill>
+                <a:latin typeface="Courier New" pitchFamily="49" charset="0"/>
+                <a:cs typeface="Courier New" pitchFamily="49" charset="0"/>
+              </a:rPr>
+              <a:t>();</a:t>
+            </a:r>
+            <a:r>
+              <a:rPr kumimoji="0" lang="ru-RU" altLang="ru-RU" b="0" i="0" u="none" strike="noStrike" cap="none" normalizeH="0" baseline="0" dirty="0" smtClean="0">
+                <a:ln>
+                  <a:noFill/>
+                </a:ln>
+                <a:solidFill>
+                  <a:srgbClr val="000000"/>
+                </a:solidFill>
+                <a:effectLst/>
+                <a:latin typeface="Courier New" pitchFamily="49" charset="0"/>
+                <a:cs typeface="Courier New" pitchFamily="49" charset="0"/>
+              </a:rPr>
+              <a:t/>
+            </a:r>
+            <a:br>
+              <a:rPr kumimoji="0" lang="ru-RU" altLang="ru-RU" b="0" i="0" u="none" strike="noStrike" cap="none" normalizeH="0" baseline="0" dirty="0" smtClean="0">
+                <a:ln>
+                  <a:noFill/>
+                </a:ln>
+                <a:solidFill>
+                  <a:srgbClr val="000000"/>
+                </a:solidFill>
+                <a:effectLst/>
+                <a:latin typeface="Courier New" pitchFamily="49" charset="0"/>
+                <a:cs typeface="Courier New" pitchFamily="49" charset="0"/>
+              </a:rPr>
+            </a:br>
+            <a:r>
+              <a:rPr kumimoji="0" lang="ru-RU" altLang="ru-RU" b="0" i="0" u="none" strike="noStrike" cap="none" normalizeH="0" baseline="0" dirty="0" smtClean="0">
+                <a:ln>
+                  <a:noFill/>
+                </a:ln>
+                <a:solidFill>
+                  <a:srgbClr val="000000"/>
+                </a:solidFill>
+                <a:effectLst/>
+                <a:latin typeface="Courier New" pitchFamily="49" charset="0"/>
+                <a:cs typeface="Courier New" pitchFamily="49" charset="0"/>
+              </a:rPr>
+              <a:t/>
+            </a:r>
+            <a:br>
+              <a:rPr kumimoji="0" lang="ru-RU" altLang="ru-RU" b="0" i="0" u="none" strike="noStrike" cap="none" normalizeH="0" baseline="0" dirty="0" smtClean="0">
+                <a:ln>
+                  <a:noFill/>
+                </a:ln>
+                <a:solidFill>
+                  <a:srgbClr val="000000"/>
+                </a:solidFill>
+                <a:effectLst/>
+                <a:latin typeface="Courier New" pitchFamily="49" charset="0"/>
+                <a:cs typeface="Courier New" pitchFamily="49" charset="0"/>
+              </a:rPr>
+            </a:br>
+            <a:r>
+              <a:rPr kumimoji="0" lang="ru-RU" altLang="ru-RU" b="0" i="0" u="none" strike="noStrike" cap="none" normalizeH="0" baseline="0" dirty="0" smtClean="0">
+                <a:ln>
+                  <a:noFill/>
+                </a:ln>
+                <a:solidFill>
+                  <a:srgbClr val="000000"/>
+                </a:solidFill>
+                <a:effectLst/>
+                <a:latin typeface="Courier New" pitchFamily="49" charset="0"/>
+                <a:cs typeface="Courier New" pitchFamily="49" charset="0"/>
+              </a:rPr>
+              <a:t>  </a:t>
+            </a:r>
+            <a:r>
+              <a:rPr kumimoji="0" lang="ru-RU" altLang="ru-RU" b="0" i="0" u="none" strike="noStrike" cap="none" normalizeH="0" baseline="0" dirty="0" smtClean="0">
+                <a:ln>
+                  <a:noFill/>
+                </a:ln>
+                <a:solidFill>
+                  <a:srgbClr val="808000"/>
+                </a:solidFill>
+                <a:effectLst/>
+                <a:latin typeface="Courier New" pitchFamily="49" charset="0"/>
+                <a:cs typeface="Courier New" pitchFamily="49" charset="0"/>
+              </a:rPr>
+              <a:t>@</a:t>
+            </a:r>
+            <a:r>
+              <a:rPr kumimoji="0" lang="ru-RU" altLang="ru-RU" b="0" i="0" u="none" strike="noStrike" cap="none" normalizeH="0" baseline="0" dirty="0" err="1" smtClean="0">
+                <a:ln>
+                  <a:noFill/>
+                </a:ln>
+                <a:solidFill>
+                  <a:srgbClr val="808000"/>
+                </a:solidFill>
+                <a:effectLst/>
+                <a:latin typeface="Courier New" pitchFamily="49" charset="0"/>
+                <a:cs typeface="Courier New" pitchFamily="49" charset="0"/>
+              </a:rPr>
+              <a:t>BeforeEach</a:t>
+            </a:r>
+            <a:r>
+              <a:rPr kumimoji="0" lang="ru-RU" altLang="ru-RU" b="0" i="0" u="none" strike="noStrike" cap="none" normalizeH="0" baseline="0" dirty="0" smtClean="0">
+                <a:ln>
+                  <a:noFill/>
+                </a:ln>
+                <a:solidFill>
+                  <a:srgbClr val="808000"/>
+                </a:solidFill>
+                <a:effectLst/>
+                <a:latin typeface="Courier New" pitchFamily="49" charset="0"/>
+                <a:cs typeface="Courier New" pitchFamily="49" charset="0"/>
+              </a:rPr>
+              <a:t/>
+            </a:r>
+            <a:br>
+              <a:rPr kumimoji="0" lang="ru-RU" altLang="ru-RU" b="0" i="0" u="none" strike="noStrike" cap="none" normalizeH="0" baseline="0" dirty="0" smtClean="0">
+                <a:ln>
+                  <a:noFill/>
+                </a:ln>
+                <a:solidFill>
+                  <a:srgbClr val="808000"/>
+                </a:solidFill>
+                <a:effectLst/>
+                <a:latin typeface="Courier New" pitchFamily="49" charset="0"/>
+                <a:cs typeface="Courier New" pitchFamily="49" charset="0"/>
+              </a:rPr>
+            </a:br>
+            <a:r>
+              <a:rPr kumimoji="0" lang="ru-RU" altLang="ru-RU" b="0" i="0" u="none" strike="noStrike" cap="none" normalizeH="0" baseline="0" dirty="0" smtClean="0">
+                <a:ln>
+                  <a:noFill/>
+                </a:ln>
+                <a:solidFill>
+                  <a:srgbClr val="808000"/>
+                </a:solidFill>
+                <a:effectLst/>
+                <a:latin typeface="Courier New" pitchFamily="49" charset="0"/>
+                <a:cs typeface="Courier New" pitchFamily="49" charset="0"/>
+              </a:rPr>
+              <a:t>  </a:t>
+            </a:r>
+            <a:r>
+              <a:rPr kumimoji="0" lang="ru-RU" altLang="ru-RU" b="1" i="0" u="none" strike="noStrike" cap="none" normalizeH="0" baseline="0" dirty="0" err="1" smtClean="0">
+                <a:ln>
+                  <a:noFill/>
+                </a:ln>
+                <a:solidFill>
+                  <a:srgbClr val="000080"/>
+                </a:solidFill>
+                <a:effectLst/>
+                <a:latin typeface="Courier New" pitchFamily="49" charset="0"/>
+                <a:cs typeface="Courier New" pitchFamily="49" charset="0"/>
+              </a:rPr>
+              <a:t>void</a:t>
+            </a:r>
+            <a:r>
+              <a:rPr kumimoji="0" lang="ru-RU" altLang="ru-RU" b="1" i="0" u="none" strike="noStrike" cap="none" normalizeH="0" baseline="0" dirty="0" smtClean="0">
+                <a:ln>
+                  <a:noFill/>
+                </a:ln>
+                <a:solidFill>
+                  <a:srgbClr val="000080"/>
+                </a:solidFill>
+                <a:effectLst/>
+                <a:latin typeface="Courier New" pitchFamily="49" charset="0"/>
+                <a:cs typeface="Courier New" pitchFamily="49" charset="0"/>
+              </a:rPr>
+              <a:t> </a:t>
+            </a:r>
+            <a:r>
+              <a:rPr kumimoji="0" lang="ru-RU" altLang="ru-RU" b="0" i="0" u="none" strike="noStrike" cap="none" normalizeH="0" baseline="0" dirty="0" err="1" smtClean="0">
+                <a:ln>
+                  <a:noFill/>
+                </a:ln>
+                <a:solidFill>
+                  <a:srgbClr val="000000"/>
+                </a:solidFill>
+                <a:effectLst/>
+                <a:latin typeface="Courier New" pitchFamily="49" charset="0"/>
+                <a:cs typeface="Courier New" pitchFamily="49" charset="0"/>
+              </a:rPr>
+              <a:t>setUp</a:t>
+            </a:r>
+            <a:r>
+              <a:rPr kumimoji="0" lang="ru-RU" altLang="ru-RU" b="0" i="0" u="none" strike="noStrike" cap="none" normalizeH="0" baseline="0" dirty="0" smtClean="0">
+                <a:ln>
+                  <a:noFill/>
+                </a:ln>
+                <a:solidFill>
+                  <a:srgbClr val="000000"/>
+                </a:solidFill>
+                <a:effectLst/>
+                <a:latin typeface="Courier New" pitchFamily="49" charset="0"/>
+                <a:cs typeface="Courier New" pitchFamily="49" charset="0"/>
+              </a:rPr>
+              <a:t>() {</a:t>
+            </a:r>
+            <a:br>
+              <a:rPr kumimoji="0" lang="ru-RU" altLang="ru-RU" b="0" i="0" u="none" strike="noStrike" cap="none" normalizeH="0" baseline="0" dirty="0" smtClean="0">
+                <a:ln>
+                  <a:noFill/>
+                </a:ln>
+                <a:solidFill>
+                  <a:srgbClr val="000000"/>
+                </a:solidFill>
+                <a:effectLst/>
+                <a:latin typeface="Courier New" pitchFamily="49" charset="0"/>
+                <a:cs typeface="Courier New" pitchFamily="49" charset="0"/>
+              </a:rPr>
+            </a:br>
+            <a:r>
+              <a:rPr kumimoji="0" lang="en-US" altLang="ru-RU" b="0" i="0" u="none" strike="noStrike" cap="none" normalizeH="0" baseline="0" dirty="0" smtClean="0">
+                <a:ln>
+                  <a:noFill/>
+                </a:ln>
+                <a:solidFill>
+                  <a:srgbClr val="000000"/>
+                </a:solidFill>
+                <a:effectLst/>
+                <a:latin typeface="Courier New" pitchFamily="49" charset="0"/>
+                <a:cs typeface="Courier New" pitchFamily="49" charset="0"/>
+              </a:rPr>
+              <a:t>    </a:t>
+            </a:r>
+            <a:r>
+              <a:rPr kumimoji="0" lang="ru-RU" altLang="ru-RU" b="1" i="0" u="none" strike="noStrike" cap="none" normalizeH="0" baseline="0" dirty="0" err="1" smtClean="0">
+                <a:ln>
+                  <a:noFill/>
+                </a:ln>
+                <a:solidFill>
+                  <a:srgbClr val="660E7A"/>
+                </a:solidFill>
+                <a:effectLst/>
                 <a:latin typeface="Courier New" pitchFamily="49" charset="0"/>
                 <a:cs typeface="Courier New" pitchFamily="49" charset="0"/>
               </a:rPr>
               <a:t>account</a:t>
             </a:r>
             <a:r>
-              <a:rPr lang="ru-RU" altLang="ru-RU" b="1" dirty="0">
+              <a:rPr kumimoji="0" lang="ru-RU" altLang="ru-RU" b="0" i="0" u="none" strike="noStrike" cap="none" normalizeH="0" baseline="0" dirty="0" err="1" smtClean="0">
+                <a:ln>
+                  <a:noFill/>
+                </a:ln>
+                <a:solidFill>
+                  <a:srgbClr val="000000"/>
+                </a:solidFill>
+                <a:effectLst/>
+                <a:latin typeface="Courier New" pitchFamily="49" charset="0"/>
+                <a:cs typeface="Courier New" pitchFamily="49" charset="0"/>
+              </a:rPr>
+              <a:t>.deposit</a:t>
+            </a:r>
+            <a:r>
+              <a:rPr kumimoji="0" lang="ru-RU" altLang="ru-RU" b="0" i="0" u="none" strike="noStrike" cap="none" normalizeH="0" baseline="0" dirty="0" smtClean="0">
+                <a:ln>
+                  <a:noFill/>
+                </a:ln>
+                <a:solidFill>
+                  <a:srgbClr val="000000"/>
+                </a:solidFill>
+                <a:effectLst/>
+                <a:latin typeface="Courier New" pitchFamily="49" charset="0"/>
+                <a:cs typeface="Courier New" pitchFamily="49" charset="0"/>
+              </a:rPr>
+              <a:t>(</a:t>
+            </a:r>
+            <a:r>
+              <a:rPr kumimoji="0" lang="ru-RU" altLang="ru-RU" b="0" i="1" u="none" strike="noStrike" cap="none" normalizeH="0" baseline="0" dirty="0" err="1" smtClean="0">
+                <a:ln>
+                  <a:noFill/>
+                </a:ln>
+                <a:solidFill>
+                  <a:srgbClr val="000000"/>
+                </a:solidFill>
+                <a:effectLst/>
+                <a:latin typeface="Courier New" pitchFamily="49" charset="0"/>
+                <a:cs typeface="Courier New" pitchFamily="49" charset="0"/>
+              </a:rPr>
+              <a:t>valueOf</a:t>
+            </a:r>
+            <a:r>
+              <a:rPr kumimoji="0" lang="ru-RU" altLang="ru-RU" b="0" i="0" u="none" strike="noStrike" cap="none" normalizeH="0" baseline="0" dirty="0" smtClean="0">
+                <a:ln>
+                  <a:noFill/>
+                </a:ln>
+                <a:solidFill>
+                  <a:srgbClr val="000000"/>
+                </a:solidFill>
+                <a:effectLst/>
+                <a:latin typeface="Courier New" pitchFamily="49" charset="0"/>
+                <a:cs typeface="Courier New" pitchFamily="49" charset="0"/>
+              </a:rPr>
+              <a:t>(</a:t>
+            </a:r>
+            <a:r>
+              <a:rPr kumimoji="0" lang="ru-RU" altLang="ru-RU" b="0" i="0" u="none" strike="noStrike" cap="none" normalizeH="0" baseline="0" dirty="0" smtClean="0">
+                <a:ln>
+                  <a:noFill/>
+                </a:ln>
+                <a:solidFill>
+                  <a:srgbClr val="0000FF"/>
+                </a:solidFill>
+                <a:effectLst/>
+                <a:latin typeface="Courier New" pitchFamily="49" charset="0"/>
+                <a:cs typeface="Courier New" pitchFamily="49" charset="0"/>
+              </a:rPr>
+              <a:t>100</a:t>
+            </a:r>
+            <a:r>
+              <a:rPr kumimoji="0" lang="ru-RU" altLang="ru-RU" b="0" i="0" u="none" strike="noStrike" cap="none" normalizeH="0" baseline="0" dirty="0" smtClean="0">
+                <a:ln>
+                  <a:noFill/>
+                </a:ln>
+                <a:solidFill>
+                  <a:srgbClr val="000000"/>
+                </a:solidFill>
+                <a:effectLst/>
+                <a:latin typeface="Courier New" pitchFamily="49" charset="0"/>
+                <a:cs typeface="Courier New" pitchFamily="49" charset="0"/>
+              </a:rPr>
+              <a:t>));</a:t>
+            </a:r>
+            <a:br>
+              <a:rPr kumimoji="0" lang="ru-RU" altLang="ru-RU" b="0" i="0" u="none" strike="noStrike" cap="none" normalizeH="0" baseline="0" dirty="0" smtClean="0">
+                <a:ln>
+                  <a:noFill/>
+                </a:ln>
+                <a:solidFill>
+                  <a:srgbClr val="000000"/>
+                </a:solidFill>
+                <a:effectLst/>
+                <a:latin typeface="Courier New" pitchFamily="49" charset="0"/>
+                <a:cs typeface="Courier New" pitchFamily="49" charset="0"/>
+              </a:rPr>
+            </a:br>
+            <a:r>
+              <a:rPr kumimoji="0" lang="en-US" altLang="ru-RU" b="0" i="0" u="none" strike="noStrike" cap="none" normalizeH="0" baseline="0" dirty="0" smtClean="0">
+                <a:ln>
+                  <a:noFill/>
+                </a:ln>
+                <a:solidFill>
+                  <a:srgbClr val="000000"/>
+                </a:solidFill>
+                <a:effectLst/>
+                <a:latin typeface="Courier New" pitchFamily="49" charset="0"/>
+                <a:cs typeface="Courier New" pitchFamily="49" charset="0"/>
+              </a:rPr>
+              <a:t>  </a:t>
+            </a:r>
+            <a:r>
+              <a:rPr kumimoji="0" lang="ru-RU" altLang="ru-RU" b="0" i="0" u="none" strike="noStrike" cap="none" normalizeH="0" baseline="0" dirty="0" smtClean="0">
+                <a:ln>
+                  <a:noFill/>
+                </a:ln>
+                <a:solidFill>
+                  <a:srgbClr val="000000"/>
+                </a:solidFill>
+                <a:effectLst/>
+                <a:latin typeface="Courier New" pitchFamily="49" charset="0"/>
+                <a:cs typeface="Courier New" pitchFamily="49" charset="0"/>
+              </a:rPr>
+              <a:t>}</a:t>
+            </a:r>
+            <a:br>
+              <a:rPr kumimoji="0" lang="ru-RU" altLang="ru-RU" b="0" i="0" u="none" strike="noStrike" cap="none" normalizeH="0" baseline="0" dirty="0" smtClean="0">
+                <a:ln>
+                  <a:noFill/>
+                </a:ln>
+                <a:solidFill>
+                  <a:srgbClr val="000000"/>
+                </a:solidFill>
+                <a:effectLst/>
+                <a:latin typeface="Courier New" pitchFamily="49" charset="0"/>
+                <a:cs typeface="Courier New" pitchFamily="49" charset="0"/>
+              </a:rPr>
+            </a:br>
+            <a:r>
+              <a:rPr kumimoji="0" lang="ru-RU" altLang="ru-RU" b="0" i="0" u="none" strike="noStrike" cap="none" normalizeH="0" baseline="0" dirty="0" smtClean="0">
+                <a:ln>
+                  <a:noFill/>
+                </a:ln>
+                <a:solidFill>
+                  <a:srgbClr val="000000"/>
+                </a:solidFill>
+                <a:effectLst/>
+                <a:latin typeface="Courier New" pitchFamily="49" charset="0"/>
+                <a:cs typeface="Courier New" pitchFamily="49" charset="0"/>
+              </a:rPr>
+              <a:t/>
+            </a:r>
+            <a:br>
+              <a:rPr kumimoji="0" lang="ru-RU" altLang="ru-RU" b="0" i="0" u="none" strike="noStrike" cap="none" normalizeH="0" baseline="0" dirty="0" smtClean="0">
+                <a:ln>
+                  <a:noFill/>
+                </a:ln>
+                <a:solidFill>
+                  <a:srgbClr val="000000"/>
+                </a:solidFill>
+                <a:effectLst/>
+                <a:latin typeface="Courier New" pitchFamily="49" charset="0"/>
+                <a:cs typeface="Courier New" pitchFamily="49" charset="0"/>
+              </a:rPr>
+            </a:br>
+            <a:r>
+              <a:rPr kumimoji="0" lang="ru-RU" altLang="ru-RU" b="0" i="0" u="none" strike="noStrike" cap="none" normalizeH="0" baseline="0" dirty="0" smtClean="0">
+                <a:ln>
+                  <a:noFill/>
+                </a:ln>
+                <a:solidFill>
+                  <a:srgbClr val="000000"/>
+                </a:solidFill>
+                <a:effectLst/>
+                <a:latin typeface="Courier New" pitchFamily="49" charset="0"/>
+                <a:cs typeface="Courier New" pitchFamily="49" charset="0"/>
+              </a:rPr>
+              <a:t>  </a:t>
+            </a:r>
+            <a:r>
+              <a:rPr kumimoji="0" lang="ru-RU" altLang="ru-RU" b="0" i="0" u="none" strike="noStrike" cap="none" normalizeH="0" baseline="0" dirty="0" smtClean="0">
+                <a:ln>
+                  <a:noFill/>
+                </a:ln>
+                <a:solidFill>
+                  <a:srgbClr val="808000"/>
+                </a:solidFill>
+                <a:effectLst/>
+                <a:latin typeface="Courier New" pitchFamily="49" charset="0"/>
+                <a:cs typeface="Courier New" pitchFamily="49" charset="0"/>
+              </a:rPr>
+              <a:t>@</a:t>
+            </a:r>
+            <a:r>
+              <a:rPr kumimoji="0" lang="ru-RU" altLang="ru-RU" b="0" i="0" u="none" strike="noStrike" cap="none" normalizeH="0" baseline="0" dirty="0" err="1" smtClean="0">
+                <a:ln>
+                  <a:noFill/>
+                </a:ln>
+                <a:solidFill>
+                  <a:srgbClr val="808000"/>
+                </a:solidFill>
+                <a:effectLst/>
+                <a:latin typeface="Courier New" pitchFamily="49" charset="0"/>
+                <a:cs typeface="Courier New" pitchFamily="49" charset="0"/>
+              </a:rPr>
+              <a:t>Test</a:t>
+            </a:r>
+            <a:r>
+              <a:rPr kumimoji="0" lang="ru-RU" altLang="ru-RU" b="0" i="0" u="none" strike="noStrike" cap="none" normalizeH="0" baseline="0" dirty="0" smtClean="0">
+                <a:ln>
+                  <a:noFill/>
+                </a:ln>
+                <a:solidFill>
+                  <a:srgbClr val="808000"/>
+                </a:solidFill>
+                <a:effectLst/>
+                <a:latin typeface="Courier New" pitchFamily="49" charset="0"/>
+                <a:cs typeface="Courier New" pitchFamily="49" charset="0"/>
+              </a:rPr>
+              <a:t/>
+            </a:r>
+            <a:br>
+              <a:rPr kumimoji="0" lang="ru-RU" altLang="ru-RU" b="0" i="0" u="none" strike="noStrike" cap="none" normalizeH="0" baseline="0" dirty="0" smtClean="0">
+                <a:ln>
+                  <a:noFill/>
+                </a:ln>
+                <a:solidFill>
+                  <a:srgbClr val="808000"/>
+                </a:solidFill>
+                <a:effectLst/>
+                <a:latin typeface="Courier New" pitchFamily="49" charset="0"/>
+                <a:cs typeface="Courier New" pitchFamily="49" charset="0"/>
+              </a:rPr>
+            </a:br>
+            <a:r>
+              <a:rPr kumimoji="0" lang="ru-RU" altLang="ru-RU" b="0" i="0" u="none" strike="noStrike" cap="none" normalizeH="0" baseline="0" dirty="0" smtClean="0">
+                <a:ln>
+                  <a:noFill/>
+                </a:ln>
+                <a:solidFill>
+                  <a:srgbClr val="808000"/>
+                </a:solidFill>
+                <a:effectLst/>
+                <a:latin typeface="Courier New" pitchFamily="49" charset="0"/>
+                <a:cs typeface="Courier New" pitchFamily="49" charset="0"/>
+              </a:rPr>
+              <a:t>  </a:t>
+            </a:r>
+            <a:r>
+              <a:rPr kumimoji="0" lang="ru-RU" altLang="ru-RU" b="1" i="0" u="none" strike="noStrike" cap="none" normalizeH="0" baseline="0" dirty="0" err="1" smtClean="0">
+                <a:ln>
+                  <a:noFill/>
+                </a:ln>
+                <a:solidFill>
+                  <a:srgbClr val="000080"/>
+                </a:solidFill>
+                <a:effectLst/>
+                <a:latin typeface="Courier New" pitchFamily="49" charset="0"/>
+                <a:cs typeface="Courier New" pitchFamily="49" charset="0"/>
+              </a:rPr>
+              <a:t>void</a:t>
+            </a:r>
+            <a:r>
+              <a:rPr kumimoji="0" lang="ru-RU" altLang="ru-RU" b="1" i="0" u="none" strike="noStrike" cap="none" normalizeH="0" baseline="0" dirty="0" smtClean="0">
+                <a:ln>
+                  <a:noFill/>
+                </a:ln>
+                <a:solidFill>
+                  <a:srgbClr val="000080"/>
+                </a:solidFill>
+                <a:effectLst/>
+                <a:latin typeface="Courier New" pitchFamily="49" charset="0"/>
+                <a:cs typeface="Courier New" pitchFamily="49" charset="0"/>
+              </a:rPr>
+              <a:t> </a:t>
+            </a:r>
+            <a:r>
+              <a:rPr kumimoji="0" lang="ru-RU" altLang="ru-RU" b="0" i="0" u="none" strike="noStrike" cap="none" normalizeH="0" baseline="0" dirty="0" err="1" smtClean="0">
+                <a:ln>
+                  <a:noFill/>
+                </a:ln>
+                <a:solidFill>
+                  <a:srgbClr val="000000"/>
+                </a:solidFill>
+                <a:effectLst/>
+                <a:latin typeface="Courier New" pitchFamily="49" charset="0"/>
+                <a:cs typeface="Courier New" pitchFamily="49" charset="0"/>
+              </a:rPr>
+              <a:t>testSucceededIfEnoughFunds</a:t>
+            </a:r>
+            <a:r>
+              <a:rPr kumimoji="0" lang="ru-RU" altLang="ru-RU" b="0" i="0" u="none" strike="noStrike" cap="none" normalizeH="0" baseline="0" dirty="0" smtClean="0">
+                <a:ln>
+                  <a:noFill/>
+                </a:ln>
+                <a:solidFill>
+                  <a:srgbClr val="000000"/>
+                </a:solidFill>
+                <a:effectLst/>
+                <a:latin typeface="Courier New" pitchFamily="49" charset="0"/>
+                <a:cs typeface="Courier New" pitchFamily="49" charset="0"/>
+              </a:rPr>
+              <a:t>() </a:t>
+            </a:r>
+            <a:r>
+              <a:rPr kumimoji="0" lang="ru-RU" altLang="ru-RU" b="1" i="0" u="none" strike="noStrike" cap="none" normalizeH="0" baseline="0" dirty="0" err="1" smtClean="0">
+                <a:ln>
+                  <a:noFill/>
+                </a:ln>
+                <a:solidFill>
+                  <a:srgbClr val="000080"/>
+                </a:solidFill>
+                <a:effectLst/>
+                <a:latin typeface="Courier New" pitchFamily="49" charset="0"/>
+                <a:cs typeface="Courier New" pitchFamily="49" charset="0"/>
+              </a:rPr>
+              <a:t>throws</a:t>
+            </a:r>
+            <a:r>
+              <a:rPr kumimoji="0" lang="ru-RU" altLang="ru-RU" b="1" i="0" u="none" strike="noStrike" cap="none" normalizeH="0" baseline="0" dirty="0" smtClean="0">
+                <a:ln>
+                  <a:noFill/>
+                </a:ln>
+                <a:solidFill>
+                  <a:srgbClr val="000080"/>
+                </a:solidFill>
+                <a:effectLst/>
+                <a:latin typeface="Courier New" pitchFamily="49" charset="0"/>
+                <a:cs typeface="Courier New" pitchFamily="49" charset="0"/>
+              </a:rPr>
+              <a:t> </a:t>
+            </a:r>
+            <a:r>
+              <a:rPr kumimoji="0" lang="ru-RU" altLang="ru-RU" b="0" i="0" u="none" strike="noStrike" cap="none" normalizeH="0" baseline="0" dirty="0" err="1" smtClean="0">
+                <a:ln>
+                  <a:noFill/>
+                </a:ln>
+                <a:solidFill>
+                  <a:srgbClr val="000000"/>
+                </a:solidFill>
+                <a:effectLst/>
+                <a:latin typeface="Courier New" pitchFamily="49" charset="0"/>
+                <a:cs typeface="Courier New" pitchFamily="49" charset="0"/>
+              </a:rPr>
+              <a:t>InsufficientFunds</a:t>
+            </a:r>
+            <a:r>
+              <a:rPr kumimoji="0" lang="en-US" altLang="ru-RU" b="0" i="0" u="none" strike="noStrike" cap="none" normalizeH="0" baseline="0" dirty="0" smtClean="0">
+                <a:ln>
+                  <a:noFill/>
+                </a:ln>
+                <a:solidFill>
+                  <a:srgbClr val="000000"/>
+                </a:solidFill>
+                <a:effectLst/>
+                <a:latin typeface="Courier New" pitchFamily="49" charset="0"/>
+                <a:cs typeface="Courier New" pitchFamily="49" charset="0"/>
+              </a:rPr>
+              <a:t>E…</a:t>
+            </a:r>
+            <a:r>
+              <a:rPr kumimoji="0" lang="ru-RU" altLang="ru-RU" b="0" i="0" u="none" strike="noStrike" cap="none" normalizeH="0" baseline="0" dirty="0" smtClean="0">
+                <a:ln>
+                  <a:noFill/>
+                </a:ln>
+                <a:solidFill>
+                  <a:srgbClr val="000000"/>
+                </a:solidFill>
+                <a:effectLst/>
+                <a:latin typeface="Courier New" pitchFamily="49" charset="0"/>
+                <a:cs typeface="Courier New" pitchFamily="49" charset="0"/>
+              </a:rPr>
+              <a:t> {</a:t>
+            </a:r>
+            <a:br>
+              <a:rPr kumimoji="0" lang="ru-RU" altLang="ru-RU" b="0" i="0" u="none" strike="noStrike" cap="none" normalizeH="0" baseline="0" dirty="0" smtClean="0">
+                <a:ln>
+                  <a:noFill/>
+                </a:ln>
+                <a:solidFill>
+                  <a:srgbClr val="000000"/>
+                </a:solidFill>
+                <a:effectLst/>
+                <a:latin typeface="Courier New" pitchFamily="49" charset="0"/>
+                <a:cs typeface="Courier New" pitchFamily="49" charset="0"/>
+              </a:rPr>
+            </a:br>
+            <a:r>
+              <a:rPr kumimoji="0" lang="ru-RU" altLang="ru-RU" b="0" i="0" u="none" strike="noStrike" cap="none" normalizeH="0" baseline="0" dirty="0" smtClean="0">
+                <a:ln>
+                  <a:noFill/>
+                </a:ln>
+                <a:solidFill>
+                  <a:srgbClr val="000000"/>
+                </a:solidFill>
+                <a:effectLst/>
+                <a:latin typeface="Courier New" pitchFamily="49" charset="0"/>
+                <a:cs typeface="Courier New" pitchFamily="49" charset="0"/>
+              </a:rPr>
+              <a:t>    </a:t>
+            </a:r>
+            <a:r>
+              <a:rPr kumimoji="0" lang="ru-RU" altLang="ru-RU" b="0" i="0" u="none" strike="noStrike" cap="none" normalizeH="0" baseline="0" dirty="0" err="1" smtClean="0">
+                <a:ln>
+                  <a:noFill/>
+                </a:ln>
+                <a:solidFill>
+                  <a:srgbClr val="000000"/>
+                </a:solidFill>
+                <a:effectLst/>
+                <a:latin typeface="Courier New" pitchFamily="49" charset="0"/>
+                <a:cs typeface="Courier New" pitchFamily="49" charset="0"/>
+              </a:rPr>
+              <a:t>Item</a:t>
+            </a:r>
+            <a:r>
+              <a:rPr kumimoji="0" lang="ru-RU" altLang="ru-RU" b="0" i="0" u="none" strike="noStrike" cap="none" normalizeH="0" baseline="0" dirty="0" smtClean="0">
+                <a:ln>
+                  <a:noFill/>
+                </a:ln>
+                <a:solidFill>
+                  <a:srgbClr val="000000"/>
+                </a:solidFill>
+                <a:effectLst/>
+                <a:latin typeface="Courier New" pitchFamily="49" charset="0"/>
+                <a:cs typeface="Courier New" pitchFamily="49" charset="0"/>
+              </a:rPr>
+              <a:t> </a:t>
+            </a:r>
+            <a:r>
+              <a:rPr kumimoji="0" lang="ru-RU" altLang="ru-RU" b="0" i="0" u="none" strike="noStrike" cap="none" normalizeH="0" baseline="0" dirty="0" err="1" smtClean="0">
+                <a:ln>
+                  <a:noFill/>
+                </a:ln>
+                <a:solidFill>
+                  <a:srgbClr val="000000"/>
+                </a:solidFill>
+                <a:effectLst/>
+                <a:latin typeface="Courier New" pitchFamily="49" charset="0"/>
+                <a:cs typeface="Courier New" pitchFamily="49" charset="0"/>
+              </a:rPr>
+              <a:t>cake</a:t>
+            </a:r>
+            <a:r>
+              <a:rPr kumimoji="0" lang="ru-RU" altLang="ru-RU" b="0" i="0" u="none" strike="noStrike" cap="none" normalizeH="0" baseline="0" dirty="0" smtClean="0">
+                <a:ln>
+                  <a:noFill/>
+                </a:ln>
+                <a:solidFill>
+                  <a:srgbClr val="000000"/>
+                </a:solidFill>
+                <a:effectLst/>
+                <a:latin typeface="Courier New" pitchFamily="49" charset="0"/>
+                <a:cs typeface="Courier New" pitchFamily="49" charset="0"/>
+              </a:rPr>
+              <a:t> = </a:t>
+            </a:r>
+            <a:r>
+              <a:rPr kumimoji="0" lang="ru-RU" altLang="ru-RU" b="1" i="0" u="none" strike="noStrike" cap="none" normalizeH="0" baseline="0" dirty="0" err="1" smtClean="0">
+                <a:ln>
+                  <a:noFill/>
+                </a:ln>
+                <a:solidFill>
+                  <a:srgbClr val="000080"/>
+                </a:solidFill>
+                <a:effectLst/>
+                <a:latin typeface="Courier New" pitchFamily="49" charset="0"/>
+                <a:cs typeface="Courier New" pitchFamily="49" charset="0"/>
+              </a:rPr>
+              <a:t>new</a:t>
+            </a:r>
+            <a:r>
+              <a:rPr kumimoji="0" lang="ru-RU" altLang="ru-RU" b="1" i="0" u="none" strike="noStrike" cap="none" normalizeH="0" baseline="0" dirty="0" smtClean="0">
+                <a:ln>
+                  <a:noFill/>
+                </a:ln>
+                <a:solidFill>
+                  <a:srgbClr val="000080"/>
+                </a:solidFill>
+                <a:effectLst/>
+                <a:latin typeface="Courier New" pitchFamily="49" charset="0"/>
+                <a:cs typeface="Courier New" pitchFamily="49" charset="0"/>
+              </a:rPr>
+              <a:t> </a:t>
+            </a:r>
+            <a:r>
+              <a:rPr kumimoji="0" lang="ru-RU" altLang="ru-RU" b="0" i="0" u="none" strike="noStrike" cap="none" normalizeH="0" baseline="0" dirty="0" err="1" smtClean="0">
+                <a:ln>
+                  <a:noFill/>
+                </a:ln>
+                <a:solidFill>
+                  <a:srgbClr val="000000"/>
+                </a:solidFill>
+                <a:effectLst/>
+                <a:latin typeface="Courier New" pitchFamily="49" charset="0"/>
+                <a:cs typeface="Courier New" pitchFamily="49" charset="0"/>
+              </a:rPr>
+              <a:t>Item</a:t>
+            </a:r>
+            <a:r>
+              <a:rPr kumimoji="0" lang="ru-RU" altLang="ru-RU" b="0" i="0" u="none" strike="noStrike" cap="none" normalizeH="0" baseline="0" dirty="0" smtClean="0">
+                <a:ln>
+                  <a:noFill/>
+                </a:ln>
+                <a:solidFill>
+                  <a:srgbClr val="000000"/>
+                </a:solidFill>
+                <a:effectLst/>
+                <a:latin typeface="Courier New" pitchFamily="49" charset="0"/>
+                <a:cs typeface="Courier New" pitchFamily="49" charset="0"/>
+              </a:rPr>
+              <a:t>(</a:t>
+            </a:r>
+            <a:r>
+              <a:rPr kumimoji="0" lang="ru-RU" altLang="ru-RU" b="1" i="0" u="none" strike="noStrike" cap="none" normalizeH="0" baseline="0" dirty="0" smtClean="0">
+                <a:ln>
+                  <a:noFill/>
+                </a:ln>
+                <a:solidFill>
+                  <a:srgbClr val="008000"/>
+                </a:solidFill>
+                <a:effectLst/>
+                <a:latin typeface="Courier New" pitchFamily="49" charset="0"/>
+                <a:cs typeface="Courier New" pitchFamily="49" charset="0"/>
+              </a:rPr>
+              <a:t>"</a:t>
+            </a:r>
+            <a:r>
+              <a:rPr kumimoji="0" lang="ru-RU" altLang="ru-RU" b="1" i="0" u="none" strike="noStrike" cap="none" normalizeH="0" baseline="0" dirty="0" err="1" smtClean="0">
+                <a:ln>
+                  <a:noFill/>
+                </a:ln>
+                <a:solidFill>
+                  <a:srgbClr val="008000"/>
+                </a:solidFill>
+                <a:effectLst/>
+                <a:latin typeface="Courier New" pitchFamily="49" charset="0"/>
+                <a:cs typeface="Courier New" pitchFamily="49" charset="0"/>
+              </a:rPr>
+              <a:t>Cake</a:t>
+            </a:r>
+            <a:r>
+              <a:rPr kumimoji="0" lang="ru-RU" altLang="ru-RU" b="1" i="0" u="none" strike="noStrike" cap="none" normalizeH="0" baseline="0" dirty="0" smtClean="0">
+                <a:ln>
+                  <a:noFill/>
+                </a:ln>
+                <a:solidFill>
+                  <a:srgbClr val="008000"/>
+                </a:solidFill>
+                <a:effectLst/>
+                <a:latin typeface="Courier New" pitchFamily="49" charset="0"/>
+                <a:cs typeface="Courier New" pitchFamily="49" charset="0"/>
+              </a:rPr>
+              <a:t>"</a:t>
+            </a:r>
+            <a:r>
+              <a:rPr kumimoji="0" lang="ru-RU" altLang="ru-RU" b="0" i="0" u="none" strike="noStrike" cap="none" normalizeH="0" baseline="0" dirty="0" smtClean="0">
+                <a:ln>
+                  <a:noFill/>
+                </a:ln>
+                <a:solidFill>
+                  <a:srgbClr val="000000"/>
+                </a:solidFill>
+                <a:effectLst/>
+                <a:latin typeface="Courier New" pitchFamily="49" charset="0"/>
+                <a:cs typeface="Courier New" pitchFamily="49" charset="0"/>
+              </a:rPr>
+              <a:t>, </a:t>
+            </a:r>
+            <a:r>
+              <a:rPr kumimoji="0" lang="ru-RU" altLang="ru-RU" b="0" i="1" u="none" strike="noStrike" cap="none" normalizeH="0" baseline="0" dirty="0" err="1" smtClean="0">
+                <a:ln>
+                  <a:noFill/>
+                </a:ln>
+                <a:solidFill>
+                  <a:srgbClr val="000000"/>
+                </a:solidFill>
+                <a:effectLst/>
+                <a:latin typeface="Courier New" pitchFamily="49" charset="0"/>
+                <a:cs typeface="Courier New" pitchFamily="49" charset="0"/>
+              </a:rPr>
+              <a:t>valueOf</a:t>
+            </a:r>
+            <a:r>
+              <a:rPr kumimoji="0" lang="ru-RU" altLang="ru-RU" b="0" i="0" u="none" strike="noStrike" cap="none" normalizeH="0" baseline="0" dirty="0" smtClean="0">
+                <a:ln>
+                  <a:noFill/>
+                </a:ln>
+                <a:solidFill>
+                  <a:srgbClr val="000000"/>
+                </a:solidFill>
+                <a:effectLst/>
+                <a:latin typeface="Courier New" pitchFamily="49" charset="0"/>
+                <a:cs typeface="Courier New" pitchFamily="49" charset="0"/>
+              </a:rPr>
+              <a:t>(</a:t>
+            </a:r>
+            <a:r>
+              <a:rPr kumimoji="0" lang="ru-RU" altLang="ru-RU" b="0" i="0" u="none" strike="noStrike" cap="none" normalizeH="0" baseline="0" dirty="0" smtClean="0">
+                <a:ln>
+                  <a:noFill/>
+                </a:ln>
+                <a:solidFill>
+                  <a:srgbClr val="0000FF"/>
+                </a:solidFill>
+                <a:effectLst/>
+                <a:latin typeface="Courier New" pitchFamily="49" charset="0"/>
+                <a:cs typeface="Courier New" pitchFamily="49" charset="0"/>
+              </a:rPr>
+              <a:t>70</a:t>
+            </a:r>
+            <a:r>
+              <a:rPr kumimoji="0" lang="ru-RU" altLang="ru-RU" b="0" i="0" u="none" strike="noStrike" cap="none" normalizeH="0" baseline="0" dirty="0" smtClean="0">
+                <a:ln>
+                  <a:noFill/>
+                </a:ln>
+                <a:solidFill>
+                  <a:srgbClr val="000000"/>
+                </a:solidFill>
+                <a:effectLst/>
+                <a:latin typeface="Courier New" pitchFamily="49" charset="0"/>
+                <a:cs typeface="Courier New" pitchFamily="49" charset="0"/>
+              </a:rPr>
+              <a:t>));</a:t>
+            </a:r>
+            <a:br>
+              <a:rPr kumimoji="0" lang="ru-RU" altLang="ru-RU" b="0" i="0" u="none" strike="noStrike" cap="none" normalizeH="0" baseline="0" dirty="0" smtClean="0">
+                <a:ln>
+                  <a:noFill/>
+                </a:ln>
+                <a:solidFill>
+                  <a:srgbClr val="000000"/>
+                </a:solidFill>
+                <a:effectLst/>
+                <a:latin typeface="Courier New" pitchFamily="49" charset="0"/>
+                <a:cs typeface="Courier New" pitchFamily="49" charset="0"/>
+              </a:rPr>
+            </a:br>
+            <a:r>
+              <a:rPr kumimoji="0" lang="ru-RU" altLang="ru-RU" b="0" i="0" u="none" strike="noStrike" cap="none" normalizeH="0" baseline="0" dirty="0" smtClean="0">
+                <a:ln>
+                  <a:noFill/>
+                </a:ln>
+                <a:solidFill>
+                  <a:srgbClr val="000000"/>
+                </a:solidFill>
+                <a:effectLst/>
+                <a:latin typeface="Courier New" pitchFamily="49" charset="0"/>
+                <a:cs typeface="Courier New" pitchFamily="49" charset="0"/>
+              </a:rPr>
+              <a:t>    </a:t>
+            </a:r>
+            <a:r>
+              <a:rPr kumimoji="0" lang="ru-RU" altLang="ru-RU" b="1" i="0" u="none" strike="noStrike" cap="none" normalizeH="0" baseline="0" dirty="0" err="1" smtClean="0">
+                <a:ln>
+                  <a:noFill/>
+                </a:ln>
                 <a:solidFill>
                   <a:srgbClr val="660E7A"/>
                 </a:solidFill>
-                <a:latin typeface="Courier New" pitchFamily="49" charset="0"/>
-                <a:cs typeface="Courier New" pitchFamily="49" charset="0"/>
-              </a:rPr>
-              <a:t> </a:t>
-            </a:r>
-            <a:r>
-              <a:rPr lang="ru-RU" altLang="ru-RU" dirty="0">
-                <a:solidFill>
-                  <a:srgbClr val="000000"/>
-                </a:solidFill>
-                <a:latin typeface="Courier New" pitchFamily="49" charset="0"/>
-                <a:cs typeface="Courier New" pitchFamily="49" charset="0"/>
-              </a:rPr>
-              <a:t>= </a:t>
-            </a:r>
-            <a:r>
-              <a:rPr lang="ru-RU" altLang="ru-RU" b="1" dirty="0" err="1">
-                <a:solidFill>
-                  <a:srgbClr val="000080"/>
-                </a:solidFill>
-                <a:latin typeface="Courier New" pitchFamily="49" charset="0"/>
-                <a:cs typeface="Courier New" pitchFamily="49" charset="0"/>
-              </a:rPr>
-              <a:t>new</a:t>
-            </a:r>
-            <a:r>
-              <a:rPr lang="ru-RU" altLang="ru-RU" b="1" dirty="0">
-                <a:solidFill>
-                  <a:srgbClr val="000080"/>
-                </a:solidFill>
-                <a:latin typeface="Courier New" pitchFamily="49" charset="0"/>
-                <a:cs typeface="Courier New" pitchFamily="49" charset="0"/>
-              </a:rPr>
-              <a:t> </a:t>
-            </a:r>
-            <a:r>
-              <a:rPr lang="ru-RU" altLang="ru-RU" dirty="0" err="1">
-                <a:solidFill>
-                  <a:srgbClr val="000000"/>
-                </a:solidFill>
-                <a:latin typeface="Courier New" pitchFamily="49" charset="0"/>
-                <a:cs typeface="Courier New" pitchFamily="49" charset="0"/>
-              </a:rPr>
-              <a:t>PaymentBankAccount</a:t>
-            </a:r>
-            <a:r>
-              <a:rPr lang="ru-RU" altLang="ru-RU" dirty="0">
-                <a:solidFill>
-                  <a:srgbClr val="000000"/>
-                </a:solidFill>
-                <a:latin typeface="Courier New" pitchFamily="49" charset="0"/>
-                <a:cs typeface="Courier New" pitchFamily="49" charset="0"/>
-              </a:rPr>
-              <a:t>();</a:t>
-            </a:r>
-            <a:r>
-              <a:rPr kumimoji="0" lang="ru-RU" altLang="ru-RU" b="0" i="0" u="none" strike="noStrike" cap="none" normalizeH="0" baseline="0" dirty="0" smtClean="0">
-                <a:ln>
-                  <a:noFill/>
-                </a:ln>
-                <a:solidFill>
-                  <a:srgbClr val="000000"/>
-                </a:solidFill>
-                <a:effectLst/>
-                <a:latin typeface="Courier New" pitchFamily="49" charset="0"/>
-                <a:cs typeface="Courier New" pitchFamily="49" charset="0"/>
-              </a:rPr>
-              <a:t/>
+                <a:effectLst/>
+                <a:latin typeface="Courier New" pitchFamily="49" charset="0"/>
+                <a:cs typeface="Courier New" pitchFamily="49" charset="0"/>
+              </a:rPr>
+              <a:t>order</a:t>
+            </a:r>
+            <a:r>
+              <a:rPr kumimoji="0" lang="ru-RU" altLang="ru-RU" b="0" i="0" u="none" strike="noStrike" cap="none" normalizeH="0" baseline="0" dirty="0" err="1" smtClean="0">
+                <a:ln>
+                  <a:noFill/>
+                </a:ln>
+                <a:solidFill>
+                  <a:srgbClr val="000000"/>
+                </a:solidFill>
+                <a:effectLst/>
+                <a:latin typeface="Courier New" pitchFamily="49" charset="0"/>
+                <a:cs typeface="Courier New" pitchFamily="49" charset="0"/>
+              </a:rPr>
+              <a:t>.buyItem</a:t>
+            </a:r>
+            <a:r>
+              <a:rPr kumimoji="0" lang="ru-RU" altLang="ru-RU" b="0" i="0" u="none" strike="noStrike" cap="none" normalizeH="0" baseline="0" dirty="0" smtClean="0">
+                <a:ln>
+                  <a:noFill/>
+                </a:ln>
+                <a:solidFill>
+                  <a:srgbClr val="000000"/>
+                </a:solidFill>
+                <a:effectLst/>
+                <a:latin typeface="Courier New" pitchFamily="49" charset="0"/>
+                <a:cs typeface="Courier New" pitchFamily="49" charset="0"/>
+              </a:rPr>
+              <a:t>(</a:t>
+            </a:r>
+            <a:r>
+              <a:rPr kumimoji="0" lang="ru-RU" altLang="ru-RU" b="0" i="0" u="none" strike="noStrike" cap="none" normalizeH="0" baseline="0" dirty="0" err="1" smtClean="0">
+                <a:ln>
+                  <a:noFill/>
+                </a:ln>
+                <a:solidFill>
+                  <a:srgbClr val="000000"/>
+                </a:solidFill>
+                <a:effectLst/>
+                <a:latin typeface="Courier New" pitchFamily="49" charset="0"/>
+                <a:cs typeface="Courier New" pitchFamily="49" charset="0"/>
+              </a:rPr>
+              <a:t>cake</a:t>
+            </a:r>
+            <a:r>
+              <a:rPr kumimoji="0" lang="ru-RU" altLang="ru-RU" b="0" i="0" u="none" strike="noStrike" cap="none" normalizeH="0" baseline="0" dirty="0" smtClean="0">
+                <a:ln>
+                  <a:noFill/>
+                </a:ln>
+                <a:solidFill>
+                  <a:srgbClr val="000000"/>
+                </a:solidFill>
+                <a:effectLst/>
+                <a:latin typeface="Courier New" pitchFamily="49" charset="0"/>
+                <a:cs typeface="Courier New" pitchFamily="49" charset="0"/>
+              </a:rPr>
+              <a:t>, </a:t>
+            </a:r>
+            <a:r>
+              <a:rPr kumimoji="0" lang="ru-RU" altLang="ru-RU" b="1" i="0" u="none" strike="noStrike" cap="none" normalizeH="0" baseline="0" dirty="0" err="1" smtClean="0">
+                <a:ln>
+                  <a:noFill/>
+                </a:ln>
+                <a:solidFill>
+                  <a:srgbClr val="660E7A"/>
+                </a:solidFill>
+                <a:effectLst/>
+                <a:latin typeface="Courier New" pitchFamily="49" charset="0"/>
+                <a:cs typeface="Courier New" pitchFamily="49" charset="0"/>
+              </a:rPr>
+              <a:t>account</a:t>
+            </a:r>
+            <a:r>
+              <a:rPr kumimoji="0" lang="ru-RU" altLang="ru-RU" b="0" i="0" u="none" strike="noStrike" cap="none" normalizeH="0" baseline="0" dirty="0" smtClean="0">
+                <a:ln>
+                  <a:noFill/>
+                </a:ln>
+                <a:solidFill>
+                  <a:srgbClr val="000000"/>
+                </a:solidFill>
+                <a:effectLst/>
+                <a:latin typeface="Courier New" pitchFamily="49" charset="0"/>
+                <a:cs typeface="Courier New" pitchFamily="49" charset="0"/>
+              </a:rPr>
+              <a:t>);</a:t>
             </a:r>
             <a:br>
               <a:rPr kumimoji="0" lang="ru-RU" altLang="ru-RU" b="0" i="0" u="none" strike="noStrike" cap="none" normalizeH="0" baseline="0" dirty="0" smtClean="0">
@@ -35739,147 +37211,35 @@
                 <a:latin typeface="Courier New" pitchFamily="49" charset="0"/>
                 <a:cs typeface="Courier New" pitchFamily="49" charset="0"/>
               </a:rPr>
-              <a:t>  </a:t>
-            </a:r>
-            <a:r>
-              <a:rPr kumimoji="0" lang="ru-RU" altLang="ru-RU" b="1" i="0" u="none" strike="noStrike" cap="none" normalizeH="0" baseline="0" dirty="0" err="1" smtClean="0">
-                <a:ln>
-                  <a:noFill/>
-                </a:ln>
-                <a:solidFill>
-                  <a:srgbClr val="000080"/>
-                </a:solidFill>
-                <a:effectLst/>
-                <a:latin typeface="Courier New" pitchFamily="49" charset="0"/>
-                <a:cs typeface="Courier New" pitchFamily="49" charset="0"/>
-              </a:rPr>
-              <a:t>private</a:t>
-            </a:r>
-            <a:r>
-              <a:rPr kumimoji="0" lang="ru-RU" altLang="ru-RU" b="1" i="0" u="none" strike="noStrike" cap="none" normalizeH="0" baseline="0" dirty="0" smtClean="0">
-                <a:ln>
-                  <a:noFill/>
-                </a:ln>
-                <a:solidFill>
-                  <a:srgbClr val="000080"/>
-                </a:solidFill>
-                <a:effectLst/>
-                <a:latin typeface="Courier New" pitchFamily="49" charset="0"/>
-                <a:cs typeface="Courier New" pitchFamily="49" charset="0"/>
-              </a:rPr>
-              <a:t> </a:t>
-            </a:r>
-            <a:r>
-              <a:rPr kumimoji="0" lang="ru-RU" altLang="ru-RU" b="0" i="0" u="none" strike="noStrike" cap="none" normalizeH="0" baseline="0" dirty="0" err="1" smtClean="0">
-                <a:ln>
-                  <a:noFill/>
-                </a:ln>
-                <a:solidFill>
-                  <a:srgbClr val="000000"/>
-                </a:solidFill>
-                <a:effectLst/>
-                <a:latin typeface="Courier New" pitchFamily="49" charset="0"/>
-                <a:cs typeface="Courier New" pitchFamily="49" charset="0"/>
-              </a:rPr>
-              <a:t>Order</a:t>
-            </a:r>
-            <a:r>
-              <a:rPr kumimoji="0" lang="ru-RU" altLang="ru-RU" b="0" i="0" u="none" strike="noStrike" cap="none" normalizeH="0" baseline="0" dirty="0" smtClean="0">
-                <a:ln>
-                  <a:noFill/>
-                </a:ln>
-                <a:solidFill>
-                  <a:srgbClr val="000000"/>
-                </a:solidFill>
-                <a:effectLst/>
-                <a:latin typeface="Courier New" pitchFamily="49" charset="0"/>
-                <a:cs typeface="Courier New" pitchFamily="49" charset="0"/>
-              </a:rPr>
-              <a:t> </a:t>
-            </a:r>
-            <a:r>
-              <a:rPr lang="ru-RU" altLang="ru-RU" b="1" dirty="0" err="1">
-                <a:solidFill>
-                  <a:srgbClr val="660E7A"/>
-                </a:solidFill>
-                <a:latin typeface="Courier New" pitchFamily="49" charset="0"/>
-                <a:cs typeface="Courier New" pitchFamily="49" charset="0"/>
-              </a:rPr>
-              <a:t>order</a:t>
-            </a:r>
-            <a:r>
-              <a:rPr lang="ru-RU" altLang="ru-RU" b="1" dirty="0">
-                <a:solidFill>
-                  <a:srgbClr val="660E7A"/>
-                </a:solidFill>
-                <a:latin typeface="Courier New" pitchFamily="49" charset="0"/>
-                <a:cs typeface="Courier New" pitchFamily="49" charset="0"/>
-              </a:rPr>
-              <a:t> </a:t>
-            </a:r>
-            <a:r>
-              <a:rPr lang="ru-RU" altLang="ru-RU" dirty="0">
-                <a:solidFill>
-                  <a:srgbClr val="000000"/>
-                </a:solidFill>
-                <a:latin typeface="Courier New" pitchFamily="49" charset="0"/>
-                <a:cs typeface="Courier New" pitchFamily="49" charset="0"/>
-              </a:rPr>
-              <a:t>= </a:t>
-            </a:r>
-            <a:r>
-              <a:rPr lang="ru-RU" altLang="ru-RU" b="1" dirty="0" err="1">
-                <a:solidFill>
-                  <a:srgbClr val="000080"/>
-                </a:solidFill>
-                <a:latin typeface="Courier New" pitchFamily="49" charset="0"/>
-                <a:cs typeface="Courier New" pitchFamily="49" charset="0"/>
-              </a:rPr>
-              <a:t>new</a:t>
-            </a:r>
-            <a:r>
-              <a:rPr lang="ru-RU" altLang="ru-RU" b="1" dirty="0">
-                <a:solidFill>
-                  <a:srgbClr val="000080"/>
-                </a:solidFill>
-                <a:latin typeface="Courier New" pitchFamily="49" charset="0"/>
-                <a:cs typeface="Courier New" pitchFamily="49" charset="0"/>
-              </a:rPr>
-              <a:t> </a:t>
-            </a:r>
-            <a:r>
-              <a:rPr lang="ru-RU" altLang="ru-RU" dirty="0" err="1">
-                <a:solidFill>
-                  <a:srgbClr val="000000"/>
-                </a:solidFill>
-                <a:latin typeface="Courier New" pitchFamily="49" charset="0"/>
-                <a:cs typeface="Courier New" pitchFamily="49" charset="0"/>
-              </a:rPr>
-              <a:t>Order</a:t>
-            </a:r>
-            <a:r>
-              <a:rPr lang="ru-RU" altLang="ru-RU" dirty="0">
-                <a:solidFill>
-                  <a:srgbClr val="000000"/>
-                </a:solidFill>
-                <a:latin typeface="Courier New" pitchFamily="49" charset="0"/>
-                <a:cs typeface="Courier New" pitchFamily="49" charset="0"/>
-              </a:rPr>
-              <a:t>();</a:t>
-            </a:r>
-            <a:r>
-              <a:rPr kumimoji="0" lang="ru-RU" altLang="ru-RU" b="0" i="0" u="none" strike="noStrike" cap="none" normalizeH="0" baseline="0" dirty="0" smtClean="0">
-                <a:ln>
-                  <a:noFill/>
-                </a:ln>
-                <a:solidFill>
-                  <a:srgbClr val="000000"/>
-                </a:solidFill>
-                <a:effectLst/>
-                <a:latin typeface="Courier New" pitchFamily="49" charset="0"/>
-                <a:cs typeface="Courier New" pitchFamily="49" charset="0"/>
-              </a:rPr>
-              <a:t/>
+              <a:t>    </a:t>
+            </a:r>
+            <a:r>
+              <a:rPr kumimoji="0" lang="ru-RU" altLang="ru-RU" b="0" i="1" u="none" strike="noStrike" cap="none" normalizeH="0" baseline="0" dirty="0" err="1" smtClean="0">
+                <a:ln>
+                  <a:noFill/>
+                </a:ln>
+                <a:solidFill>
+                  <a:srgbClr val="000000"/>
+                </a:solidFill>
+                <a:effectLst/>
+                <a:latin typeface="Courier New" pitchFamily="49" charset="0"/>
+                <a:cs typeface="Courier New" pitchFamily="49" charset="0"/>
+              </a:rPr>
+              <a:t>assertAll</a:t>
+            </a:r>
+            <a:r>
+              <a:rPr kumimoji="0" lang="ru-RU" altLang="ru-RU" b="0" i="0" u="none" strike="noStrike" cap="none" normalizeH="0" baseline="0" dirty="0" smtClean="0">
+                <a:ln>
+                  <a:noFill/>
+                </a:ln>
+                <a:solidFill>
+                  <a:srgbClr val="000000"/>
+                </a:solidFill>
+                <a:effectLst/>
+                <a:latin typeface="Courier New" pitchFamily="49" charset="0"/>
+                <a:cs typeface="Courier New" pitchFamily="49" charset="0"/>
+              </a:rPr>
+              <a:t>(</a:t>
             </a:r>
             <a:br>
               <a:rPr kumimoji="0" lang="ru-RU" altLang="ru-RU" b="0" i="0" u="none" strike="noStrike" cap="none" normalizeH="0" baseline="0" dirty="0" smtClean="0">
@@ -35906,1032 +37266,7 @@
                 <a:latin typeface="Courier New" pitchFamily="49" charset="0"/>
                 <a:cs typeface="Courier New" pitchFamily="49" charset="0"/>
               </a:rPr>
-              <a:t/>
-            </a:r>
-            <a:br>
-              <a:rPr kumimoji="0" lang="ru-RU" altLang="ru-RU" b="0" i="0" u="none" strike="noStrike" cap="none" normalizeH="0" baseline="0" dirty="0" smtClean="0">
-                <a:ln>
-                  <a:noFill/>
-                </a:ln>
-                <a:solidFill>
-                  <a:srgbClr val="000000"/>
-                </a:solidFill>
-                <a:effectLst/>
-                <a:latin typeface="Courier New" pitchFamily="49" charset="0"/>
-                <a:cs typeface="Courier New" pitchFamily="49" charset="0"/>
-              </a:rPr>
-            </a:br>
-            <a:r>
-              <a:rPr kumimoji="0" lang="ru-RU" altLang="ru-RU" b="0" i="0" u="none" strike="noStrike" cap="none" normalizeH="0" baseline="0" dirty="0" smtClean="0">
-                <a:ln>
-                  <a:noFill/>
-                </a:ln>
-                <a:solidFill>
-                  <a:srgbClr val="000000"/>
-                </a:solidFill>
-                <a:effectLst/>
-                <a:latin typeface="Courier New" pitchFamily="49" charset="0"/>
-                <a:cs typeface="Courier New" pitchFamily="49" charset="0"/>
-              </a:rPr>
-              <a:t>  </a:t>
-            </a:r>
-            <a:r>
-              <a:rPr kumimoji="0" lang="ru-RU" altLang="ru-RU" b="0" i="0" u="none" strike="noStrike" cap="none" normalizeH="0" baseline="0" dirty="0" smtClean="0">
-                <a:ln>
-                  <a:noFill/>
-                </a:ln>
-                <a:solidFill>
-                  <a:srgbClr val="808000"/>
-                </a:solidFill>
-                <a:effectLst/>
-                <a:latin typeface="Courier New" pitchFamily="49" charset="0"/>
-                <a:cs typeface="Courier New" pitchFamily="49" charset="0"/>
-              </a:rPr>
-              <a:t>@</a:t>
-            </a:r>
-            <a:r>
-              <a:rPr kumimoji="0" lang="ru-RU" altLang="ru-RU" b="0" i="0" u="none" strike="noStrike" cap="none" normalizeH="0" baseline="0" dirty="0" err="1" smtClean="0">
-                <a:ln>
-                  <a:noFill/>
-                </a:ln>
-                <a:solidFill>
-                  <a:srgbClr val="808000"/>
-                </a:solidFill>
-                <a:effectLst/>
-                <a:latin typeface="Courier New" pitchFamily="49" charset="0"/>
-                <a:cs typeface="Courier New" pitchFamily="49" charset="0"/>
-              </a:rPr>
-              <a:t>BeforeEach</a:t>
-            </a:r>
-            <a:r>
-              <a:rPr kumimoji="0" lang="ru-RU" altLang="ru-RU" b="0" i="0" u="none" strike="noStrike" cap="none" normalizeH="0" baseline="0" dirty="0" smtClean="0">
-                <a:ln>
-                  <a:noFill/>
-                </a:ln>
-                <a:solidFill>
-                  <a:srgbClr val="808000"/>
-                </a:solidFill>
-                <a:effectLst/>
-                <a:latin typeface="Courier New" pitchFamily="49" charset="0"/>
-                <a:cs typeface="Courier New" pitchFamily="49" charset="0"/>
-              </a:rPr>
-              <a:t/>
-            </a:r>
-            <a:br>
-              <a:rPr kumimoji="0" lang="ru-RU" altLang="ru-RU" b="0" i="0" u="none" strike="noStrike" cap="none" normalizeH="0" baseline="0" dirty="0" smtClean="0">
-                <a:ln>
-                  <a:noFill/>
-                </a:ln>
-                <a:solidFill>
-                  <a:srgbClr val="808000"/>
-                </a:solidFill>
-                <a:effectLst/>
-                <a:latin typeface="Courier New" pitchFamily="49" charset="0"/>
-                <a:cs typeface="Courier New" pitchFamily="49" charset="0"/>
-              </a:rPr>
-            </a:br>
-            <a:r>
-              <a:rPr kumimoji="0" lang="ru-RU" altLang="ru-RU" b="0" i="0" u="none" strike="noStrike" cap="none" normalizeH="0" baseline="0" dirty="0" smtClean="0">
-                <a:ln>
-                  <a:noFill/>
-                </a:ln>
-                <a:solidFill>
-                  <a:srgbClr val="808000"/>
-                </a:solidFill>
-                <a:effectLst/>
-                <a:latin typeface="Courier New" pitchFamily="49" charset="0"/>
-                <a:cs typeface="Courier New" pitchFamily="49" charset="0"/>
-              </a:rPr>
-              <a:t>  </a:t>
-            </a:r>
-            <a:r>
-              <a:rPr kumimoji="0" lang="ru-RU" altLang="ru-RU" b="1" i="0" u="none" strike="noStrike" cap="none" normalizeH="0" baseline="0" dirty="0" err="1" smtClean="0">
-                <a:ln>
-                  <a:noFill/>
-                </a:ln>
-                <a:solidFill>
-                  <a:srgbClr val="000080"/>
-                </a:solidFill>
-                <a:effectLst/>
-                <a:latin typeface="Courier New" pitchFamily="49" charset="0"/>
-                <a:cs typeface="Courier New" pitchFamily="49" charset="0"/>
-              </a:rPr>
-              <a:t>void</a:t>
-            </a:r>
-            <a:r>
-              <a:rPr kumimoji="0" lang="ru-RU" altLang="ru-RU" b="1" i="0" u="none" strike="noStrike" cap="none" normalizeH="0" baseline="0" dirty="0" smtClean="0">
-                <a:ln>
-                  <a:noFill/>
-                </a:ln>
-                <a:solidFill>
-                  <a:srgbClr val="000080"/>
-                </a:solidFill>
-                <a:effectLst/>
-                <a:latin typeface="Courier New" pitchFamily="49" charset="0"/>
-                <a:cs typeface="Courier New" pitchFamily="49" charset="0"/>
-              </a:rPr>
-              <a:t> </a:t>
-            </a:r>
-            <a:r>
-              <a:rPr kumimoji="0" lang="ru-RU" altLang="ru-RU" b="0" i="0" u="none" strike="noStrike" cap="none" normalizeH="0" baseline="0" dirty="0" err="1" smtClean="0">
-                <a:ln>
-                  <a:noFill/>
-                </a:ln>
-                <a:solidFill>
-                  <a:srgbClr val="000000"/>
-                </a:solidFill>
-                <a:effectLst/>
-                <a:latin typeface="Courier New" pitchFamily="49" charset="0"/>
-                <a:cs typeface="Courier New" pitchFamily="49" charset="0"/>
-              </a:rPr>
-              <a:t>setUp</a:t>
-            </a:r>
-            <a:r>
-              <a:rPr kumimoji="0" lang="ru-RU" altLang="ru-RU" b="0" i="0" u="none" strike="noStrike" cap="none" normalizeH="0" baseline="0" dirty="0" smtClean="0">
-                <a:ln>
-                  <a:noFill/>
-                </a:ln>
-                <a:solidFill>
-                  <a:srgbClr val="000000"/>
-                </a:solidFill>
-                <a:effectLst/>
-                <a:latin typeface="Courier New" pitchFamily="49" charset="0"/>
-                <a:cs typeface="Courier New" pitchFamily="49" charset="0"/>
-              </a:rPr>
-              <a:t>() {</a:t>
-            </a:r>
-            <a:br>
-              <a:rPr kumimoji="0" lang="ru-RU" altLang="ru-RU" b="0" i="0" u="none" strike="noStrike" cap="none" normalizeH="0" baseline="0" dirty="0" smtClean="0">
-                <a:ln>
-                  <a:noFill/>
-                </a:ln>
-                <a:solidFill>
-                  <a:srgbClr val="000000"/>
-                </a:solidFill>
-                <a:effectLst/>
-                <a:latin typeface="Courier New" pitchFamily="49" charset="0"/>
-                <a:cs typeface="Courier New" pitchFamily="49" charset="0"/>
-              </a:rPr>
-            </a:br>
-            <a:r>
-              <a:rPr kumimoji="0" lang="ru-RU" altLang="ru-RU" b="0" i="0" u="none" strike="noStrike" cap="none" normalizeH="0" dirty="0" smtClean="0">
-                <a:ln>
-                  <a:noFill/>
-                </a:ln>
-                <a:solidFill>
-                  <a:srgbClr val="000000"/>
-                </a:solidFill>
-                <a:effectLst/>
-                <a:latin typeface="Courier New" pitchFamily="49" charset="0"/>
-                <a:cs typeface="Courier New" pitchFamily="49" charset="0"/>
-              </a:rPr>
-              <a:t>    </a:t>
-            </a:r>
-            <a:r>
-              <a:rPr kumimoji="0" lang="ru-RU" altLang="ru-RU" b="1" i="0" u="none" strike="noStrike" cap="none" normalizeH="0" baseline="0" dirty="0" err="1" smtClean="0">
-                <a:ln>
-                  <a:noFill/>
-                </a:ln>
-                <a:solidFill>
-                  <a:srgbClr val="660E7A"/>
-                </a:solidFill>
-                <a:effectLst/>
-                <a:latin typeface="Courier New" pitchFamily="49" charset="0"/>
-                <a:cs typeface="Courier New" pitchFamily="49" charset="0"/>
-              </a:rPr>
-              <a:t>account</a:t>
-            </a:r>
-            <a:r>
-              <a:rPr kumimoji="0" lang="ru-RU" altLang="ru-RU" b="0" i="0" u="none" strike="noStrike" cap="none" normalizeH="0" baseline="0" dirty="0" err="1" smtClean="0">
-                <a:ln>
-                  <a:noFill/>
-                </a:ln>
-                <a:solidFill>
-                  <a:srgbClr val="000000"/>
-                </a:solidFill>
-                <a:effectLst/>
-                <a:latin typeface="Courier New" pitchFamily="49" charset="0"/>
-                <a:cs typeface="Courier New" pitchFamily="49" charset="0"/>
-              </a:rPr>
-              <a:t>.deposit</a:t>
-            </a:r>
-            <a:r>
-              <a:rPr kumimoji="0" lang="ru-RU" altLang="ru-RU" b="0" i="0" u="none" strike="noStrike" cap="none" normalizeH="0" baseline="0" dirty="0" smtClean="0">
-                <a:ln>
-                  <a:noFill/>
-                </a:ln>
-                <a:solidFill>
-                  <a:srgbClr val="000000"/>
-                </a:solidFill>
-                <a:effectLst/>
-                <a:latin typeface="Courier New" pitchFamily="49" charset="0"/>
-                <a:cs typeface="Courier New" pitchFamily="49" charset="0"/>
-              </a:rPr>
-              <a:t>(</a:t>
-            </a:r>
-            <a:r>
-              <a:rPr kumimoji="0" lang="ru-RU" altLang="ru-RU" b="0" i="1" u="none" strike="noStrike" cap="none" normalizeH="0" baseline="0" dirty="0" err="1" smtClean="0">
-                <a:ln>
-                  <a:noFill/>
-                </a:ln>
-                <a:solidFill>
-                  <a:srgbClr val="000000"/>
-                </a:solidFill>
-                <a:effectLst/>
-                <a:latin typeface="Courier New" pitchFamily="49" charset="0"/>
-                <a:cs typeface="Courier New" pitchFamily="49" charset="0"/>
-              </a:rPr>
-              <a:t>valueOf</a:t>
-            </a:r>
-            <a:r>
-              <a:rPr kumimoji="0" lang="ru-RU" altLang="ru-RU" b="0" i="0" u="none" strike="noStrike" cap="none" normalizeH="0" baseline="0" dirty="0" smtClean="0">
-                <a:ln>
-                  <a:noFill/>
-                </a:ln>
-                <a:solidFill>
-                  <a:srgbClr val="000000"/>
-                </a:solidFill>
-                <a:effectLst/>
-                <a:latin typeface="Courier New" pitchFamily="49" charset="0"/>
-                <a:cs typeface="Courier New" pitchFamily="49" charset="0"/>
-              </a:rPr>
-              <a:t>(</a:t>
-            </a:r>
-            <a:r>
-              <a:rPr kumimoji="0" lang="ru-RU" altLang="ru-RU" b="0" i="0" u="none" strike="noStrike" cap="none" normalizeH="0" baseline="0" dirty="0" smtClean="0">
-                <a:ln>
-                  <a:noFill/>
-                </a:ln>
-                <a:solidFill>
-                  <a:srgbClr val="0000FF"/>
-                </a:solidFill>
-                <a:effectLst/>
-                <a:latin typeface="Courier New" pitchFamily="49" charset="0"/>
-                <a:cs typeface="Courier New" pitchFamily="49" charset="0"/>
-              </a:rPr>
-              <a:t>100</a:t>
-            </a:r>
-            <a:r>
-              <a:rPr kumimoji="0" lang="ru-RU" altLang="ru-RU" b="0" i="0" u="none" strike="noStrike" cap="none" normalizeH="0" baseline="0" dirty="0" smtClean="0">
-                <a:ln>
-                  <a:noFill/>
-                </a:ln>
-                <a:solidFill>
-                  <a:srgbClr val="000000"/>
-                </a:solidFill>
-                <a:effectLst/>
-                <a:latin typeface="Courier New" pitchFamily="49" charset="0"/>
-                <a:cs typeface="Courier New" pitchFamily="49" charset="0"/>
-              </a:rPr>
-              <a:t>));</a:t>
-            </a:r>
-            <a:br>
-              <a:rPr kumimoji="0" lang="ru-RU" altLang="ru-RU" b="0" i="0" u="none" strike="noStrike" cap="none" normalizeH="0" baseline="0" dirty="0" smtClean="0">
-                <a:ln>
-                  <a:noFill/>
-                </a:ln>
-                <a:solidFill>
-                  <a:srgbClr val="000000"/>
-                </a:solidFill>
-                <a:effectLst/>
-                <a:latin typeface="Courier New" pitchFamily="49" charset="0"/>
-                <a:cs typeface="Courier New" pitchFamily="49" charset="0"/>
-              </a:rPr>
-            </a:br>
-            <a:r>
-              <a:rPr kumimoji="0" lang="ru-RU" altLang="ru-RU" b="0" i="0" u="none" strike="noStrike" cap="none" normalizeH="0" dirty="0" smtClean="0">
-                <a:ln>
-                  <a:noFill/>
-                </a:ln>
-                <a:solidFill>
-                  <a:srgbClr val="000000"/>
-                </a:solidFill>
-                <a:effectLst/>
-                <a:latin typeface="Courier New" pitchFamily="49" charset="0"/>
-                <a:cs typeface="Courier New" pitchFamily="49" charset="0"/>
-              </a:rPr>
-              <a:t>  </a:t>
-            </a:r>
-            <a:r>
-              <a:rPr kumimoji="0" lang="ru-RU" altLang="ru-RU" b="0" i="0" u="none" strike="noStrike" cap="none" normalizeH="0" baseline="0" dirty="0" smtClean="0">
-                <a:ln>
-                  <a:noFill/>
-                </a:ln>
-                <a:solidFill>
-                  <a:srgbClr val="000000"/>
-                </a:solidFill>
-                <a:effectLst/>
-                <a:latin typeface="Courier New" pitchFamily="49" charset="0"/>
-                <a:cs typeface="Courier New" pitchFamily="49" charset="0"/>
-              </a:rPr>
-              <a:t>}</a:t>
-            </a:r>
-            <a:r>
-              <a:rPr kumimoji="0" lang="ru-RU" altLang="ru-RU" b="0" i="0" u="none" strike="noStrike" cap="none" normalizeH="0" baseline="0" dirty="0" smtClean="0">
-                <a:ln>
-                  <a:noFill/>
-                </a:ln>
-                <a:solidFill>
-                  <a:srgbClr val="000000"/>
-                </a:solidFill>
-                <a:effectLst/>
-                <a:latin typeface="Courier New" pitchFamily="49" charset="0"/>
-                <a:cs typeface="Courier New" pitchFamily="49" charset="0"/>
-              </a:rPr>
-              <a:t/>
-            </a:r>
-            <a:br>
-              <a:rPr kumimoji="0" lang="ru-RU" altLang="ru-RU" b="0" i="0" u="none" strike="noStrike" cap="none" normalizeH="0" baseline="0" dirty="0" smtClean="0">
-                <a:ln>
-                  <a:noFill/>
-                </a:ln>
-                <a:solidFill>
-                  <a:srgbClr val="000000"/>
-                </a:solidFill>
-                <a:effectLst/>
-                <a:latin typeface="Courier New" pitchFamily="49" charset="0"/>
-                <a:cs typeface="Courier New" pitchFamily="49" charset="0"/>
-              </a:rPr>
-            </a:br>
-            <a:r>
-              <a:rPr kumimoji="0" lang="ru-RU" altLang="ru-RU" b="0" i="0" u="none" strike="noStrike" cap="none" normalizeH="0" baseline="0" dirty="0" smtClean="0">
-                <a:ln>
-                  <a:noFill/>
-                </a:ln>
-                <a:solidFill>
-                  <a:srgbClr val="000000"/>
-                </a:solidFill>
-                <a:effectLst/>
-                <a:latin typeface="Courier New" pitchFamily="49" charset="0"/>
-                <a:cs typeface="Courier New" pitchFamily="49" charset="0"/>
-              </a:rPr>
-              <a:t/>
-            </a:r>
-            <a:br>
-              <a:rPr kumimoji="0" lang="ru-RU" altLang="ru-RU" b="0" i="0" u="none" strike="noStrike" cap="none" normalizeH="0" baseline="0" dirty="0" smtClean="0">
-                <a:ln>
-                  <a:noFill/>
-                </a:ln>
-                <a:solidFill>
-                  <a:srgbClr val="000000"/>
-                </a:solidFill>
-                <a:effectLst/>
-                <a:latin typeface="Courier New" pitchFamily="49" charset="0"/>
-                <a:cs typeface="Courier New" pitchFamily="49" charset="0"/>
-              </a:rPr>
-            </a:br>
-            <a:r>
-              <a:rPr kumimoji="0" lang="ru-RU" altLang="ru-RU" b="0" i="0" u="none" strike="noStrike" cap="none" normalizeH="0" baseline="0" dirty="0" smtClean="0">
-                <a:ln>
-                  <a:noFill/>
-                </a:ln>
-                <a:solidFill>
-                  <a:srgbClr val="000000"/>
-                </a:solidFill>
-                <a:effectLst/>
-                <a:latin typeface="Courier New" pitchFamily="49" charset="0"/>
-                <a:cs typeface="Courier New" pitchFamily="49" charset="0"/>
-              </a:rPr>
-              <a:t>  </a:t>
-            </a:r>
-            <a:r>
-              <a:rPr kumimoji="0" lang="ru-RU" altLang="ru-RU" b="0" i="0" u="none" strike="noStrike" cap="none" normalizeH="0" baseline="0" dirty="0" smtClean="0">
-                <a:ln>
-                  <a:noFill/>
-                </a:ln>
-                <a:solidFill>
-                  <a:srgbClr val="808000"/>
-                </a:solidFill>
-                <a:effectLst/>
-                <a:latin typeface="Courier New" pitchFamily="49" charset="0"/>
-                <a:cs typeface="Courier New" pitchFamily="49" charset="0"/>
-              </a:rPr>
-              <a:t>@</a:t>
-            </a:r>
-            <a:r>
-              <a:rPr kumimoji="0" lang="ru-RU" altLang="ru-RU" b="0" i="0" u="none" strike="noStrike" cap="none" normalizeH="0" baseline="0" dirty="0" err="1" smtClean="0">
-                <a:ln>
-                  <a:noFill/>
-                </a:ln>
-                <a:solidFill>
-                  <a:srgbClr val="808000"/>
-                </a:solidFill>
-                <a:effectLst/>
-                <a:latin typeface="Courier New" pitchFamily="49" charset="0"/>
-                <a:cs typeface="Courier New" pitchFamily="49" charset="0"/>
-              </a:rPr>
-              <a:t>Test</a:t>
-            </a:r>
-            <a:r>
-              <a:rPr kumimoji="0" lang="ru-RU" altLang="ru-RU" b="0" i="0" u="none" strike="noStrike" cap="none" normalizeH="0" baseline="0" dirty="0" smtClean="0">
-                <a:ln>
-                  <a:noFill/>
-                </a:ln>
-                <a:solidFill>
-                  <a:srgbClr val="808000"/>
-                </a:solidFill>
-                <a:effectLst/>
-                <a:latin typeface="Courier New" pitchFamily="49" charset="0"/>
-                <a:cs typeface="Courier New" pitchFamily="49" charset="0"/>
-              </a:rPr>
-              <a:t/>
-            </a:r>
-            <a:br>
-              <a:rPr kumimoji="0" lang="ru-RU" altLang="ru-RU" b="0" i="0" u="none" strike="noStrike" cap="none" normalizeH="0" baseline="0" dirty="0" smtClean="0">
-                <a:ln>
-                  <a:noFill/>
-                </a:ln>
-                <a:solidFill>
-                  <a:srgbClr val="808000"/>
-                </a:solidFill>
-                <a:effectLst/>
-                <a:latin typeface="Courier New" pitchFamily="49" charset="0"/>
-                <a:cs typeface="Courier New" pitchFamily="49" charset="0"/>
-              </a:rPr>
-            </a:br>
-            <a:r>
-              <a:rPr kumimoji="0" lang="ru-RU" altLang="ru-RU" b="0" i="0" u="none" strike="noStrike" cap="none" normalizeH="0" baseline="0" dirty="0" smtClean="0">
-                <a:ln>
-                  <a:noFill/>
-                </a:ln>
-                <a:solidFill>
-                  <a:srgbClr val="808000"/>
-                </a:solidFill>
-                <a:effectLst/>
-                <a:latin typeface="Courier New" pitchFamily="49" charset="0"/>
-                <a:cs typeface="Courier New" pitchFamily="49" charset="0"/>
-              </a:rPr>
-              <a:t>  </a:t>
-            </a:r>
-            <a:r>
-              <a:rPr kumimoji="0" lang="ru-RU" altLang="ru-RU" b="1" i="0" u="none" strike="noStrike" cap="none" normalizeH="0" baseline="0" dirty="0" err="1" smtClean="0">
-                <a:ln>
-                  <a:noFill/>
-                </a:ln>
-                <a:solidFill>
-                  <a:srgbClr val="000080"/>
-                </a:solidFill>
-                <a:effectLst/>
-                <a:latin typeface="Courier New" pitchFamily="49" charset="0"/>
-                <a:cs typeface="Courier New" pitchFamily="49" charset="0"/>
-              </a:rPr>
-              <a:t>void</a:t>
-            </a:r>
-            <a:r>
-              <a:rPr kumimoji="0" lang="ru-RU" altLang="ru-RU" b="1" i="0" u="none" strike="noStrike" cap="none" normalizeH="0" baseline="0" dirty="0" smtClean="0">
-                <a:ln>
-                  <a:noFill/>
-                </a:ln>
-                <a:solidFill>
-                  <a:srgbClr val="000080"/>
-                </a:solidFill>
-                <a:effectLst/>
-                <a:latin typeface="Courier New" pitchFamily="49" charset="0"/>
-                <a:cs typeface="Courier New" pitchFamily="49" charset="0"/>
-              </a:rPr>
-              <a:t> </a:t>
-            </a:r>
-            <a:r>
-              <a:rPr kumimoji="0" lang="ru-RU" altLang="ru-RU" b="0" i="0" u="none" strike="noStrike" cap="none" normalizeH="0" baseline="0" dirty="0" err="1" smtClean="0">
-                <a:ln>
-                  <a:noFill/>
-                </a:ln>
-                <a:solidFill>
-                  <a:srgbClr val="000000"/>
-                </a:solidFill>
-                <a:effectLst/>
-                <a:latin typeface="Courier New" pitchFamily="49" charset="0"/>
-                <a:cs typeface="Courier New" pitchFamily="49" charset="0"/>
-              </a:rPr>
-              <a:t>testSucceededIfEnoughFunds</a:t>
-            </a:r>
-            <a:r>
-              <a:rPr kumimoji="0" lang="ru-RU" altLang="ru-RU" b="0" i="0" u="none" strike="noStrike" cap="none" normalizeH="0" baseline="0" dirty="0" smtClean="0">
-                <a:ln>
-                  <a:noFill/>
-                </a:ln>
-                <a:solidFill>
-                  <a:srgbClr val="000000"/>
-                </a:solidFill>
-                <a:effectLst/>
-                <a:latin typeface="Courier New" pitchFamily="49" charset="0"/>
-                <a:cs typeface="Courier New" pitchFamily="49" charset="0"/>
-              </a:rPr>
-              <a:t>()</a:t>
-            </a:r>
-            <a:br>
-              <a:rPr kumimoji="0" lang="ru-RU" altLang="ru-RU" b="0" i="0" u="none" strike="noStrike" cap="none" normalizeH="0" baseline="0" dirty="0" smtClean="0">
-                <a:ln>
-                  <a:noFill/>
-                </a:ln>
-                <a:solidFill>
-                  <a:srgbClr val="000000"/>
-                </a:solidFill>
-                <a:effectLst/>
-                <a:latin typeface="Courier New" pitchFamily="49" charset="0"/>
-                <a:cs typeface="Courier New" pitchFamily="49" charset="0"/>
-              </a:rPr>
-            </a:br>
-            <a:r>
-              <a:rPr kumimoji="0" lang="ru-RU" altLang="ru-RU" b="0" i="0" u="none" strike="noStrike" cap="none" normalizeH="0" baseline="0" dirty="0" smtClean="0">
-                <a:ln>
-                  <a:noFill/>
-                </a:ln>
-                <a:solidFill>
-                  <a:srgbClr val="000000"/>
-                </a:solidFill>
-                <a:effectLst/>
-                <a:latin typeface="Courier New" pitchFamily="49" charset="0"/>
-                <a:cs typeface="Courier New" pitchFamily="49" charset="0"/>
-              </a:rPr>
-              <a:t>          </a:t>
-            </a:r>
-            <a:r>
-              <a:rPr kumimoji="0" lang="ru-RU" altLang="ru-RU" b="1" i="0" u="none" strike="noStrike" cap="none" normalizeH="0" baseline="0" dirty="0" err="1" smtClean="0">
-                <a:ln>
-                  <a:noFill/>
-                </a:ln>
-                <a:solidFill>
-                  <a:srgbClr val="000080"/>
-                </a:solidFill>
-                <a:effectLst/>
-                <a:latin typeface="Courier New" pitchFamily="49" charset="0"/>
-                <a:cs typeface="Courier New" pitchFamily="49" charset="0"/>
-              </a:rPr>
-              <a:t>throws</a:t>
-            </a:r>
-            <a:r>
-              <a:rPr kumimoji="0" lang="ru-RU" altLang="ru-RU" b="1" i="0" u="none" strike="noStrike" cap="none" normalizeH="0" baseline="0" dirty="0" smtClean="0">
-                <a:ln>
-                  <a:noFill/>
-                </a:ln>
-                <a:solidFill>
-                  <a:srgbClr val="000080"/>
-                </a:solidFill>
-                <a:effectLst/>
-                <a:latin typeface="Courier New" pitchFamily="49" charset="0"/>
-                <a:cs typeface="Courier New" pitchFamily="49" charset="0"/>
-              </a:rPr>
-              <a:t> </a:t>
-            </a:r>
-            <a:r>
-              <a:rPr kumimoji="0" lang="ru-RU" altLang="ru-RU" b="0" i="0" u="none" strike="noStrike" cap="none" normalizeH="0" baseline="0" dirty="0" err="1" smtClean="0">
-                <a:ln>
-                  <a:noFill/>
-                </a:ln>
-                <a:solidFill>
-                  <a:srgbClr val="000000"/>
-                </a:solidFill>
-                <a:effectLst/>
-                <a:latin typeface="Courier New" pitchFamily="49" charset="0"/>
-                <a:cs typeface="Courier New" pitchFamily="49" charset="0"/>
-              </a:rPr>
-              <a:t>InsufficientFundsException</a:t>
-            </a:r>
-            <a:r>
-              <a:rPr kumimoji="0" lang="ru-RU" altLang="ru-RU" b="0" i="0" u="none" strike="noStrike" cap="none" normalizeH="0" baseline="0" dirty="0" smtClean="0">
-                <a:ln>
-                  <a:noFill/>
-                </a:ln>
-                <a:solidFill>
-                  <a:srgbClr val="000000"/>
-                </a:solidFill>
-                <a:effectLst/>
-                <a:latin typeface="Courier New" pitchFamily="49" charset="0"/>
-                <a:cs typeface="Courier New" pitchFamily="49" charset="0"/>
-              </a:rPr>
-              <a:t> {</a:t>
-            </a:r>
-            <a:br>
-              <a:rPr kumimoji="0" lang="ru-RU" altLang="ru-RU" b="0" i="0" u="none" strike="noStrike" cap="none" normalizeH="0" baseline="0" dirty="0" smtClean="0">
-                <a:ln>
-                  <a:noFill/>
-                </a:ln>
-                <a:solidFill>
-                  <a:srgbClr val="000000"/>
-                </a:solidFill>
-                <a:effectLst/>
-                <a:latin typeface="Courier New" pitchFamily="49" charset="0"/>
-                <a:cs typeface="Courier New" pitchFamily="49" charset="0"/>
-              </a:rPr>
-            </a:br>
-            <a:r>
-              <a:rPr kumimoji="0" lang="ru-RU" altLang="ru-RU" b="0" i="0" u="none" strike="noStrike" cap="none" normalizeH="0" baseline="0" dirty="0" smtClean="0">
-                <a:ln>
-                  <a:noFill/>
-                </a:ln>
-                <a:solidFill>
-                  <a:srgbClr val="000000"/>
-                </a:solidFill>
-                <a:effectLst/>
-                <a:latin typeface="Courier New" pitchFamily="49" charset="0"/>
-                <a:cs typeface="Courier New" pitchFamily="49" charset="0"/>
-              </a:rPr>
-              <a:t>    </a:t>
-            </a:r>
-            <a:r>
-              <a:rPr kumimoji="0" lang="ru-RU" altLang="ru-RU" b="0" i="0" u="none" strike="noStrike" cap="none" normalizeH="0" baseline="0" dirty="0" err="1" smtClean="0">
-                <a:ln>
-                  <a:noFill/>
-                </a:ln>
-                <a:solidFill>
-                  <a:srgbClr val="000000"/>
-                </a:solidFill>
-                <a:effectLst/>
-                <a:latin typeface="Courier New" pitchFamily="49" charset="0"/>
-                <a:cs typeface="Courier New" pitchFamily="49" charset="0"/>
-              </a:rPr>
-              <a:t>Item</a:t>
-            </a:r>
-            <a:r>
-              <a:rPr kumimoji="0" lang="ru-RU" altLang="ru-RU" b="0" i="0" u="none" strike="noStrike" cap="none" normalizeH="0" baseline="0" dirty="0" smtClean="0">
-                <a:ln>
-                  <a:noFill/>
-                </a:ln>
-                <a:solidFill>
-                  <a:srgbClr val="000000"/>
-                </a:solidFill>
-                <a:effectLst/>
-                <a:latin typeface="Courier New" pitchFamily="49" charset="0"/>
-                <a:cs typeface="Courier New" pitchFamily="49" charset="0"/>
-              </a:rPr>
-              <a:t> </a:t>
-            </a:r>
-            <a:r>
-              <a:rPr kumimoji="0" lang="ru-RU" altLang="ru-RU" b="0" i="0" u="none" strike="noStrike" cap="none" normalizeH="0" baseline="0" dirty="0" err="1" smtClean="0">
-                <a:ln>
-                  <a:noFill/>
-                </a:ln>
-                <a:solidFill>
-                  <a:srgbClr val="000000"/>
-                </a:solidFill>
-                <a:effectLst/>
-                <a:latin typeface="Courier New" pitchFamily="49" charset="0"/>
-                <a:cs typeface="Courier New" pitchFamily="49" charset="0"/>
-              </a:rPr>
-              <a:t>cake</a:t>
-            </a:r>
-            <a:r>
-              <a:rPr kumimoji="0" lang="ru-RU" altLang="ru-RU" b="0" i="0" u="none" strike="noStrike" cap="none" normalizeH="0" baseline="0" dirty="0" smtClean="0">
-                <a:ln>
-                  <a:noFill/>
-                </a:ln>
-                <a:solidFill>
-                  <a:srgbClr val="000000"/>
-                </a:solidFill>
-                <a:effectLst/>
-                <a:latin typeface="Courier New" pitchFamily="49" charset="0"/>
-                <a:cs typeface="Courier New" pitchFamily="49" charset="0"/>
-              </a:rPr>
-              <a:t> = </a:t>
-            </a:r>
-            <a:r>
-              <a:rPr kumimoji="0" lang="ru-RU" altLang="ru-RU" b="1" i="0" u="none" strike="noStrike" cap="none" normalizeH="0" baseline="0" dirty="0" err="1" smtClean="0">
-                <a:ln>
-                  <a:noFill/>
-                </a:ln>
-                <a:solidFill>
-                  <a:srgbClr val="000080"/>
-                </a:solidFill>
-                <a:effectLst/>
-                <a:latin typeface="Courier New" pitchFamily="49" charset="0"/>
-                <a:cs typeface="Courier New" pitchFamily="49" charset="0"/>
-              </a:rPr>
-              <a:t>new</a:t>
-            </a:r>
-            <a:r>
-              <a:rPr kumimoji="0" lang="ru-RU" altLang="ru-RU" b="1" i="0" u="none" strike="noStrike" cap="none" normalizeH="0" baseline="0" dirty="0" smtClean="0">
-                <a:ln>
-                  <a:noFill/>
-                </a:ln>
-                <a:solidFill>
-                  <a:srgbClr val="000080"/>
-                </a:solidFill>
-                <a:effectLst/>
-                <a:latin typeface="Courier New" pitchFamily="49" charset="0"/>
-                <a:cs typeface="Courier New" pitchFamily="49" charset="0"/>
-              </a:rPr>
-              <a:t> </a:t>
-            </a:r>
-            <a:r>
-              <a:rPr kumimoji="0" lang="ru-RU" altLang="ru-RU" b="0" i="0" u="none" strike="noStrike" cap="none" normalizeH="0" baseline="0" dirty="0" err="1" smtClean="0">
-                <a:ln>
-                  <a:noFill/>
-                </a:ln>
-                <a:solidFill>
-                  <a:srgbClr val="000000"/>
-                </a:solidFill>
-                <a:effectLst/>
-                <a:latin typeface="Courier New" pitchFamily="49" charset="0"/>
-                <a:cs typeface="Courier New" pitchFamily="49" charset="0"/>
-              </a:rPr>
-              <a:t>Item</a:t>
-            </a:r>
-            <a:r>
-              <a:rPr kumimoji="0" lang="ru-RU" altLang="ru-RU" b="0" i="0" u="none" strike="noStrike" cap="none" normalizeH="0" baseline="0" dirty="0" smtClean="0">
-                <a:ln>
-                  <a:noFill/>
-                </a:ln>
-                <a:solidFill>
-                  <a:srgbClr val="000000"/>
-                </a:solidFill>
-                <a:effectLst/>
-                <a:latin typeface="Courier New" pitchFamily="49" charset="0"/>
-                <a:cs typeface="Courier New" pitchFamily="49" charset="0"/>
-              </a:rPr>
-              <a:t>(</a:t>
-            </a:r>
-            <a:r>
-              <a:rPr kumimoji="0" lang="ru-RU" altLang="ru-RU" b="1" i="0" u="none" strike="noStrike" cap="none" normalizeH="0" baseline="0" dirty="0" smtClean="0">
-                <a:ln>
-                  <a:noFill/>
-                </a:ln>
-                <a:solidFill>
-                  <a:srgbClr val="008000"/>
-                </a:solidFill>
-                <a:effectLst/>
-                <a:latin typeface="Courier New" pitchFamily="49" charset="0"/>
-                <a:cs typeface="Courier New" pitchFamily="49" charset="0"/>
-              </a:rPr>
-              <a:t>"</a:t>
-            </a:r>
-            <a:r>
-              <a:rPr kumimoji="0" lang="ru-RU" altLang="ru-RU" b="1" i="0" u="none" strike="noStrike" cap="none" normalizeH="0" baseline="0" dirty="0" err="1" smtClean="0">
-                <a:ln>
-                  <a:noFill/>
-                </a:ln>
-                <a:solidFill>
-                  <a:srgbClr val="008000"/>
-                </a:solidFill>
-                <a:effectLst/>
-                <a:latin typeface="Courier New" pitchFamily="49" charset="0"/>
-                <a:cs typeface="Courier New" pitchFamily="49" charset="0"/>
-              </a:rPr>
-              <a:t>Cake</a:t>
-            </a:r>
-            <a:r>
-              <a:rPr kumimoji="0" lang="ru-RU" altLang="ru-RU" b="1" i="0" u="none" strike="noStrike" cap="none" normalizeH="0" baseline="0" dirty="0" smtClean="0">
-                <a:ln>
-                  <a:noFill/>
-                </a:ln>
-                <a:solidFill>
-                  <a:srgbClr val="008000"/>
-                </a:solidFill>
-                <a:effectLst/>
-                <a:latin typeface="Courier New" pitchFamily="49" charset="0"/>
-                <a:cs typeface="Courier New" pitchFamily="49" charset="0"/>
-              </a:rPr>
-              <a:t>"</a:t>
-            </a:r>
-            <a:r>
-              <a:rPr kumimoji="0" lang="ru-RU" altLang="ru-RU" b="0" i="0" u="none" strike="noStrike" cap="none" normalizeH="0" baseline="0" dirty="0" smtClean="0">
-                <a:ln>
-                  <a:noFill/>
-                </a:ln>
-                <a:solidFill>
-                  <a:srgbClr val="000000"/>
-                </a:solidFill>
-                <a:effectLst/>
-                <a:latin typeface="Courier New" pitchFamily="49" charset="0"/>
-                <a:cs typeface="Courier New" pitchFamily="49" charset="0"/>
-              </a:rPr>
-              <a:t>, </a:t>
-            </a:r>
-            <a:r>
-              <a:rPr kumimoji="0" lang="ru-RU" altLang="ru-RU" b="0" i="1" u="none" strike="noStrike" cap="none" normalizeH="0" baseline="0" dirty="0" err="1" smtClean="0">
-                <a:ln>
-                  <a:noFill/>
-                </a:ln>
-                <a:solidFill>
-                  <a:srgbClr val="000000"/>
-                </a:solidFill>
-                <a:effectLst/>
-                <a:latin typeface="Courier New" pitchFamily="49" charset="0"/>
-                <a:cs typeface="Courier New" pitchFamily="49" charset="0"/>
-              </a:rPr>
-              <a:t>valueOf</a:t>
-            </a:r>
-            <a:r>
-              <a:rPr kumimoji="0" lang="ru-RU" altLang="ru-RU" b="0" i="0" u="none" strike="noStrike" cap="none" normalizeH="0" baseline="0" dirty="0" smtClean="0">
-                <a:ln>
-                  <a:noFill/>
-                </a:ln>
-                <a:solidFill>
-                  <a:srgbClr val="000000"/>
-                </a:solidFill>
-                <a:effectLst/>
-                <a:latin typeface="Courier New" pitchFamily="49" charset="0"/>
-                <a:cs typeface="Courier New" pitchFamily="49" charset="0"/>
-              </a:rPr>
-              <a:t>(</a:t>
-            </a:r>
-            <a:r>
-              <a:rPr kumimoji="0" lang="ru-RU" altLang="ru-RU" b="0" i="0" u="none" strike="noStrike" cap="none" normalizeH="0" baseline="0" dirty="0" smtClean="0">
-                <a:ln>
-                  <a:noFill/>
-                </a:ln>
-                <a:solidFill>
-                  <a:srgbClr val="0000FF"/>
-                </a:solidFill>
-                <a:effectLst/>
-                <a:latin typeface="Courier New" pitchFamily="49" charset="0"/>
-                <a:cs typeface="Courier New" pitchFamily="49" charset="0"/>
-              </a:rPr>
-              <a:t>70</a:t>
-            </a:r>
-            <a:r>
-              <a:rPr kumimoji="0" lang="ru-RU" altLang="ru-RU" b="0" i="0" u="none" strike="noStrike" cap="none" normalizeH="0" baseline="0" dirty="0" smtClean="0">
-                <a:ln>
-                  <a:noFill/>
-                </a:ln>
-                <a:solidFill>
-                  <a:srgbClr val="000000"/>
-                </a:solidFill>
-                <a:effectLst/>
-                <a:latin typeface="Courier New" pitchFamily="49" charset="0"/>
-                <a:cs typeface="Courier New" pitchFamily="49" charset="0"/>
-              </a:rPr>
-              <a:t>));</a:t>
-            </a:r>
-            <a:r>
-              <a:rPr kumimoji="0" lang="ru-RU" altLang="ru-RU" b="0" i="0" u="none" strike="noStrike" cap="none" normalizeH="0" baseline="0" dirty="0" smtClean="0">
-                <a:ln>
-                  <a:noFill/>
-                </a:ln>
-                <a:solidFill>
-                  <a:srgbClr val="000000"/>
-                </a:solidFill>
-                <a:effectLst/>
-                <a:latin typeface="Courier New" pitchFamily="49" charset="0"/>
-                <a:cs typeface="Courier New" pitchFamily="49" charset="0"/>
-              </a:rPr>
-              <a:t/>
-            </a:r>
-            <a:br>
-              <a:rPr kumimoji="0" lang="ru-RU" altLang="ru-RU" b="0" i="0" u="none" strike="noStrike" cap="none" normalizeH="0" baseline="0" dirty="0" smtClean="0">
-                <a:ln>
-                  <a:noFill/>
-                </a:ln>
-                <a:solidFill>
-                  <a:srgbClr val="000000"/>
-                </a:solidFill>
-                <a:effectLst/>
-                <a:latin typeface="Courier New" pitchFamily="49" charset="0"/>
-                <a:cs typeface="Courier New" pitchFamily="49" charset="0"/>
-              </a:rPr>
-            </a:br>
-            <a:r>
-              <a:rPr kumimoji="0" lang="ru-RU" altLang="ru-RU" b="0" i="0" u="none" strike="noStrike" cap="none" normalizeH="0" baseline="0" dirty="0" smtClean="0">
-                <a:ln>
-                  <a:noFill/>
-                </a:ln>
-                <a:solidFill>
-                  <a:srgbClr val="000000"/>
-                </a:solidFill>
-                <a:effectLst/>
-                <a:latin typeface="Courier New" pitchFamily="49" charset="0"/>
-                <a:cs typeface="Courier New" pitchFamily="49" charset="0"/>
-              </a:rPr>
-              <a:t>    </a:t>
-            </a:r>
-            <a:r>
-              <a:rPr kumimoji="0" lang="ru-RU" altLang="ru-RU" b="1" i="0" u="none" strike="noStrike" cap="none" normalizeH="0" baseline="0" dirty="0" err="1" smtClean="0">
-                <a:ln>
-                  <a:noFill/>
-                </a:ln>
-                <a:solidFill>
-                  <a:srgbClr val="660E7A"/>
-                </a:solidFill>
-                <a:effectLst/>
-                <a:latin typeface="Courier New" pitchFamily="49" charset="0"/>
-                <a:cs typeface="Courier New" pitchFamily="49" charset="0"/>
-              </a:rPr>
-              <a:t>order</a:t>
-            </a:r>
-            <a:r>
-              <a:rPr kumimoji="0" lang="ru-RU" altLang="ru-RU" b="0" i="0" u="none" strike="noStrike" cap="none" normalizeH="0" baseline="0" dirty="0" err="1" smtClean="0">
-                <a:ln>
-                  <a:noFill/>
-                </a:ln>
-                <a:solidFill>
-                  <a:srgbClr val="000000"/>
-                </a:solidFill>
-                <a:effectLst/>
-                <a:latin typeface="Courier New" pitchFamily="49" charset="0"/>
-                <a:cs typeface="Courier New" pitchFamily="49" charset="0"/>
-              </a:rPr>
-              <a:t>.buyItem</a:t>
-            </a:r>
-            <a:r>
-              <a:rPr kumimoji="0" lang="ru-RU" altLang="ru-RU" b="0" i="0" u="none" strike="noStrike" cap="none" normalizeH="0" baseline="0" dirty="0" smtClean="0">
-                <a:ln>
-                  <a:noFill/>
-                </a:ln>
-                <a:solidFill>
-                  <a:srgbClr val="000000"/>
-                </a:solidFill>
-                <a:effectLst/>
-                <a:latin typeface="Courier New" pitchFamily="49" charset="0"/>
-                <a:cs typeface="Courier New" pitchFamily="49" charset="0"/>
-              </a:rPr>
-              <a:t>(</a:t>
-            </a:r>
-            <a:r>
-              <a:rPr kumimoji="0" lang="ru-RU" altLang="ru-RU" b="0" i="0" u="none" strike="noStrike" cap="none" normalizeH="0" baseline="0" dirty="0" err="1" smtClean="0">
-                <a:ln>
-                  <a:noFill/>
-                </a:ln>
-                <a:solidFill>
-                  <a:srgbClr val="000000"/>
-                </a:solidFill>
-                <a:effectLst/>
-                <a:latin typeface="Courier New" pitchFamily="49" charset="0"/>
-                <a:cs typeface="Courier New" pitchFamily="49" charset="0"/>
-              </a:rPr>
-              <a:t>cake</a:t>
-            </a:r>
-            <a:r>
-              <a:rPr kumimoji="0" lang="ru-RU" altLang="ru-RU" b="0" i="0" u="none" strike="noStrike" cap="none" normalizeH="0" baseline="0" dirty="0" smtClean="0">
-                <a:ln>
-                  <a:noFill/>
-                </a:ln>
-                <a:solidFill>
-                  <a:srgbClr val="000000"/>
-                </a:solidFill>
-                <a:effectLst/>
-                <a:latin typeface="Courier New" pitchFamily="49" charset="0"/>
-                <a:cs typeface="Courier New" pitchFamily="49" charset="0"/>
-              </a:rPr>
-              <a:t>, </a:t>
-            </a:r>
-            <a:r>
-              <a:rPr kumimoji="0" lang="ru-RU" altLang="ru-RU" b="1" i="0" u="none" strike="noStrike" cap="none" normalizeH="0" baseline="0" dirty="0" err="1" smtClean="0">
-                <a:ln>
-                  <a:noFill/>
-                </a:ln>
-                <a:solidFill>
-                  <a:srgbClr val="660E7A"/>
-                </a:solidFill>
-                <a:effectLst/>
-                <a:latin typeface="Courier New" pitchFamily="49" charset="0"/>
-                <a:cs typeface="Courier New" pitchFamily="49" charset="0"/>
-              </a:rPr>
-              <a:t>account</a:t>
-            </a:r>
-            <a:r>
-              <a:rPr kumimoji="0" lang="ru-RU" altLang="ru-RU" b="0" i="0" u="none" strike="noStrike" cap="none" normalizeH="0" baseline="0" dirty="0" smtClean="0">
-                <a:ln>
-                  <a:noFill/>
-                </a:ln>
-                <a:solidFill>
-                  <a:srgbClr val="000000"/>
-                </a:solidFill>
-                <a:effectLst/>
-                <a:latin typeface="Courier New" pitchFamily="49" charset="0"/>
-                <a:cs typeface="Courier New" pitchFamily="49" charset="0"/>
-              </a:rPr>
-              <a:t>);</a:t>
-            </a:r>
-            <a:r>
-              <a:rPr kumimoji="0" lang="ru-RU" altLang="ru-RU" b="0" i="0" u="none" strike="noStrike" cap="none" normalizeH="0" baseline="0" dirty="0" smtClean="0">
-                <a:ln>
-                  <a:noFill/>
-                </a:ln>
-                <a:solidFill>
-                  <a:srgbClr val="000000"/>
-                </a:solidFill>
-                <a:effectLst/>
-                <a:latin typeface="Courier New" pitchFamily="49" charset="0"/>
-                <a:cs typeface="Courier New" pitchFamily="49" charset="0"/>
-              </a:rPr>
-              <a:t/>
-            </a:r>
-            <a:br>
-              <a:rPr kumimoji="0" lang="ru-RU" altLang="ru-RU" b="0" i="0" u="none" strike="noStrike" cap="none" normalizeH="0" baseline="0" dirty="0" smtClean="0">
-                <a:ln>
-                  <a:noFill/>
-                </a:ln>
-                <a:solidFill>
-                  <a:srgbClr val="000000"/>
-                </a:solidFill>
-                <a:effectLst/>
-                <a:latin typeface="Courier New" pitchFamily="49" charset="0"/>
-                <a:cs typeface="Courier New" pitchFamily="49" charset="0"/>
-              </a:rPr>
-            </a:br>
-            <a:r>
-              <a:rPr kumimoji="0" lang="ru-RU" altLang="ru-RU" b="0" i="0" u="none" strike="noStrike" cap="none" normalizeH="0" baseline="0" dirty="0" smtClean="0">
-                <a:ln>
-                  <a:noFill/>
-                </a:ln>
-                <a:solidFill>
-                  <a:srgbClr val="000000"/>
-                </a:solidFill>
-                <a:effectLst/>
-                <a:latin typeface="Courier New" pitchFamily="49" charset="0"/>
-                <a:cs typeface="Courier New" pitchFamily="49" charset="0"/>
-              </a:rPr>
-              <a:t>    </a:t>
+              <a:t>      () -&gt; </a:t>
             </a:r>
             <a:r>
               <a:rPr kumimoji="0" lang="ru-RU" altLang="ru-RU" b="0" i="1" u="none" strike="noStrike" cap="none" normalizeH="0" baseline="0" dirty="0" err="1" smtClean="0">
@@ -37098,53 +37433,31 @@
                 <a:latin typeface="Courier New" pitchFamily="49" charset="0"/>
                 <a:cs typeface="Courier New" pitchFamily="49" charset="0"/>
               </a:rPr>
-              <a:t>   </a:t>
-            </a:r>
-            <a:r>
-              <a:rPr lang="ru-RU" altLang="ru-RU" dirty="0" smtClean="0">
-                <a:solidFill>
-                  <a:srgbClr val="000000"/>
-                </a:solidFill>
-                <a:latin typeface="Courier New" pitchFamily="49" charset="0"/>
-                <a:cs typeface="Courier New" pitchFamily="49" charset="0"/>
-              </a:rPr>
-              <a:t> </a:t>
-            </a:r>
-            <a:r>
-              <a:rPr lang="en-US" altLang="ru-RU" dirty="0" smtClean="0">
-                <a:solidFill>
-                  <a:srgbClr val="000000"/>
-                </a:solidFill>
-                <a:latin typeface="Courier New" pitchFamily="49" charset="0"/>
-                <a:cs typeface="Courier New" pitchFamily="49" charset="0"/>
-              </a:rPr>
-              <a:t> </a:t>
-            </a:r>
-            <a:r>
-              <a:rPr lang="ru-RU" altLang="ru-RU" dirty="0" smtClean="0">
-                <a:solidFill>
-                  <a:srgbClr val="000000"/>
-                </a:solidFill>
-                <a:latin typeface="Courier New" pitchFamily="49" charset="0"/>
-                <a:cs typeface="Courier New" pitchFamily="49" charset="0"/>
-              </a:rPr>
-              <a:t>  </a:t>
-            </a:r>
-            <a:r>
-              <a:rPr lang="en-US" altLang="ru-RU" dirty="0" smtClean="0">
-                <a:solidFill>
-                  <a:srgbClr val="000000"/>
-                </a:solidFill>
+              <a:t>             </a:t>
+            </a:r>
+            <a:r>
+              <a:rPr kumimoji="0" lang="ru-RU" altLang="ru-RU" b="0" i="0" u="none" strike="noStrike" cap="none" normalizeH="0" baseline="0" dirty="0" smtClean="0">
+                <a:ln>
+                  <a:noFill/>
+                </a:ln>
+                <a:solidFill>
+                  <a:srgbClr val="000000"/>
+                </a:solidFill>
+                <a:effectLst/>
                 <a:latin typeface="Courier New" pitchFamily="49" charset="0"/>
                 <a:cs typeface="Courier New" pitchFamily="49" charset="0"/>
               </a:rPr>
               <a:t>, </a:t>
             </a:r>
             <a:r>
-              <a:rPr lang="ru-RU" altLang="ru-RU" b="1" dirty="0" smtClean="0">
+              <a:rPr kumimoji="0" lang="ru-RU" altLang="ru-RU" b="1" i="0" u="none" strike="noStrike" cap="none" normalizeH="0" baseline="0" dirty="0" smtClean="0">
+                <a:ln>
+                  <a:noFill/>
+                </a:ln>
                 <a:solidFill>
                   <a:srgbClr val="008000"/>
                 </a:solidFill>
+                <a:effectLst/>
                 <a:latin typeface="Courier New" pitchFamily="49" charset="0"/>
                 <a:cs typeface="Courier New" pitchFamily="49" charset="0"/>
               </a:rPr>
@@ -37162,7 +37475,7 @@
                 <a:latin typeface="Courier New" pitchFamily="49" charset="0"/>
                 <a:cs typeface="Courier New" pitchFamily="49" charset="0"/>
               </a:rPr>
-              <a:t>);</a:t>
+              <a:t>),</a:t>
             </a:r>
             <a:br>
               <a:rPr kumimoji="0" lang="ru-RU" altLang="ru-RU" b="0" i="0" u="none" strike="noStrike" cap="none" normalizeH="0" baseline="0" dirty="0" smtClean="0">
@@ -37189,7 +37502,7 @@
                 <a:latin typeface="Courier New" pitchFamily="49" charset="0"/>
                 <a:cs typeface="Courier New" pitchFamily="49" charset="0"/>
               </a:rPr>
-              <a:t>    </a:t>
+              <a:t>      () -&gt; </a:t>
             </a:r>
             <a:r>
               <a:rPr kumimoji="0" lang="ru-RU" altLang="ru-RU" b="0" i="1" u="none" strike="noStrike" cap="none" normalizeH="0" baseline="0" dirty="0" err="1" smtClean="0">
@@ -37295,7 +37608,7 @@
                   <a:noFill/>
                 </a:ln>
                 <a:solidFill>
-                  <a:srgbClr val="000000"/>
+                  <a:srgbClr val="660E7A"/>
                 </a:solidFill>
                 <a:effectLst/>
                 <a:latin typeface="Courier New" pitchFamily="49" charset="0"/>
@@ -37356,17 +37669,134 @@
                 <a:latin typeface="Courier New" pitchFamily="49" charset="0"/>
                 <a:cs typeface="Courier New" pitchFamily="49" charset="0"/>
               </a:rPr>
-              <a:t>     </a:t>
-            </a:r>
-            <a:r>
-              <a:rPr lang="ru-RU" altLang="ru-RU" dirty="0" smtClean="0">
-                <a:solidFill>
-                  <a:srgbClr val="000000"/>
-                </a:solidFill>
-                <a:latin typeface="Courier New" pitchFamily="49" charset="0"/>
-                <a:cs typeface="Courier New" pitchFamily="49" charset="0"/>
-              </a:rPr>
-              <a:t>  </a:t>
+              <a:t>             </a:t>
+            </a:r>
+            <a:r>
+              <a:rPr kumimoji="0" lang="ru-RU" altLang="ru-RU" b="0" i="0" u="none" strike="noStrike" cap="none" normalizeH="0" baseline="0" dirty="0" smtClean="0">
+                <a:ln>
+                  <a:noFill/>
+                </a:ln>
+                <a:solidFill>
+                  <a:srgbClr val="000000"/>
+                </a:solidFill>
+                <a:effectLst/>
+                <a:latin typeface="Courier New" pitchFamily="49" charset="0"/>
+                <a:cs typeface="Courier New" pitchFamily="49" charset="0"/>
+              </a:rPr>
+              <a:t>, </a:t>
+            </a:r>
+            <a:r>
+              <a:rPr kumimoji="0" lang="ru-RU" altLang="ru-RU" b="1" i="0" u="none" strike="noStrike" cap="none" normalizeH="0" baseline="0" dirty="0" smtClean="0">
+                <a:ln>
+                  <a:noFill/>
+                </a:ln>
+                <a:solidFill>
+                  <a:srgbClr val="008000"/>
+                </a:solidFill>
+                <a:effectLst/>
+                <a:latin typeface="Courier New" pitchFamily="49" charset="0"/>
+                <a:cs typeface="Courier New" pitchFamily="49" charset="0"/>
+              </a:rPr>
+              <a:t>"Товар добавлен в список приобретённых"</a:t>
+            </a:r>
+            <a:r>
+              <a:rPr kumimoji="0" lang="ru-RU" altLang="ru-RU" b="0" i="0" u="none" strike="noStrike" cap="none" normalizeH="0" baseline="0" dirty="0" smtClean="0">
+                <a:ln>
+                  <a:noFill/>
+                </a:ln>
+                <a:solidFill>
+                  <a:srgbClr val="000000"/>
+                </a:solidFill>
+                <a:effectLst/>
+                <a:latin typeface="Courier New" pitchFamily="49" charset="0"/>
+                <a:cs typeface="Courier New" pitchFamily="49" charset="0"/>
+              </a:rPr>
+              <a:t>)</a:t>
+            </a:r>
+            <a:br>
+              <a:rPr kumimoji="0" lang="ru-RU" altLang="ru-RU" b="0" i="0" u="none" strike="noStrike" cap="none" normalizeH="0" baseline="0" dirty="0" smtClean="0">
+                <a:ln>
+                  <a:noFill/>
+                </a:ln>
+                <a:solidFill>
+                  <a:srgbClr val="000000"/>
+                </a:solidFill>
+                <a:effectLst/>
+                <a:latin typeface="Courier New" pitchFamily="49" charset="0"/>
+                <a:cs typeface="Courier New" pitchFamily="49" charset="0"/>
+              </a:rPr>
+            </a:br>
+            <a:r>
+              <a:rPr kumimoji="0" lang="ru-RU" altLang="ru-RU" b="0" i="0" u="none" strike="noStrike" cap="none" normalizeH="0" baseline="0" dirty="0" smtClean="0">
+                <a:ln>
+                  <a:noFill/>
+                </a:ln>
+                <a:solidFill>
+                  <a:srgbClr val="000000"/>
+                </a:solidFill>
+                <a:effectLst/>
+                <a:latin typeface="Courier New" pitchFamily="49" charset="0"/>
+                <a:cs typeface="Courier New" pitchFamily="49" charset="0"/>
+              </a:rPr>
+              <a:t>    );</a:t>
+            </a:r>
+            <a:br>
+              <a:rPr kumimoji="0" lang="ru-RU" altLang="ru-RU" b="0" i="0" u="none" strike="noStrike" cap="none" normalizeH="0" baseline="0" dirty="0" smtClean="0">
+                <a:ln>
+                  <a:noFill/>
+                </a:ln>
+                <a:solidFill>
+                  <a:srgbClr val="000000"/>
+                </a:solidFill>
+                <a:effectLst/>
+                <a:latin typeface="Courier New" pitchFamily="49" charset="0"/>
+                <a:cs typeface="Courier New" pitchFamily="49" charset="0"/>
+              </a:rPr>
+            </a:br>
+            <a:r>
+              <a:rPr kumimoji="0" lang="ru-RU" altLang="ru-RU" b="0" i="0" u="none" strike="noStrike" cap="none" normalizeH="0" baseline="0" dirty="0" smtClean="0">
+                <a:ln>
+                  <a:noFill/>
+                </a:ln>
+                <a:solidFill>
+                  <a:srgbClr val="000000"/>
+                </a:solidFill>
+                <a:effectLst/>
+                <a:latin typeface="Courier New" pitchFamily="49" charset="0"/>
+                <a:cs typeface="Courier New" pitchFamily="49" charset="0"/>
+              </a:rPr>
+              <a:t>  }</a:t>
+            </a:r>
+            <a:endParaRPr kumimoji="0" lang="en-US" altLang="ru-RU" b="0" i="0" u="none" strike="noStrike" cap="none" normalizeH="0" baseline="0" dirty="0" smtClean="0">
+              <a:ln>
+                <a:noFill/>
+              </a:ln>
+              <a:solidFill>
+                <a:srgbClr val="000000"/>
+              </a:solidFill>
+              <a:effectLst/>
+              <a:latin typeface="Courier New" pitchFamily="49" charset="0"/>
+              <a:cs typeface="Courier New" pitchFamily="49" charset="0"/>
+            </a:endParaRPr>
+          </a:p>
+          <a:p>
+            <a:pPr lvl="0" defTabSz="914400" fontAlgn="base">
+              <a:spcBef>
+                <a:spcPct val="0"/>
+              </a:spcBef>
+              <a:spcAft>
+                <a:spcPct val="0"/>
+              </a:spcAft>
+            </a:pPr>
+            <a:r>
+              <a:rPr lang="en-US" altLang="ru-RU" dirty="0">
+                <a:solidFill>
+                  <a:srgbClr val="000000"/>
+                </a:solidFill>
+                <a:latin typeface="Courier New" pitchFamily="49" charset="0"/>
+                <a:cs typeface="Courier New" pitchFamily="49" charset="0"/>
+              </a:rPr>
+              <a:t> </a:t>
             </a:r>
             <a:r>
               <a:rPr lang="en-US" altLang="ru-RU" dirty="0" smtClean="0">
@@ -37376,31 +37806,7 @@
                 <a:latin typeface="Courier New" pitchFamily="49" charset="0"/>
                 <a:cs typeface="Courier New" pitchFamily="49" charset="0"/>
               </a:rPr>
-              <a:t>, </a:t>
-            </a:r>
-            <a:r>
-              <a:rPr lang="ru-RU" altLang="ru-RU" b="1" dirty="0" smtClean="0">
-                <a:solidFill>
-                  <a:srgbClr val="008000"/>
-                </a:solidFill>
-                <a:latin typeface="Courier New" pitchFamily="49" charset="0"/>
-                <a:cs typeface="Courier New" pitchFamily="49" charset="0"/>
-              </a:rPr>
-              <a:t>"Пирожное добавлено в список приобретённых товаров"</a:t>
-            </a:r>
-            <a:r>
-              <a:rPr kumimoji="0" lang="ru-RU" altLang="ru-RU" b="0" i="0" u="none" strike="noStrike" cap="none" normalizeH="0" baseline="0" dirty="0" smtClean="0">
-                <a:ln>
-                  <a:noFill/>
-                </a:ln>
-                <a:solidFill>
-                  <a:srgbClr val="000000"/>
-                </a:solidFill>
-                <a:effectLst/>
-                <a:latin typeface="Courier New" pitchFamily="49" charset="0"/>
-                <a:cs typeface="Courier New" pitchFamily="49" charset="0"/>
-              </a:rPr>
-              <a:t>);</a:t>
+              <a:t> …</a:t>
             </a:r>
             <a:r>
               <a:rPr kumimoji="0" lang="ru-RU" altLang="ru-RU" b="0" i="0" u="none" strike="noStrike" cap="none" normalizeH="0" baseline="0" dirty="0" smtClean="0">
@@ -37415,60 +37821,6 @@
                 <a:cs typeface="Courier New" pitchFamily="49" charset="0"/>
               </a:rPr>
               <a:t/>
-            </a:r>
-            <a:br>
-              <a:rPr kumimoji="0" lang="ru-RU" altLang="ru-RU" b="0" i="0" u="none" strike="noStrike" cap="none" normalizeH="0" baseline="0" dirty="0" smtClean="0">
-                <a:ln>
-                  <a:noFill/>
-                </a:ln>
-                <a:solidFill>
-                  <a:srgbClr val="000000"/>
-                </a:solidFill>
-                <a:effectLst/>
-                <a:latin typeface="Courier New" pitchFamily="49" charset="0"/>
-                <a:cs typeface="Courier New" pitchFamily="49" charset="0"/>
-              </a:rPr>
-            </a:br>
-            <a:r>
-              <a:rPr kumimoji="0" lang="ru-RU" altLang="ru-RU" b="0" i="0" u="none" strike="noStrike" cap="none" normalizeH="0" baseline="0" dirty="0" smtClean="0">
-                <a:ln>
-                  <a:noFill/>
-                </a:ln>
-                <a:solidFill>
-                  <a:srgbClr val="000000"/>
-                </a:solidFill>
-                <a:effectLst/>
-                <a:latin typeface="Courier New" pitchFamily="49" charset="0"/>
-                <a:cs typeface="Courier New" pitchFamily="49" charset="0"/>
-              </a:rPr>
-              <a:t>  }</a:t>
-            </a:r>
-            <a:br>
-              <a:rPr kumimoji="0" lang="ru-RU" altLang="ru-RU" b="0" i="0" u="none" strike="noStrike" cap="none" normalizeH="0" baseline="0" dirty="0" smtClean="0">
-                <a:ln>
-                  <a:noFill/>
-                </a:ln>
-                <a:solidFill>
-                  <a:srgbClr val="000000"/>
-                </a:solidFill>
-                <a:effectLst/>
-                <a:latin typeface="Courier New" pitchFamily="49" charset="0"/>
-                <a:cs typeface="Courier New" pitchFamily="49" charset="0"/>
-              </a:rPr>
-            </a:br>
-            <a:r>
-              <a:rPr kumimoji="0" lang="ru-RU" altLang="ru-RU" b="0" i="0" u="none" strike="noStrike" cap="none" normalizeH="0" baseline="0" dirty="0" smtClean="0">
-                <a:ln>
-                  <a:noFill/>
-                </a:ln>
-                <a:solidFill>
-                  <a:srgbClr val="000000"/>
-                </a:solidFill>
-                <a:effectLst/>
-                <a:latin typeface="Courier New" pitchFamily="49" charset="0"/>
-                <a:cs typeface="Courier New" pitchFamily="49" charset="0"/>
-              </a:rPr>
-              <a:t>  …</a:t>
             </a:r>
             <a:br>
               <a:rPr kumimoji="0" lang="ru-RU" altLang="ru-RU" b="0" i="0" u="none" strike="noStrike" cap="none" normalizeH="0" baseline="0" dirty="0" smtClean="0">
@@ -37605,7 +37957,7 @@
       </p:sp>
       <p:sp>
         <p:nvSpPr>
-          <p:cNvPr id="2" name="Rectangle 1"/>
+          <p:cNvPr id="4" name="Rectangle 2"/>
           <p:cNvSpPr>
             <a:spLocks noChangeArrowheads="1"/>
           </p:cNvSpPr>
@@ -37613,8 +37965,8 @@
         </p:nvSpPr>
         <p:spPr bwMode="auto">
           <a:xfrm>
-            <a:off x="0" y="653428"/>
-            <a:ext cx="9144000" cy="5909310"/>
+            <a:off x="0" y="671691"/>
+            <a:ext cx="9283311" cy="6186309"/>
           </a:xfrm>
           <a:prstGeom prst="rect">
             <a:avLst/>
@@ -37626,7 +37978,7 @@
           <a:effectLst/>
         </p:spPr>
         <p:txBody>
-          <a:bodyPr vert="horz" wrap="square" lIns="91440" tIns="45720" rIns="91440" bIns="45720" numCol="1" anchor="ctr" anchorCtr="0" compatLnSpc="1">
+          <a:bodyPr vert="horz" wrap="none" lIns="91440" tIns="45720" rIns="91440" bIns="45720" numCol="1" anchor="ctr" anchorCtr="0" compatLnSpc="1">
             <a:prstTxWarp prst="textNoShape">
               <a:avLst/>
             </a:prstTxWarp>
@@ -37782,27 +38134,202 @@
               <a:t> </a:t>
             </a:r>
             <a:r>
-              <a:rPr lang="ru-RU" altLang="ru-RU" b="1" dirty="0" err="1">
+              <a:rPr kumimoji="0" lang="ru-RU" altLang="ru-RU" b="1" i="0" u="none" strike="noStrike" cap="none" normalizeH="0" baseline="0" dirty="0" err="1" smtClean="0">
+                <a:ln>
+                  <a:noFill/>
+                </a:ln>
                 <a:solidFill>
                   <a:srgbClr val="660E7A"/>
                 </a:solidFill>
+                <a:effectLst/>
                 <a:latin typeface="Courier New" pitchFamily="49" charset="0"/>
                 <a:cs typeface="Courier New" pitchFamily="49" charset="0"/>
               </a:rPr>
               <a:t>account</a:t>
             </a:r>
             <a:r>
-              <a:rPr lang="ru-RU" altLang="ru-RU" b="1" dirty="0">
+              <a:rPr lang="en-US" altLang="ru-RU" dirty="0" smtClean="0">
+                <a:solidFill>
+                  <a:srgbClr val="000000"/>
+                </a:solidFill>
+                <a:latin typeface="Courier New" pitchFamily="49" charset="0"/>
+                <a:cs typeface="Courier New" pitchFamily="49" charset="0"/>
+              </a:rPr>
+              <a:t> </a:t>
+            </a:r>
+            <a:r>
+              <a:rPr lang="ru-RU" altLang="ru-RU" dirty="0" smtClean="0">
+                <a:solidFill>
+                  <a:srgbClr val="000000"/>
+                </a:solidFill>
+                <a:latin typeface="Courier New" pitchFamily="49" charset="0"/>
+                <a:cs typeface="Courier New" pitchFamily="49" charset="0"/>
+              </a:rPr>
+              <a:t>= </a:t>
+            </a:r>
+            <a:r>
+              <a:rPr lang="ru-RU" altLang="ru-RU" b="1" dirty="0" err="1" smtClean="0">
+                <a:solidFill>
+                  <a:srgbClr val="000080"/>
+                </a:solidFill>
+                <a:latin typeface="Courier New" pitchFamily="49" charset="0"/>
+                <a:cs typeface="Courier New" pitchFamily="49" charset="0"/>
+              </a:rPr>
+              <a:t>new</a:t>
+            </a:r>
+            <a:r>
+              <a:rPr lang="ru-RU" altLang="ru-RU" b="1" dirty="0" smtClean="0">
+                <a:solidFill>
+                  <a:srgbClr val="000080"/>
+                </a:solidFill>
+                <a:latin typeface="Courier New" pitchFamily="49" charset="0"/>
+                <a:cs typeface="Courier New" pitchFamily="49" charset="0"/>
+              </a:rPr>
+              <a:t> </a:t>
+            </a:r>
+            <a:r>
+              <a:rPr lang="ru-RU" altLang="ru-RU" dirty="0" err="1" smtClean="0">
+                <a:solidFill>
+                  <a:srgbClr val="000000"/>
+                </a:solidFill>
+                <a:latin typeface="Courier New" pitchFamily="49" charset="0"/>
+                <a:cs typeface="Courier New" pitchFamily="49" charset="0"/>
+              </a:rPr>
+              <a:t>PaymentBankAccount</a:t>
+            </a:r>
+            <a:r>
+              <a:rPr lang="ru-RU" altLang="ru-RU" dirty="0" smtClean="0">
+                <a:solidFill>
+                  <a:srgbClr val="000000"/>
+                </a:solidFill>
+                <a:latin typeface="Courier New" pitchFamily="49" charset="0"/>
+                <a:cs typeface="Courier New" pitchFamily="49" charset="0"/>
+              </a:rPr>
+              <a:t>();</a:t>
+            </a:r>
+            <a:r>
+              <a:rPr kumimoji="0" lang="ru-RU" altLang="ru-RU" b="0" i="0" u="none" strike="noStrike" cap="none" normalizeH="0" baseline="0" dirty="0" smtClean="0">
+                <a:ln>
+                  <a:noFill/>
+                </a:ln>
+                <a:solidFill>
+                  <a:srgbClr val="000000"/>
+                </a:solidFill>
+                <a:effectLst/>
+                <a:latin typeface="Courier New" pitchFamily="49" charset="0"/>
+                <a:cs typeface="Courier New" pitchFamily="49" charset="0"/>
+              </a:rPr>
+              <a:t/>
+            </a:r>
+            <a:br>
+              <a:rPr kumimoji="0" lang="ru-RU" altLang="ru-RU" b="0" i="0" u="none" strike="noStrike" cap="none" normalizeH="0" baseline="0" dirty="0" smtClean="0">
+                <a:ln>
+                  <a:noFill/>
+                </a:ln>
+                <a:solidFill>
+                  <a:srgbClr val="000000"/>
+                </a:solidFill>
+                <a:effectLst/>
+                <a:latin typeface="Courier New" pitchFamily="49" charset="0"/>
+                <a:cs typeface="Courier New" pitchFamily="49" charset="0"/>
+              </a:rPr>
+            </a:br>
+            <a:r>
+              <a:rPr kumimoji="0" lang="ru-RU" altLang="ru-RU" b="0" i="0" u="none" strike="noStrike" cap="none" normalizeH="0" baseline="0" dirty="0" smtClean="0">
+                <a:ln>
+                  <a:noFill/>
+                </a:ln>
+                <a:solidFill>
+                  <a:srgbClr val="000000"/>
+                </a:solidFill>
+                <a:effectLst/>
+                <a:latin typeface="Courier New" pitchFamily="49" charset="0"/>
+                <a:cs typeface="Courier New" pitchFamily="49" charset="0"/>
+              </a:rPr>
+              <a:t>  </a:t>
+            </a:r>
+            <a:r>
+              <a:rPr kumimoji="0" lang="ru-RU" altLang="ru-RU" b="1" i="0" u="none" strike="noStrike" cap="none" normalizeH="0" baseline="0" dirty="0" err="1" smtClean="0">
+                <a:ln>
+                  <a:noFill/>
+                </a:ln>
+                <a:solidFill>
+                  <a:srgbClr val="000080"/>
+                </a:solidFill>
+                <a:effectLst/>
+                <a:latin typeface="Courier New" pitchFamily="49" charset="0"/>
+                <a:cs typeface="Courier New" pitchFamily="49" charset="0"/>
+              </a:rPr>
+              <a:t>private</a:t>
+            </a:r>
+            <a:r>
+              <a:rPr kumimoji="0" lang="ru-RU" altLang="ru-RU" b="1" i="0" u="none" strike="noStrike" cap="none" normalizeH="0" baseline="0" dirty="0" smtClean="0">
+                <a:ln>
+                  <a:noFill/>
+                </a:ln>
+                <a:solidFill>
+                  <a:srgbClr val="000080"/>
+                </a:solidFill>
+                <a:effectLst/>
+                <a:latin typeface="Courier New" pitchFamily="49" charset="0"/>
+                <a:cs typeface="Courier New" pitchFamily="49" charset="0"/>
+              </a:rPr>
+              <a:t> </a:t>
+            </a:r>
+            <a:r>
+              <a:rPr kumimoji="0" lang="ru-RU" altLang="ru-RU" b="0" i="0" u="none" strike="noStrike" cap="none" normalizeH="0" baseline="0" dirty="0" err="1" smtClean="0">
+                <a:ln>
+                  <a:noFill/>
+                </a:ln>
+                <a:solidFill>
+                  <a:srgbClr val="000000"/>
+                </a:solidFill>
+                <a:effectLst/>
+                <a:latin typeface="Courier New" pitchFamily="49" charset="0"/>
+                <a:cs typeface="Courier New" pitchFamily="49" charset="0"/>
+              </a:rPr>
+              <a:t>Order</a:t>
+            </a:r>
+            <a:r>
+              <a:rPr kumimoji="0" lang="ru-RU" altLang="ru-RU" b="0" i="0" u="none" strike="noStrike" cap="none" normalizeH="0" baseline="0" dirty="0" smtClean="0">
+                <a:ln>
+                  <a:noFill/>
+                </a:ln>
+                <a:solidFill>
+                  <a:srgbClr val="000000"/>
+                </a:solidFill>
+                <a:effectLst/>
+                <a:latin typeface="Courier New" pitchFamily="49" charset="0"/>
+                <a:cs typeface="Courier New" pitchFamily="49" charset="0"/>
+              </a:rPr>
+              <a:t> </a:t>
+            </a:r>
+            <a:r>
+              <a:rPr kumimoji="0" lang="ru-RU" altLang="ru-RU" b="1" i="0" u="none" strike="noStrike" cap="none" normalizeH="0" baseline="0" dirty="0" err="1" smtClean="0">
+                <a:ln>
+                  <a:noFill/>
+                </a:ln>
                 <a:solidFill>
                   <a:srgbClr val="660E7A"/>
                 </a:solidFill>
+                <a:effectLst/>
+                <a:latin typeface="Courier New" pitchFamily="49" charset="0"/>
+                <a:cs typeface="Courier New" pitchFamily="49" charset="0"/>
+              </a:rPr>
+              <a:t>order</a:t>
+            </a:r>
+            <a:r>
+              <a:rPr lang="ru-RU" altLang="ru-RU" b="1" dirty="0" smtClean="0">
+                <a:solidFill>
+                  <a:srgbClr val="660E7A"/>
+                </a:solidFill>
                 <a:latin typeface="Courier New" pitchFamily="49" charset="0"/>
                 <a:cs typeface="Courier New" pitchFamily="49" charset="0"/>
               </a:rPr>
               <a:t> </a:t>
             </a:r>
             <a:r>
-              <a:rPr lang="ru-RU" altLang="ru-RU" dirty="0">
+              <a:rPr lang="ru-RU" altLang="ru-RU" dirty="0" smtClean="0">
                 <a:solidFill>
                   <a:srgbClr val="000000"/>
                 </a:solidFill>
@@ -37812,7 +38339,7 @@
               <a:t>= </a:t>
             </a:r>
             <a:r>
-              <a:rPr lang="ru-RU" altLang="ru-RU" b="1" dirty="0" err="1">
+              <a:rPr lang="ru-RU" altLang="ru-RU" b="1" dirty="0" err="1" smtClean="0">
                 <a:solidFill>
                   <a:srgbClr val="000080"/>
                 </a:solidFill>
@@ -37822,7 +38349,7 @@
               <a:t>new</a:t>
             </a:r>
             <a:r>
-              <a:rPr lang="ru-RU" altLang="ru-RU" b="1" dirty="0">
+              <a:rPr lang="ru-RU" altLang="ru-RU" b="1" dirty="0" smtClean="0">
                 <a:solidFill>
                   <a:srgbClr val="000080"/>
                 </a:solidFill>
@@ -37832,17 +38359,17 @@
               <a:t> </a:t>
             </a:r>
             <a:r>
-              <a:rPr lang="ru-RU" altLang="ru-RU" dirty="0" err="1">
-                <a:solidFill>
-                  <a:srgbClr val="000000"/>
-                </a:solidFill>
-                <a:latin typeface="Courier New" pitchFamily="49" charset="0"/>
-                <a:cs typeface="Courier New" pitchFamily="49" charset="0"/>
-              </a:rPr>
-              <a:t>PaymentBankAccount</a:t>
-            </a:r>
-            <a:r>
-              <a:rPr lang="ru-RU" altLang="ru-RU" dirty="0">
+              <a:rPr lang="ru-RU" altLang="ru-RU" dirty="0" err="1" smtClean="0">
+                <a:solidFill>
+                  <a:srgbClr val="000000"/>
+                </a:solidFill>
+                <a:latin typeface="Courier New" pitchFamily="49" charset="0"/>
+                <a:cs typeface="Courier New" pitchFamily="49" charset="0"/>
+              </a:rPr>
+              <a:t>Order</a:t>
+            </a:r>
+            <a:r>
+              <a:rPr lang="ru-RU" altLang="ru-RU" dirty="0" smtClean="0">
                 <a:solidFill>
                   <a:srgbClr val="000000"/>
                 </a:solidFill>
@@ -37890,9 +38417,105 @@
                 <a:latin typeface="Courier New" pitchFamily="49" charset="0"/>
                 <a:cs typeface="Courier New" pitchFamily="49" charset="0"/>
               </a:rPr>
+              <a:t/>
+            </a:r>
+            <a:br>
+              <a:rPr kumimoji="0" lang="ru-RU" altLang="ru-RU" b="0" i="0" u="none" strike="noStrike" cap="none" normalizeH="0" baseline="0" dirty="0" smtClean="0">
+                <a:ln>
+                  <a:noFill/>
+                </a:ln>
+                <a:solidFill>
+                  <a:srgbClr val="000000"/>
+                </a:solidFill>
+                <a:effectLst/>
+                <a:latin typeface="Courier New" pitchFamily="49" charset="0"/>
+                <a:cs typeface="Courier New" pitchFamily="49" charset="0"/>
+              </a:rPr>
+            </a:br>
+            <a:r>
+              <a:rPr kumimoji="0" lang="ru-RU" altLang="ru-RU" b="0" i="0" u="none" strike="noStrike" cap="none" normalizeH="0" baseline="0" dirty="0" smtClean="0">
+                <a:ln>
+                  <a:noFill/>
+                </a:ln>
+                <a:solidFill>
+                  <a:srgbClr val="000000"/>
+                </a:solidFill>
+                <a:effectLst/>
+                <a:latin typeface="Courier New" pitchFamily="49" charset="0"/>
+                <a:cs typeface="Courier New" pitchFamily="49" charset="0"/>
+              </a:rPr>
               <a:t>  </a:t>
             </a:r>
             <a:r>
+              <a:rPr kumimoji="0" lang="ru-RU" altLang="ru-RU" b="0" i="0" u="none" strike="noStrike" cap="none" normalizeH="0" baseline="0" dirty="0" smtClean="0">
+                <a:ln>
+                  <a:noFill/>
+                </a:ln>
+                <a:solidFill>
+                  <a:srgbClr val="808000"/>
+                </a:solidFill>
+                <a:effectLst/>
+                <a:latin typeface="Courier New" pitchFamily="49" charset="0"/>
+                <a:cs typeface="Courier New" pitchFamily="49" charset="0"/>
+              </a:rPr>
+              <a:t>@</a:t>
+            </a:r>
+            <a:r>
+              <a:rPr kumimoji="0" lang="ru-RU" altLang="ru-RU" b="0" i="0" u="none" strike="noStrike" cap="none" normalizeH="0" baseline="0" dirty="0" err="1" smtClean="0">
+                <a:ln>
+                  <a:noFill/>
+                </a:ln>
+                <a:solidFill>
+                  <a:srgbClr val="808000"/>
+                </a:solidFill>
+                <a:effectLst/>
+                <a:latin typeface="Courier New" pitchFamily="49" charset="0"/>
+                <a:cs typeface="Courier New" pitchFamily="49" charset="0"/>
+              </a:rPr>
+              <a:t>BeforeEach</a:t>
+            </a:r>
+            <a:r>
+              <a:rPr kumimoji="0" lang="ru-RU" altLang="ru-RU" b="0" i="0" u="none" strike="noStrike" cap="none" normalizeH="0" baseline="0" dirty="0" smtClean="0">
+                <a:ln>
+                  <a:noFill/>
+                </a:ln>
+                <a:solidFill>
+                  <a:srgbClr val="808000"/>
+                </a:solidFill>
+                <a:effectLst/>
+                <a:latin typeface="Courier New" pitchFamily="49" charset="0"/>
+                <a:cs typeface="Courier New" pitchFamily="49" charset="0"/>
+              </a:rPr>
+              <a:t/>
+            </a:r>
+            <a:br>
+              <a:rPr kumimoji="0" lang="ru-RU" altLang="ru-RU" b="0" i="0" u="none" strike="noStrike" cap="none" normalizeH="0" baseline="0" dirty="0" smtClean="0">
+                <a:ln>
+                  <a:noFill/>
+                </a:ln>
+                <a:solidFill>
+                  <a:srgbClr val="808000"/>
+                </a:solidFill>
+                <a:effectLst/>
+                <a:latin typeface="Courier New" pitchFamily="49" charset="0"/>
+                <a:cs typeface="Courier New" pitchFamily="49" charset="0"/>
+              </a:rPr>
+            </a:br>
+            <a:r>
+              <a:rPr kumimoji="0" lang="ru-RU" altLang="ru-RU" b="0" i="0" u="none" strike="noStrike" cap="none" normalizeH="0" baseline="0" dirty="0" smtClean="0">
+                <a:ln>
+                  <a:noFill/>
+                </a:ln>
+                <a:solidFill>
+                  <a:srgbClr val="808000"/>
+                </a:solidFill>
+                <a:effectLst/>
+                <a:latin typeface="Courier New" pitchFamily="49" charset="0"/>
+                <a:cs typeface="Courier New" pitchFamily="49" charset="0"/>
+              </a:rPr>
+              <a:t>  </a:t>
+            </a:r>
+            <a:r>
               <a:rPr kumimoji="0" lang="ru-RU" altLang="ru-RU" b="1" i="0" u="none" strike="noStrike" cap="none" normalizeH="0" baseline="0" dirty="0" err="1" smtClean="0">
                 <a:ln>
                   <a:noFill/>
@@ -37904,7 +38527,7 @@
                 <a:latin typeface="Courier New" pitchFamily="49" charset="0"/>
                 <a:cs typeface="Courier New" pitchFamily="49" charset="0"/>
               </a:rPr>
-              <a:t>private</a:t>
+              <a:t>void</a:t>
             </a:r>
             <a:r>
               <a:rPr kumimoji="0" lang="ru-RU" altLang="ru-RU" b="1" i="0" u="none" strike="noStrike" cap="none" normalizeH="0" baseline="0" dirty="0" smtClean="0">
@@ -37932,15 +38555,356 @@
                 <a:latin typeface="Courier New" pitchFamily="49" charset="0"/>
                 <a:cs typeface="Courier New" pitchFamily="49" charset="0"/>
               </a:rPr>
-              <a:t>Order</a:t>
-            </a:r>
-            <a:r>
-              <a:rPr kumimoji="0" lang="ru-RU" altLang="ru-RU" b="0" i="0" u="none" strike="noStrike" cap="none" normalizeH="0" baseline="0" dirty="0" smtClean="0">
-                <a:ln>
-                  <a:noFill/>
-                </a:ln>
-                <a:solidFill>
-                  <a:srgbClr val="000000"/>
+              <a:t>setUp</a:t>
+            </a:r>
+            <a:r>
+              <a:rPr kumimoji="0" lang="ru-RU" altLang="ru-RU" b="0" i="0" u="none" strike="noStrike" cap="none" normalizeH="0" baseline="0" dirty="0" smtClean="0">
+                <a:ln>
+                  <a:noFill/>
+                </a:ln>
+                <a:solidFill>
+                  <a:srgbClr val="000000"/>
+                </a:solidFill>
+                <a:effectLst/>
+                <a:latin typeface="Courier New" pitchFamily="49" charset="0"/>
+                <a:cs typeface="Courier New" pitchFamily="49" charset="0"/>
+              </a:rPr>
+              <a:t>() {</a:t>
+            </a:r>
+            <a:br>
+              <a:rPr kumimoji="0" lang="ru-RU" altLang="ru-RU" b="0" i="0" u="none" strike="noStrike" cap="none" normalizeH="0" baseline="0" dirty="0" smtClean="0">
+                <a:ln>
+                  <a:noFill/>
+                </a:ln>
+                <a:solidFill>
+                  <a:srgbClr val="000000"/>
+                </a:solidFill>
+                <a:effectLst/>
+                <a:latin typeface="Courier New" pitchFamily="49" charset="0"/>
+                <a:cs typeface="Courier New" pitchFamily="49" charset="0"/>
+              </a:rPr>
+            </a:br>
+            <a:r>
+              <a:rPr kumimoji="0" lang="en-US" altLang="ru-RU" b="0" i="0" u="none" strike="noStrike" cap="none" normalizeH="0" baseline="0" dirty="0" smtClean="0">
+                <a:ln>
+                  <a:noFill/>
+                </a:ln>
+                <a:solidFill>
+                  <a:srgbClr val="000000"/>
+                </a:solidFill>
+                <a:effectLst/>
+                <a:latin typeface="Courier New" pitchFamily="49" charset="0"/>
+                <a:cs typeface="Courier New" pitchFamily="49" charset="0"/>
+              </a:rPr>
+              <a:t>    </a:t>
+            </a:r>
+            <a:r>
+              <a:rPr kumimoji="0" lang="ru-RU" altLang="ru-RU" b="1" i="0" u="none" strike="noStrike" cap="none" normalizeH="0" baseline="0" dirty="0" err="1" smtClean="0">
+                <a:ln>
+                  <a:noFill/>
+                </a:ln>
+                <a:solidFill>
+                  <a:srgbClr val="660E7A"/>
+                </a:solidFill>
+                <a:effectLst/>
+                <a:latin typeface="Courier New" pitchFamily="49" charset="0"/>
+                <a:cs typeface="Courier New" pitchFamily="49" charset="0"/>
+              </a:rPr>
+              <a:t>account</a:t>
+            </a:r>
+            <a:r>
+              <a:rPr kumimoji="0" lang="ru-RU" altLang="ru-RU" b="0" i="0" u="none" strike="noStrike" cap="none" normalizeH="0" baseline="0" dirty="0" err="1" smtClean="0">
+                <a:ln>
+                  <a:noFill/>
+                </a:ln>
+                <a:solidFill>
+                  <a:srgbClr val="000000"/>
+                </a:solidFill>
+                <a:effectLst/>
+                <a:latin typeface="Courier New" pitchFamily="49" charset="0"/>
+                <a:cs typeface="Courier New" pitchFamily="49" charset="0"/>
+              </a:rPr>
+              <a:t>.deposit</a:t>
+            </a:r>
+            <a:r>
+              <a:rPr kumimoji="0" lang="ru-RU" altLang="ru-RU" b="0" i="0" u="none" strike="noStrike" cap="none" normalizeH="0" baseline="0" dirty="0" smtClean="0">
+                <a:ln>
+                  <a:noFill/>
+                </a:ln>
+                <a:solidFill>
+                  <a:srgbClr val="000000"/>
+                </a:solidFill>
+                <a:effectLst/>
+                <a:latin typeface="Courier New" pitchFamily="49" charset="0"/>
+                <a:cs typeface="Courier New" pitchFamily="49" charset="0"/>
+              </a:rPr>
+              <a:t>(</a:t>
+            </a:r>
+            <a:r>
+              <a:rPr kumimoji="0" lang="ru-RU" altLang="ru-RU" b="0" i="1" u="none" strike="noStrike" cap="none" normalizeH="0" baseline="0" dirty="0" err="1" smtClean="0">
+                <a:ln>
+                  <a:noFill/>
+                </a:ln>
+                <a:solidFill>
+                  <a:srgbClr val="000000"/>
+                </a:solidFill>
+                <a:effectLst/>
+                <a:latin typeface="Courier New" pitchFamily="49" charset="0"/>
+                <a:cs typeface="Courier New" pitchFamily="49" charset="0"/>
+              </a:rPr>
+              <a:t>valueOf</a:t>
+            </a:r>
+            <a:r>
+              <a:rPr kumimoji="0" lang="ru-RU" altLang="ru-RU" b="0" i="0" u="none" strike="noStrike" cap="none" normalizeH="0" baseline="0" dirty="0" smtClean="0">
+                <a:ln>
+                  <a:noFill/>
+                </a:ln>
+                <a:solidFill>
+                  <a:srgbClr val="000000"/>
+                </a:solidFill>
+                <a:effectLst/>
+                <a:latin typeface="Courier New" pitchFamily="49" charset="0"/>
+                <a:cs typeface="Courier New" pitchFamily="49" charset="0"/>
+              </a:rPr>
+              <a:t>(</a:t>
+            </a:r>
+            <a:r>
+              <a:rPr kumimoji="0" lang="ru-RU" altLang="ru-RU" b="0" i="0" u="none" strike="noStrike" cap="none" normalizeH="0" baseline="0" dirty="0" smtClean="0">
+                <a:ln>
+                  <a:noFill/>
+                </a:ln>
+                <a:solidFill>
+                  <a:srgbClr val="0000FF"/>
+                </a:solidFill>
+                <a:effectLst/>
+                <a:latin typeface="Courier New" pitchFamily="49" charset="0"/>
+                <a:cs typeface="Courier New" pitchFamily="49" charset="0"/>
+              </a:rPr>
+              <a:t>100</a:t>
+            </a:r>
+            <a:r>
+              <a:rPr kumimoji="0" lang="ru-RU" altLang="ru-RU" b="0" i="0" u="none" strike="noStrike" cap="none" normalizeH="0" baseline="0" dirty="0" smtClean="0">
+                <a:ln>
+                  <a:noFill/>
+                </a:ln>
+                <a:solidFill>
+                  <a:srgbClr val="000000"/>
+                </a:solidFill>
+                <a:effectLst/>
+                <a:latin typeface="Courier New" pitchFamily="49" charset="0"/>
+                <a:cs typeface="Courier New" pitchFamily="49" charset="0"/>
+              </a:rPr>
+              <a:t>));</a:t>
+            </a:r>
+            <a:br>
+              <a:rPr kumimoji="0" lang="ru-RU" altLang="ru-RU" b="0" i="0" u="none" strike="noStrike" cap="none" normalizeH="0" baseline="0" dirty="0" smtClean="0">
+                <a:ln>
+                  <a:noFill/>
+                </a:ln>
+                <a:solidFill>
+                  <a:srgbClr val="000000"/>
+                </a:solidFill>
+                <a:effectLst/>
+                <a:latin typeface="Courier New" pitchFamily="49" charset="0"/>
+                <a:cs typeface="Courier New" pitchFamily="49" charset="0"/>
+              </a:rPr>
+            </a:br>
+            <a:r>
+              <a:rPr kumimoji="0" lang="en-US" altLang="ru-RU" b="0" i="0" u="none" strike="noStrike" cap="none" normalizeH="0" baseline="0" dirty="0" smtClean="0">
+                <a:ln>
+                  <a:noFill/>
+                </a:ln>
+                <a:solidFill>
+                  <a:srgbClr val="000000"/>
+                </a:solidFill>
+                <a:effectLst/>
+                <a:latin typeface="Courier New" pitchFamily="49" charset="0"/>
+                <a:cs typeface="Courier New" pitchFamily="49" charset="0"/>
+              </a:rPr>
+              <a:t>  </a:t>
+            </a:r>
+            <a:r>
+              <a:rPr kumimoji="0" lang="ru-RU" altLang="ru-RU" b="0" i="0" u="none" strike="noStrike" cap="none" normalizeH="0" baseline="0" dirty="0" smtClean="0">
+                <a:ln>
+                  <a:noFill/>
+                </a:ln>
+                <a:solidFill>
+                  <a:srgbClr val="000000"/>
+                </a:solidFill>
+                <a:effectLst/>
+                <a:latin typeface="Courier New" pitchFamily="49" charset="0"/>
+                <a:cs typeface="Courier New" pitchFamily="49" charset="0"/>
+              </a:rPr>
+              <a:t>}</a:t>
+            </a:r>
+            <a:br>
+              <a:rPr kumimoji="0" lang="ru-RU" altLang="ru-RU" b="0" i="0" u="none" strike="noStrike" cap="none" normalizeH="0" baseline="0" dirty="0" smtClean="0">
+                <a:ln>
+                  <a:noFill/>
+                </a:ln>
+                <a:solidFill>
+                  <a:srgbClr val="000000"/>
+                </a:solidFill>
+                <a:effectLst/>
+                <a:latin typeface="Courier New" pitchFamily="49" charset="0"/>
+                <a:cs typeface="Courier New" pitchFamily="49" charset="0"/>
+              </a:rPr>
+            </a:br>
+            <a:r>
+              <a:rPr kumimoji="0" lang="en-US" altLang="ru-RU" b="0" i="0" u="none" strike="noStrike" cap="none" normalizeH="0" baseline="0" dirty="0" smtClean="0">
+                <a:ln>
+                  <a:noFill/>
+                </a:ln>
+                <a:solidFill>
+                  <a:srgbClr val="000000"/>
+                </a:solidFill>
+                <a:effectLst/>
+                <a:latin typeface="Courier New" pitchFamily="49" charset="0"/>
+                <a:cs typeface="Courier New" pitchFamily="49" charset="0"/>
+              </a:rPr>
+              <a:t>  </a:t>
+            </a:r>
+            <a:r>
+              <a:rPr lang="en-US" altLang="ru-RU" dirty="0" smtClean="0">
+                <a:solidFill>
+                  <a:srgbClr val="000000"/>
+                </a:solidFill>
+                <a:latin typeface="Courier New" pitchFamily="49" charset="0"/>
+                <a:cs typeface="Courier New" pitchFamily="49" charset="0"/>
+              </a:rPr>
+              <a:t>…</a:t>
+            </a:r>
+            <a:r>
+              <a:rPr kumimoji="0" lang="ru-RU" altLang="ru-RU" b="0" i="0" u="none" strike="noStrike" cap="none" normalizeH="0" baseline="0" dirty="0" smtClean="0">
+                <a:ln>
+                  <a:noFill/>
+                </a:ln>
+                <a:solidFill>
+                  <a:srgbClr val="000000"/>
+                </a:solidFill>
+                <a:effectLst/>
+                <a:latin typeface="Courier New" pitchFamily="49" charset="0"/>
+                <a:cs typeface="Courier New" pitchFamily="49" charset="0"/>
+              </a:rPr>
+              <a:t/>
+            </a:r>
+            <a:br>
+              <a:rPr kumimoji="0" lang="ru-RU" altLang="ru-RU" b="0" i="0" u="none" strike="noStrike" cap="none" normalizeH="0" baseline="0" dirty="0" smtClean="0">
+                <a:ln>
+                  <a:noFill/>
+                </a:ln>
+                <a:solidFill>
+                  <a:srgbClr val="000000"/>
+                </a:solidFill>
+                <a:effectLst/>
+                <a:latin typeface="Courier New" pitchFamily="49" charset="0"/>
+                <a:cs typeface="Courier New" pitchFamily="49" charset="0"/>
+              </a:rPr>
+            </a:br>
+            <a:r>
+              <a:rPr kumimoji="0" lang="ru-RU" altLang="ru-RU" b="0" i="0" u="none" strike="noStrike" cap="none" normalizeH="0" baseline="0" dirty="0" smtClean="0">
+                <a:ln>
+                  <a:noFill/>
+                </a:ln>
+                <a:solidFill>
+                  <a:srgbClr val="000000"/>
+                </a:solidFill>
+                <a:effectLst/>
+                <a:latin typeface="Courier New" pitchFamily="49" charset="0"/>
+                <a:cs typeface="Courier New" pitchFamily="49" charset="0"/>
+              </a:rPr>
+              <a:t>  </a:t>
+            </a:r>
+            <a:r>
+              <a:rPr kumimoji="0" lang="ru-RU" altLang="ru-RU" b="0" i="0" u="none" strike="noStrike" cap="none" normalizeH="0" baseline="0" dirty="0" smtClean="0">
+                <a:ln>
+                  <a:noFill/>
+                </a:ln>
+                <a:solidFill>
+                  <a:srgbClr val="808000"/>
+                </a:solidFill>
+                <a:effectLst/>
+                <a:latin typeface="Courier New" pitchFamily="49" charset="0"/>
+                <a:cs typeface="Courier New" pitchFamily="49" charset="0"/>
+              </a:rPr>
+              <a:t>@</a:t>
+            </a:r>
+            <a:r>
+              <a:rPr kumimoji="0" lang="ru-RU" altLang="ru-RU" b="0" i="0" u="none" strike="noStrike" cap="none" normalizeH="0" baseline="0" dirty="0" err="1" smtClean="0">
+                <a:ln>
+                  <a:noFill/>
+                </a:ln>
+                <a:solidFill>
+                  <a:srgbClr val="808000"/>
+                </a:solidFill>
+                <a:effectLst/>
+                <a:latin typeface="Courier New" pitchFamily="49" charset="0"/>
+                <a:cs typeface="Courier New" pitchFamily="49" charset="0"/>
+              </a:rPr>
+              <a:t>Test</a:t>
+            </a:r>
+            <a:r>
+              <a:rPr kumimoji="0" lang="ru-RU" altLang="ru-RU" b="0" i="0" u="none" strike="noStrike" cap="none" normalizeH="0" baseline="0" dirty="0" smtClean="0">
+                <a:ln>
+                  <a:noFill/>
+                </a:ln>
+                <a:solidFill>
+                  <a:srgbClr val="808000"/>
+                </a:solidFill>
+                <a:effectLst/>
+                <a:latin typeface="Courier New" pitchFamily="49" charset="0"/>
+                <a:cs typeface="Courier New" pitchFamily="49" charset="0"/>
+              </a:rPr>
+              <a:t/>
+            </a:r>
+            <a:br>
+              <a:rPr kumimoji="0" lang="ru-RU" altLang="ru-RU" b="0" i="0" u="none" strike="noStrike" cap="none" normalizeH="0" baseline="0" dirty="0" smtClean="0">
+                <a:ln>
+                  <a:noFill/>
+                </a:ln>
+                <a:solidFill>
+                  <a:srgbClr val="808000"/>
+                </a:solidFill>
+                <a:effectLst/>
+                <a:latin typeface="Courier New" pitchFamily="49" charset="0"/>
+                <a:cs typeface="Courier New" pitchFamily="49" charset="0"/>
+              </a:rPr>
+            </a:br>
+            <a:r>
+              <a:rPr kumimoji="0" lang="ru-RU" altLang="ru-RU" b="0" i="0" u="none" strike="noStrike" cap="none" normalizeH="0" baseline="0" dirty="0" smtClean="0">
+                <a:ln>
+                  <a:noFill/>
+                </a:ln>
+                <a:solidFill>
+                  <a:srgbClr val="808000"/>
+                </a:solidFill>
+                <a:effectLst/>
+                <a:latin typeface="Courier New" pitchFamily="49" charset="0"/>
+                <a:cs typeface="Courier New" pitchFamily="49" charset="0"/>
+              </a:rPr>
+              <a:t>  </a:t>
+            </a:r>
+            <a:r>
+              <a:rPr kumimoji="0" lang="ru-RU" altLang="ru-RU" b="1" i="0" u="none" strike="noStrike" cap="none" normalizeH="0" baseline="0" dirty="0" err="1" smtClean="0">
+                <a:ln>
+                  <a:noFill/>
+                </a:ln>
+                <a:solidFill>
+                  <a:srgbClr val="000080"/>
+                </a:solidFill>
+                <a:effectLst/>
+                <a:latin typeface="Courier New" pitchFamily="49" charset="0"/>
+                <a:cs typeface="Courier New" pitchFamily="49" charset="0"/>
+              </a:rPr>
+              <a:t>void</a:t>
+            </a:r>
+            <a:r>
+              <a:rPr kumimoji="0" lang="ru-RU" altLang="ru-RU" b="1" i="0" u="none" strike="noStrike" cap="none" normalizeH="0" baseline="0" dirty="0" smtClean="0">
+                <a:ln>
+                  <a:noFill/>
+                </a:ln>
+                <a:solidFill>
+                  <a:srgbClr val="000080"/>
                 </a:solidFill>
                 <a:effectLst/>
                 <a:latin typeface="Courier New" pitchFamily="49" charset="0"/>
@@ -37949,88 +38913,283 @@
               <a:t> </a:t>
             </a:r>
             <a:r>
-              <a:rPr lang="ru-RU" altLang="ru-RU" b="1" dirty="0" err="1">
-                <a:solidFill>
-                  <a:srgbClr val="660E7A"/>
-                </a:solidFill>
-                <a:latin typeface="Courier New" pitchFamily="49" charset="0"/>
-                <a:cs typeface="Courier New" pitchFamily="49" charset="0"/>
-              </a:rPr>
-              <a:t>order</a:t>
-            </a:r>
-            <a:r>
-              <a:rPr lang="ru-RU" altLang="ru-RU" b="1" dirty="0">
-                <a:solidFill>
-                  <a:srgbClr val="660E7A"/>
-                </a:solidFill>
+              <a:rPr kumimoji="0" lang="ru-RU" altLang="ru-RU" b="0" i="0" u="none" strike="noStrike" cap="none" normalizeH="0" baseline="0" dirty="0" err="1" smtClean="0">
+                <a:ln>
+                  <a:noFill/>
+                </a:ln>
+                <a:solidFill>
+                  <a:srgbClr val="000000"/>
+                </a:solidFill>
+                <a:effectLst/>
+                <a:latin typeface="Courier New" pitchFamily="49" charset="0"/>
+                <a:cs typeface="Courier New" pitchFamily="49" charset="0"/>
+              </a:rPr>
+              <a:t>testFailedIfInsufficientFunds</a:t>
+            </a:r>
+            <a:r>
+              <a:rPr kumimoji="0" lang="ru-RU" altLang="ru-RU" b="0" i="0" u="none" strike="noStrike" cap="none" normalizeH="0" baseline="0" dirty="0" smtClean="0">
+                <a:ln>
+                  <a:noFill/>
+                </a:ln>
+                <a:solidFill>
+                  <a:srgbClr val="000000"/>
+                </a:solidFill>
+                <a:effectLst/>
+                <a:latin typeface="Courier New" pitchFamily="49" charset="0"/>
+                <a:cs typeface="Courier New" pitchFamily="49" charset="0"/>
+              </a:rPr>
+              <a:t>() {</a:t>
+            </a:r>
+            <a:br>
+              <a:rPr kumimoji="0" lang="ru-RU" altLang="ru-RU" b="0" i="0" u="none" strike="noStrike" cap="none" normalizeH="0" baseline="0" dirty="0" smtClean="0">
+                <a:ln>
+                  <a:noFill/>
+                </a:ln>
+                <a:solidFill>
+                  <a:srgbClr val="000000"/>
+                </a:solidFill>
+                <a:effectLst/>
+                <a:latin typeface="Courier New" pitchFamily="49" charset="0"/>
+                <a:cs typeface="Courier New" pitchFamily="49" charset="0"/>
+              </a:rPr>
+            </a:br>
+            <a:r>
+              <a:rPr kumimoji="0" lang="ru-RU" altLang="ru-RU" b="0" i="0" u="none" strike="noStrike" cap="none" normalizeH="0" baseline="0" dirty="0" smtClean="0">
+                <a:ln>
+                  <a:noFill/>
+                </a:ln>
+                <a:solidFill>
+                  <a:srgbClr val="000000"/>
+                </a:solidFill>
+                <a:effectLst/>
+                <a:latin typeface="Courier New" pitchFamily="49" charset="0"/>
+                <a:cs typeface="Courier New" pitchFamily="49" charset="0"/>
+              </a:rPr>
+              <a:t>    </a:t>
+            </a:r>
+            <a:r>
+              <a:rPr kumimoji="0" lang="ru-RU" altLang="ru-RU" b="0" i="0" u="none" strike="noStrike" cap="none" normalizeH="0" baseline="0" dirty="0" err="1" smtClean="0">
+                <a:ln>
+                  <a:noFill/>
+                </a:ln>
+                <a:solidFill>
+                  <a:srgbClr val="000000"/>
+                </a:solidFill>
+                <a:effectLst/>
+                <a:latin typeface="Courier New" pitchFamily="49" charset="0"/>
+                <a:cs typeface="Courier New" pitchFamily="49" charset="0"/>
+              </a:rPr>
+              <a:t>Item</a:t>
+            </a:r>
+            <a:r>
+              <a:rPr kumimoji="0" lang="ru-RU" altLang="ru-RU" b="0" i="0" u="none" strike="noStrike" cap="none" normalizeH="0" baseline="0" dirty="0" smtClean="0">
+                <a:ln>
+                  <a:noFill/>
+                </a:ln>
+                <a:solidFill>
+                  <a:srgbClr val="000000"/>
+                </a:solidFill>
+                <a:effectLst/>
                 <a:latin typeface="Courier New" pitchFamily="49" charset="0"/>
                 <a:cs typeface="Courier New" pitchFamily="49" charset="0"/>
               </a:rPr>
               <a:t> </a:t>
             </a:r>
             <a:r>
-              <a:rPr lang="ru-RU" altLang="ru-RU" dirty="0">
-                <a:solidFill>
-                  <a:srgbClr val="000000"/>
-                </a:solidFill>
-                <a:latin typeface="Courier New" pitchFamily="49" charset="0"/>
-                <a:cs typeface="Courier New" pitchFamily="49" charset="0"/>
-              </a:rPr>
-              <a:t>= </a:t>
-            </a:r>
-            <a:r>
-              <a:rPr lang="ru-RU" altLang="ru-RU" b="1" dirty="0" err="1">
+              <a:rPr kumimoji="0" lang="ru-RU" altLang="ru-RU" b="0" i="0" u="none" strike="noStrike" cap="none" normalizeH="0" baseline="0" dirty="0" err="1" smtClean="0">
+                <a:ln>
+                  <a:noFill/>
+                </a:ln>
+                <a:solidFill>
+                  <a:srgbClr val="000000"/>
+                </a:solidFill>
+                <a:effectLst/>
+                <a:latin typeface="Courier New" pitchFamily="49" charset="0"/>
+                <a:cs typeface="Courier New" pitchFamily="49" charset="0"/>
+              </a:rPr>
+              <a:t>car</a:t>
+            </a:r>
+            <a:r>
+              <a:rPr kumimoji="0" lang="ru-RU" altLang="ru-RU" b="0" i="0" u="none" strike="noStrike" cap="none" normalizeH="0" baseline="0" dirty="0" smtClean="0">
+                <a:ln>
+                  <a:noFill/>
+                </a:ln>
+                <a:solidFill>
+                  <a:srgbClr val="000000"/>
+                </a:solidFill>
+                <a:effectLst/>
+                <a:latin typeface="Courier New" pitchFamily="49" charset="0"/>
+                <a:cs typeface="Courier New" pitchFamily="49" charset="0"/>
+              </a:rPr>
+              <a:t> = </a:t>
+            </a:r>
+            <a:r>
+              <a:rPr kumimoji="0" lang="ru-RU" altLang="ru-RU" b="1" i="0" u="none" strike="noStrike" cap="none" normalizeH="0" baseline="0" dirty="0" err="1" smtClean="0">
+                <a:ln>
+                  <a:noFill/>
+                </a:ln>
                 <a:solidFill>
                   <a:srgbClr val="000080"/>
                 </a:solidFill>
+                <a:effectLst/>
                 <a:latin typeface="Courier New" pitchFamily="49" charset="0"/>
                 <a:cs typeface="Courier New" pitchFamily="49" charset="0"/>
               </a:rPr>
               <a:t>new</a:t>
             </a:r>
             <a:r>
-              <a:rPr lang="ru-RU" altLang="ru-RU" b="1" dirty="0">
+              <a:rPr kumimoji="0" lang="ru-RU" altLang="ru-RU" b="1" i="0" u="none" strike="noStrike" cap="none" normalizeH="0" baseline="0" dirty="0" smtClean="0">
+                <a:ln>
+                  <a:noFill/>
+                </a:ln>
                 <a:solidFill>
                   <a:srgbClr val="000080"/>
                 </a:solidFill>
+                <a:effectLst/>
                 <a:latin typeface="Courier New" pitchFamily="49" charset="0"/>
                 <a:cs typeface="Courier New" pitchFamily="49" charset="0"/>
               </a:rPr>
               <a:t> </a:t>
             </a:r>
             <a:r>
-              <a:rPr lang="ru-RU" altLang="ru-RU" dirty="0" err="1">
-                <a:solidFill>
-                  <a:srgbClr val="000000"/>
-                </a:solidFill>
-                <a:latin typeface="Courier New" pitchFamily="49" charset="0"/>
-                <a:cs typeface="Courier New" pitchFamily="49" charset="0"/>
-              </a:rPr>
-              <a:t>Order</a:t>
-            </a:r>
-            <a:r>
-              <a:rPr lang="ru-RU" altLang="ru-RU" dirty="0">
-                <a:solidFill>
-                  <a:srgbClr val="000000"/>
-                </a:solidFill>
-                <a:latin typeface="Courier New" pitchFamily="49" charset="0"/>
-                <a:cs typeface="Courier New" pitchFamily="49" charset="0"/>
-              </a:rPr>
-              <a:t>();</a:t>
-            </a:r>
-            <a:r>
-              <a:rPr kumimoji="0" lang="ru-RU" altLang="ru-RU" b="0" i="0" u="none" strike="noStrike" cap="none" normalizeH="0" baseline="0" dirty="0" smtClean="0">
-                <a:ln>
-                  <a:noFill/>
-                </a:ln>
-                <a:solidFill>
-                  <a:srgbClr val="000000"/>
-                </a:solidFill>
-                <a:effectLst/>
-                <a:latin typeface="Courier New" pitchFamily="49" charset="0"/>
-                <a:cs typeface="Courier New" pitchFamily="49" charset="0"/>
-              </a:rPr>
-              <a:t/>
+              <a:rPr kumimoji="0" lang="ru-RU" altLang="ru-RU" b="0" i="0" u="none" strike="noStrike" cap="none" normalizeH="0" baseline="0" dirty="0" err="1" smtClean="0">
+                <a:ln>
+                  <a:noFill/>
+                </a:ln>
+                <a:solidFill>
+                  <a:srgbClr val="000000"/>
+                </a:solidFill>
+                <a:effectLst/>
+                <a:latin typeface="Courier New" pitchFamily="49" charset="0"/>
+                <a:cs typeface="Courier New" pitchFamily="49" charset="0"/>
+              </a:rPr>
+              <a:t>Item</a:t>
+            </a:r>
+            <a:r>
+              <a:rPr kumimoji="0" lang="ru-RU" altLang="ru-RU" b="0" i="0" u="none" strike="noStrike" cap="none" normalizeH="0" baseline="0" dirty="0" smtClean="0">
+                <a:ln>
+                  <a:noFill/>
+                </a:ln>
+                <a:solidFill>
+                  <a:srgbClr val="000000"/>
+                </a:solidFill>
+                <a:effectLst/>
+                <a:latin typeface="Courier New" pitchFamily="49" charset="0"/>
+                <a:cs typeface="Courier New" pitchFamily="49" charset="0"/>
+              </a:rPr>
+              <a:t>(</a:t>
+            </a:r>
+            <a:r>
+              <a:rPr kumimoji="0" lang="ru-RU" altLang="ru-RU" b="1" i="0" u="none" strike="noStrike" cap="none" normalizeH="0" baseline="0" dirty="0" smtClean="0">
+                <a:ln>
+                  <a:noFill/>
+                </a:ln>
+                <a:solidFill>
+                  <a:srgbClr val="008000"/>
+                </a:solidFill>
+                <a:effectLst/>
+                <a:latin typeface="Courier New" pitchFamily="49" charset="0"/>
+                <a:cs typeface="Courier New" pitchFamily="49" charset="0"/>
+              </a:rPr>
+              <a:t>"</a:t>
+            </a:r>
+            <a:r>
+              <a:rPr kumimoji="0" lang="ru-RU" altLang="ru-RU" b="1" i="0" u="none" strike="noStrike" cap="none" normalizeH="0" baseline="0" dirty="0" err="1" smtClean="0">
+                <a:ln>
+                  <a:noFill/>
+                </a:ln>
+                <a:solidFill>
+                  <a:srgbClr val="008000"/>
+                </a:solidFill>
+                <a:effectLst/>
+                <a:latin typeface="Courier New" pitchFamily="49" charset="0"/>
+                <a:cs typeface="Courier New" pitchFamily="49" charset="0"/>
+              </a:rPr>
+              <a:t>Car</a:t>
+            </a:r>
+            <a:r>
+              <a:rPr kumimoji="0" lang="ru-RU" altLang="ru-RU" b="1" i="0" u="none" strike="noStrike" cap="none" normalizeH="0" baseline="0" dirty="0" smtClean="0">
+                <a:ln>
+                  <a:noFill/>
+                </a:ln>
+                <a:solidFill>
+                  <a:srgbClr val="008000"/>
+                </a:solidFill>
+                <a:effectLst/>
+                <a:latin typeface="Courier New" pitchFamily="49" charset="0"/>
+                <a:cs typeface="Courier New" pitchFamily="49" charset="0"/>
+              </a:rPr>
+              <a:t>"</a:t>
+            </a:r>
+            <a:r>
+              <a:rPr kumimoji="0" lang="ru-RU" altLang="ru-RU" b="0" i="0" u="none" strike="noStrike" cap="none" normalizeH="0" baseline="0" dirty="0" smtClean="0">
+                <a:ln>
+                  <a:noFill/>
+                </a:ln>
+                <a:solidFill>
+                  <a:srgbClr val="000000"/>
+                </a:solidFill>
+                <a:effectLst/>
+                <a:latin typeface="Courier New" pitchFamily="49" charset="0"/>
+                <a:cs typeface="Courier New" pitchFamily="49" charset="0"/>
+              </a:rPr>
+              <a:t>, </a:t>
+            </a:r>
+            <a:r>
+              <a:rPr kumimoji="0" lang="ru-RU" altLang="ru-RU" b="0" i="1" u="none" strike="noStrike" cap="none" normalizeH="0" baseline="0" dirty="0" err="1" smtClean="0">
+                <a:ln>
+                  <a:noFill/>
+                </a:ln>
+                <a:solidFill>
+                  <a:srgbClr val="000000"/>
+                </a:solidFill>
+                <a:effectLst/>
+                <a:latin typeface="Courier New" pitchFamily="49" charset="0"/>
+                <a:cs typeface="Courier New" pitchFamily="49" charset="0"/>
+              </a:rPr>
+              <a:t>valueOf</a:t>
+            </a:r>
+            <a:r>
+              <a:rPr kumimoji="0" lang="ru-RU" altLang="ru-RU" b="0" i="0" u="none" strike="noStrike" cap="none" normalizeH="0" baseline="0" dirty="0" smtClean="0">
+                <a:ln>
+                  <a:noFill/>
+                </a:ln>
+                <a:solidFill>
+                  <a:srgbClr val="000000"/>
+                </a:solidFill>
+                <a:effectLst/>
+                <a:latin typeface="Courier New" pitchFamily="49" charset="0"/>
+                <a:cs typeface="Courier New" pitchFamily="49" charset="0"/>
+              </a:rPr>
+              <a:t>(</a:t>
+            </a:r>
+            <a:r>
+              <a:rPr kumimoji="0" lang="ru-RU" altLang="ru-RU" b="0" i="0" u="none" strike="noStrike" cap="none" normalizeH="0" baseline="0" dirty="0" smtClean="0">
+                <a:ln>
+                  <a:noFill/>
+                </a:ln>
+                <a:solidFill>
+                  <a:srgbClr val="0000FF"/>
+                </a:solidFill>
+                <a:effectLst/>
+                <a:latin typeface="Courier New" pitchFamily="49" charset="0"/>
+                <a:cs typeface="Courier New" pitchFamily="49" charset="0"/>
+              </a:rPr>
+              <a:t>1_000_000</a:t>
+            </a:r>
+            <a:r>
+              <a:rPr kumimoji="0" lang="ru-RU" altLang="ru-RU" b="0" i="0" u="none" strike="noStrike" cap="none" normalizeH="0" baseline="0" dirty="0" smtClean="0">
+                <a:ln>
+                  <a:noFill/>
+                </a:ln>
+                <a:solidFill>
+                  <a:srgbClr val="000000"/>
+                </a:solidFill>
+                <a:effectLst/>
+                <a:latin typeface="Courier New" pitchFamily="49" charset="0"/>
+                <a:cs typeface="Courier New" pitchFamily="49" charset="0"/>
+              </a:rPr>
+              <a:t>));</a:t>
             </a:r>
             <a:br>
               <a:rPr kumimoji="0" lang="ru-RU" altLang="ru-RU" b="0" i="0" u="none" strike="noStrike" cap="none" normalizeH="0" baseline="0" dirty="0" smtClean="0">
@@ -38057,7 +39216,35 @@
                 <a:latin typeface="Courier New" pitchFamily="49" charset="0"/>
                 <a:cs typeface="Courier New" pitchFamily="49" charset="0"/>
               </a:rPr>
-              <a:t/>
+              <a:t>    </a:t>
+            </a:r>
+            <a:r>
+              <a:rPr kumimoji="0" lang="ru-RU" altLang="ru-RU" b="0" i="1" u="none" strike="noStrike" cap="none" normalizeH="0" baseline="0" dirty="0" err="1" smtClean="0">
+                <a:ln>
+                  <a:noFill/>
+                </a:ln>
+                <a:solidFill>
+                  <a:srgbClr val="000000"/>
+                </a:solidFill>
+                <a:effectLst/>
+                <a:latin typeface="Courier New" pitchFamily="49" charset="0"/>
+                <a:cs typeface="Courier New" pitchFamily="49" charset="0"/>
+              </a:rPr>
+              <a:t>assertAll</a:t>
+            </a:r>
+            <a:r>
+              <a:rPr kumimoji="0" lang="ru-RU" altLang="ru-RU" b="0" i="0" u="none" strike="noStrike" cap="none" normalizeH="0" baseline="0" dirty="0" smtClean="0">
+                <a:ln>
+                  <a:noFill/>
+                </a:ln>
+                <a:solidFill>
+                  <a:srgbClr val="000000"/>
+                </a:solidFill>
+                <a:effectLst/>
+                <a:latin typeface="Courier New" pitchFamily="49" charset="0"/>
+                <a:cs typeface="Courier New" pitchFamily="49" charset="0"/>
+              </a:rPr>
+              <a:t>(</a:t>
             </a:r>
             <a:br>
               <a:rPr kumimoji="0" lang="ru-RU" altLang="ru-RU" b="0" i="0" u="none" strike="noStrike" cap="none" normalizeH="0" baseline="0" dirty="0" smtClean="0">
@@ -38084,21 +39271,63 @@
                 <a:latin typeface="Courier New" pitchFamily="49" charset="0"/>
                 <a:cs typeface="Courier New" pitchFamily="49" charset="0"/>
               </a:rPr>
-              <a:t>  </a:t>
-            </a:r>
-            <a:r>
-              <a:rPr kumimoji="0" lang="ru-RU" altLang="ru-RU" b="0" i="0" u="none" strike="noStrike" cap="none" normalizeH="0" baseline="0" dirty="0" smtClean="0">
-                <a:ln>
-                  <a:noFill/>
-                </a:ln>
-                <a:solidFill>
-                  <a:srgbClr val="808000"/>
-                </a:solidFill>
-                <a:effectLst/>
-                <a:latin typeface="Courier New" pitchFamily="49" charset="0"/>
-                <a:cs typeface="Courier New" pitchFamily="49" charset="0"/>
-              </a:rPr>
-              <a:t>@</a:t>
+              <a:t>     </a:t>
+            </a:r>
+            <a:r>
+              <a:rPr kumimoji="0" lang="en-US" altLang="ru-RU" b="0" i="0" u="none" strike="noStrike" cap="none" normalizeH="0" baseline="0" dirty="0" smtClean="0">
+                <a:ln>
+                  <a:noFill/>
+                </a:ln>
+                <a:solidFill>
+                  <a:srgbClr val="000000"/>
+                </a:solidFill>
+                <a:effectLst/>
+                <a:latin typeface="Courier New" pitchFamily="49" charset="0"/>
+                <a:cs typeface="Courier New" pitchFamily="49" charset="0"/>
+              </a:rPr>
+              <a:t> </a:t>
+            </a:r>
+            <a:r>
+              <a:rPr kumimoji="0" lang="ru-RU" altLang="ru-RU" b="0" i="0" u="none" strike="noStrike" cap="none" normalizeH="0" baseline="0" dirty="0" smtClean="0">
+                <a:ln>
+                  <a:noFill/>
+                </a:ln>
+                <a:solidFill>
+                  <a:srgbClr val="000000"/>
+                </a:solidFill>
+                <a:effectLst/>
+                <a:latin typeface="Courier New" pitchFamily="49" charset="0"/>
+                <a:cs typeface="Courier New" pitchFamily="49" charset="0"/>
+              </a:rPr>
+              <a:t>()-&gt; </a:t>
+            </a:r>
+            <a:r>
+              <a:rPr kumimoji="0" lang="ru-RU" altLang="ru-RU" b="0" i="1" u="none" strike="noStrike" cap="none" normalizeH="0" baseline="0" dirty="0" err="1" smtClean="0">
+                <a:ln>
+                  <a:noFill/>
+                </a:ln>
+                <a:solidFill>
+                  <a:srgbClr val="000000"/>
+                </a:solidFill>
+                <a:effectLst/>
+                <a:latin typeface="Courier New" pitchFamily="49" charset="0"/>
+                <a:cs typeface="Courier New" pitchFamily="49" charset="0"/>
+              </a:rPr>
+              <a:t>assertThrows</a:t>
+            </a:r>
+            <a:r>
+              <a:rPr kumimoji="0" lang="ru-RU" altLang="ru-RU" b="0" i="0" u="none" strike="noStrike" cap="none" normalizeH="0" baseline="0" dirty="0" smtClean="0">
+                <a:ln>
+                  <a:noFill/>
+                </a:ln>
+                <a:solidFill>
+                  <a:srgbClr val="000000"/>
+                </a:solidFill>
+                <a:effectLst/>
+                <a:latin typeface="Courier New" pitchFamily="49" charset="0"/>
+                <a:cs typeface="Courier New" pitchFamily="49" charset="0"/>
+              </a:rPr>
+              <a:t>(</a:t>
             </a:r>
             <a:r>
               <a:rPr kumimoji="0" lang="ru-RU" altLang="ru-RU" b="0" i="0" u="none" strike="noStrike" cap="none" normalizeH="0" baseline="0" dirty="0" err="1" smtClean="0">
@@ -38106,54 +39335,13 @@
                   <a:noFill/>
                 </a:ln>
                 <a:solidFill>
-                  <a:srgbClr val="808000"/>
-                </a:solidFill>
-                <a:effectLst/>
-                <a:latin typeface="Courier New" pitchFamily="49" charset="0"/>
-                <a:cs typeface="Courier New" pitchFamily="49" charset="0"/>
-              </a:rPr>
-              <a:t>BeforeEach</a:t>
-            </a:r>
-            <a:r>
-              <a:rPr kumimoji="0" lang="ru-RU" altLang="ru-RU" b="0" i="0" u="none" strike="noStrike" cap="none" normalizeH="0" baseline="0" dirty="0" smtClean="0">
-                <a:ln>
-                  <a:noFill/>
-                </a:ln>
-                <a:solidFill>
-                  <a:srgbClr val="808000"/>
-                </a:solidFill>
-                <a:effectLst/>
-                <a:latin typeface="Courier New" pitchFamily="49" charset="0"/>
-                <a:cs typeface="Courier New" pitchFamily="49" charset="0"/>
-              </a:rPr>
-              <a:t/>
-            </a:r>
-            <a:br>
-              <a:rPr kumimoji="0" lang="ru-RU" altLang="ru-RU" b="0" i="0" u="none" strike="noStrike" cap="none" normalizeH="0" baseline="0" dirty="0" smtClean="0">
-                <a:ln>
-                  <a:noFill/>
-                </a:ln>
-                <a:solidFill>
-                  <a:srgbClr val="808000"/>
-                </a:solidFill>
-                <a:effectLst/>
-                <a:latin typeface="Courier New" pitchFamily="49" charset="0"/>
-                <a:cs typeface="Courier New" pitchFamily="49" charset="0"/>
-              </a:rPr>
-            </a:br>
-            <a:r>
-              <a:rPr kumimoji="0" lang="ru-RU" altLang="ru-RU" b="0" i="0" u="none" strike="noStrike" cap="none" normalizeH="0" baseline="0" dirty="0" smtClean="0">
-                <a:ln>
-                  <a:noFill/>
-                </a:ln>
-                <a:solidFill>
-                  <a:srgbClr val="808000"/>
-                </a:solidFill>
-                <a:effectLst/>
-                <a:latin typeface="Courier New" pitchFamily="49" charset="0"/>
-                <a:cs typeface="Courier New" pitchFamily="49" charset="0"/>
-              </a:rPr>
-              <a:t>  </a:t>
+                  <a:srgbClr val="000000"/>
+                </a:solidFill>
+                <a:effectLst/>
+                <a:latin typeface="Courier New" pitchFamily="49" charset="0"/>
+                <a:cs typeface="Courier New" pitchFamily="49" charset="0"/>
+              </a:rPr>
+              <a:t>InsufficientFundsException.</a:t>
             </a:r>
             <a:r>
               <a:rPr kumimoji="0" lang="ru-RU" altLang="ru-RU" b="1" i="0" u="none" strike="noStrike" cap="none" normalizeH="0" baseline="0" dirty="0" err="1" smtClean="0">
@@ -38167,10 +39355,10 @@
                 <a:latin typeface="Courier New" pitchFamily="49" charset="0"/>
                 <a:cs typeface="Courier New" pitchFamily="49" charset="0"/>
               </a:rPr>
-              <a:t>void</a:t>
-            </a:r>
-            <a:r>
-              <a:rPr kumimoji="0" lang="ru-RU" altLang="ru-RU" b="1" i="0" u="none" strike="noStrike" cap="none" normalizeH="0" baseline="0" dirty="0" smtClean="0">
+              <a:t>class</a:t>
+            </a:r>
+            <a:r>
+              <a:rPr kumimoji="0" lang="en-US" altLang="ru-RU" b="1" i="0" u="none" strike="noStrike" cap="none" normalizeH="0" baseline="0" dirty="0" smtClean="0">
                 <a:ln>
                   <a:noFill/>
                 </a:ln>
@@ -38181,933 +39369,7 @@
                 <a:latin typeface="Courier New" pitchFamily="49" charset="0"/>
                 <a:cs typeface="Courier New" pitchFamily="49" charset="0"/>
               </a:rPr>
-              <a:t> </a:t>
-            </a:r>
-            <a:r>
-              <a:rPr kumimoji="0" lang="ru-RU" altLang="ru-RU" b="0" i="0" u="none" strike="noStrike" cap="none" normalizeH="0" baseline="0" dirty="0" err="1" smtClean="0">
-                <a:ln>
-                  <a:noFill/>
-                </a:ln>
-                <a:solidFill>
-                  <a:srgbClr val="000000"/>
-                </a:solidFill>
-                <a:effectLst/>
-                <a:latin typeface="Courier New" pitchFamily="49" charset="0"/>
-                <a:cs typeface="Courier New" pitchFamily="49" charset="0"/>
-              </a:rPr>
-              <a:t>setUp</a:t>
-            </a:r>
-            <a:r>
-              <a:rPr kumimoji="0" lang="ru-RU" altLang="ru-RU" b="0" i="0" u="none" strike="noStrike" cap="none" normalizeH="0" baseline="0" dirty="0" smtClean="0">
-                <a:ln>
-                  <a:noFill/>
-                </a:ln>
-                <a:solidFill>
-                  <a:srgbClr val="000000"/>
-                </a:solidFill>
-                <a:effectLst/>
-                <a:latin typeface="Courier New" pitchFamily="49" charset="0"/>
-                <a:cs typeface="Courier New" pitchFamily="49" charset="0"/>
-              </a:rPr>
-              <a:t>() {</a:t>
-            </a:r>
-            <a:br>
-              <a:rPr kumimoji="0" lang="ru-RU" altLang="ru-RU" b="0" i="0" u="none" strike="noStrike" cap="none" normalizeH="0" baseline="0" dirty="0" smtClean="0">
-                <a:ln>
-                  <a:noFill/>
-                </a:ln>
-                <a:solidFill>
-                  <a:srgbClr val="000000"/>
-                </a:solidFill>
-                <a:effectLst/>
-                <a:latin typeface="Courier New" pitchFamily="49" charset="0"/>
-                <a:cs typeface="Courier New" pitchFamily="49" charset="0"/>
-              </a:rPr>
-            </a:br>
-            <a:r>
-              <a:rPr kumimoji="0" lang="ru-RU" altLang="ru-RU" b="0" i="0" u="none" strike="noStrike" cap="none" normalizeH="0" baseline="0" dirty="0" smtClean="0">
-                <a:ln>
-                  <a:noFill/>
-                </a:ln>
-                <a:solidFill>
-                  <a:srgbClr val="000000"/>
-                </a:solidFill>
-                <a:effectLst/>
-                <a:latin typeface="Courier New" pitchFamily="49" charset="0"/>
-                <a:cs typeface="Courier New" pitchFamily="49" charset="0"/>
-              </a:rPr>
-              <a:t>    </a:t>
-            </a:r>
-            <a:r>
-              <a:rPr kumimoji="0" lang="ru-RU" altLang="ru-RU" b="1" i="0" u="none" strike="noStrike" cap="none" normalizeH="0" baseline="0" dirty="0" err="1" smtClean="0">
-                <a:ln>
-                  <a:noFill/>
-                </a:ln>
-                <a:solidFill>
-                  <a:srgbClr val="660E7A"/>
-                </a:solidFill>
-                <a:effectLst/>
-                <a:latin typeface="Courier New" pitchFamily="49" charset="0"/>
-                <a:cs typeface="Courier New" pitchFamily="49" charset="0"/>
-              </a:rPr>
-              <a:t>account</a:t>
-            </a:r>
-            <a:r>
-              <a:rPr kumimoji="0" lang="ru-RU" altLang="ru-RU" b="0" i="0" u="none" strike="noStrike" cap="none" normalizeH="0" baseline="0" dirty="0" err="1" smtClean="0">
-                <a:ln>
-                  <a:noFill/>
-                </a:ln>
-                <a:solidFill>
-                  <a:srgbClr val="000000"/>
-                </a:solidFill>
-                <a:effectLst/>
-                <a:latin typeface="Courier New" pitchFamily="49" charset="0"/>
-                <a:cs typeface="Courier New" pitchFamily="49" charset="0"/>
-              </a:rPr>
-              <a:t>.deposit</a:t>
-            </a:r>
-            <a:r>
-              <a:rPr kumimoji="0" lang="ru-RU" altLang="ru-RU" b="0" i="0" u="none" strike="noStrike" cap="none" normalizeH="0" baseline="0" dirty="0" smtClean="0">
-                <a:ln>
-                  <a:noFill/>
-                </a:ln>
-                <a:solidFill>
-                  <a:srgbClr val="000000"/>
-                </a:solidFill>
-                <a:effectLst/>
-                <a:latin typeface="Courier New" pitchFamily="49" charset="0"/>
-                <a:cs typeface="Courier New" pitchFamily="49" charset="0"/>
-              </a:rPr>
-              <a:t>(</a:t>
-            </a:r>
-            <a:r>
-              <a:rPr kumimoji="0" lang="ru-RU" altLang="ru-RU" b="0" i="1" u="none" strike="noStrike" cap="none" normalizeH="0" baseline="0" dirty="0" err="1" smtClean="0">
-                <a:ln>
-                  <a:noFill/>
-                </a:ln>
-                <a:solidFill>
-                  <a:srgbClr val="000000"/>
-                </a:solidFill>
-                <a:effectLst/>
-                <a:latin typeface="Courier New" pitchFamily="49" charset="0"/>
-                <a:cs typeface="Courier New" pitchFamily="49" charset="0"/>
-              </a:rPr>
-              <a:t>valueOf</a:t>
-            </a:r>
-            <a:r>
-              <a:rPr kumimoji="0" lang="ru-RU" altLang="ru-RU" b="0" i="0" u="none" strike="noStrike" cap="none" normalizeH="0" baseline="0" dirty="0" smtClean="0">
-                <a:ln>
-                  <a:noFill/>
-                </a:ln>
-                <a:solidFill>
-                  <a:srgbClr val="000000"/>
-                </a:solidFill>
-                <a:effectLst/>
-                <a:latin typeface="Courier New" pitchFamily="49" charset="0"/>
-                <a:cs typeface="Courier New" pitchFamily="49" charset="0"/>
-              </a:rPr>
-              <a:t>(</a:t>
-            </a:r>
-            <a:r>
-              <a:rPr kumimoji="0" lang="ru-RU" altLang="ru-RU" b="0" i="0" u="none" strike="noStrike" cap="none" normalizeH="0" baseline="0" dirty="0" smtClean="0">
-                <a:ln>
-                  <a:noFill/>
-                </a:ln>
-                <a:solidFill>
-                  <a:srgbClr val="0000FF"/>
-                </a:solidFill>
-                <a:effectLst/>
-                <a:latin typeface="Courier New" pitchFamily="49" charset="0"/>
-                <a:cs typeface="Courier New" pitchFamily="49" charset="0"/>
-              </a:rPr>
-              <a:t>100</a:t>
-            </a:r>
-            <a:r>
-              <a:rPr kumimoji="0" lang="ru-RU" altLang="ru-RU" b="0" i="0" u="none" strike="noStrike" cap="none" normalizeH="0" baseline="0" dirty="0" smtClean="0">
-                <a:ln>
-                  <a:noFill/>
-                </a:ln>
-                <a:solidFill>
-                  <a:srgbClr val="000000"/>
-                </a:solidFill>
-                <a:effectLst/>
-                <a:latin typeface="Courier New" pitchFamily="49" charset="0"/>
-                <a:cs typeface="Courier New" pitchFamily="49" charset="0"/>
-              </a:rPr>
-              <a:t>));</a:t>
-            </a:r>
-            <a:br>
-              <a:rPr kumimoji="0" lang="ru-RU" altLang="ru-RU" b="0" i="0" u="none" strike="noStrike" cap="none" normalizeH="0" baseline="0" dirty="0" smtClean="0">
-                <a:ln>
-                  <a:noFill/>
-                </a:ln>
-                <a:solidFill>
-                  <a:srgbClr val="000000"/>
-                </a:solidFill>
-                <a:effectLst/>
-                <a:latin typeface="Courier New" pitchFamily="49" charset="0"/>
-                <a:cs typeface="Courier New" pitchFamily="49" charset="0"/>
-              </a:rPr>
-            </a:br>
-            <a:r>
-              <a:rPr kumimoji="0" lang="ru-RU" altLang="ru-RU" b="0" i="0" u="none" strike="noStrike" cap="none" normalizeH="0" dirty="0" smtClean="0">
-                <a:ln>
-                  <a:noFill/>
-                </a:ln>
-                <a:solidFill>
-                  <a:srgbClr val="000000"/>
-                </a:solidFill>
-                <a:effectLst/>
-                <a:latin typeface="Courier New" pitchFamily="49" charset="0"/>
-                <a:cs typeface="Courier New" pitchFamily="49" charset="0"/>
-              </a:rPr>
-              <a:t>  </a:t>
-            </a:r>
-            <a:r>
-              <a:rPr kumimoji="0" lang="ru-RU" altLang="ru-RU" b="0" i="0" u="none" strike="noStrike" cap="none" normalizeH="0" baseline="0" dirty="0" smtClean="0">
-                <a:ln>
-                  <a:noFill/>
-                </a:ln>
-                <a:solidFill>
-                  <a:srgbClr val="000000"/>
-                </a:solidFill>
-                <a:effectLst/>
-                <a:latin typeface="Courier New" pitchFamily="49" charset="0"/>
-                <a:cs typeface="Courier New" pitchFamily="49" charset="0"/>
-              </a:rPr>
-              <a:t>}</a:t>
-            </a:r>
-            <a:r>
-              <a:rPr kumimoji="0" lang="ru-RU" altLang="ru-RU" b="0" i="0" u="none" strike="noStrike" cap="none" normalizeH="0" baseline="0" dirty="0" smtClean="0">
-                <a:ln>
-                  <a:noFill/>
-                </a:ln>
-                <a:solidFill>
-                  <a:srgbClr val="000000"/>
-                </a:solidFill>
-                <a:effectLst/>
-                <a:latin typeface="Courier New" pitchFamily="49" charset="0"/>
-                <a:cs typeface="Courier New" pitchFamily="49" charset="0"/>
-              </a:rPr>
-              <a:t/>
-            </a:r>
-            <a:br>
-              <a:rPr kumimoji="0" lang="ru-RU" altLang="ru-RU" b="0" i="0" u="none" strike="noStrike" cap="none" normalizeH="0" baseline="0" dirty="0" smtClean="0">
-                <a:ln>
-                  <a:noFill/>
-                </a:ln>
-                <a:solidFill>
-                  <a:srgbClr val="000000"/>
-                </a:solidFill>
-                <a:effectLst/>
-                <a:latin typeface="Courier New" pitchFamily="49" charset="0"/>
-                <a:cs typeface="Courier New" pitchFamily="49" charset="0"/>
-              </a:rPr>
-            </a:br>
-            <a:r>
-              <a:rPr kumimoji="0" lang="ru-RU" altLang="ru-RU" b="0" i="0" u="none" strike="noStrike" cap="none" normalizeH="0" baseline="0" dirty="0" smtClean="0">
-                <a:ln>
-                  <a:noFill/>
-                </a:ln>
-                <a:solidFill>
-                  <a:srgbClr val="000000"/>
-                </a:solidFill>
-                <a:effectLst/>
-                <a:latin typeface="Courier New" pitchFamily="49" charset="0"/>
-                <a:cs typeface="Courier New" pitchFamily="49" charset="0"/>
-              </a:rPr>
-              <a:t>  …</a:t>
-            </a:r>
-            <a:br>
-              <a:rPr kumimoji="0" lang="ru-RU" altLang="ru-RU" b="0" i="0" u="none" strike="noStrike" cap="none" normalizeH="0" baseline="0" dirty="0" smtClean="0">
-                <a:ln>
-                  <a:noFill/>
-                </a:ln>
-                <a:solidFill>
-                  <a:srgbClr val="000000"/>
-                </a:solidFill>
-                <a:effectLst/>
-                <a:latin typeface="Courier New" pitchFamily="49" charset="0"/>
-                <a:cs typeface="Courier New" pitchFamily="49" charset="0"/>
-              </a:rPr>
-            </a:br>
-            <a:r>
-              <a:rPr kumimoji="0" lang="ru-RU" altLang="ru-RU" b="0" i="0" u="none" strike="noStrike" cap="none" normalizeH="0" baseline="0" dirty="0" smtClean="0">
-                <a:ln>
-                  <a:noFill/>
-                </a:ln>
-                <a:solidFill>
-                  <a:srgbClr val="000000"/>
-                </a:solidFill>
-                <a:effectLst/>
-                <a:latin typeface="Courier New" pitchFamily="49" charset="0"/>
-                <a:cs typeface="Courier New" pitchFamily="49" charset="0"/>
-              </a:rPr>
-              <a:t>  </a:t>
-            </a:r>
-            <a:r>
-              <a:rPr kumimoji="0" lang="ru-RU" altLang="ru-RU" b="0" i="0" u="none" strike="noStrike" cap="none" normalizeH="0" baseline="0" dirty="0" smtClean="0">
-                <a:ln>
-                  <a:noFill/>
-                </a:ln>
-                <a:solidFill>
-                  <a:srgbClr val="808000"/>
-                </a:solidFill>
-                <a:effectLst/>
-                <a:latin typeface="Courier New" pitchFamily="49" charset="0"/>
-                <a:cs typeface="Courier New" pitchFamily="49" charset="0"/>
-              </a:rPr>
-              <a:t>@</a:t>
-            </a:r>
-            <a:r>
-              <a:rPr kumimoji="0" lang="ru-RU" altLang="ru-RU" b="0" i="0" u="none" strike="noStrike" cap="none" normalizeH="0" baseline="0" dirty="0" err="1" smtClean="0">
-                <a:ln>
-                  <a:noFill/>
-                </a:ln>
-                <a:solidFill>
-                  <a:srgbClr val="808000"/>
-                </a:solidFill>
-                <a:effectLst/>
-                <a:latin typeface="Courier New" pitchFamily="49" charset="0"/>
-                <a:cs typeface="Courier New" pitchFamily="49" charset="0"/>
-              </a:rPr>
-              <a:t>Test</a:t>
-            </a:r>
-            <a:r>
-              <a:rPr kumimoji="0" lang="ru-RU" altLang="ru-RU" b="0" i="0" u="none" strike="noStrike" cap="none" normalizeH="0" baseline="0" dirty="0" smtClean="0">
-                <a:ln>
-                  <a:noFill/>
-                </a:ln>
-                <a:solidFill>
-                  <a:srgbClr val="808000"/>
-                </a:solidFill>
-                <a:effectLst/>
-                <a:latin typeface="Courier New" pitchFamily="49" charset="0"/>
-                <a:cs typeface="Courier New" pitchFamily="49" charset="0"/>
-              </a:rPr>
-              <a:t/>
-            </a:r>
-            <a:br>
-              <a:rPr kumimoji="0" lang="ru-RU" altLang="ru-RU" b="0" i="0" u="none" strike="noStrike" cap="none" normalizeH="0" baseline="0" dirty="0" smtClean="0">
-                <a:ln>
-                  <a:noFill/>
-                </a:ln>
-                <a:solidFill>
-                  <a:srgbClr val="808000"/>
-                </a:solidFill>
-                <a:effectLst/>
-                <a:latin typeface="Courier New" pitchFamily="49" charset="0"/>
-                <a:cs typeface="Courier New" pitchFamily="49" charset="0"/>
-              </a:rPr>
-            </a:br>
-            <a:r>
-              <a:rPr kumimoji="0" lang="ru-RU" altLang="ru-RU" b="0" i="0" u="none" strike="noStrike" cap="none" normalizeH="0" baseline="0" dirty="0" smtClean="0">
-                <a:ln>
-                  <a:noFill/>
-                </a:ln>
-                <a:solidFill>
-                  <a:srgbClr val="808000"/>
-                </a:solidFill>
-                <a:effectLst/>
-                <a:latin typeface="Courier New" pitchFamily="49" charset="0"/>
-                <a:cs typeface="Courier New" pitchFamily="49" charset="0"/>
-              </a:rPr>
-              <a:t>  </a:t>
-            </a:r>
-            <a:r>
-              <a:rPr kumimoji="0" lang="ru-RU" altLang="ru-RU" b="1" i="0" u="none" strike="noStrike" cap="none" normalizeH="0" baseline="0" dirty="0" err="1" smtClean="0">
-                <a:ln>
-                  <a:noFill/>
-                </a:ln>
-                <a:solidFill>
-                  <a:srgbClr val="000080"/>
-                </a:solidFill>
-                <a:effectLst/>
-                <a:latin typeface="Courier New" pitchFamily="49" charset="0"/>
-                <a:cs typeface="Courier New" pitchFamily="49" charset="0"/>
-              </a:rPr>
-              <a:t>void</a:t>
-            </a:r>
-            <a:r>
-              <a:rPr kumimoji="0" lang="ru-RU" altLang="ru-RU" b="1" i="0" u="none" strike="noStrike" cap="none" normalizeH="0" baseline="0" dirty="0" smtClean="0">
-                <a:ln>
-                  <a:noFill/>
-                </a:ln>
-                <a:solidFill>
-                  <a:srgbClr val="000080"/>
-                </a:solidFill>
-                <a:effectLst/>
-                <a:latin typeface="Courier New" pitchFamily="49" charset="0"/>
-                <a:cs typeface="Courier New" pitchFamily="49" charset="0"/>
-              </a:rPr>
-              <a:t> </a:t>
-            </a:r>
-            <a:r>
-              <a:rPr kumimoji="0" lang="ru-RU" altLang="ru-RU" b="0" i="0" u="none" strike="noStrike" cap="none" normalizeH="0" baseline="0" dirty="0" err="1" smtClean="0">
-                <a:ln>
-                  <a:noFill/>
-                </a:ln>
-                <a:solidFill>
-                  <a:srgbClr val="000000"/>
-                </a:solidFill>
-                <a:effectLst/>
-                <a:latin typeface="Courier New" pitchFamily="49" charset="0"/>
-                <a:cs typeface="Courier New" pitchFamily="49" charset="0"/>
-              </a:rPr>
-              <a:t>testFailedIfInsufficientFunds</a:t>
-            </a:r>
-            <a:r>
-              <a:rPr kumimoji="0" lang="ru-RU" altLang="ru-RU" b="0" i="0" u="none" strike="noStrike" cap="none" normalizeH="0" baseline="0" dirty="0" smtClean="0">
-                <a:ln>
-                  <a:noFill/>
-                </a:ln>
-                <a:solidFill>
-                  <a:srgbClr val="000000"/>
-                </a:solidFill>
-                <a:effectLst/>
-                <a:latin typeface="Courier New" pitchFamily="49" charset="0"/>
-                <a:cs typeface="Courier New" pitchFamily="49" charset="0"/>
-              </a:rPr>
-              <a:t>() {</a:t>
-            </a:r>
-            <a:br>
-              <a:rPr kumimoji="0" lang="ru-RU" altLang="ru-RU" b="0" i="0" u="none" strike="noStrike" cap="none" normalizeH="0" baseline="0" dirty="0" smtClean="0">
-                <a:ln>
-                  <a:noFill/>
-                </a:ln>
-                <a:solidFill>
-                  <a:srgbClr val="000000"/>
-                </a:solidFill>
-                <a:effectLst/>
-                <a:latin typeface="Courier New" pitchFamily="49" charset="0"/>
-                <a:cs typeface="Courier New" pitchFamily="49" charset="0"/>
-              </a:rPr>
-            </a:br>
-            <a:r>
-              <a:rPr kumimoji="0" lang="ru-RU" altLang="ru-RU" b="0" i="0" u="none" strike="noStrike" cap="none" normalizeH="0" baseline="0" dirty="0" smtClean="0">
-                <a:ln>
-                  <a:noFill/>
-                </a:ln>
-                <a:solidFill>
-                  <a:srgbClr val="000000"/>
-                </a:solidFill>
-                <a:effectLst/>
-                <a:latin typeface="Courier New" pitchFamily="49" charset="0"/>
-                <a:cs typeface="Courier New" pitchFamily="49" charset="0"/>
-              </a:rPr>
-              <a:t>    </a:t>
-            </a:r>
-            <a:r>
-              <a:rPr kumimoji="0" lang="ru-RU" altLang="ru-RU" b="0" i="0" u="none" strike="noStrike" cap="none" normalizeH="0" baseline="0" dirty="0" err="1" smtClean="0">
-                <a:ln>
-                  <a:noFill/>
-                </a:ln>
-                <a:solidFill>
-                  <a:srgbClr val="000000"/>
-                </a:solidFill>
-                <a:effectLst/>
-                <a:latin typeface="Courier New" pitchFamily="49" charset="0"/>
-                <a:cs typeface="Courier New" pitchFamily="49" charset="0"/>
-              </a:rPr>
-              <a:t>Item</a:t>
-            </a:r>
-            <a:r>
-              <a:rPr kumimoji="0" lang="ru-RU" altLang="ru-RU" b="0" i="0" u="none" strike="noStrike" cap="none" normalizeH="0" baseline="0" dirty="0" smtClean="0">
-                <a:ln>
-                  <a:noFill/>
-                </a:ln>
-                <a:solidFill>
-                  <a:srgbClr val="000000"/>
-                </a:solidFill>
-                <a:effectLst/>
-                <a:latin typeface="Courier New" pitchFamily="49" charset="0"/>
-                <a:cs typeface="Courier New" pitchFamily="49" charset="0"/>
-              </a:rPr>
-              <a:t> </a:t>
-            </a:r>
-            <a:r>
-              <a:rPr kumimoji="0" lang="ru-RU" altLang="ru-RU" b="0" i="0" u="none" strike="noStrike" cap="none" normalizeH="0" baseline="0" dirty="0" err="1" smtClean="0">
-                <a:ln>
-                  <a:noFill/>
-                </a:ln>
-                <a:solidFill>
-                  <a:srgbClr val="000000"/>
-                </a:solidFill>
-                <a:effectLst/>
-                <a:latin typeface="Courier New" pitchFamily="49" charset="0"/>
-                <a:cs typeface="Courier New" pitchFamily="49" charset="0"/>
-              </a:rPr>
-              <a:t>car</a:t>
-            </a:r>
-            <a:r>
-              <a:rPr kumimoji="0" lang="ru-RU" altLang="ru-RU" b="0" i="0" u="none" strike="noStrike" cap="none" normalizeH="0" baseline="0" dirty="0" smtClean="0">
-                <a:ln>
-                  <a:noFill/>
-                </a:ln>
-                <a:solidFill>
-                  <a:srgbClr val="000000"/>
-                </a:solidFill>
-                <a:effectLst/>
-                <a:latin typeface="Courier New" pitchFamily="49" charset="0"/>
-                <a:cs typeface="Courier New" pitchFamily="49" charset="0"/>
-              </a:rPr>
-              <a:t> = </a:t>
-            </a:r>
-            <a:r>
-              <a:rPr kumimoji="0" lang="ru-RU" altLang="ru-RU" b="1" i="0" u="none" strike="noStrike" cap="none" normalizeH="0" baseline="0" dirty="0" err="1" smtClean="0">
-                <a:ln>
-                  <a:noFill/>
-                </a:ln>
-                <a:solidFill>
-                  <a:srgbClr val="000080"/>
-                </a:solidFill>
-                <a:effectLst/>
-                <a:latin typeface="Courier New" pitchFamily="49" charset="0"/>
-                <a:cs typeface="Courier New" pitchFamily="49" charset="0"/>
-              </a:rPr>
-              <a:t>new</a:t>
-            </a:r>
-            <a:r>
-              <a:rPr kumimoji="0" lang="ru-RU" altLang="ru-RU" b="1" i="0" u="none" strike="noStrike" cap="none" normalizeH="0" baseline="0" dirty="0" smtClean="0">
-                <a:ln>
-                  <a:noFill/>
-                </a:ln>
-                <a:solidFill>
-                  <a:srgbClr val="000080"/>
-                </a:solidFill>
-                <a:effectLst/>
-                <a:latin typeface="Courier New" pitchFamily="49" charset="0"/>
-                <a:cs typeface="Courier New" pitchFamily="49" charset="0"/>
-              </a:rPr>
-              <a:t> </a:t>
-            </a:r>
-            <a:r>
-              <a:rPr kumimoji="0" lang="ru-RU" altLang="ru-RU" b="0" i="0" u="none" strike="noStrike" cap="none" normalizeH="0" baseline="0" dirty="0" err="1" smtClean="0">
-                <a:ln>
-                  <a:noFill/>
-                </a:ln>
-                <a:solidFill>
-                  <a:srgbClr val="000000"/>
-                </a:solidFill>
-                <a:effectLst/>
-                <a:latin typeface="Courier New" pitchFamily="49" charset="0"/>
-                <a:cs typeface="Courier New" pitchFamily="49" charset="0"/>
-              </a:rPr>
-              <a:t>Item</a:t>
-            </a:r>
-            <a:r>
-              <a:rPr kumimoji="0" lang="ru-RU" altLang="ru-RU" b="0" i="0" u="none" strike="noStrike" cap="none" normalizeH="0" baseline="0" dirty="0" smtClean="0">
-                <a:ln>
-                  <a:noFill/>
-                </a:ln>
-                <a:solidFill>
-                  <a:srgbClr val="000000"/>
-                </a:solidFill>
-                <a:effectLst/>
-                <a:latin typeface="Courier New" pitchFamily="49" charset="0"/>
-                <a:cs typeface="Courier New" pitchFamily="49" charset="0"/>
-              </a:rPr>
-              <a:t>(</a:t>
-            </a:r>
-            <a:r>
-              <a:rPr kumimoji="0" lang="ru-RU" altLang="ru-RU" b="1" i="0" u="none" strike="noStrike" cap="none" normalizeH="0" baseline="0" dirty="0" smtClean="0">
-                <a:ln>
-                  <a:noFill/>
-                </a:ln>
-                <a:solidFill>
-                  <a:srgbClr val="008000"/>
-                </a:solidFill>
-                <a:effectLst/>
-                <a:latin typeface="Courier New" pitchFamily="49" charset="0"/>
-                <a:cs typeface="Courier New" pitchFamily="49" charset="0"/>
-              </a:rPr>
-              <a:t>"</a:t>
-            </a:r>
-            <a:r>
-              <a:rPr kumimoji="0" lang="ru-RU" altLang="ru-RU" b="1" i="0" u="none" strike="noStrike" cap="none" normalizeH="0" baseline="0" dirty="0" err="1" smtClean="0">
-                <a:ln>
-                  <a:noFill/>
-                </a:ln>
-                <a:solidFill>
-                  <a:srgbClr val="008000"/>
-                </a:solidFill>
-                <a:effectLst/>
-                <a:latin typeface="Courier New" pitchFamily="49" charset="0"/>
-                <a:cs typeface="Courier New" pitchFamily="49" charset="0"/>
-              </a:rPr>
-              <a:t>Car</a:t>
-            </a:r>
-            <a:r>
-              <a:rPr kumimoji="0" lang="ru-RU" altLang="ru-RU" b="1" i="0" u="none" strike="noStrike" cap="none" normalizeH="0" baseline="0" dirty="0" smtClean="0">
-                <a:ln>
-                  <a:noFill/>
-                </a:ln>
-                <a:solidFill>
-                  <a:srgbClr val="008000"/>
-                </a:solidFill>
-                <a:effectLst/>
-                <a:latin typeface="Courier New" pitchFamily="49" charset="0"/>
-                <a:cs typeface="Courier New" pitchFamily="49" charset="0"/>
-              </a:rPr>
-              <a:t>"</a:t>
-            </a:r>
-            <a:r>
-              <a:rPr kumimoji="0" lang="ru-RU" altLang="ru-RU" b="0" i="0" u="none" strike="noStrike" cap="none" normalizeH="0" baseline="0" dirty="0" smtClean="0">
-                <a:ln>
-                  <a:noFill/>
-                </a:ln>
-                <a:solidFill>
-                  <a:srgbClr val="000000"/>
-                </a:solidFill>
-                <a:effectLst/>
-                <a:latin typeface="Courier New" pitchFamily="49" charset="0"/>
-                <a:cs typeface="Courier New" pitchFamily="49" charset="0"/>
-              </a:rPr>
-              <a:t>, </a:t>
-            </a:r>
-            <a:r>
-              <a:rPr kumimoji="0" lang="ru-RU" altLang="ru-RU" b="0" i="1" u="none" strike="noStrike" cap="none" normalizeH="0" baseline="0" dirty="0" err="1" smtClean="0">
-                <a:ln>
-                  <a:noFill/>
-                </a:ln>
-                <a:solidFill>
-                  <a:srgbClr val="000000"/>
-                </a:solidFill>
-                <a:effectLst/>
-                <a:latin typeface="Courier New" pitchFamily="49" charset="0"/>
-                <a:cs typeface="Courier New" pitchFamily="49" charset="0"/>
-              </a:rPr>
-              <a:t>valueOf</a:t>
-            </a:r>
-            <a:r>
-              <a:rPr kumimoji="0" lang="ru-RU" altLang="ru-RU" b="0" i="0" u="none" strike="noStrike" cap="none" normalizeH="0" baseline="0" dirty="0" smtClean="0">
-                <a:ln>
-                  <a:noFill/>
-                </a:ln>
-                <a:solidFill>
-                  <a:srgbClr val="000000"/>
-                </a:solidFill>
-                <a:effectLst/>
-                <a:latin typeface="Courier New" pitchFamily="49" charset="0"/>
-                <a:cs typeface="Courier New" pitchFamily="49" charset="0"/>
-              </a:rPr>
-              <a:t>(</a:t>
-            </a:r>
-            <a:r>
-              <a:rPr kumimoji="0" lang="ru-RU" altLang="ru-RU" b="0" i="0" u="none" strike="noStrike" cap="none" normalizeH="0" baseline="0" dirty="0" smtClean="0">
-                <a:ln>
-                  <a:noFill/>
-                </a:ln>
-                <a:solidFill>
-                  <a:srgbClr val="0000FF"/>
-                </a:solidFill>
-                <a:effectLst/>
-                <a:latin typeface="Courier New" pitchFamily="49" charset="0"/>
-                <a:cs typeface="Courier New" pitchFamily="49" charset="0"/>
-              </a:rPr>
-              <a:t>1_000_000</a:t>
-            </a:r>
-            <a:r>
-              <a:rPr kumimoji="0" lang="ru-RU" altLang="ru-RU" b="0" i="0" u="none" strike="noStrike" cap="none" normalizeH="0" baseline="0" dirty="0" smtClean="0">
-                <a:ln>
-                  <a:noFill/>
-                </a:ln>
-                <a:solidFill>
-                  <a:srgbClr val="000000"/>
-                </a:solidFill>
-                <a:effectLst/>
-                <a:latin typeface="Courier New" pitchFamily="49" charset="0"/>
-                <a:cs typeface="Courier New" pitchFamily="49" charset="0"/>
-              </a:rPr>
-              <a:t>));</a:t>
-            </a:r>
-            <a:r>
-              <a:rPr kumimoji="0" lang="ru-RU" altLang="ru-RU" b="0" i="0" u="none" strike="noStrike" cap="none" normalizeH="0" baseline="0" dirty="0" smtClean="0">
-                <a:ln>
-                  <a:noFill/>
-                </a:ln>
-                <a:solidFill>
-                  <a:srgbClr val="000000"/>
-                </a:solidFill>
-                <a:effectLst/>
-                <a:latin typeface="Courier New" pitchFamily="49" charset="0"/>
-                <a:cs typeface="Courier New" pitchFamily="49" charset="0"/>
-              </a:rPr>
-              <a:t/>
-            </a:r>
-            <a:br>
-              <a:rPr kumimoji="0" lang="ru-RU" altLang="ru-RU" b="0" i="0" u="none" strike="noStrike" cap="none" normalizeH="0" baseline="0" dirty="0" smtClean="0">
-                <a:ln>
-                  <a:noFill/>
-                </a:ln>
-                <a:solidFill>
-                  <a:srgbClr val="000000"/>
-                </a:solidFill>
-                <a:effectLst/>
-                <a:latin typeface="Courier New" pitchFamily="49" charset="0"/>
-                <a:cs typeface="Courier New" pitchFamily="49" charset="0"/>
-              </a:rPr>
-            </a:br>
-            <a:r>
-              <a:rPr kumimoji="0" lang="ru-RU" altLang="ru-RU" b="0" i="0" u="none" strike="noStrike" cap="none" normalizeH="0" baseline="0" dirty="0" smtClean="0">
-                <a:ln>
-                  <a:noFill/>
-                </a:ln>
-                <a:solidFill>
-                  <a:srgbClr val="000000"/>
-                </a:solidFill>
-                <a:effectLst/>
-                <a:latin typeface="Courier New" pitchFamily="49" charset="0"/>
-                <a:cs typeface="Courier New" pitchFamily="49" charset="0"/>
-              </a:rPr>
-              <a:t>    </a:t>
-            </a:r>
-            <a:r>
-              <a:rPr kumimoji="0" lang="ru-RU" altLang="ru-RU" b="0" i="1" u="none" strike="noStrike" cap="none" normalizeH="0" baseline="0" dirty="0" err="1" smtClean="0">
-                <a:ln>
-                  <a:noFill/>
-                </a:ln>
-                <a:solidFill>
-                  <a:srgbClr val="000000"/>
-                </a:solidFill>
-                <a:effectLst/>
-                <a:latin typeface="Courier New" pitchFamily="49" charset="0"/>
-                <a:cs typeface="Courier New" pitchFamily="49" charset="0"/>
-              </a:rPr>
-              <a:t>assertThrows</a:t>
-            </a:r>
-            <a:r>
-              <a:rPr kumimoji="0" lang="ru-RU" altLang="ru-RU" b="0" i="0" u="none" strike="noStrike" cap="none" normalizeH="0" baseline="0" dirty="0" smtClean="0">
-                <a:ln>
-                  <a:noFill/>
-                </a:ln>
-                <a:solidFill>
-                  <a:srgbClr val="000000"/>
-                </a:solidFill>
-                <a:effectLst/>
-                <a:latin typeface="Courier New" pitchFamily="49" charset="0"/>
-                <a:cs typeface="Courier New" pitchFamily="49" charset="0"/>
-              </a:rPr>
-              <a:t>(</a:t>
-            </a:r>
-            <a:r>
-              <a:rPr kumimoji="0" lang="ru-RU" altLang="ru-RU" b="0" i="0" u="none" strike="noStrike" cap="none" normalizeH="0" baseline="0" dirty="0" err="1" smtClean="0">
-                <a:ln>
-                  <a:noFill/>
-                </a:ln>
-                <a:solidFill>
-                  <a:srgbClr val="000000"/>
-                </a:solidFill>
-                <a:effectLst/>
-                <a:latin typeface="Courier New" pitchFamily="49" charset="0"/>
-                <a:cs typeface="Courier New" pitchFamily="49" charset="0"/>
-              </a:rPr>
-              <a:t>InsufficientFundsException.</a:t>
-            </a:r>
-            <a:r>
-              <a:rPr kumimoji="0" lang="ru-RU" altLang="ru-RU" b="1" i="0" u="none" strike="noStrike" cap="none" normalizeH="0" baseline="0" dirty="0" err="1" smtClean="0">
-                <a:ln>
-                  <a:noFill/>
-                </a:ln>
-                <a:solidFill>
-                  <a:srgbClr val="000080"/>
-                </a:solidFill>
-                <a:effectLst/>
-                <a:latin typeface="Courier New" pitchFamily="49" charset="0"/>
-                <a:cs typeface="Courier New" pitchFamily="49" charset="0"/>
-              </a:rPr>
-              <a:t>class</a:t>
-            </a:r>
-            <a:r>
-              <a:rPr kumimoji="0" lang="ru-RU" altLang="ru-RU" b="0" i="0" u="none" strike="noStrike" cap="none" normalizeH="0" baseline="0" dirty="0" smtClean="0">
-                <a:ln>
-                  <a:noFill/>
-                </a:ln>
-                <a:solidFill>
-                  <a:srgbClr val="000000"/>
-                </a:solidFill>
-                <a:effectLst/>
-                <a:latin typeface="Courier New" pitchFamily="49" charset="0"/>
-                <a:cs typeface="Courier New" pitchFamily="49" charset="0"/>
-              </a:rPr>
               <a:t>,</a:t>
-            </a:r>
-            <a:br>
-              <a:rPr kumimoji="0" lang="ru-RU" altLang="ru-RU" b="0" i="0" u="none" strike="noStrike" cap="none" normalizeH="0" baseline="0" dirty="0" smtClean="0">
-                <a:ln>
-                  <a:noFill/>
-                </a:ln>
-                <a:solidFill>
-                  <a:srgbClr val="000000"/>
-                </a:solidFill>
-                <a:effectLst/>
-                <a:latin typeface="Courier New" pitchFamily="49" charset="0"/>
-                <a:cs typeface="Courier New" pitchFamily="49" charset="0"/>
-              </a:rPr>
-            </a:br>
-            <a:r>
-              <a:rPr kumimoji="0" lang="ru-RU" altLang="ru-RU" b="0" i="0" u="none" strike="noStrike" cap="none" normalizeH="0" baseline="0" dirty="0" smtClean="0">
-                <a:ln>
-                  <a:noFill/>
-                </a:ln>
-                <a:solidFill>
-                  <a:srgbClr val="000000"/>
-                </a:solidFill>
-                <a:effectLst/>
-                <a:latin typeface="Courier New" pitchFamily="49" charset="0"/>
-                <a:cs typeface="Courier New" pitchFamily="49" charset="0"/>
-              </a:rPr>
-              <a:t> </a:t>
-            </a:r>
-            <a:r>
-              <a:rPr kumimoji="0" lang="ru-RU" altLang="ru-RU" b="0" i="0" u="none" strike="noStrike" cap="none" normalizeH="0" baseline="0" dirty="0" smtClean="0">
-                <a:ln>
-                  <a:noFill/>
-                </a:ln>
-                <a:solidFill>
-                  <a:srgbClr val="000000"/>
-                </a:solidFill>
-                <a:effectLst/>
-                <a:latin typeface="Courier New" pitchFamily="49" charset="0"/>
-                <a:cs typeface="Courier New" pitchFamily="49" charset="0"/>
-              </a:rPr>
-              <a:t>       </a:t>
-            </a:r>
-            <a:r>
-              <a:rPr lang="ru-RU" altLang="ru-RU" dirty="0" smtClean="0">
-                <a:solidFill>
-                  <a:srgbClr val="000000"/>
-                </a:solidFill>
-                <a:latin typeface="Courier New" pitchFamily="49" charset="0"/>
-                <a:cs typeface="Courier New" pitchFamily="49" charset="0"/>
-              </a:rPr>
-              <a:t>, </a:t>
-            </a:r>
-            <a:r>
-              <a:rPr kumimoji="0" lang="ru-RU" altLang="ru-RU" b="0" i="0" u="none" strike="noStrike" cap="none" normalizeH="0" baseline="0" dirty="0" smtClean="0">
-                <a:ln>
-                  <a:noFill/>
-                </a:ln>
-                <a:solidFill>
-                  <a:srgbClr val="000000"/>
-                </a:solidFill>
-                <a:effectLst/>
-                <a:latin typeface="Courier New" pitchFamily="49" charset="0"/>
-                <a:cs typeface="Courier New" pitchFamily="49" charset="0"/>
-              </a:rPr>
-              <a:t>() </a:t>
-            </a:r>
-            <a:r>
-              <a:rPr kumimoji="0" lang="ru-RU" altLang="ru-RU" b="0" i="0" u="none" strike="noStrike" cap="none" normalizeH="0" baseline="0" dirty="0" smtClean="0">
-                <a:ln>
-                  <a:noFill/>
-                </a:ln>
-                <a:solidFill>
-                  <a:srgbClr val="000000"/>
-                </a:solidFill>
-                <a:effectLst/>
-                <a:latin typeface="Courier New" pitchFamily="49" charset="0"/>
-                <a:cs typeface="Courier New" pitchFamily="49" charset="0"/>
-              </a:rPr>
-              <a:t>-&gt; </a:t>
-            </a:r>
-            <a:r>
-              <a:rPr kumimoji="0" lang="ru-RU" altLang="ru-RU" b="1" i="0" u="none" strike="noStrike" cap="none" normalizeH="0" baseline="0" dirty="0" err="1" smtClean="0">
-                <a:ln>
-                  <a:noFill/>
-                </a:ln>
-                <a:solidFill>
-                  <a:srgbClr val="660E7A"/>
-                </a:solidFill>
-                <a:effectLst/>
-                <a:latin typeface="Courier New" pitchFamily="49" charset="0"/>
-                <a:cs typeface="Courier New" pitchFamily="49" charset="0"/>
-              </a:rPr>
-              <a:t>order</a:t>
-            </a:r>
-            <a:r>
-              <a:rPr kumimoji="0" lang="ru-RU" altLang="ru-RU" b="0" i="0" u="none" strike="noStrike" cap="none" normalizeH="0" baseline="0" dirty="0" err="1" smtClean="0">
-                <a:ln>
-                  <a:noFill/>
-                </a:ln>
-                <a:solidFill>
-                  <a:srgbClr val="000000"/>
-                </a:solidFill>
-                <a:effectLst/>
-                <a:latin typeface="Courier New" pitchFamily="49" charset="0"/>
-                <a:cs typeface="Courier New" pitchFamily="49" charset="0"/>
-              </a:rPr>
-              <a:t>.buyItem</a:t>
-            </a:r>
-            <a:r>
-              <a:rPr kumimoji="0" lang="ru-RU" altLang="ru-RU" b="0" i="0" u="none" strike="noStrike" cap="none" normalizeH="0" baseline="0" dirty="0" smtClean="0">
-                <a:ln>
-                  <a:noFill/>
-                </a:ln>
-                <a:solidFill>
-                  <a:srgbClr val="000000"/>
-                </a:solidFill>
-                <a:effectLst/>
-                <a:latin typeface="Courier New" pitchFamily="49" charset="0"/>
-                <a:cs typeface="Courier New" pitchFamily="49" charset="0"/>
-              </a:rPr>
-              <a:t>(</a:t>
-            </a:r>
-            <a:r>
-              <a:rPr kumimoji="0" lang="ru-RU" altLang="ru-RU" b="0" i="0" u="none" strike="noStrike" cap="none" normalizeH="0" baseline="0" dirty="0" err="1" smtClean="0">
-                <a:ln>
-                  <a:noFill/>
-                </a:ln>
-                <a:solidFill>
-                  <a:srgbClr val="660E7A"/>
-                </a:solidFill>
-                <a:effectLst/>
-                <a:latin typeface="Courier New" pitchFamily="49" charset="0"/>
-                <a:cs typeface="Courier New" pitchFamily="49" charset="0"/>
-              </a:rPr>
-              <a:t>car</a:t>
-            </a:r>
-            <a:r>
-              <a:rPr kumimoji="0" lang="ru-RU" altLang="ru-RU" b="0" i="0" u="none" strike="noStrike" cap="none" normalizeH="0" baseline="0" dirty="0" smtClean="0">
-                <a:ln>
-                  <a:noFill/>
-                </a:ln>
-                <a:solidFill>
-                  <a:srgbClr val="000000"/>
-                </a:solidFill>
-                <a:effectLst/>
-                <a:latin typeface="Courier New" pitchFamily="49" charset="0"/>
-                <a:cs typeface="Courier New" pitchFamily="49" charset="0"/>
-              </a:rPr>
-              <a:t>, </a:t>
-            </a:r>
-            <a:r>
-              <a:rPr kumimoji="0" lang="ru-RU" altLang="ru-RU" b="1" i="0" u="none" strike="noStrike" cap="none" normalizeH="0" baseline="0" dirty="0" err="1" smtClean="0">
-                <a:ln>
-                  <a:noFill/>
-                </a:ln>
-                <a:solidFill>
-                  <a:srgbClr val="660E7A"/>
-                </a:solidFill>
-                <a:effectLst/>
-                <a:latin typeface="Courier New" pitchFamily="49" charset="0"/>
-                <a:cs typeface="Courier New" pitchFamily="49" charset="0"/>
-              </a:rPr>
-              <a:t>account</a:t>
-            </a:r>
-            <a:r>
-              <a:rPr kumimoji="0" lang="ru-RU" altLang="ru-RU" b="0" i="0" u="none" strike="noStrike" cap="none" normalizeH="0" baseline="0" dirty="0" smtClean="0">
-                <a:ln>
-                  <a:noFill/>
-                </a:ln>
-                <a:solidFill>
-                  <a:srgbClr val="000000"/>
-                </a:solidFill>
-                <a:effectLst/>
-                <a:latin typeface="Courier New" pitchFamily="49" charset="0"/>
-                <a:cs typeface="Courier New" pitchFamily="49" charset="0"/>
-              </a:rPr>
-              <a:t>)</a:t>
             </a:r>
           </a:p>
           <a:p>
@@ -39120,26 +39382,128 @@
               </a:spcAft>
             </a:pPr>
             <a:r>
-              <a:rPr lang="ru-RU" altLang="ru-RU" dirty="0" smtClean="0">
-                <a:solidFill>
-                  <a:srgbClr val="000000"/>
-                </a:solidFill>
-                <a:latin typeface="Courier New" pitchFamily="49" charset="0"/>
-                <a:cs typeface="Courier New" pitchFamily="49" charset="0"/>
-              </a:rPr>
-              <a:t>        </a:t>
-            </a:r>
-            <a:r>
-              <a:rPr lang="en-US" altLang="ru-RU" dirty="0" smtClean="0">
-                <a:solidFill>
-                  <a:srgbClr val="000000"/>
-                </a:solidFill>
+              <a:rPr lang="en-US" altLang="ru-RU" b="1" dirty="0" smtClean="0">
+                <a:solidFill>
+                  <a:srgbClr val="000080"/>
+                </a:solidFill>
+                <a:latin typeface="Courier New" pitchFamily="49" charset="0"/>
+                <a:cs typeface="Courier New" pitchFamily="49" charset="0"/>
+              </a:rPr>
+              <a:t>            </a:t>
+            </a:r>
+            <a:r>
+              <a:rPr kumimoji="0" lang="ru-RU" altLang="ru-RU" b="0" i="0" u="none" strike="noStrike" cap="none" normalizeH="0" baseline="0" dirty="0" smtClean="0">
+                <a:ln>
+                  <a:noFill/>
+                </a:ln>
+                <a:solidFill>
+                  <a:srgbClr val="000000"/>
+                </a:solidFill>
+                <a:effectLst/>
+                <a:latin typeface="Courier New" pitchFamily="49" charset="0"/>
+                <a:cs typeface="Courier New" pitchFamily="49" charset="0"/>
+              </a:rPr>
+              <a:t>()-&gt; </a:t>
+            </a:r>
+            <a:r>
+              <a:rPr kumimoji="0" lang="ru-RU" altLang="ru-RU" b="1" i="0" u="none" strike="noStrike" cap="none" normalizeH="0" baseline="0" dirty="0" err="1" smtClean="0">
+                <a:ln>
+                  <a:noFill/>
+                </a:ln>
+                <a:solidFill>
+                  <a:srgbClr val="660E7A"/>
+                </a:solidFill>
+                <a:effectLst/>
+                <a:latin typeface="Courier New" pitchFamily="49" charset="0"/>
+                <a:cs typeface="Courier New" pitchFamily="49" charset="0"/>
+              </a:rPr>
+              <a:t>order</a:t>
+            </a:r>
+            <a:r>
+              <a:rPr kumimoji="0" lang="ru-RU" altLang="ru-RU" b="0" i="0" u="none" strike="noStrike" cap="none" normalizeH="0" baseline="0" dirty="0" err="1" smtClean="0">
+                <a:ln>
+                  <a:noFill/>
+                </a:ln>
+                <a:solidFill>
+                  <a:srgbClr val="000000"/>
+                </a:solidFill>
+                <a:effectLst/>
+                <a:latin typeface="Courier New" pitchFamily="49" charset="0"/>
+                <a:cs typeface="Courier New" pitchFamily="49" charset="0"/>
+              </a:rPr>
+              <a:t>.buyItem</a:t>
+            </a:r>
+            <a:r>
+              <a:rPr kumimoji="0" lang="ru-RU" altLang="ru-RU" b="0" i="0" u="none" strike="noStrike" cap="none" normalizeH="0" baseline="0" dirty="0" smtClean="0">
+                <a:ln>
+                  <a:noFill/>
+                </a:ln>
+                <a:solidFill>
+                  <a:srgbClr val="000000"/>
+                </a:solidFill>
+                <a:effectLst/>
+                <a:latin typeface="Courier New" pitchFamily="49" charset="0"/>
+                <a:cs typeface="Courier New" pitchFamily="49" charset="0"/>
+              </a:rPr>
+              <a:t>(</a:t>
+            </a:r>
+            <a:r>
+              <a:rPr kumimoji="0" lang="ru-RU" altLang="ru-RU" b="0" i="0" u="none" strike="noStrike" cap="none" normalizeH="0" baseline="0" dirty="0" err="1" smtClean="0">
+                <a:ln>
+                  <a:noFill/>
+                </a:ln>
+                <a:solidFill>
+                  <a:srgbClr val="660E7A"/>
+                </a:solidFill>
+                <a:effectLst/>
+                <a:latin typeface="Courier New" pitchFamily="49" charset="0"/>
+                <a:cs typeface="Courier New" pitchFamily="49" charset="0"/>
+              </a:rPr>
+              <a:t>car</a:t>
+            </a:r>
+            <a:r>
+              <a:rPr kumimoji="0" lang="ru-RU" altLang="ru-RU" b="0" i="0" u="none" strike="noStrike" cap="none" normalizeH="0" baseline="0" dirty="0" smtClean="0">
+                <a:ln>
+                  <a:noFill/>
+                </a:ln>
+                <a:solidFill>
+                  <a:srgbClr val="000000"/>
+                </a:solidFill>
+                <a:effectLst/>
                 <a:latin typeface="Courier New" pitchFamily="49" charset="0"/>
                 <a:cs typeface="Courier New" pitchFamily="49" charset="0"/>
               </a:rPr>
               <a:t>, </a:t>
             </a:r>
             <a:r>
+              <a:rPr kumimoji="0" lang="ru-RU" altLang="ru-RU" b="1" i="0" u="none" strike="noStrike" cap="none" normalizeH="0" baseline="0" dirty="0" err="1" smtClean="0">
+                <a:ln>
+                  <a:noFill/>
+                </a:ln>
+                <a:solidFill>
+                  <a:srgbClr val="660E7A"/>
+                </a:solidFill>
+                <a:effectLst/>
+                <a:latin typeface="Courier New" pitchFamily="49" charset="0"/>
+                <a:cs typeface="Courier New" pitchFamily="49" charset="0"/>
+              </a:rPr>
+              <a:t>account</a:t>
+            </a:r>
+            <a:r>
+              <a:rPr kumimoji="0" lang="ru-RU" altLang="ru-RU" b="0" i="0" u="none" strike="noStrike" cap="none" normalizeH="0" baseline="0" dirty="0" smtClean="0">
+                <a:ln>
+                  <a:noFill/>
+                </a:ln>
+                <a:solidFill>
+                  <a:srgbClr val="000000"/>
+                </a:solidFill>
+                <a:effectLst/>
+                <a:latin typeface="Courier New" pitchFamily="49" charset="0"/>
+                <a:cs typeface="Courier New" pitchFamily="49" charset="0"/>
+              </a:rPr>
+              <a:t>), </a:t>
+            </a:r>
+            <a:r>
               <a:rPr lang="ru-RU" altLang="ru-RU" b="1" dirty="0" smtClean="0">
                 <a:solidFill>
                   <a:srgbClr val="008000"/>
@@ -39147,35 +39511,49 @@
                 <a:latin typeface="Courier New" pitchFamily="49" charset="0"/>
                 <a:cs typeface="Courier New" pitchFamily="49" charset="0"/>
               </a:rPr>
-              <a:t>"Брошено исключение, так как средств недостаточно"</a:t>
-            </a:r>
-            <a:r>
-              <a:rPr kumimoji="0" lang="ru-RU" altLang="ru-RU" b="0" i="0" u="none" strike="noStrike" cap="none" normalizeH="0" baseline="0" dirty="0" smtClean="0">
-                <a:ln>
-                  <a:noFill/>
-                </a:ln>
-                <a:solidFill>
-                  <a:srgbClr val="000000"/>
-                </a:solidFill>
-                <a:effectLst/>
-                <a:latin typeface="Courier New" pitchFamily="49" charset="0"/>
-                <a:cs typeface="Courier New" pitchFamily="49" charset="0"/>
-              </a:rPr>
-              <a:t>);</a:t>
-            </a:r>
-            <a:r>
-              <a:rPr kumimoji="0" lang="ru-RU" altLang="ru-RU" b="0" i="0" u="none" strike="noStrike" cap="none" normalizeH="0" baseline="0" dirty="0" smtClean="0">
-                <a:ln>
-                  <a:noFill/>
-                </a:ln>
-                <a:solidFill>
-                  <a:srgbClr val="000000"/>
-                </a:solidFill>
-                <a:effectLst/>
-                <a:latin typeface="Courier New" pitchFamily="49" charset="0"/>
-                <a:cs typeface="Courier New" pitchFamily="49" charset="0"/>
-              </a:rPr>
-              <a:t/>
+              <a:t>"</a:t>
+            </a:r>
+            <a:r>
+              <a:rPr kumimoji="0" lang="en-US" altLang="ru-RU" b="1" i="0" u="none" strike="noStrike" cap="none" normalizeH="0" baseline="0" dirty="0" smtClean="0">
+                <a:ln>
+                  <a:noFill/>
+                </a:ln>
+                <a:solidFill>
+                  <a:srgbClr val="008000"/>
+                </a:solidFill>
+                <a:effectLst/>
+                <a:latin typeface="Courier New" pitchFamily="49" charset="0"/>
+                <a:cs typeface="Courier New" pitchFamily="49" charset="0"/>
+              </a:rPr>
+              <a:t>…</a:t>
+            </a:r>
+            <a:r>
+              <a:rPr kumimoji="0" lang="ru-RU" altLang="ru-RU" b="1" i="0" u="none" strike="noStrike" cap="none" normalizeH="0" baseline="0" dirty="0" smtClean="0">
+                <a:ln>
+                  <a:noFill/>
+                </a:ln>
+                <a:solidFill>
+                  <a:srgbClr val="008000"/>
+                </a:solidFill>
+                <a:effectLst/>
+                <a:latin typeface="Courier New" pitchFamily="49" charset="0"/>
+                <a:cs typeface="Courier New" pitchFamily="49" charset="0"/>
+              </a:rPr>
+              <a:t>"</a:t>
+            </a:r>
+            <a:r>
+              <a:rPr kumimoji="0" lang="ru-RU" altLang="ru-RU" b="0" i="0" u="none" strike="noStrike" cap="none" normalizeH="0" baseline="0" dirty="0" smtClean="0">
+                <a:ln>
+                  <a:noFill/>
+                </a:ln>
+                <a:solidFill>
+                  <a:srgbClr val="000000"/>
+                </a:solidFill>
+                <a:effectLst/>
+                <a:latin typeface="Courier New" pitchFamily="49" charset="0"/>
+                <a:cs typeface="Courier New" pitchFamily="49" charset="0"/>
+              </a:rPr>
+              <a:t>),</a:t>
             </a:r>
             <a:br>
               <a:rPr kumimoji="0" lang="ru-RU" altLang="ru-RU" b="0" i="0" u="none" strike="noStrike" cap="none" normalizeH="0" baseline="0" dirty="0" smtClean="0">
@@ -39202,7 +39580,35 @@
                 <a:latin typeface="Courier New" pitchFamily="49" charset="0"/>
                 <a:cs typeface="Courier New" pitchFamily="49" charset="0"/>
               </a:rPr>
-              <a:t>    </a:t>
+              <a:t>     </a:t>
+            </a:r>
+            <a:r>
+              <a:rPr kumimoji="0" lang="en-US" altLang="ru-RU" b="0" i="0" u="none" strike="noStrike" cap="none" normalizeH="0" baseline="0" dirty="0" smtClean="0">
+                <a:ln>
+                  <a:noFill/>
+                </a:ln>
+                <a:solidFill>
+                  <a:srgbClr val="000000"/>
+                </a:solidFill>
+                <a:effectLst/>
+                <a:latin typeface="Courier New" pitchFamily="49" charset="0"/>
+                <a:cs typeface="Courier New" pitchFamily="49" charset="0"/>
+              </a:rPr>
+              <a:t> </a:t>
+            </a:r>
+            <a:r>
+              <a:rPr kumimoji="0" lang="ru-RU" altLang="ru-RU" b="0" i="0" u="none" strike="noStrike" cap="none" normalizeH="0" baseline="0" dirty="0" smtClean="0">
+                <a:ln>
+                  <a:noFill/>
+                </a:ln>
+                <a:solidFill>
+                  <a:srgbClr val="000000"/>
+                </a:solidFill>
+                <a:effectLst/>
+                <a:latin typeface="Courier New" pitchFamily="49" charset="0"/>
+                <a:cs typeface="Courier New" pitchFamily="49" charset="0"/>
+              </a:rPr>
+              <a:t>()-&gt; </a:t>
             </a:r>
             <a:r>
               <a:rPr kumimoji="0" lang="ru-RU" altLang="ru-RU" b="0" i="1" u="none" strike="noStrike" cap="none" normalizeH="0" baseline="0" dirty="0" err="1" smtClean="0">
@@ -39216,6 +39622,89 @@
                 <a:latin typeface="Courier New" pitchFamily="49" charset="0"/>
                 <a:cs typeface="Courier New" pitchFamily="49" charset="0"/>
               </a:rPr>
+              <a:t>assertAll</a:t>
+            </a:r>
+            <a:r>
+              <a:rPr kumimoji="0" lang="ru-RU" altLang="ru-RU" b="0" i="0" u="none" strike="noStrike" cap="none" normalizeH="0" baseline="0" dirty="0" smtClean="0">
+                <a:ln>
+                  <a:noFill/>
+                </a:ln>
+                <a:solidFill>
+                  <a:srgbClr val="000000"/>
+                </a:solidFill>
+                <a:effectLst/>
+                <a:latin typeface="Courier New" pitchFamily="49" charset="0"/>
+                <a:cs typeface="Courier New" pitchFamily="49" charset="0"/>
+              </a:rPr>
+              <a:t>(</a:t>
+            </a:r>
+            <a:r>
+              <a:rPr kumimoji="0" lang="ru-RU" altLang="ru-RU" b="1" i="0" u="none" strike="noStrike" cap="none" normalizeH="0" baseline="0" dirty="0" smtClean="0">
+                <a:ln>
+                  <a:noFill/>
+                </a:ln>
+                <a:solidFill>
+                  <a:srgbClr val="008000"/>
+                </a:solidFill>
+                <a:effectLst/>
+                <a:latin typeface="Courier New" pitchFamily="49" charset="0"/>
+                <a:cs typeface="Courier New" pitchFamily="49" charset="0"/>
+              </a:rPr>
+              <a:t>"Состояние объектов не изменилось"</a:t>
+            </a:r>
+            <a:r>
+              <a:rPr kumimoji="0" lang="ru-RU" altLang="ru-RU" b="0" i="0" u="none" strike="noStrike" cap="none" normalizeH="0" baseline="0" dirty="0" smtClean="0">
+                <a:ln>
+                  <a:noFill/>
+                </a:ln>
+                <a:solidFill>
+                  <a:srgbClr val="000000"/>
+                </a:solidFill>
+                <a:effectLst/>
+                <a:latin typeface="Courier New" pitchFamily="49" charset="0"/>
+                <a:cs typeface="Courier New" pitchFamily="49" charset="0"/>
+              </a:rPr>
+              <a:t>,</a:t>
+            </a:r>
+            <a:br>
+              <a:rPr kumimoji="0" lang="ru-RU" altLang="ru-RU" b="0" i="0" u="none" strike="noStrike" cap="none" normalizeH="0" baseline="0" dirty="0" smtClean="0">
+                <a:ln>
+                  <a:noFill/>
+                </a:ln>
+                <a:solidFill>
+                  <a:srgbClr val="000000"/>
+                </a:solidFill>
+                <a:effectLst/>
+                <a:latin typeface="Courier New" pitchFamily="49" charset="0"/>
+                <a:cs typeface="Courier New" pitchFamily="49" charset="0"/>
+              </a:rPr>
+            </a:br>
+            <a:r>
+              <a:rPr kumimoji="0" lang="ru-RU" altLang="ru-RU" b="0" i="0" u="none" strike="noStrike" cap="none" normalizeH="0" baseline="0" dirty="0" smtClean="0">
+                <a:ln>
+                  <a:noFill/>
+                </a:ln>
+                <a:solidFill>
+                  <a:srgbClr val="000000"/>
+                </a:solidFill>
+                <a:effectLst/>
+                <a:latin typeface="Courier New" pitchFamily="49" charset="0"/>
+                <a:cs typeface="Courier New" pitchFamily="49" charset="0"/>
+              </a:rPr>
+              <a:t>            ()-&gt; </a:t>
+            </a:r>
+            <a:r>
+              <a:rPr kumimoji="0" lang="ru-RU" altLang="ru-RU" b="0" i="1" u="none" strike="noStrike" cap="none" normalizeH="0" baseline="0" dirty="0" err="1" smtClean="0">
+                <a:ln>
+                  <a:noFill/>
+                </a:ln>
+                <a:solidFill>
+                  <a:srgbClr val="000000"/>
+                </a:solidFill>
+                <a:effectLst/>
+                <a:latin typeface="Courier New" pitchFamily="49" charset="0"/>
+                <a:cs typeface="Courier New" pitchFamily="49" charset="0"/>
+              </a:rPr>
               <a:t>assertEquals</a:t>
             </a:r>
             <a:r>
@@ -39328,86 +39817,7 @@
                 <a:latin typeface="Courier New" pitchFamily="49" charset="0"/>
                 <a:cs typeface="Courier New" pitchFamily="49" charset="0"/>
               </a:rPr>
-              <a:t>()</a:t>
-            </a:r>
-            <a:endParaRPr kumimoji="0" lang="en-US" altLang="ru-RU" b="0" i="0" u="none" strike="noStrike" cap="none" normalizeH="0" baseline="0" dirty="0" smtClean="0">
-              <a:ln>
-                <a:noFill/>
-              </a:ln>
-              <a:solidFill>
-                <a:srgbClr val="000000"/>
-              </a:solidFill>
-              <a:effectLst/>
-              <a:latin typeface="Courier New" pitchFamily="49" charset="0"/>
-              <a:cs typeface="Courier New" pitchFamily="49" charset="0"/>
-            </a:endParaRPr>
-          </a:p>
-          <a:p>
-            <a:pPr lvl="0" defTabSz="914400" fontAlgn="base">
-              <a:spcBef>
-                <a:spcPct val="0"/>
-              </a:spcBef>
-              <a:spcAft>
-                <a:spcPct val="0"/>
-              </a:spcAft>
-            </a:pPr>
-            <a:r>
-              <a:rPr lang="en-US" altLang="ru-RU" dirty="0" smtClean="0">
-                <a:solidFill>
-                  <a:srgbClr val="000000"/>
-                </a:solidFill>
-                <a:latin typeface="Courier New" pitchFamily="49" charset="0"/>
-                <a:cs typeface="Courier New" pitchFamily="49" charset="0"/>
-              </a:rPr>
-              <a:t>        , </a:t>
-            </a:r>
-            <a:r>
-              <a:rPr lang="ru-RU" altLang="ru-RU" b="1" dirty="0">
-                <a:solidFill>
-                  <a:srgbClr val="008000"/>
-                </a:solidFill>
-                <a:latin typeface="Courier New" pitchFamily="49" charset="0"/>
-                <a:cs typeface="Courier New" pitchFamily="49" charset="0"/>
-              </a:rPr>
-              <a:t>"</a:t>
-            </a:r>
-            <a:r>
-              <a:rPr lang="ru-RU" altLang="ru-RU" b="1" dirty="0" smtClean="0">
-                <a:solidFill>
-                  <a:srgbClr val="008000"/>
-                </a:solidFill>
-                <a:latin typeface="Courier New" pitchFamily="49" charset="0"/>
-                <a:cs typeface="Courier New" pitchFamily="49" charset="0"/>
-              </a:rPr>
-              <a:t>Баланс не изменился, так как покупка не совершена"</a:t>
-            </a:r>
-            <a:r>
-              <a:rPr kumimoji="0" lang="ru-RU" altLang="ru-RU" b="0" i="0" u="none" strike="noStrike" cap="none" normalizeH="0" baseline="0" dirty="0" smtClean="0">
-                <a:ln>
-                  <a:noFill/>
-                </a:ln>
-                <a:solidFill>
-                  <a:srgbClr val="000000"/>
-                </a:solidFill>
-                <a:effectLst/>
-                <a:latin typeface="Courier New" pitchFamily="49" charset="0"/>
-                <a:cs typeface="Courier New" pitchFamily="49" charset="0"/>
-              </a:rPr>
-              <a:t>);</a:t>
-            </a:r>
-            <a:r>
-              <a:rPr kumimoji="0" lang="ru-RU" altLang="ru-RU" b="0" i="0" u="none" strike="noStrike" cap="none" normalizeH="0" baseline="0" dirty="0" smtClean="0">
-                <a:ln>
-                  <a:noFill/>
-                </a:ln>
-                <a:solidFill>
-                  <a:srgbClr val="000000"/>
-                </a:solidFill>
-                <a:effectLst/>
-                <a:latin typeface="Courier New" pitchFamily="49" charset="0"/>
-                <a:cs typeface="Courier New" pitchFamily="49" charset="0"/>
-              </a:rPr>
-              <a:t/>
+              <a:t>()),</a:t>
             </a:r>
             <a:br>
               <a:rPr kumimoji="0" lang="ru-RU" altLang="ru-RU" b="0" i="0" u="none" strike="noStrike" cap="none" normalizeH="0" baseline="0" dirty="0" smtClean="0">
@@ -39434,7 +39844,7 @@
                 <a:latin typeface="Courier New" pitchFamily="49" charset="0"/>
                 <a:cs typeface="Courier New" pitchFamily="49" charset="0"/>
               </a:rPr>
-              <a:t>    </a:t>
+              <a:t>            ()-&gt; </a:t>
             </a:r>
             <a:r>
               <a:rPr kumimoji="0" lang="ru-RU" altLang="ru-RU" b="0" i="1" u="none" strike="noStrike" cap="none" normalizeH="0" baseline="0" dirty="0" err="1" smtClean="0">
@@ -39532,114 +39942,116 @@
                 <a:latin typeface="Courier New" pitchFamily="49" charset="0"/>
                 <a:cs typeface="Courier New" pitchFamily="49" charset="0"/>
               </a:rPr>
-              <a:t>()</a:t>
-            </a:r>
-          </a:p>
-          <a:p>
-            <a:pPr lvl="0" defTabSz="914400" fontAlgn="base">
-              <a:spcBef>
-                <a:spcPct val="0"/>
-              </a:spcBef>
-              <a:spcAft>
-                <a:spcPct val="0"/>
-              </a:spcAft>
-            </a:pPr>
-            <a:r>
-              <a:rPr lang="ru-RU" altLang="ru-RU" dirty="0" smtClean="0">
-                <a:solidFill>
-                  <a:srgbClr val="000000"/>
-                </a:solidFill>
-                <a:latin typeface="Courier New" pitchFamily="49" charset="0"/>
-                <a:cs typeface="Courier New" pitchFamily="49" charset="0"/>
-              </a:rPr>
-              <a:t>       </a:t>
-            </a:r>
-            <a:r>
-              <a:rPr lang="en-US" altLang="ru-RU" dirty="0" smtClean="0">
-                <a:solidFill>
-                  <a:srgbClr val="000000"/>
-                </a:solidFill>
+              <a:t>())</a:t>
+            </a:r>
+            <a:br>
+              <a:rPr kumimoji="0" lang="ru-RU" altLang="ru-RU" b="0" i="0" u="none" strike="noStrike" cap="none" normalizeH="0" baseline="0" dirty="0" smtClean="0">
+                <a:ln>
+                  <a:noFill/>
+                </a:ln>
+                <a:solidFill>
+                  <a:srgbClr val="000000"/>
+                </a:solidFill>
+                <a:effectLst/>
+                <a:latin typeface="Courier New" pitchFamily="49" charset="0"/>
+                <a:cs typeface="Courier New" pitchFamily="49" charset="0"/>
+              </a:rPr>
+            </a:br>
+            <a:r>
+              <a:rPr kumimoji="0" lang="en-US" altLang="ru-RU" b="0" i="0" u="none" strike="noStrike" cap="none" normalizeH="0" baseline="0" dirty="0" smtClean="0">
+                <a:ln>
+                  <a:noFill/>
+                </a:ln>
+                <a:solidFill>
+                  <a:srgbClr val="000000"/>
+                </a:solidFill>
+                <a:effectLst/>
                 <a:latin typeface="Courier New" pitchFamily="49" charset="0"/>
                 <a:cs typeface="Courier New" pitchFamily="49" charset="0"/>
               </a:rPr>
               <a:t> </a:t>
             </a:r>
             <a:r>
-              <a:rPr lang="en-US" altLang="ru-RU" dirty="0">
-                <a:solidFill>
-                  <a:srgbClr val="000000"/>
-                </a:solidFill>
-                <a:latin typeface="Courier New" pitchFamily="49" charset="0"/>
-                <a:cs typeface="Courier New" pitchFamily="49" charset="0"/>
-              </a:rPr>
-              <a:t>, </a:t>
-            </a:r>
-            <a:r>
-              <a:rPr lang="ru-RU" altLang="ru-RU" b="1" dirty="0" smtClean="0">
-                <a:solidFill>
-                  <a:srgbClr val="008000"/>
-                </a:solidFill>
-                <a:latin typeface="Courier New" pitchFamily="49" charset="0"/>
-                <a:cs typeface="Courier New" pitchFamily="49" charset="0"/>
-              </a:rPr>
-              <a:t>"Список приобретённых товаров остался пустым"</a:t>
-            </a:r>
-            <a:r>
-              <a:rPr lang="ru-RU" altLang="ru-RU" dirty="0" smtClean="0">
-                <a:solidFill>
-                  <a:srgbClr val="000000"/>
-                </a:solidFill>
-                <a:latin typeface="Courier New" pitchFamily="49" charset="0"/>
-                <a:cs typeface="Courier New" pitchFamily="49" charset="0"/>
-              </a:rPr>
-              <a:t>);</a:t>
-            </a:r>
-            <a:r>
-              <a:rPr lang="ru-RU" altLang="ru-RU" dirty="0">
-                <a:solidFill>
-                  <a:srgbClr val="000000"/>
-                </a:solidFill>
-                <a:latin typeface="Courier New" pitchFamily="49" charset="0"/>
-                <a:cs typeface="Courier New" pitchFamily="49" charset="0"/>
-              </a:rPr>
-              <a:t/>
+              <a:rPr kumimoji="0" lang="ru-RU" altLang="ru-RU" b="0" i="0" u="none" strike="noStrike" cap="none" normalizeH="0" baseline="0" dirty="0" smtClean="0">
+                <a:ln>
+                  <a:noFill/>
+                </a:ln>
+                <a:solidFill>
+                  <a:srgbClr val="000000"/>
+                </a:solidFill>
+                <a:effectLst/>
+                <a:latin typeface="Courier New" pitchFamily="49" charset="0"/>
+                <a:cs typeface="Courier New" pitchFamily="49" charset="0"/>
+              </a:rPr>
+              <a:t>          )</a:t>
             </a:r>
             <a:br>
-              <a:rPr lang="ru-RU" altLang="ru-RU" dirty="0">
-                <a:solidFill>
-                  <a:srgbClr val="000000"/>
-                </a:solidFill>
+              <a:rPr kumimoji="0" lang="ru-RU" altLang="ru-RU" b="0" i="0" u="none" strike="noStrike" cap="none" normalizeH="0" baseline="0" dirty="0" smtClean="0">
+                <a:ln>
+                  <a:noFill/>
+                </a:ln>
+                <a:solidFill>
+                  <a:srgbClr val="000000"/>
+                </a:solidFill>
+                <a:effectLst/>
                 <a:latin typeface="Courier New" pitchFamily="49" charset="0"/>
                 <a:cs typeface="Courier New" pitchFamily="49" charset="0"/>
               </a:rPr>
             </a:br>
             <a:r>
-              <a:rPr kumimoji="0" lang="ru-RU" altLang="ru-RU" b="0" i="0" u="none" strike="noStrike" cap="none" normalizeH="0" baseline="0" dirty="0" smtClean="0">
-                <a:ln>
-                  <a:noFill/>
-                </a:ln>
-                <a:solidFill>
-                  <a:srgbClr val="000000"/>
-                </a:solidFill>
-                <a:effectLst/>
-                <a:latin typeface="Courier New" pitchFamily="49" charset="0"/>
-                <a:cs typeface="Courier New" pitchFamily="49" charset="0"/>
-              </a:rPr>
-              <a:t>  </a:t>
-            </a:r>
-            <a:r>
-              <a:rPr kumimoji="0" lang="ru-RU" altLang="ru-RU" b="0" i="0" u="none" strike="noStrike" cap="none" normalizeH="0" baseline="0" dirty="0" smtClean="0">
-                <a:ln>
-                  <a:noFill/>
-                </a:ln>
-                <a:solidFill>
-                  <a:srgbClr val="000000"/>
-                </a:solidFill>
-                <a:effectLst/>
-                <a:latin typeface="Courier New" pitchFamily="49" charset="0"/>
-                <a:cs typeface="Courier New" pitchFamily="49" charset="0"/>
-              </a:rPr>
-              <a:t>}</a:t>
+              <a:rPr kumimoji="0" lang="en-US" altLang="ru-RU" b="0" i="0" u="none" strike="noStrike" cap="none" normalizeH="0" baseline="0" dirty="0" smtClean="0">
+                <a:ln>
+                  <a:noFill/>
+                </a:ln>
+                <a:solidFill>
+                  <a:srgbClr val="000000"/>
+                </a:solidFill>
+                <a:effectLst/>
+                <a:latin typeface="Courier New" pitchFamily="49" charset="0"/>
+                <a:cs typeface="Courier New" pitchFamily="49" charset="0"/>
+              </a:rPr>
+              <a:t> </a:t>
+            </a:r>
+            <a:r>
+              <a:rPr kumimoji="0" lang="ru-RU" altLang="ru-RU" b="0" i="0" u="none" strike="noStrike" cap="none" normalizeH="0" baseline="0" dirty="0" smtClean="0">
+                <a:ln>
+                  <a:noFill/>
+                </a:ln>
+                <a:solidFill>
+                  <a:srgbClr val="000000"/>
+                </a:solidFill>
+                <a:effectLst/>
+                <a:latin typeface="Courier New" pitchFamily="49" charset="0"/>
+                <a:cs typeface="Courier New" pitchFamily="49" charset="0"/>
+              </a:rPr>
+              <a:t>   );</a:t>
+            </a:r>
+            <a:br>
+              <a:rPr kumimoji="0" lang="ru-RU" altLang="ru-RU" b="0" i="0" u="none" strike="noStrike" cap="none" normalizeH="0" baseline="0" dirty="0" smtClean="0">
+                <a:ln>
+                  <a:noFill/>
+                </a:ln>
+                <a:solidFill>
+                  <a:srgbClr val="000000"/>
+                </a:solidFill>
+                <a:effectLst/>
+                <a:latin typeface="Courier New" pitchFamily="49" charset="0"/>
+                <a:cs typeface="Courier New" pitchFamily="49" charset="0"/>
+              </a:rPr>
+            </a:br>
+            <a:r>
+              <a:rPr kumimoji="0" lang="ru-RU" altLang="ru-RU" b="0" i="0" u="none" strike="noStrike" cap="none" normalizeH="0" baseline="0" dirty="0" smtClean="0">
+                <a:ln>
+                  <a:noFill/>
+                </a:ln>
+                <a:solidFill>
+                  <a:srgbClr val="000000"/>
+                </a:solidFill>
+                <a:effectLst/>
+                <a:latin typeface="Courier New" pitchFamily="49" charset="0"/>
+                <a:cs typeface="Courier New" pitchFamily="49" charset="0"/>
+              </a:rPr>
+              <a:t>  }</a:t>
             </a:r>
             <a:br>
               <a:rPr kumimoji="0" lang="ru-RU" altLang="ru-RU" b="0" i="0" u="none" strike="noStrike" cap="none" normalizeH="0" baseline="0" dirty="0" smtClean="0">
@@ -39775,7 +40187,7 @@
       </p:sp>
       <p:sp>
         <p:nvSpPr>
-          <p:cNvPr id="3" name="Rectangle 2"/>
+          <p:cNvPr id="4" name="Rectangle 2"/>
           <p:cNvSpPr>
             <a:spLocks noChangeArrowheads="1"/>
           </p:cNvSpPr>
@@ -39783,8 +40195,8 @@
         </p:nvSpPr>
         <p:spPr bwMode="auto">
           <a:xfrm>
-            <a:off x="0" y="1166165"/>
-            <a:ext cx="8869736" cy="4801314"/>
+            <a:off x="0" y="1027729"/>
+            <a:ext cx="8731878" cy="5078313"/>
           </a:xfrm>
           <a:prstGeom prst="rect">
             <a:avLst/>
@@ -39890,7 +40302,7 @@
               </a:rPr>
             </a:br>
             <a:r>
-              <a:rPr kumimoji="0" lang="ru-RU" altLang="ru-RU" b="0" i="0" u="none" strike="noStrike" cap="none" normalizeH="0" baseline="0" dirty="0" smtClean="0">
+              <a:rPr kumimoji="0" lang="en-US" altLang="ru-RU" b="0" i="0" u="none" strike="noStrike" cap="none" normalizeH="0" baseline="0" dirty="0" smtClean="0">
                 <a:ln>
                   <a:noFill/>
                 </a:ln>
@@ -40085,7 +40497,7 @@
               </a:rPr>
             </a:br>
             <a:r>
-              <a:rPr kumimoji="0" lang="ru-RU" altLang="ru-RU" b="0" i="0" u="none" strike="noStrike" cap="none" normalizeH="0" baseline="0" dirty="0" smtClean="0">
+              <a:rPr kumimoji="0" lang="en-US" altLang="ru-RU" b="0" i="0" u="none" strike="noStrike" cap="none" normalizeH="0" baseline="0" dirty="0" smtClean="0">
                 <a:ln>
                   <a:noFill/>
                 </a:ln>
@@ -40429,7 +40841,77 @@
                 <a:latin typeface="Courier New" pitchFamily="49" charset="0"/>
                 <a:cs typeface="Courier New" pitchFamily="49" charset="0"/>
               </a:rPr>
-              <a:t>()</a:t>
+              <a:t>() </a:t>
+            </a:r>
+            <a:r>
+              <a:rPr kumimoji="0" lang="ru-RU" altLang="ru-RU" b="1" i="0" u="none" strike="noStrike" cap="none" normalizeH="0" baseline="0" dirty="0" err="1" smtClean="0">
+                <a:ln>
+                  <a:noFill/>
+                </a:ln>
+                <a:solidFill>
+                  <a:srgbClr val="000080"/>
+                </a:solidFill>
+                <a:effectLst/>
+                <a:latin typeface="Courier New" pitchFamily="49" charset="0"/>
+                <a:cs typeface="Courier New" pitchFamily="49" charset="0"/>
+              </a:rPr>
+              <a:t>throws</a:t>
+            </a:r>
+            <a:r>
+              <a:rPr kumimoji="0" lang="ru-RU" altLang="ru-RU" b="1" i="0" u="none" strike="noStrike" cap="none" normalizeH="0" baseline="0" dirty="0" smtClean="0">
+                <a:ln>
+                  <a:noFill/>
+                </a:ln>
+                <a:solidFill>
+                  <a:srgbClr val="000080"/>
+                </a:solidFill>
+                <a:effectLst/>
+                <a:latin typeface="Courier New" pitchFamily="49" charset="0"/>
+                <a:cs typeface="Courier New" pitchFamily="49" charset="0"/>
+              </a:rPr>
+              <a:t> </a:t>
+            </a:r>
+            <a:r>
+              <a:rPr kumimoji="0" lang="ru-RU" altLang="ru-RU" b="0" i="0" u="none" strike="noStrike" cap="none" normalizeH="0" baseline="0" dirty="0" err="1" smtClean="0">
+                <a:ln>
+                  <a:noFill/>
+                </a:ln>
+                <a:solidFill>
+                  <a:srgbClr val="000000"/>
+                </a:solidFill>
+                <a:effectLst/>
+                <a:latin typeface="Courier New" pitchFamily="49" charset="0"/>
+                <a:cs typeface="Courier New" pitchFamily="49" charset="0"/>
+              </a:rPr>
+              <a:t>InsufficientFundsE</a:t>
+            </a:r>
+            <a:r>
+              <a:rPr kumimoji="0" lang="en-US" altLang="ru-RU" b="0" i="0" u="none" strike="noStrike" cap="none" normalizeH="0" baseline="0" dirty="0" smtClean="0">
+                <a:ln>
+                  <a:noFill/>
+                </a:ln>
+                <a:solidFill>
+                  <a:srgbClr val="000000"/>
+                </a:solidFill>
+                <a:effectLst/>
+                <a:latin typeface="Courier New" pitchFamily="49" charset="0"/>
+                <a:cs typeface="Courier New" pitchFamily="49" charset="0"/>
+              </a:rPr>
+              <a:t>…</a:t>
+            </a:r>
+            <a:r>
+              <a:rPr kumimoji="0" lang="ru-RU" altLang="ru-RU" b="0" i="0" u="none" strike="noStrike" cap="none" normalizeH="0" baseline="0" dirty="0" smtClean="0">
+                <a:ln>
+                  <a:noFill/>
+                </a:ln>
+                <a:solidFill>
+                  <a:srgbClr val="000000"/>
+                </a:solidFill>
+                <a:effectLst/>
+                <a:latin typeface="Courier New" pitchFamily="49" charset="0"/>
+                <a:cs typeface="Courier New" pitchFamily="49" charset="0"/>
+              </a:rPr>
+              <a:t> {</a:t>
             </a:r>
             <a:br>
               <a:rPr kumimoji="0" lang="ru-RU" altLang="ru-RU" b="0" i="0" u="none" strike="noStrike" cap="none" normalizeH="0" baseline="0" dirty="0" smtClean="0">
@@ -40456,7 +40938,63 @@
                 <a:latin typeface="Courier New" pitchFamily="49" charset="0"/>
                 <a:cs typeface="Courier New" pitchFamily="49" charset="0"/>
               </a:rPr>
-              <a:t>          </a:t>
+              <a:t>    </a:t>
+            </a:r>
+            <a:r>
+              <a:rPr kumimoji="0" lang="ru-RU" altLang="ru-RU" b="0" i="0" u="none" strike="noStrike" cap="none" normalizeH="0" baseline="0" dirty="0" err="1" smtClean="0">
+                <a:ln>
+                  <a:noFill/>
+                </a:ln>
+                <a:solidFill>
+                  <a:srgbClr val="000000"/>
+                </a:solidFill>
+                <a:effectLst/>
+                <a:latin typeface="Courier New" pitchFamily="49" charset="0"/>
+                <a:cs typeface="Courier New" pitchFamily="49" charset="0"/>
+              </a:rPr>
+              <a:t>Item</a:t>
+            </a:r>
+            <a:r>
+              <a:rPr kumimoji="0" lang="ru-RU" altLang="ru-RU" b="0" i="0" u="none" strike="noStrike" cap="none" normalizeH="0" baseline="0" dirty="0" smtClean="0">
+                <a:ln>
+                  <a:noFill/>
+                </a:ln>
+                <a:solidFill>
+                  <a:srgbClr val="000000"/>
+                </a:solidFill>
+                <a:effectLst/>
+                <a:latin typeface="Courier New" pitchFamily="49" charset="0"/>
+                <a:cs typeface="Courier New" pitchFamily="49" charset="0"/>
+              </a:rPr>
+              <a:t> </a:t>
+            </a:r>
+            <a:r>
+              <a:rPr kumimoji="0" lang="ru-RU" altLang="ru-RU" b="0" i="0" u="none" strike="noStrike" cap="none" normalizeH="0" baseline="0" dirty="0" err="1" smtClean="0">
+                <a:ln>
+                  <a:noFill/>
+                </a:ln>
+                <a:solidFill>
+                  <a:srgbClr val="000000"/>
+                </a:solidFill>
+                <a:effectLst/>
+                <a:latin typeface="Courier New" pitchFamily="49" charset="0"/>
+                <a:cs typeface="Courier New" pitchFamily="49" charset="0"/>
+              </a:rPr>
+              <a:t>cake</a:t>
+            </a:r>
+            <a:r>
+              <a:rPr kumimoji="0" lang="ru-RU" altLang="ru-RU" b="0" i="0" u="none" strike="noStrike" cap="none" normalizeH="0" baseline="0" dirty="0" smtClean="0">
+                <a:ln>
+                  <a:noFill/>
+                </a:ln>
+                <a:solidFill>
+                  <a:srgbClr val="000000"/>
+                </a:solidFill>
+                <a:effectLst/>
+                <a:latin typeface="Courier New" pitchFamily="49" charset="0"/>
+                <a:cs typeface="Courier New" pitchFamily="49" charset="0"/>
+              </a:rPr>
+              <a:t> = </a:t>
             </a:r>
             <a:r>
               <a:rPr kumimoji="0" lang="ru-RU" altLang="ru-RU" b="1" i="0" u="none" strike="noStrike" cap="none" normalizeH="0" baseline="0" dirty="0" err="1" smtClean="0">
@@ -40470,7 +41008,7 @@
                 <a:latin typeface="Courier New" pitchFamily="49" charset="0"/>
                 <a:cs typeface="Courier New" pitchFamily="49" charset="0"/>
               </a:rPr>
-              <a:t>throws</a:t>
+              <a:t>new</a:t>
             </a:r>
             <a:r>
               <a:rPr kumimoji="0" lang="ru-RU" altLang="ru-RU" b="1" i="0" u="none" strike="noStrike" cap="none" normalizeH="0" baseline="0" dirty="0" smtClean="0">
@@ -40498,21 +41036,133 @@
                 <a:latin typeface="Courier New" pitchFamily="49" charset="0"/>
                 <a:cs typeface="Courier New" pitchFamily="49" charset="0"/>
               </a:rPr>
-              <a:t>InsufficientFundsException</a:t>
-            </a:r>
-            <a:r>
-              <a:rPr kumimoji="0" lang="ru-RU" altLang="ru-RU" b="0" i="0" u="none" strike="noStrike" cap="none" normalizeH="0" baseline="0" dirty="0" smtClean="0">
-                <a:ln>
-                  <a:noFill/>
-                </a:ln>
-                <a:solidFill>
-                  <a:srgbClr val="000000"/>
-                </a:solidFill>
-                <a:effectLst/>
-                <a:latin typeface="Courier New" pitchFamily="49" charset="0"/>
-                <a:cs typeface="Courier New" pitchFamily="49" charset="0"/>
-              </a:rPr>
-              <a:t> {</a:t>
+              <a:t>Item</a:t>
+            </a:r>
+            <a:r>
+              <a:rPr kumimoji="0" lang="ru-RU" altLang="ru-RU" b="0" i="0" u="none" strike="noStrike" cap="none" normalizeH="0" baseline="0" dirty="0" smtClean="0">
+                <a:ln>
+                  <a:noFill/>
+                </a:ln>
+                <a:solidFill>
+                  <a:srgbClr val="000000"/>
+                </a:solidFill>
+                <a:effectLst/>
+                <a:latin typeface="Courier New" pitchFamily="49" charset="0"/>
+                <a:cs typeface="Courier New" pitchFamily="49" charset="0"/>
+              </a:rPr>
+              <a:t>(</a:t>
+            </a:r>
+            <a:r>
+              <a:rPr kumimoji="0" lang="ru-RU" altLang="ru-RU" b="1" i="0" u="none" strike="noStrike" cap="none" normalizeH="0" baseline="0" dirty="0" smtClean="0">
+                <a:ln>
+                  <a:noFill/>
+                </a:ln>
+                <a:solidFill>
+                  <a:srgbClr val="008000"/>
+                </a:solidFill>
+                <a:effectLst/>
+                <a:latin typeface="Courier New" pitchFamily="49" charset="0"/>
+                <a:cs typeface="Courier New" pitchFamily="49" charset="0"/>
+              </a:rPr>
+              <a:t>"</a:t>
+            </a:r>
+            <a:r>
+              <a:rPr kumimoji="0" lang="ru-RU" altLang="ru-RU" b="1" i="0" u="none" strike="noStrike" cap="none" normalizeH="0" baseline="0" dirty="0" err="1" smtClean="0">
+                <a:ln>
+                  <a:noFill/>
+                </a:ln>
+                <a:solidFill>
+                  <a:srgbClr val="008000"/>
+                </a:solidFill>
+                <a:effectLst/>
+                <a:latin typeface="Courier New" pitchFamily="49" charset="0"/>
+                <a:cs typeface="Courier New" pitchFamily="49" charset="0"/>
+              </a:rPr>
+              <a:t>Cake</a:t>
+            </a:r>
+            <a:r>
+              <a:rPr kumimoji="0" lang="ru-RU" altLang="ru-RU" b="1" i="0" u="none" strike="noStrike" cap="none" normalizeH="0" baseline="0" dirty="0" smtClean="0">
+                <a:ln>
+                  <a:noFill/>
+                </a:ln>
+                <a:solidFill>
+                  <a:srgbClr val="008000"/>
+                </a:solidFill>
+                <a:effectLst/>
+                <a:latin typeface="Courier New" pitchFamily="49" charset="0"/>
+                <a:cs typeface="Courier New" pitchFamily="49" charset="0"/>
+              </a:rPr>
+              <a:t>"</a:t>
+            </a:r>
+            <a:r>
+              <a:rPr kumimoji="0" lang="ru-RU" altLang="ru-RU" b="0" i="0" u="none" strike="noStrike" cap="none" normalizeH="0" baseline="0" dirty="0" smtClean="0">
+                <a:ln>
+                  <a:noFill/>
+                </a:ln>
+                <a:solidFill>
+                  <a:srgbClr val="000000"/>
+                </a:solidFill>
+                <a:effectLst/>
+                <a:latin typeface="Courier New" pitchFamily="49" charset="0"/>
+                <a:cs typeface="Courier New" pitchFamily="49" charset="0"/>
+              </a:rPr>
+              <a:t>, </a:t>
+            </a:r>
+            <a:r>
+              <a:rPr kumimoji="0" lang="ru-RU" altLang="ru-RU" b="0" i="1" u="none" strike="noStrike" cap="none" normalizeH="0" baseline="0" dirty="0" err="1" smtClean="0">
+                <a:ln>
+                  <a:noFill/>
+                </a:ln>
+                <a:solidFill>
+                  <a:srgbClr val="000000"/>
+                </a:solidFill>
+                <a:effectLst/>
+                <a:latin typeface="Courier New" pitchFamily="49" charset="0"/>
+                <a:cs typeface="Courier New" pitchFamily="49" charset="0"/>
+              </a:rPr>
+              <a:t>valueOf</a:t>
+            </a:r>
+            <a:r>
+              <a:rPr kumimoji="0" lang="ru-RU" altLang="ru-RU" b="0" i="0" u="none" strike="noStrike" cap="none" normalizeH="0" baseline="0" dirty="0" smtClean="0">
+                <a:ln>
+                  <a:noFill/>
+                </a:ln>
+                <a:solidFill>
+                  <a:srgbClr val="000000"/>
+                </a:solidFill>
+                <a:effectLst/>
+                <a:latin typeface="Courier New" pitchFamily="49" charset="0"/>
+                <a:cs typeface="Courier New" pitchFamily="49" charset="0"/>
+              </a:rPr>
+              <a:t>(</a:t>
+            </a:r>
+            <a:r>
+              <a:rPr kumimoji="0" lang="ru-RU" altLang="ru-RU" b="0" i="0" u="none" strike="noStrike" cap="none" normalizeH="0" baseline="0" dirty="0" smtClean="0">
+                <a:ln>
+                  <a:noFill/>
+                </a:ln>
+                <a:solidFill>
+                  <a:srgbClr val="0000FF"/>
+                </a:solidFill>
+                <a:effectLst/>
+                <a:latin typeface="Courier New" pitchFamily="49" charset="0"/>
+                <a:cs typeface="Courier New" pitchFamily="49" charset="0"/>
+              </a:rPr>
+              <a:t>70</a:t>
+            </a:r>
+            <a:r>
+              <a:rPr kumimoji="0" lang="ru-RU" altLang="ru-RU" b="0" i="0" u="none" strike="noStrike" cap="none" normalizeH="0" baseline="0" dirty="0" smtClean="0">
+                <a:ln>
+                  <a:noFill/>
+                </a:ln>
+                <a:solidFill>
+                  <a:srgbClr val="000000"/>
+                </a:solidFill>
+                <a:effectLst/>
+                <a:latin typeface="Courier New" pitchFamily="49" charset="0"/>
+                <a:cs typeface="Courier New" pitchFamily="49" charset="0"/>
+              </a:rPr>
+              <a:t>));</a:t>
             </a:r>
             <a:br>
               <a:rPr kumimoji="0" lang="ru-RU" altLang="ru-RU" b="0" i="0" u="none" strike="noStrike" cap="none" normalizeH="0" baseline="0" dirty="0" smtClean="0">
@@ -40539,9 +41189,50 @@
                 <a:latin typeface="Courier New" pitchFamily="49" charset="0"/>
                 <a:cs typeface="Courier New" pitchFamily="49" charset="0"/>
               </a:rPr>
+              <a:t/>
+            </a:r>
+            <a:br>
+              <a:rPr kumimoji="0" lang="ru-RU" altLang="ru-RU" b="0" i="0" u="none" strike="noStrike" cap="none" normalizeH="0" baseline="0" dirty="0" smtClean="0">
+                <a:ln>
+                  <a:noFill/>
+                </a:ln>
+                <a:solidFill>
+                  <a:srgbClr val="000000"/>
+                </a:solidFill>
+                <a:effectLst/>
+                <a:latin typeface="Courier New" pitchFamily="49" charset="0"/>
+                <a:cs typeface="Courier New" pitchFamily="49" charset="0"/>
+              </a:rPr>
+            </a:br>
+            <a:r>
+              <a:rPr kumimoji="0" lang="ru-RU" altLang="ru-RU" b="0" i="0" u="none" strike="noStrike" cap="none" normalizeH="0" baseline="0" dirty="0" smtClean="0">
+                <a:ln>
+                  <a:noFill/>
+                </a:ln>
+                <a:solidFill>
+                  <a:srgbClr val="000000"/>
+                </a:solidFill>
+                <a:effectLst/>
+                <a:latin typeface="Courier New" pitchFamily="49" charset="0"/>
+                <a:cs typeface="Courier New" pitchFamily="49" charset="0"/>
+              </a:rPr>
               <a:t>    </a:t>
             </a:r>
             <a:r>
+              <a:rPr kumimoji="0" lang="ru-RU" altLang="ru-RU" b="1" i="0" u="none" strike="noStrike" cap="none" normalizeH="0" baseline="0" dirty="0" err="1" smtClean="0">
+                <a:ln>
+                  <a:noFill/>
+                </a:ln>
+                <a:solidFill>
+                  <a:srgbClr val="660E7A"/>
+                </a:solidFill>
+                <a:effectLst/>
+                <a:latin typeface="Courier New" pitchFamily="49" charset="0"/>
+                <a:cs typeface="Courier New" pitchFamily="49" charset="0"/>
+              </a:rPr>
+              <a:t>order</a:t>
+            </a:r>
+            <a:r>
               <a:rPr kumimoji="0" lang="ru-RU" altLang="ru-RU" b="0" i="0" u="none" strike="noStrike" cap="none" normalizeH="0" baseline="0" dirty="0" err="1" smtClean="0">
                 <a:ln>
                   <a:noFill/>
@@ -40553,21 +41244,21 @@
                 <a:latin typeface="Courier New" pitchFamily="49" charset="0"/>
                 <a:cs typeface="Courier New" pitchFamily="49" charset="0"/>
               </a:rPr>
-              <a:t>Item</a:t>
-            </a:r>
-            <a:r>
-              <a:rPr kumimoji="0" lang="ru-RU" altLang="ru-RU" b="0" i="0" u="none" strike="noStrike" cap="none" normalizeH="0" baseline="0" dirty="0" smtClean="0">
-                <a:ln>
-                  <a:noFill/>
-                </a:ln>
-                <a:solidFill>
-                  <a:srgbClr val="000000"/>
-                </a:solidFill>
-                <a:effectLst/>
-                <a:latin typeface="Courier New" pitchFamily="49" charset="0"/>
-                <a:cs typeface="Courier New" pitchFamily="49" charset="0"/>
-              </a:rPr>
-              <a:t> </a:t>
+              <a:t>.buyItem</a:t>
+            </a:r>
+            <a:r>
+              <a:rPr kumimoji="0" lang="ru-RU" altLang="ru-RU" b="0" i="0" u="none" strike="noStrike" cap="none" normalizeH="0" baseline="0" dirty="0" smtClean="0">
+                <a:ln>
+                  <a:noFill/>
+                </a:ln>
+                <a:solidFill>
+                  <a:srgbClr val="000000"/>
+                </a:solidFill>
+                <a:effectLst/>
+                <a:latin typeface="Courier New" pitchFamily="49" charset="0"/>
+                <a:cs typeface="Courier New" pitchFamily="49" charset="0"/>
+              </a:rPr>
+              <a:t>(</a:t>
             </a:r>
             <a:r>
               <a:rPr kumimoji="0" lang="ru-RU" altLang="ru-RU" b="0" i="0" u="none" strike="noStrike" cap="none" normalizeH="0" baseline="0" dirty="0" err="1" smtClean="0">
@@ -40595,7 +41286,7 @@
                 <a:latin typeface="Courier New" pitchFamily="49" charset="0"/>
                 <a:cs typeface="Courier New" pitchFamily="49" charset="0"/>
               </a:rPr>
-              <a:t> = </a:t>
+              <a:t>, </a:t>
             </a:r>
             <a:r>
               <a:rPr kumimoji="0" lang="ru-RU" altLang="ru-RU" b="1" i="0" u="none" strike="noStrike" cap="none" normalizeH="0" baseline="0" dirty="0" err="1" smtClean="0">
@@ -40603,27 +41294,192 @@
                   <a:noFill/>
                 </a:ln>
                 <a:solidFill>
-                  <a:srgbClr val="000080"/>
-                </a:solidFill>
-                <a:effectLst/>
-                <a:latin typeface="Courier New" pitchFamily="49" charset="0"/>
-                <a:cs typeface="Courier New" pitchFamily="49" charset="0"/>
-              </a:rPr>
-              <a:t>new</a:t>
-            </a:r>
-            <a:r>
-              <a:rPr kumimoji="0" lang="ru-RU" altLang="ru-RU" b="1" i="0" u="none" strike="noStrike" cap="none" normalizeH="0" baseline="0" dirty="0" smtClean="0">
-                <a:ln>
-                  <a:noFill/>
-                </a:ln>
-                <a:solidFill>
-                  <a:srgbClr val="000080"/>
-                </a:solidFill>
-                <a:effectLst/>
-                <a:latin typeface="Courier New" pitchFamily="49" charset="0"/>
-                <a:cs typeface="Courier New" pitchFamily="49" charset="0"/>
-              </a:rPr>
-              <a:t> </a:t>
+                  <a:srgbClr val="660E7A"/>
+                </a:solidFill>
+                <a:effectLst/>
+                <a:latin typeface="Courier New" pitchFamily="49" charset="0"/>
+                <a:cs typeface="Courier New" pitchFamily="49" charset="0"/>
+              </a:rPr>
+              <a:t>account</a:t>
+            </a:r>
+            <a:r>
+              <a:rPr kumimoji="0" lang="ru-RU" altLang="ru-RU" b="0" i="0" u="none" strike="noStrike" cap="none" normalizeH="0" baseline="0" dirty="0" smtClean="0">
+                <a:ln>
+                  <a:noFill/>
+                </a:ln>
+                <a:solidFill>
+                  <a:srgbClr val="000000"/>
+                </a:solidFill>
+                <a:effectLst/>
+                <a:latin typeface="Courier New" pitchFamily="49" charset="0"/>
+                <a:cs typeface="Courier New" pitchFamily="49" charset="0"/>
+              </a:rPr>
+              <a:t>);</a:t>
+            </a:r>
+            <a:br>
+              <a:rPr kumimoji="0" lang="ru-RU" altLang="ru-RU" b="0" i="0" u="none" strike="noStrike" cap="none" normalizeH="0" baseline="0" dirty="0" smtClean="0">
+                <a:ln>
+                  <a:noFill/>
+                </a:ln>
+                <a:solidFill>
+                  <a:srgbClr val="000000"/>
+                </a:solidFill>
+                <a:effectLst/>
+                <a:latin typeface="Courier New" pitchFamily="49" charset="0"/>
+                <a:cs typeface="Courier New" pitchFamily="49" charset="0"/>
+              </a:rPr>
+            </a:br>
+            <a:r>
+              <a:rPr kumimoji="0" lang="ru-RU" altLang="ru-RU" b="0" i="0" u="none" strike="noStrike" cap="none" normalizeH="0" baseline="0" dirty="0" smtClean="0">
+                <a:ln>
+                  <a:noFill/>
+                </a:ln>
+                <a:solidFill>
+                  <a:srgbClr val="000000"/>
+                </a:solidFill>
+                <a:effectLst/>
+                <a:latin typeface="Courier New" pitchFamily="49" charset="0"/>
+                <a:cs typeface="Courier New" pitchFamily="49" charset="0"/>
+              </a:rPr>
+              <a:t/>
+            </a:r>
+            <a:br>
+              <a:rPr kumimoji="0" lang="ru-RU" altLang="ru-RU" b="0" i="0" u="none" strike="noStrike" cap="none" normalizeH="0" baseline="0" dirty="0" smtClean="0">
+                <a:ln>
+                  <a:noFill/>
+                </a:ln>
+                <a:solidFill>
+                  <a:srgbClr val="000000"/>
+                </a:solidFill>
+                <a:effectLst/>
+                <a:latin typeface="Courier New" pitchFamily="49" charset="0"/>
+                <a:cs typeface="Courier New" pitchFamily="49" charset="0"/>
+              </a:rPr>
+            </a:br>
+            <a:r>
+              <a:rPr kumimoji="0" lang="ru-RU" altLang="ru-RU" b="0" i="0" u="none" strike="noStrike" cap="none" normalizeH="0" baseline="0" dirty="0" smtClean="0">
+                <a:ln>
+                  <a:noFill/>
+                </a:ln>
+                <a:solidFill>
+                  <a:srgbClr val="000000"/>
+                </a:solidFill>
+                <a:effectLst/>
+                <a:latin typeface="Courier New" pitchFamily="49" charset="0"/>
+                <a:cs typeface="Courier New" pitchFamily="49" charset="0"/>
+              </a:rPr>
+              <a:t>    </a:t>
+            </a:r>
+            <a:r>
+              <a:rPr kumimoji="0" lang="ru-RU" altLang="ru-RU" b="0" i="1" u="none" strike="noStrike" cap="none" normalizeH="0" baseline="0" dirty="0" err="1" smtClean="0">
+                <a:ln>
+                  <a:noFill/>
+                </a:ln>
+                <a:solidFill>
+                  <a:srgbClr val="000000"/>
+                </a:solidFill>
+                <a:effectLst/>
+                <a:latin typeface="Courier New" pitchFamily="49" charset="0"/>
+                <a:cs typeface="Courier New" pitchFamily="49" charset="0"/>
+              </a:rPr>
+              <a:t>assertAll</a:t>
+            </a:r>
+            <a:r>
+              <a:rPr kumimoji="0" lang="ru-RU" altLang="ru-RU" b="0" i="0" u="none" strike="noStrike" cap="none" normalizeH="0" baseline="0" dirty="0" smtClean="0">
+                <a:ln>
+                  <a:noFill/>
+                </a:ln>
+                <a:solidFill>
+                  <a:srgbClr val="000000"/>
+                </a:solidFill>
+                <a:effectLst/>
+                <a:latin typeface="Courier New" pitchFamily="49" charset="0"/>
+                <a:cs typeface="Courier New" pitchFamily="49" charset="0"/>
+              </a:rPr>
+              <a:t>(</a:t>
+            </a:r>
+            <a:br>
+              <a:rPr kumimoji="0" lang="ru-RU" altLang="ru-RU" b="0" i="0" u="none" strike="noStrike" cap="none" normalizeH="0" baseline="0" dirty="0" smtClean="0">
+                <a:ln>
+                  <a:noFill/>
+                </a:ln>
+                <a:solidFill>
+                  <a:srgbClr val="000000"/>
+                </a:solidFill>
+                <a:effectLst/>
+                <a:latin typeface="Courier New" pitchFamily="49" charset="0"/>
+                <a:cs typeface="Courier New" pitchFamily="49" charset="0"/>
+              </a:rPr>
+            </a:br>
+            <a:r>
+              <a:rPr kumimoji="0" lang="ru-RU" altLang="ru-RU" b="0" i="0" u="none" strike="noStrike" cap="none" normalizeH="0" baseline="0" dirty="0" smtClean="0">
+                <a:ln>
+                  <a:noFill/>
+                </a:ln>
+                <a:solidFill>
+                  <a:srgbClr val="000000"/>
+                </a:solidFill>
+                <a:effectLst/>
+                <a:latin typeface="Courier New" pitchFamily="49" charset="0"/>
+                <a:cs typeface="Courier New" pitchFamily="49" charset="0"/>
+              </a:rPr>
+              <a:t>      () -&gt; </a:t>
+            </a:r>
+            <a:r>
+              <a:rPr kumimoji="0" lang="ru-RU" altLang="ru-RU" b="0" i="1" u="none" strike="noStrike" cap="none" normalizeH="0" baseline="0" dirty="0" err="1" smtClean="0">
+                <a:ln>
+                  <a:noFill/>
+                </a:ln>
+                <a:solidFill>
+                  <a:srgbClr val="000000"/>
+                </a:solidFill>
+                <a:effectLst/>
+                <a:latin typeface="Courier New" pitchFamily="49" charset="0"/>
+                <a:cs typeface="Courier New" pitchFamily="49" charset="0"/>
+              </a:rPr>
+              <a:t>verify</a:t>
+            </a:r>
+            <a:r>
+              <a:rPr kumimoji="0" lang="ru-RU" altLang="ru-RU" b="0" i="0" u="none" strike="noStrike" cap="none" normalizeH="0" baseline="0" dirty="0" smtClean="0">
+                <a:ln>
+                  <a:noFill/>
+                </a:ln>
+                <a:solidFill>
+                  <a:srgbClr val="000000"/>
+                </a:solidFill>
+                <a:effectLst/>
+                <a:latin typeface="Courier New" pitchFamily="49" charset="0"/>
+                <a:cs typeface="Courier New" pitchFamily="49" charset="0"/>
+              </a:rPr>
+              <a:t>(</a:t>
+            </a:r>
+            <a:r>
+              <a:rPr kumimoji="0" lang="ru-RU" altLang="ru-RU" b="1" i="0" u="none" strike="noStrike" cap="none" normalizeH="0" baseline="0" dirty="0" err="1" smtClean="0">
+                <a:ln>
+                  <a:noFill/>
+                </a:ln>
+                <a:solidFill>
+                  <a:srgbClr val="660E7A"/>
+                </a:solidFill>
+                <a:effectLst/>
+                <a:latin typeface="Courier New" pitchFamily="49" charset="0"/>
+                <a:cs typeface="Courier New" pitchFamily="49" charset="0"/>
+              </a:rPr>
+              <a:t>account</a:t>
+            </a:r>
+            <a:r>
+              <a:rPr kumimoji="0" lang="ru-RU" altLang="ru-RU" b="0" i="0" u="none" strike="noStrike" cap="none" normalizeH="0" baseline="0" dirty="0" smtClean="0">
+                <a:ln>
+                  <a:noFill/>
+                </a:ln>
+                <a:solidFill>
+                  <a:srgbClr val="000000"/>
+                </a:solidFill>
+                <a:effectLst/>
+                <a:latin typeface="Courier New" pitchFamily="49" charset="0"/>
+                <a:cs typeface="Courier New" pitchFamily="49" charset="0"/>
+              </a:rPr>
+              <a:t>).</a:t>
             </a:r>
             <a:r>
               <a:rPr kumimoji="0" lang="ru-RU" altLang="ru-RU" b="0" i="0" u="none" strike="noStrike" cap="none" normalizeH="0" baseline="0" dirty="0" err="1" smtClean="0">
@@ -40637,7 +41493,7 @@
                 <a:latin typeface="Courier New" pitchFamily="49" charset="0"/>
                 <a:cs typeface="Courier New" pitchFamily="49" charset="0"/>
               </a:rPr>
-              <a:t>Item</a:t>
+              <a:t>withdraw</a:t>
             </a:r>
             <a:r>
               <a:rPr kumimoji="0" lang="ru-RU" altLang="ru-RU" b="0" i="0" u="none" strike="noStrike" cap="none" normalizeH="0" baseline="0" dirty="0" smtClean="0">
@@ -40654,18 +41510,101 @@
               <a:t>(</a:t>
             </a:r>
             <a:r>
-              <a:rPr kumimoji="0" lang="ru-RU" altLang="ru-RU" b="1" i="0" u="none" strike="noStrike" cap="none" normalizeH="0" baseline="0" dirty="0" smtClean="0">
-                <a:ln>
-                  <a:noFill/>
-                </a:ln>
-                <a:solidFill>
-                  <a:srgbClr val="008000"/>
-                </a:solidFill>
-                <a:effectLst/>
-                <a:latin typeface="Courier New" pitchFamily="49" charset="0"/>
-                <a:cs typeface="Courier New" pitchFamily="49" charset="0"/>
-              </a:rPr>
-              <a:t>"</a:t>
+              <a:rPr kumimoji="0" lang="ru-RU" altLang="ru-RU" b="0" i="0" u="none" strike="noStrike" cap="none" normalizeH="0" baseline="0" dirty="0" err="1" smtClean="0">
+                <a:ln>
+                  <a:noFill/>
+                </a:ln>
+                <a:solidFill>
+                  <a:srgbClr val="660E7A"/>
+                </a:solidFill>
+                <a:effectLst/>
+                <a:latin typeface="Courier New" pitchFamily="49" charset="0"/>
+                <a:cs typeface="Courier New" pitchFamily="49" charset="0"/>
+              </a:rPr>
+              <a:t>cake</a:t>
+            </a:r>
+            <a:r>
+              <a:rPr kumimoji="0" lang="ru-RU" altLang="ru-RU" b="0" i="0" u="none" strike="noStrike" cap="none" normalizeH="0" baseline="0" dirty="0" err="1" smtClean="0">
+                <a:ln>
+                  <a:noFill/>
+                </a:ln>
+                <a:solidFill>
+                  <a:srgbClr val="000000"/>
+                </a:solidFill>
+                <a:effectLst/>
+                <a:latin typeface="Courier New" pitchFamily="49" charset="0"/>
+                <a:cs typeface="Courier New" pitchFamily="49" charset="0"/>
+              </a:rPr>
+              <a:t>.getPrice</a:t>
+            </a:r>
+            <a:r>
+              <a:rPr kumimoji="0" lang="ru-RU" altLang="ru-RU" b="0" i="0" u="none" strike="noStrike" cap="none" normalizeH="0" baseline="0" dirty="0" smtClean="0">
+                <a:ln>
+                  <a:noFill/>
+                </a:ln>
+                <a:solidFill>
+                  <a:srgbClr val="000000"/>
+                </a:solidFill>
+                <a:effectLst/>
+                <a:latin typeface="Courier New" pitchFamily="49" charset="0"/>
+                <a:cs typeface="Courier New" pitchFamily="49" charset="0"/>
+              </a:rPr>
+              <a:t>()),</a:t>
+            </a:r>
+            <a:br>
+              <a:rPr kumimoji="0" lang="ru-RU" altLang="ru-RU" b="0" i="0" u="none" strike="noStrike" cap="none" normalizeH="0" baseline="0" dirty="0" smtClean="0">
+                <a:ln>
+                  <a:noFill/>
+                </a:ln>
+                <a:solidFill>
+                  <a:srgbClr val="000000"/>
+                </a:solidFill>
+                <a:effectLst/>
+                <a:latin typeface="Courier New" pitchFamily="49" charset="0"/>
+                <a:cs typeface="Courier New" pitchFamily="49" charset="0"/>
+              </a:rPr>
+            </a:br>
+            <a:r>
+              <a:rPr kumimoji="0" lang="ru-RU" altLang="ru-RU" b="0" i="0" u="none" strike="noStrike" cap="none" normalizeH="0" baseline="0" dirty="0" smtClean="0">
+                <a:ln>
+                  <a:noFill/>
+                </a:ln>
+                <a:solidFill>
+                  <a:srgbClr val="000000"/>
+                </a:solidFill>
+                <a:effectLst/>
+                <a:latin typeface="Courier New" pitchFamily="49" charset="0"/>
+                <a:cs typeface="Courier New" pitchFamily="49" charset="0"/>
+              </a:rPr>
+              <a:t>      () -&gt; </a:t>
+            </a:r>
+            <a:r>
+              <a:rPr kumimoji="0" lang="ru-RU" altLang="ru-RU" b="0" i="1" u="none" strike="noStrike" cap="none" normalizeH="0" baseline="0" dirty="0" err="1" smtClean="0">
+                <a:ln>
+                  <a:noFill/>
+                </a:ln>
+                <a:solidFill>
+                  <a:srgbClr val="000000"/>
+                </a:solidFill>
+                <a:effectLst/>
+                <a:latin typeface="Courier New" pitchFamily="49" charset="0"/>
+                <a:cs typeface="Courier New" pitchFamily="49" charset="0"/>
+              </a:rPr>
+              <a:t>assertTrue</a:t>
+            </a:r>
+            <a:r>
+              <a:rPr kumimoji="0" lang="ru-RU" altLang="ru-RU" b="0" i="0" u="none" strike="noStrike" cap="none" normalizeH="0" baseline="0" dirty="0" smtClean="0">
+                <a:ln>
+                  <a:noFill/>
+                </a:ln>
+                <a:solidFill>
+                  <a:srgbClr val="000000"/>
+                </a:solidFill>
+                <a:effectLst/>
+                <a:latin typeface="Courier New" pitchFamily="49" charset="0"/>
+                <a:cs typeface="Courier New" pitchFamily="49" charset="0"/>
+              </a:rPr>
+              <a:t>(</a:t>
             </a:r>
             <a:r>
               <a:rPr kumimoji="0" lang="ru-RU" altLang="ru-RU" b="1" i="0" u="none" strike="noStrike" cap="none" normalizeH="0" baseline="0" dirty="0" err="1" smtClean="0">
@@ -40673,55 +41612,55 @@
                   <a:noFill/>
                 </a:ln>
                 <a:solidFill>
-                  <a:srgbClr val="008000"/>
-                </a:solidFill>
-                <a:effectLst/>
-                <a:latin typeface="Courier New" pitchFamily="49" charset="0"/>
-                <a:cs typeface="Courier New" pitchFamily="49" charset="0"/>
-              </a:rPr>
-              <a:t>Cake</a:t>
-            </a:r>
-            <a:r>
-              <a:rPr kumimoji="0" lang="ru-RU" altLang="ru-RU" b="1" i="0" u="none" strike="noStrike" cap="none" normalizeH="0" baseline="0" dirty="0" smtClean="0">
-                <a:ln>
-                  <a:noFill/>
-                </a:ln>
-                <a:solidFill>
-                  <a:srgbClr val="008000"/>
-                </a:solidFill>
-                <a:effectLst/>
-                <a:latin typeface="Courier New" pitchFamily="49" charset="0"/>
-                <a:cs typeface="Courier New" pitchFamily="49" charset="0"/>
-              </a:rPr>
-              <a:t>"</a:t>
-            </a:r>
-            <a:r>
-              <a:rPr kumimoji="0" lang="ru-RU" altLang="ru-RU" b="0" i="0" u="none" strike="noStrike" cap="none" normalizeH="0" baseline="0" dirty="0" smtClean="0">
-                <a:ln>
-                  <a:noFill/>
-                </a:ln>
-                <a:solidFill>
-                  <a:srgbClr val="000000"/>
-                </a:solidFill>
-                <a:effectLst/>
-                <a:latin typeface="Courier New" pitchFamily="49" charset="0"/>
-                <a:cs typeface="Courier New" pitchFamily="49" charset="0"/>
-              </a:rPr>
-              <a:t>, </a:t>
-            </a:r>
-            <a:r>
-              <a:rPr kumimoji="0" lang="ru-RU" altLang="ru-RU" b="0" i="1" u="none" strike="noStrike" cap="none" normalizeH="0" baseline="0" dirty="0" err="1" smtClean="0">
-                <a:ln>
-                  <a:noFill/>
-                </a:ln>
-                <a:solidFill>
-                  <a:srgbClr val="000000"/>
-                </a:solidFill>
-                <a:effectLst/>
-                <a:latin typeface="Courier New" pitchFamily="49" charset="0"/>
-                <a:cs typeface="Courier New" pitchFamily="49" charset="0"/>
-              </a:rPr>
-              <a:t>valueOf</a:t>
+                  <a:srgbClr val="660E7A"/>
+                </a:solidFill>
+                <a:effectLst/>
+                <a:latin typeface="Courier New" pitchFamily="49" charset="0"/>
+                <a:cs typeface="Courier New" pitchFamily="49" charset="0"/>
+              </a:rPr>
+              <a:t>order</a:t>
+            </a:r>
+            <a:r>
+              <a:rPr kumimoji="0" lang="ru-RU" altLang="ru-RU" b="0" i="0" u="none" strike="noStrike" cap="none" normalizeH="0" baseline="0" dirty="0" err="1" smtClean="0">
+                <a:ln>
+                  <a:noFill/>
+                </a:ln>
+                <a:solidFill>
+                  <a:srgbClr val="000000"/>
+                </a:solidFill>
+                <a:effectLst/>
+                <a:latin typeface="Courier New" pitchFamily="49" charset="0"/>
+                <a:cs typeface="Courier New" pitchFamily="49" charset="0"/>
+              </a:rPr>
+              <a:t>.getItems</a:t>
+            </a:r>
+            <a:r>
+              <a:rPr kumimoji="0" lang="ru-RU" altLang="ru-RU" b="0" i="0" u="none" strike="noStrike" cap="none" normalizeH="0" baseline="0" dirty="0" smtClean="0">
+                <a:ln>
+                  <a:noFill/>
+                </a:ln>
+                <a:solidFill>
+                  <a:srgbClr val="000000"/>
+                </a:solidFill>
+                <a:effectLst/>
+                <a:latin typeface="Courier New" pitchFamily="49" charset="0"/>
+                <a:cs typeface="Courier New" pitchFamily="49" charset="0"/>
+              </a:rPr>
+              <a:t>().</a:t>
+            </a:r>
+            <a:r>
+              <a:rPr kumimoji="0" lang="ru-RU" altLang="ru-RU" b="0" i="0" u="none" strike="noStrike" cap="none" normalizeH="0" baseline="0" dirty="0" err="1" smtClean="0">
+                <a:ln>
+                  <a:noFill/>
+                </a:ln>
+                <a:solidFill>
+                  <a:srgbClr val="000000"/>
+                </a:solidFill>
+                <a:effectLst/>
+                <a:latin typeface="Courier New" pitchFamily="49" charset="0"/>
+                <a:cs typeface="Courier New" pitchFamily="49" charset="0"/>
+              </a:rPr>
+              <a:t>contains</a:t>
             </a:r>
             <a:r>
               <a:rPr kumimoji="0" lang="ru-RU" altLang="ru-RU" b="0" i="0" u="none" strike="noStrike" cap="none" normalizeH="0" baseline="0" dirty="0" smtClean="0">
@@ -40738,94 +41677,7 @@
               <a:t>(</a:t>
             </a:r>
             <a:r>
-              <a:rPr kumimoji="0" lang="ru-RU" altLang="ru-RU" b="0" i="0" u="none" strike="noStrike" cap="none" normalizeH="0" baseline="0" dirty="0" smtClean="0">
-                <a:ln>
-                  <a:noFill/>
-                </a:ln>
-                <a:solidFill>
-                  <a:srgbClr val="0000FF"/>
-                </a:solidFill>
-                <a:effectLst/>
-                <a:latin typeface="Courier New" pitchFamily="49" charset="0"/>
-                <a:cs typeface="Courier New" pitchFamily="49" charset="0"/>
-              </a:rPr>
-              <a:t>70</a:t>
-            </a:r>
-            <a:r>
-              <a:rPr kumimoji="0" lang="ru-RU" altLang="ru-RU" b="0" i="0" u="none" strike="noStrike" cap="none" normalizeH="0" baseline="0" dirty="0" smtClean="0">
-                <a:ln>
-                  <a:noFill/>
-                </a:ln>
-                <a:solidFill>
-                  <a:srgbClr val="000000"/>
-                </a:solidFill>
-                <a:effectLst/>
-                <a:latin typeface="Courier New" pitchFamily="49" charset="0"/>
-                <a:cs typeface="Courier New" pitchFamily="49" charset="0"/>
-              </a:rPr>
-              <a:t>));</a:t>
-            </a:r>
-          </a:p>
-          <a:p>
-            <a:pPr marL="0" marR="0" lvl="0" indent="0" algn="l" defTabSz="914400" rtl="0" eaLnBrk="1" fontAlgn="base" latinLnBrk="0" hangingPunct="1">
-              <a:lnSpc>
-                <a:spcPct val="100000"/>
-              </a:lnSpc>
-              <a:spcBef>
-                <a:spcPct val="0"/>
-              </a:spcBef>
-              <a:spcAft>
-                <a:spcPct val="0"/>
-              </a:spcAft>
-              <a:buClrTx/>
-              <a:buSzTx/>
-              <a:buFontTx/>
-              <a:buNone/>
-              <a:tabLst/>
-            </a:pPr>
-            <a:r>
-              <a:rPr kumimoji="0" lang="ru-RU" altLang="ru-RU" b="0" i="0" u="none" strike="noStrike" cap="none" normalizeH="0" baseline="0" dirty="0" smtClean="0">
-                <a:ln>
-                  <a:noFill/>
-                </a:ln>
-                <a:solidFill>
-                  <a:srgbClr val="000000"/>
-                </a:solidFill>
-                <a:effectLst/>
-                <a:latin typeface="Courier New" pitchFamily="49" charset="0"/>
-                <a:cs typeface="Courier New" pitchFamily="49" charset="0"/>
-              </a:rPr>
-              <a:t/>
-            </a:r>
-            <a:br>
-              <a:rPr kumimoji="0" lang="ru-RU" altLang="ru-RU" b="0" i="0" u="none" strike="noStrike" cap="none" normalizeH="0" baseline="0" dirty="0" smtClean="0">
-                <a:ln>
-                  <a:noFill/>
-                </a:ln>
-                <a:solidFill>
-                  <a:srgbClr val="000000"/>
-                </a:solidFill>
-                <a:effectLst/>
-                <a:latin typeface="Courier New" pitchFamily="49" charset="0"/>
-                <a:cs typeface="Courier New" pitchFamily="49" charset="0"/>
-              </a:rPr>
-            </a:br>
-            <a:r>
-              <a:rPr kumimoji="0" lang="ru-RU" altLang="ru-RU" b="0" i="0" u="none" strike="noStrike" cap="none" normalizeH="0" baseline="0" dirty="0" smtClean="0">
-                <a:ln>
-                  <a:noFill/>
-                </a:ln>
-                <a:solidFill>
-                  <a:srgbClr val="000000"/>
-                </a:solidFill>
-                <a:effectLst/>
-                <a:latin typeface="Courier New" pitchFamily="49" charset="0"/>
-                <a:cs typeface="Courier New" pitchFamily="49" charset="0"/>
-              </a:rPr>
-              <a:t>    </a:t>
-            </a:r>
-            <a:r>
-              <a:rPr kumimoji="0" lang="ru-RU" altLang="ru-RU" b="1" i="0" u="none" strike="noStrike" cap="none" normalizeH="0" baseline="0" dirty="0" err="1" smtClean="0">
+              <a:rPr kumimoji="0" lang="ru-RU" altLang="ru-RU" b="0" i="0" u="none" strike="noStrike" cap="none" normalizeH="0" baseline="0" dirty="0" err="1" smtClean="0">
                 <a:ln>
                   <a:noFill/>
                 </a:ln>
@@ -40836,48 +41688,6 @@
                 <a:latin typeface="Courier New" pitchFamily="49" charset="0"/>
                 <a:cs typeface="Courier New" pitchFamily="49" charset="0"/>
               </a:rPr>
-              <a:t>order</a:t>
-            </a:r>
-            <a:r>
-              <a:rPr kumimoji="0" lang="ru-RU" altLang="ru-RU" b="0" i="0" u="none" strike="noStrike" cap="none" normalizeH="0" baseline="0" dirty="0" err="1" smtClean="0">
-                <a:ln>
-                  <a:noFill/>
-                </a:ln>
-                <a:solidFill>
-                  <a:srgbClr val="000000"/>
-                </a:solidFill>
-                <a:effectLst/>
-                <a:latin typeface="Courier New" pitchFamily="49" charset="0"/>
-                <a:cs typeface="Courier New" pitchFamily="49" charset="0"/>
-              </a:rPr>
-              <a:t>.buyItem</a:t>
-            </a:r>
-            <a:r>
-              <a:rPr kumimoji="0" lang="ru-RU" altLang="ru-RU" b="0" i="0" u="none" strike="noStrike" cap="none" normalizeH="0" baseline="0" dirty="0" smtClean="0">
-                <a:ln>
-                  <a:noFill/>
-                </a:ln>
-                <a:solidFill>
-                  <a:srgbClr val="000000"/>
-                </a:solidFill>
-                <a:effectLst/>
-                <a:latin typeface="Courier New" pitchFamily="49" charset="0"/>
-                <a:cs typeface="Courier New" pitchFamily="49" charset="0"/>
-              </a:rPr>
-              <a:t>(</a:t>
-            </a:r>
-            <a:r>
-              <a:rPr kumimoji="0" lang="ru-RU" altLang="ru-RU" b="0" i="0" u="none" strike="noStrike" cap="none" normalizeH="0" baseline="0" dirty="0" err="1" smtClean="0">
-                <a:ln>
-                  <a:noFill/>
-                </a:ln>
-                <a:solidFill>
-                  <a:srgbClr val="000000"/>
-                </a:solidFill>
-                <a:effectLst/>
-                <a:latin typeface="Courier New" pitchFamily="49" charset="0"/>
-                <a:cs typeface="Courier New" pitchFamily="49" charset="0"/>
-              </a:rPr>
               <a:t>cake</a:t>
             </a:r>
             <a:r>
@@ -40892,50 +41702,9 @@
                 <a:latin typeface="Courier New" pitchFamily="49" charset="0"/>
                 <a:cs typeface="Courier New" pitchFamily="49" charset="0"/>
               </a:rPr>
-              <a:t>, </a:t>
-            </a:r>
-            <a:r>
-              <a:rPr kumimoji="0" lang="ru-RU" altLang="ru-RU" b="1" i="0" u="none" strike="noStrike" cap="none" normalizeH="0" baseline="0" dirty="0" err="1" smtClean="0">
-                <a:ln>
-                  <a:noFill/>
-                </a:ln>
-                <a:solidFill>
-                  <a:srgbClr val="660E7A"/>
-                </a:solidFill>
-                <a:effectLst/>
-                <a:latin typeface="Courier New" pitchFamily="49" charset="0"/>
-                <a:cs typeface="Courier New" pitchFamily="49" charset="0"/>
-              </a:rPr>
-              <a:t>account</a:t>
-            </a:r>
-            <a:r>
-              <a:rPr kumimoji="0" lang="ru-RU" altLang="ru-RU" b="0" i="0" u="none" strike="noStrike" cap="none" normalizeH="0" baseline="0" dirty="0" smtClean="0">
-                <a:ln>
-                  <a:noFill/>
-                </a:ln>
-                <a:solidFill>
-                  <a:srgbClr val="000000"/>
-                </a:solidFill>
-                <a:effectLst/>
-                <a:latin typeface="Courier New" pitchFamily="49" charset="0"/>
-                <a:cs typeface="Courier New" pitchFamily="49" charset="0"/>
-              </a:rPr>
-              <a:t>);</a:t>
-            </a:r>
-            <a:br>
-              <a:rPr kumimoji="0" lang="ru-RU" altLang="ru-RU" b="0" i="0" u="none" strike="noStrike" cap="none" normalizeH="0" baseline="0" dirty="0" smtClean="0">
-                <a:ln>
-                  <a:noFill/>
-                </a:ln>
-                <a:solidFill>
-                  <a:srgbClr val="000000"/>
-                </a:solidFill>
-                <a:effectLst/>
-                <a:latin typeface="Courier New" pitchFamily="49" charset="0"/>
-                <a:cs typeface="Courier New" pitchFamily="49" charset="0"/>
-              </a:rPr>
-            </a:br>
-            <a:endParaRPr kumimoji="0" lang="ru-RU" altLang="ru-RU" b="0" i="0" u="none" strike="noStrike" cap="none" normalizeH="0" baseline="0" dirty="0" smtClean="0">
+              <a:t>),</a:t>
+            </a:r>
+            <a:endParaRPr kumimoji="0" lang="en-US" altLang="ru-RU" b="0" i="0" u="none" strike="noStrike" cap="none" normalizeH="0" baseline="0" dirty="0" smtClean="0">
               <a:ln>
                 <a:noFill/>
               </a:ln>
@@ -40965,7 +41734,82 @@
               <a:tabLst/>
             </a:pPr>
             <a:r>
-              <a:rPr kumimoji="0" lang="ru-RU" altLang="ru-RU" b="0" i="0" u="none" strike="noStrike" cap="none" normalizeH="0" baseline="0" dirty="0" smtClean="0">
+              <a:rPr lang="en-US" altLang="ru-RU" dirty="0">
+                <a:solidFill>
+                  <a:srgbClr val="000000"/>
+                </a:solidFill>
+                <a:latin typeface="Courier New" pitchFamily="49" charset="0"/>
+                <a:cs typeface="Courier New" pitchFamily="49" charset="0"/>
+              </a:rPr>
+              <a:t> </a:t>
+            </a:r>
+            <a:r>
+              <a:rPr lang="en-US" altLang="ru-RU" dirty="0" smtClean="0">
+                <a:solidFill>
+                  <a:srgbClr val="000000"/>
+                </a:solidFill>
+                <a:latin typeface="Courier New" pitchFamily="49" charset="0"/>
+                <a:cs typeface="Courier New" pitchFamily="49" charset="0"/>
+              </a:rPr>
+              <a:t>           </a:t>
+            </a:r>
+            <a:r>
+              <a:rPr kumimoji="0" lang="ru-RU" altLang="ru-RU" b="0" i="0" u="none" strike="noStrike" cap="none" normalizeH="0" baseline="0" dirty="0" smtClean="0">
+                <a:ln>
+                  <a:noFill/>
+                </a:ln>
+                <a:solidFill>
+                  <a:srgbClr val="000000"/>
+                </a:solidFill>
+                <a:effectLst/>
+                <a:latin typeface="Courier New" pitchFamily="49" charset="0"/>
+                <a:cs typeface="Courier New" pitchFamily="49" charset="0"/>
+              </a:rPr>
+              <a:t> </a:t>
+            </a:r>
+            <a:r>
+              <a:rPr kumimoji="0" lang="ru-RU" altLang="ru-RU" b="1" i="0" u="none" strike="noStrike" cap="none" normalizeH="0" baseline="0" dirty="0" smtClean="0">
+                <a:ln>
+                  <a:noFill/>
+                </a:ln>
+                <a:solidFill>
+                  <a:srgbClr val="008000"/>
+                </a:solidFill>
+                <a:effectLst/>
+                <a:latin typeface="Courier New" pitchFamily="49" charset="0"/>
+                <a:cs typeface="Courier New" pitchFamily="49" charset="0"/>
+              </a:rPr>
+              <a:t>"Товар добавлен в список приобретённых"</a:t>
+            </a:r>
+            <a:r>
+              <a:rPr kumimoji="0" lang="ru-RU" altLang="ru-RU" b="0" i="0" u="none" strike="noStrike" cap="none" normalizeH="0" baseline="0" dirty="0" smtClean="0">
+                <a:ln>
+                  <a:noFill/>
+                </a:ln>
+                <a:solidFill>
+                  <a:srgbClr val="000000"/>
+                </a:solidFill>
+                <a:effectLst/>
+                <a:latin typeface="Courier New" pitchFamily="49" charset="0"/>
+                <a:cs typeface="Courier New" pitchFamily="49" charset="0"/>
+              </a:rPr>
+              <a:t>)</a:t>
+            </a:r>
+            <a:br>
+              <a:rPr kumimoji="0" lang="ru-RU" altLang="ru-RU" b="0" i="0" u="none" strike="noStrike" cap="none" normalizeH="0" baseline="0" dirty="0" smtClean="0">
+                <a:ln>
+                  <a:noFill/>
+                </a:ln>
+                <a:solidFill>
+                  <a:srgbClr val="000000"/>
+                </a:solidFill>
+                <a:effectLst/>
+                <a:latin typeface="Courier New" pitchFamily="49" charset="0"/>
+                <a:cs typeface="Courier New" pitchFamily="49" charset="0"/>
+              </a:rPr>
+            </a:br>
+            <a:r>
+              <a:rPr kumimoji="0" lang="en-US" altLang="ru-RU" b="0" i="0" u="none" strike="noStrike" cap="none" normalizeH="0" baseline="0" dirty="0" smtClean="0">
                 <a:ln>
                   <a:noFill/>
                 </a:ln>
@@ -40979,116 +41823,18 @@
               <a:t>    </a:t>
             </a:r>
             <a:r>
-              <a:rPr kumimoji="0" lang="ru-RU" altLang="ru-RU" b="0" i="1" u="none" strike="noStrike" cap="none" normalizeH="0" baseline="0" dirty="0" err="1" smtClean="0">
-                <a:ln>
-                  <a:noFill/>
-                </a:ln>
-                <a:solidFill>
-                  <a:srgbClr val="000000"/>
-                </a:solidFill>
-                <a:effectLst/>
-                <a:latin typeface="Courier New" pitchFamily="49" charset="0"/>
-                <a:cs typeface="Courier New" pitchFamily="49" charset="0"/>
-              </a:rPr>
-              <a:t>verify</a:t>
-            </a:r>
-            <a:r>
-              <a:rPr kumimoji="0" lang="ru-RU" altLang="ru-RU" b="0" i="0" u="none" strike="noStrike" cap="none" normalizeH="0" baseline="0" dirty="0" smtClean="0">
-                <a:ln>
-                  <a:noFill/>
-                </a:ln>
-                <a:solidFill>
-                  <a:srgbClr val="000000"/>
-                </a:solidFill>
-                <a:effectLst/>
-                <a:latin typeface="Courier New" pitchFamily="49" charset="0"/>
-                <a:cs typeface="Courier New" pitchFamily="49" charset="0"/>
-              </a:rPr>
-              <a:t>(</a:t>
-            </a:r>
-            <a:r>
-              <a:rPr kumimoji="0" lang="ru-RU" altLang="ru-RU" b="1" i="0" u="none" strike="noStrike" cap="none" normalizeH="0" baseline="0" dirty="0" err="1" smtClean="0">
-                <a:ln>
-                  <a:noFill/>
-                </a:ln>
-                <a:solidFill>
-                  <a:srgbClr val="660E7A"/>
-                </a:solidFill>
-                <a:effectLst/>
-                <a:latin typeface="Courier New" pitchFamily="49" charset="0"/>
-                <a:cs typeface="Courier New" pitchFamily="49" charset="0"/>
-              </a:rPr>
-              <a:t>account</a:t>
-            </a:r>
-            <a:r>
-              <a:rPr kumimoji="0" lang="ru-RU" altLang="ru-RU" b="0" i="0" u="none" strike="noStrike" cap="none" normalizeH="0" baseline="0" dirty="0" smtClean="0">
-                <a:ln>
-                  <a:noFill/>
-                </a:ln>
-                <a:solidFill>
-                  <a:srgbClr val="000000"/>
-                </a:solidFill>
-                <a:effectLst/>
-                <a:latin typeface="Courier New" pitchFamily="49" charset="0"/>
-                <a:cs typeface="Courier New" pitchFamily="49" charset="0"/>
-              </a:rPr>
-              <a:t>).</a:t>
-            </a:r>
-            <a:r>
-              <a:rPr kumimoji="0" lang="ru-RU" altLang="ru-RU" b="0" i="0" u="none" strike="noStrike" cap="none" normalizeH="0" baseline="0" dirty="0" err="1" smtClean="0">
-                <a:ln>
-                  <a:noFill/>
-                </a:ln>
-                <a:solidFill>
-                  <a:srgbClr val="000000"/>
-                </a:solidFill>
-                <a:effectLst/>
-                <a:latin typeface="Courier New" pitchFamily="49" charset="0"/>
-                <a:cs typeface="Courier New" pitchFamily="49" charset="0"/>
-              </a:rPr>
-              <a:t>withdraw</a:t>
-            </a:r>
-            <a:r>
-              <a:rPr kumimoji="0" lang="ru-RU" altLang="ru-RU" b="0" i="0" u="none" strike="noStrike" cap="none" normalizeH="0" baseline="0" dirty="0" smtClean="0">
-                <a:ln>
-                  <a:noFill/>
-                </a:ln>
-                <a:solidFill>
-                  <a:srgbClr val="000000"/>
-                </a:solidFill>
-                <a:effectLst/>
-                <a:latin typeface="Courier New" pitchFamily="49" charset="0"/>
-                <a:cs typeface="Courier New" pitchFamily="49" charset="0"/>
-              </a:rPr>
-              <a:t>(</a:t>
-            </a:r>
-            <a:r>
-              <a:rPr kumimoji="0" lang="ru-RU" altLang="ru-RU" b="0" i="0" u="none" strike="noStrike" cap="none" normalizeH="0" baseline="0" dirty="0" err="1" smtClean="0">
-                <a:ln>
-                  <a:noFill/>
-                </a:ln>
-                <a:solidFill>
-                  <a:srgbClr val="000000"/>
-                </a:solidFill>
-                <a:effectLst/>
-                <a:latin typeface="Courier New" pitchFamily="49" charset="0"/>
-                <a:cs typeface="Courier New" pitchFamily="49" charset="0"/>
-              </a:rPr>
-              <a:t>cake.getPrice</a:t>
-            </a:r>
-            <a:r>
-              <a:rPr kumimoji="0" lang="ru-RU" altLang="ru-RU" b="0" i="0" u="none" strike="noStrike" cap="none" normalizeH="0" baseline="0" dirty="0" smtClean="0">
-                <a:ln>
-                  <a:noFill/>
-                </a:ln>
-                <a:solidFill>
-                  <a:srgbClr val="000000"/>
-                </a:solidFill>
-                <a:effectLst/>
-                <a:latin typeface="Courier New" pitchFamily="49" charset="0"/>
-                <a:cs typeface="Courier New" pitchFamily="49" charset="0"/>
-              </a:rPr>
-              <a:t>());</a:t>
+              <a:rPr kumimoji="0" lang="ru-RU" altLang="ru-RU" b="0" i="0" u="none" strike="noStrike" cap="none" normalizeH="0" baseline="0" dirty="0" smtClean="0">
+                <a:ln>
+                  <a:noFill/>
+                </a:ln>
+                <a:solidFill>
+                  <a:srgbClr val="000000"/>
+                </a:solidFill>
+                <a:effectLst/>
+                <a:latin typeface="Courier New" pitchFamily="49" charset="0"/>
+                <a:cs typeface="Courier New" pitchFamily="49" charset="0"/>
+              </a:rPr>
+              <a:t>);</a:t>
             </a:r>
             <a:br>
               <a:rPr kumimoji="0" lang="ru-RU" altLang="ru-RU" b="0" i="0" u="none" strike="noStrike" cap="none" normalizeH="0" baseline="0" dirty="0" smtClean="0">
@@ -41115,197 +41861,7 @@
                 <a:latin typeface="Courier New" pitchFamily="49" charset="0"/>
                 <a:cs typeface="Courier New" pitchFamily="49" charset="0"/>
               </a:rPr>
-              <a:t>    </a:t>
-            </a:r>
-            <a:r>
-              <a:rPr kumimoji="0" lang="ru-RU" altLang="ru-RU" b="0" i="1" u="none" strike="noStrike" cap="none" normalizeH="0" baseline="0" dirty="0" err="1" smtClean="0">
-                <a:ln>
-                  <a:noFill/>
-                </a:ln>
-                <a:solidFill>
-                  <a:srgbClr val="000000"/>
-                </a:solidFill>
-                <a:effectLst/>
-                <a:latin typeface="Courier New" pitchFamily="49" charset="0"/>
-                <a:cs typeface="Courier New" pitchFamily="49" charset="0"/>
-              </a:rPr>
-              <a:t>assertTrue</a:t>
-            </a:r>
-            <a:r>
-              <a:rPr kumimoji="0" lang="ru-RU" altLang="ru-RU" b="0" i="0" u="none" strike="noStrike" cap="none" normalizeH="0" baseline="0" dirty="0" smtClean="0">
-                <a:ln>
-                  <a:noFill/>
-                </a:ln>
-                <a:solidFill>
-                  <a:srgbClr val="000000"/>
-                </a:solidFill>
-                <a:effectLst/>
-                <a:latin typeface="Courier New" pitchFamily="49" charset="0"/>
-                <a:cs typeface="Courier New" pitchFamily="49" charset="0"/>
-              </a:rPr>
-              <a:t>(</a:t>
-            </a:r>
-            <a:r>
-              <a:rPr kumimoji="0" lang="ru-RU" altLang="ru-RU" b="1" i="0" u="none" strike="noStrike" cap="none" normalizeH="0" baseline="0" dirty="0" err="1" smtClean="0">
-                <a:ln>
-                  <a:noFill/>
-                </a:ln>
-                <a:solidFill>
-                  <a:srgbClr val="660E7A"/>
-                </a:solidFill>
-                <a:effectLst/>
-                <a:latin typeface="Courier New" pitchFamily="49" charset="0"/>
-                <a:cs typeface="Courier New" pitchFamily="49" charset="0"/>
-              </a:rPr>
-              <a:t>order</a:t>
-            </a:r>
-            <a:r>
-              <a:rPr kumimoji="0" lang="ru-RU" altLang="ru-RU" b="0" i="0" u="none" strike="noStrike" cap="none" normalizeH="0" baseline="0" dirty="0" err="1" smtClean="0">
-                <a:ln>
-                  <a:noFill/>
-                </a:ln>
-                <a:solidFill>
-                  <a:srgbClr val="000000"/>
-                </a:solidFill>
-                <a:effectLst/>
-                <a:latin typeface="Courier New" pitchFamily="49" charset="0"/>
-                <a:cs typeface="Courier New" pitchFamily="49" charset="0"/>
-              </a:rPr>
-              <a:t>.getItems</a:t>
-            </a:r>
-            <a:r>
-              <a:rPr kumimoji="0" lang="ru-RU" altLang="ru-RU" b="0" i="0" u="none" strike="noStrike" cap="none" normalizeH="0" baseline="0" dirty="0" smtClean="0">
-                <a:ln>
-                  <a:noFill/>
-                </a:ln>
-                <a:solidFill>
-                  <a:srgbClr val="000000"/>
-                </a:solidFill>
-                <a:effectLst/>
-                <a:latin typeface="Courier New" pitchFamily="49" charset="0"/>
-                <a:cs typeface="Courier New" pitchFamily="49" charset="0"/>
-              </a:rPr>
-              <a:t>().</a:t>
-            </a:r>
-            <a:r>
-              <a:rPr kumimoji="0" lang="ru-RU" altLang="ru-RU" b="0" i="0" u="none" strike="noStrike" cap="none" normalizeH="0" baseline="0" dirty="0" err="1" smtClean="0">
-                <a:ln>
-                  <a:noFill/>
-                </a:ln>
-                <a:solidFill>
-                  <a:srgbClr val="000000"/>
-                </a:solidFill>
-                <a:effectLst/>
-                <a:latin typeface="Courier New" pitchFamily="49" charset="0"/>
-                <a:cs typeface="Courier New" pitchFamily="49" charset="0"/>
-              </a:rPr>
-              <a:t>contains</a:t>
-            </a:r>
-            <a:r>
-              <a:rPr kumimoji="0" lang="ru-RU" altLang="ru-RU" b="0" i="0" u="none" strike="noStrike" cap="none" normalizeH="0" baseline="0" dirty="0" smtClean="0">
-                <a:ln>
-                  <a:noFill/>
-                </a:ln>
-                <a:solidFill>
-                  <a:srgbClr val="000000"/>
-                </a:solidFill>
-                <a:effectLst/>
-                <a:latin typeface="Courier New" pitchFamily="49" charset="0"/>
-                <a:cs typeface="Courier New" pitchFamily="49" charset="0"/>
-              </a:rPr>
-              <a:t>(</a:t>
-            </a:r>
-            <a:r>
-              <a:rPr kumimoji="0" lang="ru-RU" altLang="ru-RU" b="0" i="0" u="none" strike="noStrike" cap="none" normalizeH="0" baseline="0" dirty="0" err="1" smtClean="0">
-                <a:ln>
-                  <a:noFill/>
-                </a:ln>
-                <a:solidFill>
-                  <a:srgbClr val="000000"/>
-                </a:solidFill>
-                <a:effectLst/>
-                <a:latin typeface="Courier New" pitchFamily="49" charset="0"/>
-                <a:cs typeface="Courier New" pitchFamily="49" charset="0"/>
-              </a:rPr>
-              <a:t>cake</a:t>
-            </a:r>
-            <a:r>
-              <a:rPr kumimoji="0" lang="ru-RU" altLang="ru-RU" b="0" i="0" u="none" strike="noStrike" cap="none" normalizeH="0" baseline="0" dirty="0" smtClean="0">
-                <a:ln>
-                  <a:noFill/>
-                </a:ln>
-                <a:solidFill>
-                  <a:srgbClr val="000000"/>
-                </a:solidFill>
-                <a:effectLst/>
-                <a:latin typeface="Courier New" pitchFamily="49" charset="0"/>
-                <a:cs typeface="Courier New" pitchFamily="49" charset="0"/>
-              </a:rPr>
-              <a:t>)</a:t>
-            </a:r>
-          </a:p>
-          <a:p>
-            <a:pPr lvl="0" defTabSz="914400" fontAlgn="base">
-              <a:spcBef>
-                <a:spcPct val="0"/>
-              </a:spcBef>
-              <a:spcAft>
-                <a:spcPct val="0"/>
-              </a:spcAft>
-            </a:pPr>
-            <a:r>
-              <a:rPr lang="ru-RU" altLang="ru-RU" dirty="0" smtClean="0">
-                <a:solidFill>
-                  <a:srgbClr val="000000"/>
-                </a:solidFill>
-                <a:latin typeface="Courier New" pitchFamily="49" charset="0"/>
-                <a:cs typeface="Courier New" pitchFamily="49" charset="0"/>
-              </a:rPr>
-              <a:t>        </a:t>
-            </a:r>
-            <a:r>
-              <a:rPr lang="en-US" altLang="ru-RU" dirty="0" smtClean="0">
-                <a:solidFill>
-                  <a:srgbClr val="000000"/>
-                </a:solidFill>
-                <a:latin typeface="Courier New" pitchFamily="49" charset="0"/>
-                <a:cs typeface="Courier New" pitchFamily="49" charset="0"/>
-              </a:rPr>
-              <a:t>, </a:t>
-            </a:r>
-            <a:r>
-              <a:rPr lang="ru-RU" altLang="ru-RU" b="1" dirty="0">
-                <a:solidFill>
-                  <a:srgbClr val="008000"/>
-                </a:solidFill>
-                <a:latin typeface="Courier New" pitchFamily="49" charset="0"/>
-                <a:cs typeface="Courier New" pitchFamily="49" charset="0"/>
-              </a:rPr>
-              <a:t>"Пирожное добавлено в список приобретённых товаров"</a:t>
-            </a:r>
-            <a:r>
-              <a:rPr lang="ru-RU" altLang="ru-RU" dirty="0">
-                <a:solidFill>
-                  <a:srgbClr val="000000"/>
-                </a:solidFill>
-                <a:latin typeface="Courier New" pitchFamily="49" charset="0"/>
-                <a:cs typeface="Courier New" pitchFamily="49" charset="0"/>
-              </a:rPr>
-              <a:t>);</a:t>
-            </a:r>
-            <a:r>
-              <a:rPr kumimoji="0" lang="ru-RU" altLang="ru-RU" b="0" i="0" u="none" strike="noStrike" cap="none" normalizeH="0" baseline="0" dirty="0" smtClean="0">
-                <a:ln>
-                  <a:noFill/>
-                </a:ln>
-                <a:solidFill>
-                  <a:srgbClr val="000000"/>
-                </a:solidFill>
-                <a:effectLst/>
-                <a:latin typeface="Courier New" pitchFamily="49" charset="0"/>
-                <a:cs typeface="Courier New" pitchFamily="49" charset="0"/>
-              </a:rPr>
-              <a:t/>
+              <a:t>  }</a:t>
             </a:r>
             <a:br>
               <a:rPr kumimoji="0" lang="ru-RU" altLang="ru-RU" b="0" i="0" u="none" strike="noStrike" cap="none" normalizeH="0" baseline="0" dirty="0" smtClean="0">
@@ -41321,34 +41877,7 @@
               </a:rPr>
             </a:br>
             <a:r>
-              <a:rPr kumimoji="0" lang="ru-RU" altLang="ru-RU" b="0" i="0" u="none" strike="noStrike" cap="none" normalizeH="0" baseline="0" dirty="0" smtClean="0">
-                <a:ln>
-                  <a:noFill/>
-                </a:ln>
-                <a:solidFill>
-                  <a:srgbClr val="000000"/>
-                </a:solidFill>
-                <a:effectLst/>
-                <a:latin typeface="Courier New" pitchFamily="49" charset="0"/>
-                <a:cs typeface="Courier New" pitchFamily="49" charset="0"/>
-              </a:rPr>
-              <a:t>  }</a:t>
-            </a:r>
-            <a:br>
-              <a:rPr kumimoji="0" lang="ru-RU" altLang="ru-RU" b="0" i="0" u="none" strike="noStrike" cap="none" normalizeH="0" baseline="0" dirty="0" smtClean="0">
-                <a:ln>
-                  <a:noFill/>
-                </a:ln>
-                <a:solidFill>
-                  <a:srgbClr val="000000"/>
-                </a:solidFill>
-                <a:effectLst/>
-                <a:latin typeface="Courier New" pitchFamily="49" charset="0"/>
-                <a:cs typeface="Courier New" pitchFamily="49" charset="0"/>
-              </a:rPr>
-            </a:br>
-            <a:r>
-              <a:rPr kumimoji="0" lang="ru-RU" altLang="ru-RU" b="0" i="0" u="none" strike="noStrike" cap="none" normalizeH="0" baseline="0" dirty="0" smtClean="0">
+              <a:rPr kumimoji="0" lang="en-US" altLang="ru-RU" b="0" i="0" u="none" strike="noStrike" cap="none" normalizeH="0" baseline="0" dirty="0" smtClean="0">
                 <a:ln>
                   <a:noFill/>
                 </a:ln>
@@ -41682,7 +42211,7 @@
   <a:extraClrSchemeLst/>
   <a:extLst>
     <a:ext uri="{05A4C25C-085E-4340-85A3-A5531E510DB2}">
-      <thm15:themeFamily xmlns="" xmlns:thm15="http://schemas.microsoft.com/office/thememl/2012/main" name="Office Theme" id="{62F939B6-93AF-4DB8-9C6B-D6C7DFDC589F}" vid="{4A3C46E8-61CC-4603-A589-7422A47A8E4A}"/>
+      <thm15:themeFamily xmlns:thm15="http://schemas.microsoft.com/office/thememl/2012/main" xmlns="" name="Office Theme" id="{62F939B6-93AF-4DB8-9C6B-D6C7DFDC589F}" vid="{4A3C46E8-61CC-4603-A589-7422A47A8E4A}"/>
     </a:ext>
   </a:extLst>
 </a:theme>
@@ -41943,7 +42472,7 @@
   <a:extraClrSchemeLst/>
   <a:extLst>
     <a:ext uri="{05A4C25C-085E-4340-85A3-A5531E510DB2}">
-      <thm15:themeFamily xmlns="" xmlns:thm15="http://schemas.microsoft.com/office/thememl/2012/main" name="Office Theme" id="{62F939B6-93AF-4DB8-9C6B-D6C7DFDC589F}" vid="{4A3C46E8-61CC-4603-A589-7422A47A8E4A}"/>
+      <thm15:themeFamily xmlns:thm15="http://schemas.microsoft.com/office/thememl/2012/main" xmlns="" name="Office Theme" id="{62F939B6-93AF-4DB8-9C6B-D6C7DFDC589F}" vid="{4A3C46E8-61CC-4603-A589-7422A47A8E4A}"/>
     </a:ext>
   </a:extLst>
 </a:theme>

--- a/automationqa-course/11.advanced/mockito/1.What is mockito/Зачем нужен mockito.pptx
+++ b/automationqa-course/11.advanced/mockito/1.What is mockito/Зачем нужен mockito.pptx
@@ -130,7 +130,7 @@
   </p:defaultTextStyle>
   <p:extLst>
     <p:ext uri="{EFAFB233-063F-42B5-8137-9DF3F51BA10A}">
-      <p15:sldGuideLst xmlns:p15="http://schemas.microsoft.com/office/powerpoint/2012/main" xmlns="">
+      <p15:sldGuideLst xmlns="" xmlns:p15="http://schemas.microsoft.com/office/powerpoint/2012/main">
         <p15:guide id="1" orient="horz" pos="2160" userDrawn="1">
           <p15:clr>
             <a:srgbClr val="A4A3A4"/>
@@ -2463,11 +2463,11 @@
         </c:dLbls>
         <c:marker val="1"/>
         <c:smooth val="0"/>
-        <c:axId val="110290048"/>
-        <c:axId val="110291584"/>
+        <c:axId val="61203200"/>
+        <c:axId val="61204736"/>
       </c:lineChart>
       <c:catAx>
-        <c:axId val="110290048"/>
+        <c:axId val="61203200"/>
         <c:scaling>
           <c:orientation val="minMax"/>
         </c:scaling>
@@ -2486,7 +2486,7 @@
             <a:endParaRPr lang="ru-RU"/>
           </a:p>
         </c:txPr>
-        <c:crossAx val="110291584"/>
+        <c:crossAx val="61204736"/>
         <c:crosses val="autoZero"/>
         <c:auto val="1"/>
         <c:lblAlgn val="ctr"/>
@@ -2494,7 +2494,7 @@
         <c:noMultiLvlLbl val="0"/>
       </c:catAx>
       <c:valAx>
-        <c:axId val="110291584"/>
+        <c:axId val="61204736"/>
         <c:scaling>
           <c:orientation val="minMax"/>
           <c:max val="100"/>
@@ -2516,7 +2516,7 @@
             <a:endParaRPr lang="ru-RU"/>
           </a:p>
         </c:txPr>
-        <c:crossAx val="110290048"/>
+        <c:crossAx val="61203200"/>
         <c:crosses val="autoZero"/>
         <c:crossBetween val="between"/>
       </c:valAx>
@@ -2528,7 +2528,6 @@
     </c:plotArea>
     <c:legend>
       <c:legendPos val="r"/>
-      <c:layout/>
       <c:overlay val="0"/>
       <c:txPr>
         <a:bodyPr/>
@@ -2633,7 +2632,7 @@
           <a:p>
             <a:fld id="{CEC9B840-452B-4B18-A029-1B409955EDB4}" type="datetimeFigureOut">
               <a:rPr lang="ru-RU" smtClean="0"/>
-              <a:t>29.05.2018</a:t>
+              <a:t>30.05.2018</a:t>
             </a:fld>
             <a:endParaRPr lang="ru-RU"/>
           </a:p>
@@ -19495,14 +19494,14 @@
       </p:sp>
       <p:sp>
         <p:nvSpPr>
-          <p:cNvPr id="2" name="Прямоугольник 1"/>
+          <p:cNvPr id="4" name="Прямоугольник 3"/>
           <p:cNvSpPr/>
           <p:nvPr/>
         </p:nvSpPr>
         <p:spPr>
           <a:xfrm>
-            <a:off x="0" y="2068551"/>
-            <a:ext cx="9144000" cy="2031325"/>
+            <a:off x="0" y="1859340"/>
+            <a:ext cx="9144000" cy="1938992"/>
           </a:xfrm>
           <a:prstGeom prst="rect">
             <a:avLst/>
@@ -19515,21 +19514,33 @@
           <a:lstStyle/>
           <a:p>
             <a:r>
-              <a:rPr lang="en-US" b="1" dirty="0"/>
+              <a:rPr lang="en-US" sz="2000" dirty="0">
+                <a:solidFill>
+                  <a:srgbClr val="FF0000"/>
+                </a:solidFill>
+              </a:rPr>
               <a:t>Argument(s) are different! Wanted:</a:t>
             </a:r>
           </a:p>
           <a:p>
             <a:r>
-              <a:rPr lang="en-US" b="1" dirty="0" err="1"/>
+              <a:rPr lang="en-US" sz="2000" dirty="0" err="1">
+                <a:solidFill>
+                  <a:srgbClr val="FF0000"/>
+                </a:solidFill>
+              </a:rPr>
               <a:t>bankAccount.withdraw</a:t>
             </a:r>
             <a:r>
-              <a:rPr lang="en-US" b="1" dirty="0"/>
+              <a:rPr lang="en-US" sz="2000" dirty="0">
+                <a:solidFill>
+                  <a:srgbClr val="FF0000"/>
+                </a:solidFill>
+              </a:rPr>
               <a:t>(</a:t>
             </a:r>
             <a:r>
-              <a:rPr lang="en-US" b="1" dirty="0">
+              <a:rPr lang="en-US" sz="2000" b="1" dirty="0">
                 <a:solidFill>
                   <a:srgbClr val="FF0000"/>
                 </a:solidFill>
@@ -19537,70 +19548,90 @@
               <a:t>70</a:t>
             </a:r>
             <a:r>
-              <a:rPr lang="en-US" b="1" dirty="0"/>
+              <a:rPr lang="en-US" sz="2000" dirty="0">
+                <a:solidFill>
+                  <a:srgbClr val="FF0000"/>
+                </a:solidFill>
+              </a:rPr>
               <a:t>);</a:t>
             </a:r>
           </a:p>
           <a:p>
             <a:r>
-              <a:rPr lang="en-US" dirty="0"/>
-              <a:t>-&gt; </a:t>
-            </a:r>
-            <a:r>
-              <a:rPr lang="en-US" dirty="0" smtClean="0"/>
-              <a:t>at</a:t>
-            </a:r>
-            <a:r>
-              <a:rPr lang="ru-RU" dirty="0" smtClean="0"/>
-              <a:t> </a:t>
-            </a:r>
-            <a:r>
-              <a:rPr lang="en-US" dirty="0"/>
-              <a:t>ru.sbtqa.tutorials.advanced.mockito.OrderTest.testSucceedIfEnoughFunds(OrderTest.java:56)</a:t>
+              <a:rPr lang="en-US" sz="2000" dirty="0"/>
+              <a:t>-&gt; at </a:t>
+            </a:r>
+            <a:r>
+              <a:rPr lang="en-US" sz="2000" dirty="0" smtClean="0"/>
+              <a:t>r.s.t.a.m.OrderTest.lambda$testSucceedIfEnoughFunds$0(OrderTest.java:90</a:t>
+            </a:r>
+            <a:r>
+              <a:rPr lang="en-US" sz="2000" dirty="0"/>
+              <a:t>)</a:t>
             </a:r>
           </a:p>
           <a:p>
             <a:r>
-              <a:rPr lang="en-US" b="1" dirty="0"/>
+              <a:rPr lang="en-US" sz="2000" dirty="0">
+                <a:solidFill>
+                  <a:srgbClr val="FF0000"/>
+                </a:solidFill>
+              </a:rPr>
               <a:t>Actual invocation has different arguments:</a:t>
             </a:r>
           </a:p>
           <a:p>
             <a:r>
-              <a:rPr lang="en-US" b="1" dirty="0" err="1"/>
+              <a:rPr lang="en-US" sz="2000" dirty="0" err="1">
+                <a:solidFill>
+                  <a:srgbClr val="FF0000"/>
+                </a:solidFill>
+              </a:rPr>
               <a:t>bankAccount.withdraw</a:t>
             </a:r>
             <a:r>
-              <a:rPr lang="en-US" b="1" dirty="0"/>
+              <a:rPr lang="en-US" sz="2000" dirty="0">
+                <a:solidFill>
+                  <a:srgbClr val="FF0000"/>
+                </a:solidFill>
+              </a:rPr>
               <a:t>(</a:t>
             </a:r>
             <a:r>
-              <a:rPr lang="en-US" b="1" dirty="0">
+              <a:rPr lang="en-US" sz="2000" b="1" dirty="0">
                 <a:solidFill>
                   <a:srgbClr val="FF0000"/>
                 </a:solidFill>
               </a:rPr>
-              <a:t>71</a:t>
-            </a:r>
-            <a:r>
-              <a:rPr lang="en-US" b="1" dirty="0"/>
+              <a:t>100</a:t>
+            </a:r>
+            <a:r>
+              <a:rPr lang="en-US" sz="2000" dirty="0">
+                <a:solidFill>
+                  <a:srgbClr val="FF0000"/>
+                </a:solidFill>
+              </a:rPr>
               <a:t>);</a:t>
             </a:r>
           </a:p>
           <a:p>
             <a:r>
-              <a:rPr lang="en-US" dirty="0"/>
+              <a:rPr lang="en-US" sz="2000" dirty="0"/>
               <a:t>-&gt; at </a:t>
             </a:r>
             <a:r>
-              <a:rPr lang="en-US" dirty="0" err="1"/>
-              <a:t>ru.sbtqa.tutorials.advanced.mockito.Order.buyItem</a:t>
-            </a:r>
-            <a:r>
-              <a:rPr lang="en-US" dirty="0"/>
-              <a:t>(Order.java:22)</a:t>
-            </a:r>
-            <a:endParaRPr lang="ru-RU" dirty="0"/>
+              <a:rPr lang="en-US" sz="2000" dirty="0" err="1" smtClean="0"/>
+              <a:t>r.s.t.a.m.Order.buyItem</a:t>
+            </a:r>
+            <a:r>
+              <a:rPr lang="en-US" sz="2000" dirty="0" smtClean="0"/>
+              <a:t>(Order.java:47</a:t>
+            </a:r>
+            <a:r>
+              <a:rPr lang="en-US" sz="2000" dirty="0"/>
+              <a:t>)</a:t>
+            </a:r>
+            <a:endParaRPr lang="ru-RU" sz="2000" dirty="0"/>
           </a:p>
         </p:txBody>
       </p:sp>
@@ -19697,14 +19728,14 @@
       </p:sp>
       <p:sp>
         <p:nvSpPr>
-          <p:cNvPr id="3" name="Прямоугольник 2"/>
+          <p:cNvPr id="4" name="Прямоугольник 3"/>
           <p:cNvSpPr/>
           <p:nvPr/>
         </p:nvSpPr>
         <p:spPr>
           <a:xfrm>
             <a:off x="0" y="2274838"/>
-            <a:ext cx="9144000" cy="1477328"/>
+            <a:ext cx="9144000" cy="1323439"/>
           </a:xfrm>
           <a:prstGeom prst="rect">
             <a:avLst/>
@@ -19717,65 +19748,57 @@
           <a:lstStyle/>
           <a:p>
             <a:r>
-              <a:rPr lang="en-US" b="1" dirty="0"/>
+              <a:rPr lang="en-US" sz="2000" dirty="0">
+                <a:solidFill>
+                  <a:srgbClr val="FF0000"/>
+                </a:solidFill>
+              </a:rPr>
               <a:t>Wanted but not invoked:</a:t>
             </a:r>
           </a:p>
           <a:p>
             <a:r>
-              <a:rPr lang="en-US" b="1" dirty="0" err="1"/>
+              <a:rPr lang="en-US" sz="2000" dirty="0" err="1">
+                <a:solidFill>
+                  <a:srgbClr val="FF0000"/>
+                </a:solidFill>
+              </a:rPr>
               <a:t>bankAccount.withdraw</a:t>
             </a:r>
             <a:r>
-              <a:rPr lang="en-US" b="1" dirty="0"/>
-              <a:t>(</a:t>
-            </a:r>
-            <a:r>
-              <a:rPr lang="en-US" b="1" dirty="0">
+              <a:rPr lang="en-US" sz="2000" dirty="0">
                 <a:solidFill>
                   <a:srgbClr val="FF0000"/>
                 </a:solidFill>
               </a:rPr>
-              <a:t>70</a:t>
-            </a:r>
-            <a:r>
-              <a:rPr lang="en-US" b="1" dirty="0"/>
-              <a:t>);</a:t>
+              <a:t>(70);</a:t>
             </a:r>
           </a:p>
           <a:p>
             <a:r>
-              <a:rPr lang="en-US" dirty="0"/>
+              <a:rPr lang="en-US" sz="2000" dirty="0"/>
               <a:t>-&gt; at </a:t>
             </a:r>
             <a:r>
-              <a:rPr lang="en-US" dirty="0" err="1"/>
-              <a:t>ru.sbtqa.tutorials.advanced.mockito</a:t>
-            </a:r>
-            <a:r>
-              <a:rPr lang="en-US" dirty="0" smtClean="0"/>
-              <a:t>. </a:t>
-            </a:r>
-            <a:r>
-              <a:rPr lang="en-US" dirty="0" err="1" smtClean="0"/>
-              <a:t>OrderTest.testSucceedIfEnoughFunds</a:t>
-            </a:r>
-            <a:r>
-              <a:rPr lang="en-US" dirty="0" smtClean="0"/>
-              <a:t>(OrderTest.java:56</a:t>
-            </a:r>
-            <a:r>
-              <a:rPr lang="en-US" dirty="0"/>
+              <a:rPr lang="en-US" sz="2000" dirty="0" smtClean="0"/>
+              <a:t>r.s.t.a.m.OrderTest.lambda$testSucceedIfEnoughFunds$0(OrderTest.java:90</a:t>
+            </a:r>
+            <a:r>
+              <a:rPr lang="en-US" sz="2000" dirty="0"/>
               <a:t>)</a:t>
             </a:r>
           </a:p>
           <a:p>
             <a:r>
-              <a:rPr lang="en-US" b="1" dirty="0"/>
+              <a:rPr lang="en-US" sz="2000" dirty="0">
+                <a:solidFill>
+                  <a:srgbClr val="FF0000"/>
+                </a:solidFill>
+              </a:rPr>
               <a:t>Actually, there were </a:t>
             </a:r>
             <a:r>
-              <a:rPr lang="en-US" b="1" dirty="0">
+              <a:rPr lang="en-US" sz="2000" b="1" dirty="0">
                 <a:solidFill>
                   <a:srgbClr val="FF0000"/>
                 </a:solidFill>
@@ -19783,10 +19806,18 @@
               <a:t>zero</a:t>
             </a:r>
             <a:r>
-              <a:rPr lang="en-US" b="1" dirty="0"/>
+              <a:rPr lang="en-US" sz="2000" dirty="0">
+                <a:solidFill>
+                  <a:srgbClr val="FF0000"/>
+                </a:solidFill>
+              </a:rPr>
               <a:t> interactions with this mock.</a:t>
             </a:r>
-            <a:endParaRPr lang="ru-RU" b="1" dirty="0"/>
+            <a:endParaRPr lang="ru-RU" sz="2000" dirty="0">
+              <a:solidFill>
+                <a:srgbClr val="FF0000"/>
+              </a:solidFill>
+            </a:endParaRPr>
           </a:p>
         </p:txBody>
       </p:sp>
@@ -42211,7 +42242,7 @@
   <a:extraClrSchemeLst/>
   <a:extLst>
     <a:ext uri="{05A4C25C-085E-4340-85A3-A5531E510DB2}">
-      <thm15:themeFamily xmlns:thm15="http://schemas.microsoft.com/office/thememl/2012/main" xmlns="" name="Office Theme" id="{62F939B6-93AF-4DB8-9C6B-D6C7DFDC589F}" vid="{4A3C46E8-61CC-4603-A589-7422A47A8E4A}"/>
+      <thm15:themeFamily xmlns="" xmlns:thm15="http://schemas.microsoft.com/office/thememl/2012/main" name="Office Theme" id="{62F939B6-93AF-4DB8-9C6B-D6C7DFDC589F}" vid="{4A3C46E8-61CC-4603-A589-7422A47A8E4A}"/>
     </a:ext>
   </a:extLst>
 </a:theme>
@@ -42472,7 +42503,7 @@
   <a:extraClrSchemeLst/>
   <a:extLst>
     <a:ext uri="{05A4C25C-085E-4340-85A3-A5531E510DB2}">
-      <thm15:themeFamily xmlns:thm15="http://schemas.microsoft.com/office/thememl/2012/main" xmlns="" name="Office Theme" id="{62F939B6-93AF-4DB8-9C6B-D6C7DFDC589F}" vid="{4A3C46E8-61CC-4603-A589-7422A47A8E4A}"/>
+      <thm15:themeFamily xmlns="" xmlns:thm15="http://schemas.microsoft.com/office/thememl/2012/main" name="Office Theme" id="{62F939B6-93AF-4DB8-9C6B-D6C7DFDC589F}" vid="{4A3C46E8-61CC-4603-A589-7422A47A8E4A}"/>
     </a:ext>
   </a:extLst>
 </a:theme>
